--- a/Machacek.pptx
+++ b/Machacek.pptx
@@ -6513,6 +6513,10 @@
           <a:bodyPr/>
           <a:lstStyle/>
           <a:p>
+            <a:r>
+              <a:rPr lang="cs-CZ"/>
+              <a:t>  </a:t>
+            </a:r>
             <a:endParaRPr lang="cs-CZ" dirty="0"/>
           </a:p>
         </p:txBody>

--- a/Machacek.pptx
+++ b/Machacek.pptx
@@ -11,6 +11,8 @@
     <p:sldId id="261" r:id="rId5"/>
     <p:sldId id="260" r:id="rId6"/>
     <p:sldId id="262" r:id="rId7"/>
+    <p:sldId id="263" r:id="rId8"/>
+    <p:sldId id="264" r:id="rId9"/>
   </p:sldIdLst>
   <p:sldSz cx="12192000" cy="6858000"/>
   <p:notesSz cx="6858000" cy="9144000"/>
@@ -308,7 +310,7 @@
           <a:p>
             <a:fld id="{065B1203-6543-4646-B75F-6F9F6309B165}" type="datetimeFigureOut">
               <a:rPr lang="cs-CZ" smtClean="0"/>
-              <a:t>04.01.2023</a:t>
+              <a:t>08.01.2023</a:t>
             </a:fld>
             <a:endParaRPr lang="cs-CZ"/>
           </a:p>
@@ -744,7 +746,7 @@
           <a:p>
             <a:fld id="{065B1203-6543-4646-B75F-6F9F6309B165}" type="datetimeFigureOut">
               <a:rPr lang="cs-CZ" smtClean="0"/>
-              <a:t>04.01.2023</a:t>
+              <a:t>08.01.2023</a:t>
             </a:fld>
             <a:endParaRPr lang="cs-CZ"/>
           </a:p>
@@ -994,7 +996,7 @@
           <a:p>
             <a:fld id="{065B1203-6543-4646-B75F-6F9F6309B165}" type="datetimeFigureOut">
               <a:rPr lang="cs-CZ" smtClean="0"/>
-              <a:t>04.01.2023</a:t>
+              <a:t>08.01.2023</a:t>
             </a:fld>
             <a:endParaRPr lang="cs-CZ"/>
           </a:p>
@@ -1302,7 +1304,7 @@
           <a:p>
             <a:fld id="{065B1203-6543-4646-B75F-6F9F6309B165}" type="datetimeFigureOut">
               <a:rPr lang="cs-CZ" smtClean="0"/>
-              <a:t>04.01.2023</a:t>
+              <a:t>08.01.2023</a:t>
             </a:fld>
             <a:endParaRPr lang="cs-CZ"/>
           </a:p>
@@ -1620,7 +1622,7 @@
           <a:p>
             <a:fld id="{065B1203-6543-4646-B75F-6F9F6309B165}" type="datetimeFigureOut">
               <a:rPr lang="cs-CZ" smtClean="0"/>
-              <a:t>04.01.2023</a:t>
+              <a:t>08.01.2023</a:t>
             </a:fld>
             <a:endParaRPr lang="cs-CZ"/>
           </a:p>
@@ -1922,7 +1924,7 @@
           <a:p>
             <a:fld id="{065B1203-6543-4646-B75F-6F9F6309B165}" type="datetimeFigureOut">
               <a:rPr lang="cs-CZ" smtClean="0"/>
-              <a:t>04.01.2023</a:t>
+              <a:t>08.01.2023</a:t>
             </a:fld>
             <a:endParaRPr lang="cs-CZ"/>
           </a:p>
@@ -2289,7 +2291,7 @@
           <a:p>
             <a:fld id="{065B1203-6543-4646-B75F-6F9F6309B165}" type="datetimeFigureOut">
               <a:rPr lang="cs-CZ" smtClean="0"/>
-              <a:t>04.01.2023</a:t>
+              <a:t>08.01.2023</a:t>
             </a:fld>
             <a:endParaRPr lang="cs-CZ"/>
           </a:p>
@@ -2463,7 +2465,7 @@
           <a:p>
             <a:fld id="{065B1203-6543-4646-B75F-6F9F6309B165}" type="datetimeFigureOut">
               <a:rPr lang="cs-CZ" smtClean="0"/>
-              <a:t>04.01.2023</a:t>
+              <a:t>08.01.2023</a:t>
             </a:fld>
             <a:endParaRPr lang="cs-CZ"/>
           </a:p>
@@ -2643,7 +2645,7 @@
           <a:p>
             <a:fld id="{065B1203-6543-4646-B75F-6F9F6309B165}" type="datetimeFigureOut">
               <a:rPr lang="cs-CZ" smtClean="0"/>
-              <a:t>04.01.2023</a:t>
+              <a:t>08.01.2023</a:t>
             </a:fld>
             <a:endParaRPr lang="cs-CZ"/>
           </a:p>
@@ -2813,7 +2815,7 @@
           <a:p>
             <a:fld id="{065B1203-6543-4646-B75F-6F9F6309B165}" type="datetimeFigureOut">
               <a:rPr lang="cs-CZ" smtClean="0"/>
-              <a:t>04.01.2023</a:t>
+              <a:t>08.01.2023</a:t>
             </a:fld>
             <a:endParaRPr lang="cs-CZ"/>
           </a:p>
@@ -3063,7 +3065,7 @@
           <a:p>
             <a:fld id="{065B1203-6543-4646-B75F-6F9F6309B165}" type="datetimeFigureOut">
               <a:rPr lang="cs-CZ" smtClean="0"/>
-              <a:t>04.01.2023</a:t>
+              <a:t>08.01.2023</a:t>
             </a:fld>
             <a:endParaRPr lang="cs-CZ"/>
           </a:p>
@@ -3299,7 +3301,7 @@
           <a:p>
             <a:fld id="{065B1203-6543-4646-B75F-6F9F6309B165}" type="datetimeFigureOut">
               <a:rPr lang="cs-CZ" smtClean="0"/>
-              <a:t>04.01.2023</a:t>
+              <a:t>08.01.2023</a:t>
             </a:fld>
             <a:endParaRPr lang="cs-CZ"/>
           </a:p>
@@ -3681,7 +3683,7 @@
           <a:p>
             <a:fld id="{065B1203-6543-4646-B75F-6F9F6309B165}" type="datetimeFigureOut">
               <a:rPr lang="cs-CZ" smtClean="0"/>
-              <a:t>04.01.2023</a:t>
+              <a:t>08.01.2023</a:t>
             </a:fld>
             <a:endParaRPr lang="cs-CZ"/>
           </a:p>
@@ -3799,7 +3801,7 @@
           <a:p>
             <a:fld id="{065B1203-6543-4646-B75F-6F9F6309B165}" type="datetimeFigureOut">
               <a:rPr lang="cs-CZ" smtClean="0"/>
-              <a:t>04.01.2023</a:t>
+              <a:t>08.01.2023</a:t>
             </a:fld>
             <a:endParaRPr lang="cs-CZ"/>
           </a:p>
@@ -3894,7 +3896,7 @@
           <a:p>
             <a:fld id="{065B1203-6543-4646-B75F-6F9F6309B165}" type="datetimeFigureOut">
               <a:rPr lang="cs-CZ" smtClean="0"/>
-              <a:t>04.01.2023</a:t>
+              <a:t>08.01.2023</a:t>
             </a:fld>
             <a:endParaRPr lang="cs-CZ"/>
           </a:p>
@@ -4149,7 +4151,7 @@
           <a:p>
             <a:fld id="{065B1203-6543-4646-B75F-6F9F6309B165}" type="datetimeFigureOut">
               <a:rPr lang="cs-CZ" smtClean="0"/>
-              <a:t>04.01.2023</a:t>
+              <a:t>08.01.2023</a:t>
             </a:fld>
             <a:endParaRPr lang="cs-CZ"/>
           </a:p>
@@ -4432,7 +4434,7 @@
           <a:p>
             <a:fld id="{065B1203-6543-4646-B75F-6F9F6309B165}" type="datetimeFigureOut">
               <a:rPr lang="cs-CZ" smtClean="0"/>
-              <a:t>04.01.2023</a:t>
+              <a:t>08.01.2023</a:t>
             </a:fld>
             <a:endParaRPr lang="cs-CZ"/>
           </a:p>
@@ -4838,7 +4840,7 @@
           <a:p>
             <a:fld id="{065B1203-6543-4646-B75F-6F9F6309B165}" type="datetimeFigureOut">
               <a:rPr lang="cs-CZ" smtClean="0"/>
-              <a:t>04.01.2023</a:t>
+              <a:t>08.01.2023</a:t>
             </a:fld>
             <a:endParaRPr lang="cs-CZ"/>
           </a:p>
@@ -6472,7 +6474,7 @@
         </p:nvSpPr>
         <p:spPr>
           <a:xfrm>
-            <a:off x="684212" y="534764"/>
+            <a:off x="684212" y="0"/>
             <a:ext cx="8534400" cy="1507067"/>
           </a:xfrm>
         </p:spPr>
@@ -6505,18 +6507,138 @@
         </p:nvSpPr>
         <p:spPr>
           <a:xfrm>
-            <a:off x="684212" y="2426109"/>
-            <a:ext cx="8534400" cy="3615267"/>
+            <a:off x="684212" y="1700463"/>
+            <a:ext cx="8534400" cy="5157537"/>
           </a:xfrm>
         </p:spPr>
         <p:txBody>
-          <a:bodyPr/>
-          <a:lstStyle/>
-          <a:p>
-            <a:r>
-              <a:rPr lang="cs-CZ"/>
-              <a:t>  </a:t>
-            </a:r>
+          <a:bodyPr>
+            <a:normAutofit lnSpcReduction="10000"/>
+          </a:bodyPr>
+          <a:lstStyle/>
+          <a:p>
+            <a:r>
+              <a:rPr lang="cs-CZ" dirty="0"/>
+              <a:t>  plán pro vzdělávání se dělí na tři hlavní skupiny: </a:t>
+            </a:r>
+          </a:p>
+          <a:p>
+            <a:r>
+              <a:rPr lang="cs-CZ" dirty="0"/>
+              <a:t>1) Microsoft 365 </a:t>
+            </a:r>
+            <a:r>
+              <a:rPr lang="cs-CZ" dirty="0" err="1"/>
+              <a:t>Education</a:t>
+            </a:r>
+            <a:r>
+              <a:rPr lang="cs-CZ" dirty="0"/>
+              <a:t> A1 </a:t>
+            </a:r>
+          </a:p>
+          <a:p>
+            <a:r>
+              <a:rPr lang="cs-CZ" dirty="0"/>
+              <a:t>Je to jednorázové řešení pro jedno zařízení</a:t>
+            </a:r>
+          </a:p>
+          <a:p>
+            <a:r>
+              <a:rPr lang="cs-CZ" dirty="0"/>
+              <a:t>- obsahuje základní funkce jako jsou Word, Excel, Powerpoint, Teams a další.</a:t>
+            </a:r>
+          </a:p>
+          <a:p>
+            <a:r>
+              <a:rPr lang="cs-CZ" dirty="0"/>
+              <a:t>Licence také nabízí cloudovou samosprávu v pomocí aplikace Microsoft </a:t>
+            </a:r>
+            <a:r>
+              <a:rPr lang="cs-CZ" dirty="0" err="1"/>
+              <a:t>Intune</a:t>
+            </a:r>
+            <a:r>
+              <a:rPr lang="cs-CZ" dirty="0"/>
+              <a:t> </a:t>
+            </a:r>
+            <a:r>
+              <a:rPr lang="cs-CZ" dirty="0" err="1"/>
+              <a:t>for</a:t>
+            </a:r>
+            <a:r>
+              <a:rPr lang="cs-CZ" dirty="0"/>
+              <a:t> </a:t>
+            </a:r>
+            <a:r>
+              <a:rPr lang="cs-CZ" dirty="0" err="1"/>
+              <a:t>Education</a:t>
+            </a:r>
+            <a:r>
+              <a:rPr lang="cs-CZ" dirty="0"/>
+              <a:t> (slouží k správě vašich zařízení)</a:t>
+            </a:r>
+          </a:p>
+          <a:p>
+            <a:r>
+              <a:rPr lang="cs-CZ" dirty="0"/>
+              <a:t>2) Microsoft 365 </a:t>
+            </a:r>
+            <a:r>
+              <a:rPr lang="cs-CZ" dirty="0" err="1"/>
+              <a:t>Education</a:t>
+            </a:r>
+            <a:r>
+              <a:rPr lang="cs-CZ" dirty="0"/>
+              <a:t> A3</a:t>
+            </a:r>
+          </a:p>
+          <a:p>
+            <a:r>
+              <a:rPr lang="cs-CZ" dirty="0"/>
+              <a:t>Obsahuje vše co plán A1</a:t>
+            </a:r>
+          </a:p>
+          <a:p>
+            <a:r>
+              <a:rPr lang="cs-CZ" dirty="0"/>
+              <a:t>Licence je registrovaná na uživatele – přístup odkudkoli</a:t>
+            </a:r>
+          </a:p>
+          <a:p>
+            <a:r>
+              <a:rPr lang="cs-CZ" dirty="0"/>
+              <a:t>3) Microsoft 365 </a:t>
+            </a:r>
+            <a:r>
+              <a:rPr lang="cs-CZ" dirty="0" err="1"/>
+              <a:t>Education</a:t>
+            </a:r>
+            <a:r>
+              <a:rPr lang="cs-CZ" dirty="0"/>
+              <a:t> A5</a:t>
+            </a:r>
+          </a:p>
+          <a:p>
+            <a:r>
+              <a:rPr lang="cs-CZ" dirty="0"/>
+              <a:t>Obsahuje vše  co plán A3</a:t>
+            </a:r>
+          </a:p>
+          <a:p>
+            <a:r>
+              <a:rPr lang="cs-CZ" dirty="0"/>
+              <a:t>Nabízí lepší zabezpečení pomocí služby Windows </a:t>
+            </a:r>
+            <a:r>
+              <a:rPr lang="cs-CZ" dirty="0" err="1"/>
+              <a:t>Defender</a:t>
+            </a:r>
+            <a:endParaRPr lang="cs-CZ" dirty="0"/>
+          </a:p>
+          <a:p>
+            <a:endParaRPr lang="cs-CZ" dirty="0"/>
+          </a:p>
+          <a:p>
             <a:endParaRPr lang="cs-CZ" dirty="0"/>
           </a:p>
         </p:txBody>
@@ -6525,6 +6647,198 @@
     <p:extLst>
       <p:ext uri="{BB962C8B-B14F-4D97-AF65-F5344CB8AC3E}">
         <p14:creationId xmlns:p14="http://schemas.microsoft.com/office/powerpoint/2010/main" val="1562630982"/>
+      </p:ext>
+    </p:extLst>
+  </p:cSld>
+  <p:clrMapOvr>
+    <a:masterClrMapping/>
+  </p:clrMapOvr>
+</p:sld>
+</file>
+
+<file path=ppt/slides/slide7.xml><?xml version="1.0" encoding="utf-8"?>
+<p:sld xmlns:a="http://schemas.openxmlformats.org/drawingml/2006/main" xmlns:r="http://schemas.openxmlformats.org/officeDocument/2006/relationships" xmlns:p="http://schemas.openxmlformats.org/presentationml/2006/main">
+  <p:cSld>
+    <p:spTree>
+      <p:nvGrpSpPr>
+        <p:cNvPr id="1" name=""/>
+        <p:cNvGrpSpPr/>
+        <p:nvPr/>
+      </p:nvGrpSpPr>
+      <p:grpSpPr>
+        <a:xfrm>
+          <a:off x="0" y="0"/>
+          <a:ext cx="0" cy="0"/>
+          <a:chOff x="0" y="0"/>
+          <a:chExt cx="0" cy="0"/>
+        </a:xfrm>
+      </p:grpSpPr>
+      <p:sp>
+        <p:nvSpPr>
+          <p:cNvPr id="2" name="Nadpis 1">
+            <a:extLst>
+              <a:ext uri="{FF2B5EF4-FFF2-40B4-BE49-F238E27FC236}">
+                <a16:creationId xmlns:a16="http://schemas.microsoft.com/office/drawing/2014/main" id="{EA8E2AE4-4B4A-B43B-8E73-9CBD87D32624}"/>
+              </a:ext>
+            </a:extLst>
+          </p:cNvPr>
+          <p:cNvSpPr>
+            <a:spLocks noGrp="1"/>
+          </p:cNvSpPr>
+          <p:nvPr>
+            <p:ph type="title"/>
+          </p:nvPr>
+        </p:nvSpPr>
+        <p:spPr>
+          <a:xfrm>
+            <a:off x="684212" y="447177"/>
+            <a:ext cx="8534400" cy="1507067"/>
+          </a:xfrm>
+        </p:spPr>
+        <p:txBody>
+          <a:bodyPr/>
+          <a:lstStyle/>
+          <a:p>
+            <a:r>
+              <a:rPr lang="cs-CZ" dirty="0"/>
+              <a:t>3. Plán pro větší podniky</a:t>
+            </a:r>
+          </a:p>
+        </p:txBody>
+      </p:sp>
+      <p:sp>
+        <p:nvSpPr>
+          <p:cNvPr id="3" name="Zástupný obsah 2">
+            <a:extLst>
+              <a:ext uri="{FF2B5EF4-FFF2-40B4-BE49-F238E27FC236}">
+                <a16:creationId xmlns:a16="http://schemas.microsoft.com/office/drawing/2014/main" id="{1DAD4166-BF3C-166D-85B2-6B9CB6E81081}"/>
+              </a:ext>
+            </a:extLst>
+          </p:cNvPr>
+          <p:cNvSpPr>
+            <a:spLocks noGrp="1"/>
+          </p:cNvSpPr>
+          <p:nvPr>
+            <p:ph idx="1"/>
+          </p:nvPr>
+        </p:nvSpPr>
+        <p:spPr>
+          <a:xfrm>
+            <a:off x="684212" y="2197359"/>
+            <a:ext cx="8534400" cy="3615267"/>
+          </a:xfrm>
+        </p:spPr>
+        <p:txBody>
+          <a:bodyPr/>
+          <a:lstStyle/>
+          <a:p>
+            <a:r>
+              <a:rPr lang="cs-CZ" dirty="0"/>
+              <a:t>Slouží k propojení všech zaměstnanců v podniku </a:t>
+            </a:r>
+          </a:p>
+          <a:p>
+            <a:endParaRPr lang="cs-CZ" dirty="0"/>
+          </a:p>
+        </p:txBody>
+      </p:sp>
+    </p:spTree>
+    <p:extLst>
+      <p:ext uri="{BB962C8B-B14F-4D97-AF65-F5344CB8AC3E}">
+        <p14:creationId xmlns:p14="http://schemas.microsoft.com/office/powerpoint/2010/main" val="1477139281"/>
+      </p:ext>
+    </p:extLst>
+  </p:cSld>
+  <p:clrMapOvr>
+    <a:masterClrMapping/>
+  </p:clrMapOvr>
+</p:sld>
+</file>
+
+<file path=ppt/slides/slide8.xml><?xml version="1.0" encoding="utf-8"?>
+<p:sld xmlns:a="http://schemas.openxmlformats.org/drawingml/2006/main" xmlns:r="http://schemas.openxmlformats.org/officeDocument/2006/relationships" xmlns:p="http://schemas.openxmlformats.org/presentationml/2006/main">
+  <p:cSld>
+    <p:spTree>
+      <p:nvGrpSpPr>
+        <p:cNvPr id="1" name=""/>
+        <p:cNvGrpSpPr/>
+        <p:nvPr/>
+      </p:nvGrpSpPr>
+      <p:grpSpPr>
+        <a:xfrm>
+          <a:off x="0" y="0"/>
+          <a:ext cx="0" cy="0"/>
+          <a:chOff x="0" y="0"/>
+          <a:chExt cx="0" cy="0"/>
+        </a:xfrm>
+      </p:grpSpPr>
+      <p:sp>
+        <p:nvSpPr>
+          <p:cNvPr id="2" name="Nadpis 1">
+            <a:extLst>
+              <a:ext uri="{FF2B5EF4-FFF2-40B4-BE49-F238E27FC236}">
+                <a16:creationId xmlns:a16="http://schemas.microsoft.com/office/drawing/2014/main" id="{85D9C33B-93FE-99EA-660C-2DB608F05C74}"/>
+              </a:ext>
+            </a:extLst>
+          </p:cNvPr>
+          <p:cNvSpPr>
+            <a:spLocks noGrp="1"/>
+          </p:cNvSpPr>
+          <p:nvPr>
+            <p:ph type="title"/>
+          </p:nvPr>
+        </p:nvSpPr>
+        <p:spPr>
+          <a:xfrm>
+            <a:off x="684212" y="858253"/>
+            <a:ext cx="8534400" cy="1507067"/>
+          </a:xfrm>
+        </p:spPr>
+        <p:txBody>
+          <a:bodyPr/>
+          <a:lstStyle/>
+          <a:p>
+            <a:r>
+              <a:rPr lang="cs-CZ" dirty="0"/>
+              <a:t>4. Plán pro menší firmy</a:t>
+            </a:r>
+          </a:p>
+        </p:txBody>
+      </p:sp>
+      <p:sp>
+        <p:nvSpPr>
+          <p:cNvPr id="3" name="Zástupný obsah 2">
+            <a:extLst>
+              <a:ext uri="{FF2B5EF4-FFF2-40B4-BE49-F238E27FC236}">
+                <a16:creationId xmlns:a16="http://schemas.microsoft.com/office/drawing/2014/main" id="{ED29FAC0-0990-2017-8B9A-2481CC47E177}"/>
+              </a:ext>
+            </a:extLst>
+          </p:cNvPr>
+          <p:cNvSpPr>
+            <a:spLocks noGrp="1"/>
+          </p:cNvSpPr>
+          <p:nvPr>
+            <p:ph idx="1"/>
+          </p:nvPr>
+        </p:nvSpPr>
+        <p:spPr>
+          <a:xfrm>
+            <a:off x="684212" y="2548022"/>
+            <a:ext cx="8534400" cy="3615267"/>
+          </a:xfrm>
+        </p:spPr>
+        <p:txBody>
+          <a:bodyPr/>
+          <a:lstStyle/>
+          <a:p>
+            <a:endParaRPr lang="cs-CZ" dirty="0"/>
+          </a:p>
+        </p:txBody>
+      </p:sp>
+    </p:spTree>
+    <p:extLst>
+      <p:ext uri="{BB962C8B-B14F-4D97-AF65-F5344CB8AC3E}">
+        <p14:creationId xmlns:p14="http://schemas.microsoft.com/office/powerpoint/2010/main" val="4055391505"/>
       </p:ext>
     </p:extLst>
   </p:cSld>

--- a/Machacek.pptx
+++ b/Machacek.pptx
@@ -7,12 +7,14 @@
   <p:sldIdLst>
     <p:sldId id="256" r:id="rId2"/>
     <p:sldId id="257" r:id="rId3"/>
-    <p:sldId id="258" r:id="rId4"/>
-    <p:sldId id="261" r:id="rId5"/>
-    <p:sldId id="260" r:id="rId6"/>
-    <p:sldId id="262" r:id="rId7"/>
-    <p:sldId id="263" r:id="rId8"/>
+    <p:sldId id="266" r:id="rId4"/>
+    <p:sldId id="258" r:id="rId5"/>
+    <p:sldId id="261" r:id="rId6"/>
+    <p:sldId id="260" r:id="rId7"/>
+    <p:sldId id="262" r:id="rId8"/>
     <p:sldId id="264" r:id="rId9"/>
+    <p:sldId id="263" r:id="rId10"/>
+    <p:sldId id="265" r:id="rId11"/>
   </p:sldIdLst>
   <p:sldSz cx="12192000" cy="6858000"/>
   <p:notesSz cx="6858000" cy="9144000"/>
@@ -310,7 +312,7 @@
           <a:p>
             <a:fld id="{065B1203-6543-4646-B75F-6F9F6309B165}" type="datetimeFigureOut">
               <a:rPr lang="cs-CZ" smtClean="0"/>
-              <a:t>08.01.2023</a:t>
+              <a:t>11.01.2023</a:t>
             </a:fld>
             <a:endParaRPr lang="cs-CZ"/>
           </a:p>
@@ -746,7 +748,7 @@
           <a:p>
             <a:fld id="{065B1203-6543-4646-B75F-6F9F6309B165}" type="datetimeFigureOut">
               <a:rPr lang="cs-CZ" smtClean="0"/>
-              <a:t>08.01.2023</a:t>
+              <a:t>11.01.2023</a:t>
             </a:fld>
             <a:endParaRPr lang="cs-CZ"/>
           </a:p>
@@ -996,7 +998,7 @@
           <a:p>
             <a:fld id="{065B1203-6543-4646-B75F-6F9F6309B165}" type="datetimeFigureOut">
               <a:rPr lang="cs-CZ" smtClean="0"/>
-              <a:t>08.01.2023</a:t>
+              <a:t>11.01.2023</a:t>
             </a:fld>
             <a:endParaRPr lang="cs-CZ"/>
           </a:p>
@@ -1304,7 +1306,7 @@
           <a:p>
             <a:fld id="{065B1203-6543-4646-B75F-6F9F6309B165}" type="datetimeFigureOut">
               <a:rPr lang="cs-CZ" smtClean="0"/>
-              <a:t>08.01.2023</a:t>
+              <a:t>11.01.2023</a:t>
             </a:fld>
             <a:endParaRPr lang="cs-CZ"/>
           </a:p>
@@ -1622,7 +1624,7 @@
           <a:p>
             <a:fld id="{065B1203-6543-4646-B75F-6F9F6309B165}" type="datetimeFigureOut">
               <a:rPr lang="cs-CZ" smtClean="0"/>
-              <a:t>08.01.2023</a:t>
+              <a:t>11.01.2023</a:t>
             </a:fld>
             <a:endParaRPr lang="cs-CZ"/>
           </a:p>
@@ -1924,7 +1926,7 @@
           <a:p>
             <a:fld id="{065B1203-6543-4646-B75F-6F9F6309B165}" type="datetimeFigureOut">
               <a:rPr lang="cs-CZ" smtClean="0"/>
-              <a:t>08.01.2023</a:t>
+              <a:t>11.01.2023</a:t>
             </a:fld>
             <a:endParaRPr lang="cs-CZ"/>
           </a:p>
@@ -2291,7 +2293,7 @@
           <a:p>
             <a:fld id="{065B1203-6543-4646-B75F-6F9F6309B165}" type="datetimeFigureOut">
               <a:rPr lang="cs-CZ" smtClean="0"/>
-              <a:t>08.01.2023</a:t>
+              <a:t>11.01.2023</a:t>
             </a:fld>
             <a:endParaRPr lang="cs-CZ"/>
           </a:p>
@@ -2465,7 +2467,7 @@
           <a:p>
             <a:fld id="{065B1203-6543-4646-B75F-6F9F6309B165}" type="datetimeFigureOut">
               <a:rPr lang="cs-CZ" smtClean="0"/>
-              <a:t>08.01.2023</a:t>
+              <a:t>11.01.2023</a:t>
             </a:fld>
             <a:endParaRPr lang="cs-CZ"/>
           </a:p>
@@ -2645,7 +2647,7 @@
           <a:p>
             <a:fld id="{065B1203-6543-4646-B75F-6F9F6309B165}" type="datetimeFigureOut">
               <a:rPr lang="cs-CZ" smtClean="0"/>
-              <a:t>08.01.2023</a:t>
+              <a:t>11.01.2023</a:t>
             </a:fld>
             <a:endParaRPr lang="cs-CZ"/>
           </a:p>
@@ -2815,7 +2817,7 @@
           <a:p>
             <a:fld id="{065B1203-6543-4646-B75F-6F9F6309B165}" type="datetimeFigureOut">
               <a:rPr lang="cs-CZ" smtClean="0"/>
-              <a:t>08.01.2023</a:t>
+              <a:t>11.01.2023</a:t>
             </a:fld>
             <a:endParaRPr lang="cs-CZ"/>
           </a:p>
@@ -3065,7 +3067,7 @@
           <a:p>
             <a:fld id="{065B1203-6543-4646-B75F-6F9F6309B165}" type="datetimeFigureOut">
               <a:rPr lang="cs-CZ" smtClean="0"/>
-              <a:t>08.01.2023</a:t>
+              <a:t>11.01.2023</a:t>
             </a:fld>
             <a:endParaRPr lang="cs-CZ"/>
           </a:p>
@@ -3301,7 +3303,7 @@
           <a:p>
             <a:fld id="{065B1203-6543-4646-B75F-6F9F6309B165}" type="datetimeFigureOut">
               <a:rPr lang="cs-CZ" smtClean="0"/>
-              <a:t>08.01.2023</a:t>
+              <a:t>11.01.2023</a:t>
             </a:fld>
             <a:endParaRPr lang="cs-CZ"/>
           </a:p>
@@ -3683,7 +3685,7 @@
           <a:p>
             <a:fld id="{065B1203-6543-4646-B75F-6F9F6309B165}" type="datetimeFigureOut">
               <a:rPr lang="cs-CZ" smtClean="0"/>
-              <a:t>08.01.2023</a:t>
+              <a:t>11.01.2023</a:t>
             </a:fld>
             <a:endParaRPr lang="cs-CZ"/>
           </a:p>
@@ -3801,7 +3803,7 @@
           <a:p>
             <a:fld id="{065B1203-6543-4646-B75F-6F9F6309B165}" type="datetimeFigureOut">
               <a:rPr lang="cs-CZ" smtClean="0"/>
-              <a:t>08.01.2023</a:t>
+              <a:t>11.01.2023</a:t>
             </a:fld>
             <a:endParaRPr lang="cs-CZ"/>
           </a:p>
@@ -3896,7 +3898,7 @@
           <a:p>
             <a:fld id="{065B1203-6543-4646-B75F-6F9F6309B165}" type="datetimeFigureOut">
               <a:rPr lang="cs-CZ" smtClean="0"/>
-              <a:t>08.01.2023</a:t>
+              <a:t>11.01.2023</a:t>
             </a:fld>
             <a:endParaRPr lang="cs-CZ"/>
           </a:p>
@@ -4151,7 +4153,7 @@
           <a:p>
             <a:fld id="{065B1203-6543-4646-B75F-6F9F6309B165}" type="datetimeFigureOut">
               <a:rPr lang="cs-CZ" smtClean="0"/>
-              <a:t>08.01.2023</a:t>
+              <a:t>11.01.2023</a:t>
             </a:fld>
             <a:endParaRPr lang="cs-CZ"/>
           </a:p>
@@ -4434,7 +4436,7 @@
           <a:p>
             <a:fld id="{065B1203-6543-4646-B75F-6F9F6309B165}" type="datetimeFigureOut">
               <a:rPr lang="cs-CZ" smtClean="0"/>
-              <a:t>08.01.2023</a:t>
+              <a:t>11.01.2023</a:t>
             </a:fld>
             <a:endParaRPr lang="cs-CZ"/>
           </a:p>
@@ -4840,7 +4842,7 @@
           <a:p>
             <a:fld id="{065B1203-6543-4646-B75F-6F9F6309B165}" type="datetimeFigureOut">
               <a:rPr lang="cs-CZ" smtClean="0"/>
-              <a:t>08.01.2023</a:t>
+              <a:t>11.01.2023</a:t>
             </a:fld>
             <a:endParaRPr lang="cs-CZ"/>
           </a:p>
@@ -5947,6 +5949,117 @@
 </p:sld>
 </file>
 
+<file path=ppt/slides/slide10.xml><?xml version="1.0" encoding="utf-8"?>
+<p:sld xmlns:a="http://schemas.openxmlformats.org/drawingml/2006/main" xmlns:r="http://schemas.openxmlformats.org/officeDocument/2006/relationships" xmlns:p="http://schemas.openxmlformats.org/presentationml/2006/main">
+  <p:cSld>
+    <p:spTree>
+      <p:nvGrpSpPr>
+        <p:cNvPr id="1" name=""/>
+        <p:cNvGrpSpPr/>
+        <p:nvPr/>
+      </p:nvGrpSpPr>
+      <p:grpSpPr>
+        <a:xfrm>
+          <a:off x="0" y="0"/>
+          <a:ext cx="0" cy="0"/>
+          <a:chOff x="0" y="0"/>
+          <a:chExt cx="0" cy="0"/>
+        </a:xfrm>
+      </p:grpSpPr>
+      <p:sp>
+        <p:nvSpPr>
+          <p:cNvPr id="2" name="Nadpis 1">
+            <a:extLst>
+              <a:ext uri="{FF2B5EF4-FFF2-40B4-BE49-F238E27FC236}">
+                <a16:creationId xmlns:a16="http://schemas.microsoft.com/office/drawing/2014/main" id="{5E8A96DF-FE29-8526-C663-C7FC4D3382D5}"/>
+              </a:ext>
+            </a:extLst>
+          </p:cNvPr>
+          <p:cNvSpPr>
+            <a:spLocks noGrp="1"/>
+          </p:cNvSpPr>
+          <p:nvPr>
+            <p:ph type="title"/>
+          </p:nvPr>
+        </p:nvSpPr>
+        <p:spPr>
+          <a:xfrm>
+            <a:off x="883233" y="531153"/>
+            <a:ext cx="8534400" cy="1507067"/>
+          </a:xfrm>
+        </p:spPr>
+        <p:txBody>
+          <a:bodyPr/>
+          <a:lstStyle/>
+          <a:p>
+            <a:r>
+              <a:rPr lang="cs-CZ" dirty="0"/>
+              <a:t>Hlavní aplikace Microsoft 365</a:t>
+            </a:r>
+          </a:p>
+        </p:txBody>
+      </p:sp>
+      <p:sp>
+        <p:nvSpPr>
+          <p:cNvPr id="3" name="Zástupný obsah 2">
+            <a:extLst>
+              <a:ext uri="{FF2B5EF4-FFF2-40B4-BE49-F238E27FC236}">
+                <a16:creationId xmlns:a16="http://schemas.microsoft.com/office/drawing/2014/main" id="{DF773314-AE5F-0538-BBA9-CD806CB5085B}"/>
+              </a:ext>
+            </a:extLst>
+          </p:cNvPr>
+          <p:cNvSpPr>
+            <a:spLocks noGrp="1"/>
+          </p:cNvSpPr>
+          <p:nvPr>
+            <p:ph idx="1"/>
+          </p:nvPr>
+        </p:nvSpPr>
+        <p:spPr>
+          <a:xfrm>
+            <a:off x="883233" y="2342676"/>
+            <a:ext cx="8534400" cy="3615267"/>
+          </a:xfrm>
+        </p:spPr>
+        <p:txBody>
+          <a:bodyPr/>
+          <a:lstStyle/>
+          <a:p>
+            <a:r>
+              <a:rPr lang="cs-CZ" u="sng" dirty="0"/>
+              <a:t>Mezi hlavní aplikace Microsoft 365 patří:</a:t>
+            </a:r>
+          </a:p>
+          <a:p>
+            <a:endParaRPr lang="cs-CZ" dirty="0"/>
+          </a:p>
+          <a:p>
+            <a:r>
+              <a:rPr lang="cs-CZ" dirty="0"/>
+              <a:t>Microsoft Word</a:t>
+            </a:r>
+          </a:p>
+          <a:p>
+            <a:r>
+              <a:rPr lang="cs-CZ" dirty="0"/>
+              <a:t>-</a:t>
+            </a:r>
+          </a:p>
+        </p:txBody>
+      </p:sp>
+    </p:spTree>
+    <p:extLst>
+      <p:ext uri="{BB962C8B-B14F-4D97-AF65-F5344CB8AC3E}">
+        <p14:creationId xmlns:p14="http://schemas.microsoft.com/office/powerpoint/2010/main" val="3202221987"/>
+      </p:ext>
+    </p:extLst>
+  </p:cSld>
+  <p:clrMapOvr>
+    <a:masterClrMapping/>
+  </p:clrMapOvr>
+</p:sld>
+</file>
+
 <file path=ppt/slides/slide2.xml><?xml version="1.0" encoding="utf-8"?>
 <p:sld xmlns:a="http://schemas.openxmlformats.org/drawingml/2006/main" xmlns:r="http://schemas.openxmlformats.org/officeDocument/2006/relationships" xmlns:p="http://schemas.openxmlformats.org/presentationml/2006/main">
   <p:cSld>
@@ -5997,7 +6110,7 @@
             </a:pPr>
             <a:r>
               <a:rPr lang="cs-CZ" sz="3600" dirty="0"/>
-              <a:t>- Microsoft 365 (dříve Office 365) je soubor cloudových služeb od firmy Microsoft, který funguje na bázi předplatného a obsahuje online software kancelářských služeb.</a:t>
+              <a:t>- Microsoft 365 je soubor cloudových služeb od firmy Microsoft, který funguje na bázi předplatného a obsahuje online software kancelářských služeb.</a:t>
             </a:r>
           </a:p>
           <a:p>
@@ -6085,7 +6198,7 @@
           <p:cNvPr id="2" name="Nadpis 1">
             <a:extLst>
               <a:ext uri="{FF2B5EF4-FFF2-40B4-BE49-F238E27FC236}">
-                <a16:creationId xmlns:a16="http://schemas.microsoft.com/office/drawing/2014/main" id="{36C61D13-FF54-3DAA-21AF-CCC38AD60B9B}"/>
+                <a16:creationId xmlns:a16="http://schemas.microsoft.com/office/drawing/2014/main" id="{58E37AD9-344A-7218-DE05-2862A397FA8F}"/>
               </a:ext>
             </a:extLst>
           </p:cNvPr>
@@ -6098,7 +6211,7 @@
         </p:nvSpPr>
         <p:spPr>
           <a:xfrm>
-            <a:off x="1005054" y="444723"/>
+            <a:off x="684212" y="685800"/>
             <a:ext cx="8534400" cy="1507067"/>
           </a:xfrm>
         </p:spPr>
@@ -6108,7 +6221,7 @@
           <a:p>
             <a:r>
               <a:rPr lang="cs-CZ" dirty="0"/>
-              <a:t>Historie:</a:t>
+              <a:t>Microsoft 365 vs. Office 365</a:t>
             </a:r>
           </a:p>
         </p:txBody>
@@ -6118,7 +6231,7 @@
           <p:cNvPr id="3" name="Zástupný obsah 2">
             <a:extLst>
               <a:ext uri="{FF2B5EF4-FFF2-40B4-BE49-F238E27FC236}">
-                <a16:creationId xmlns:a16="http://schemas.microsoft.com/office/drawing/2014/main" id="{FE39E729-5A4C-23DD-9DEC-3C1B4F18751C}"/>
+                <a16:creationId xmlns:a16="http://schemas.microsoft.com/office/drawing/2014/main" id="{D384EEB2-331B-FF51-6D8E-5354CB4915C8}"/>
               </a:ext>
             </a:extLst>
           </p:cNvPr>
@@ -6131,8 +6244,8 @@
         </p:nvSpPr>
         <p:spPr>
           <a:xfrm>
-            <a:off x="1083712" y="1582995"/>
-            <a:ext cx="8534400" cy="4437166"/>
+            <a:off x="684212" y="2556933"/>
+            <a:ext cx="8534400" cy="3615267"/>
           </a:xfrm>
         </p:spPr>
         <p:txBody>
@@ -6140,26 +6253,41 @@
           <a:lstStyle/>
           <a:p>
             <a:r>
+              <a:rPr lang="cs-CZ" u="sng" dirty="0"/>
+              <a:t>Office 365:</a:t>
+            </a:r>
+            <a:endParaRPr lang="cs-CZ" dirty="0"/>
+          </a:p>
+          <a:p>
+            <a:r>
               <a:rPr lang="cs-CZ" dirty="0"/>
-              <a:t>- Microsoft 365 (tehdy ještě Office 365) vznikl v roce 2011 a pro spotřebitele 	byl uvede v roce 2013</a:t>
+              <a:t>Jet to cloudová sada aplikací, která obsahuje aplikace z office balíku jako je třeba Word, Excel, Powerpoint, Outlook, a další.</a:t>
+            </a:r>
+          </a:p>
+          <a:p>
+            <a:r>
+              <a:rPr lang="cs-CZ" u="sng" dirty="0"/>
+              <a:t>Microsoft 365:</a:t>
             </a:r>
           </a:p>
           <a:p>
             <a:r>
               <a:rPr lang="cs-CZ" dirty="0"/>
-              <a:t>Vznikl jako reakce na tehdejší popularitu cloudových řešení. </a:t>
-            </a:r>
-          </a:p>
-          <a:p>
+              <a:t>Je to balík služeb, který zahrnuje i Office 365. Obsahuje například i licenci na Windows 10 </a:t>
+            </a:r>
+            <a:r>
+              <a:rPr lang="cs-CZ" dirty="0" err="1"/>
+              <a:t>enterprise</a:t>
+            </a:r>
             <a:r>
               <a:rPr lang="cs-CZ" dirty="0"/>
-              <a:t>- Cloudové řešení spočívalo v tom, že se uživatel nemusel starat o  provozování vlastních serverů, protože servery provozoval majitel (Microsoft).</a:t>
+              <a:t>, zvýšené zabezpečení a další (závisí na plánu, který si vyberete).</a:t>
             </a:r>
           </a:p>
           <a:p>
             <a:r>
               <a:rPr lang="cs-CZ" dirty="0"/>
-              <a:t>- Office byl před vznikem cloudového řešení především  samostatný kancelářský software pro Windows a macOS.</a:t>
+              <a:t> </a:t>
             </a:r>
           </a:p>
         </p:txBody>
@@ -6167,7 +6295,7 @@
     </p:spTree>
     <p:extLst>
       <p:ext uri="{BB962C8B-B14F-4D97-AF65-F5344CB8AC3E}">
-        <p14:creationId xmlns:p14="http://schemas.microsoft.com/office/powerpoint/2010/main" val="3061694671"/>
+        <p14:creationId xmlns:p14="http://schemas.microsoft.com/office/powerpoint/2010/main" val="3497897725"/>
       </p:ext>
     </p:extLst>
   </p:cSld>
@@ -6199,7 +6327,7 @@
           <p:cNvPr id="2" name="Nadpis 1">
             <a:extLst>
               <a:ext uri="{FF2B5EF4-FFF2-40B4-BE49-F238E27FC236}">
-                <a16:creationId xmlns:a16="http://schemas.microsoft.com/office/drawing/2014/main" id="{B4D56A87-8A3F-6DF2-7858-8E5CDB32006E}"/>
+                <a16:creationId xmlns:a16="http://schemas.microsoft.com/office/drawing/2014/main" id="{36C61D13-FF54-3DAA-21AF-CCC38AD60B9B}"/>
               </a:ext>
             </a:extLst>
           </p:cNvPr>
@@ -6212,7 +6340,7 @@
         </p:nvSpPr>
         <p:spPr>
           <a:xfrm>
-            <a:off x="684212" y="416777"/>
+            <a:off x="1005054" y="444723"/>
             <a:ext cx="8534400" cy="1507067"/>
           </a:xfrm>
         </p:spPr>
@@ -6222,7 +6350,7 @@
           <a:p>
             <a:r>
               <a:rPr lang="cs-CZ" dirty="0"/>
-              <a:t>Plány</a:t>
+              <a:t>Historie:</a:t>
             </a:r>
           </a:p>
         </p:txBody>
@@ -6232,7 +6360,7 @@
           <p:cNvPr id="3" name="Zástupný obsah 2">
             <a:extLst>
               <a:ext uri="{FF2B5EF4-FFF2-40B4-BE49-F238E27FC236}">
-                <a16:creationId xmlns:a16="http://schemas.microsoft.com/office/drawing/2014/main" id="{8DDF3C93-5C51-6AC1-7D28-E4C834D85115}"/>
+                <a16:creationId xmlns:a16="http://schemas.microsoft.com/office/drawing/2014/main" id="{FE39E729-5A4C-23DD-9DEC-3C1B4F18751C}"/>
               </a:ext>
             </a:extLst>
           </p:cNvPr>
@@ -6245,50 +6373,35 @@
         </p:nvSpPr>
         <p:spPr>
           <a:xfrm>
-            <a:off x="684212" y="2455606"/>
-            <a:ext cx="8534400" cy="3615267"/>
+            <a:off x="1083712" y="1582995"/>
+            <a:ext cx="8534400" cy="4437166"/>
           </a:xfrm>
         </p:spPr>
         <p:txBody>
           <a:bodyPr/>
           <a:lstStyle/>
           <a:p>
-            <a:pPr marL="0" indent="0">
-              <a:buNone/>
-            </a:pPr>
-            <a:r>
-              <a:rPr lang="cs-CZ" sz="2400" dirty="0"/>
-              <a:t>Microsoft dává na výběr ze 4 hlavních plánů:</a:t>
-            </a:r>
-          </a:p>
-          <a:p>
-            <a:pPr marL="0" indent="0">
-              <a:buNone/>
-            </a:pPr>
-            <a:endParaRPr lang="cs-CZ" sz="2400" dirty="0"/>
-          </a:p>
-          <a:p>
             <a:r>
               <a:rPr lang="cs-CZ" dirty="0"/>
-              <a:t>1. Plán pro rodiny a jednotlivce</a:t>
+              <a:t>- Microsoft 365 (tehdy ještě Office 365) vznikl v roce 2011 a pro spotřebitele 	byl uvede v roce 2013</a:t>
             </a:r>
           </a:p>
           <a:p>
             <a:r>
               <a:rPr lang="cs-CZ" dirty="0"/>
-              <a:t>2. Plán pro vzdělávání</a:t>
+              <a:t>Vznikl jako reakce na tehdejší popularitu cloudových řešení. </a:t>
             </a:r>
           </a:p>
           <a:p>
             <a:r>
               <a:rPr lang="cs-CZ" dirty="0"/>
-              <a:t>3. Plán pro větší podniky</a:t>
+              <a:t>- Cloudové řešení spočívalo v tom, že se uživatel nemusel starat o  provozování vlastních serverů, protože servery provozoval majitel (Microsoft).</a:t>
             </a:r>
           </a:p>
           <a:p>
             <a:r>
               <a:rPr lang="cs-CZ" dirty="0"/>
-              <a:t>4. Plán pro firmy </a:t>
+              <a:t>- Office byl před vznikem cloudového řešení především  samostatný kancelářský software pro Windows a macOS.</a:t>
             </a:r>
           </a:p>
         </p:txBody>
@@ -6296,7 +6409,7 @@
     </p:spTree>
     <p:extLst>
       <p:ext uri="{BB962C8B-B14F-4D97-AF65-F5344CB8AC3E}">
-        <p14:creationId xmlns:p14="http://schemas.microsoft.com/office/powerpoint/2010/main" val="275395657"/>
+        <p14:creationId xmlns:p14="http://schemas.microsoft.com/office/powerpoint/2010/main" val="3061694671"/>
       </p:ext>
     </p:extLst>
   </p:cSld>
@@ -6328,7 +6441,7 @@
           <p:cNvPr id="2" name="Nadpis 1">
             <a:extLst>
               <a:ext uri="{FF2B5EF4-FFF2-40B4-BE49-F238E27FC236}">
-                <a16:creationId xmlns:a16="http://schemas.microsoft.com/office/drawing/2014/main" id="{D98048EE-D0E9-A560-3A8E-3DADD2B34F2F}"/>
+                <a16:creationId xmlns:a16="http://schemas.microsoft.com/office/drawing/2014/main" id="{B4D56A87-8A3F-6DF2-7858-8E5CDB32006E}"/>
               </a:ext>
             </a:extLst>
           </p:cNvPr>
@@ -6341,7 +6454,7 @@
         </p:nvSpPr>
         <p:spPr>
           <a:xfrm>
-            <a:off x="615386" y="406945"/>
+            <a:off x="684212" y="416777"/>
             <a:ext cx="8534400" cy="1507067"/>
           </a:xfrm>
         </p:spPr>
@@ -6351,7 +6464,7 @@
           <a:p>
             <a:r>
               <a:rPr lang="cs-CZ" dirty="0"/>
-              <a:t>1. Plán pro rodiny</a:t>
+              <a:t>Plány</a:t>
             </a:r>
           </a:p>
         </p:txBody>
@@ -6361,7 +6474,7 @@
           <p:cNvPr id="3" name="Zástupný obsah 2">
             <a:extLst>
               <a:ext uri="{FF2B5EF4-FFF2-40B4-BE49-F238E27FC236}">
-                <a16:creationId xmlns:a16="http://schemas.microsoft.com/office/drawing/2014/main" id="{05FE07C3-F838-CF4B-9B04-3B99A03EFE04}"/>
+                <a16:creationId xmlns:a16="http://schemas.microsoft.com/office/drawing/2014/main" id="{8DDF3C93-5C51-6AC1-7D28-E4C834D85115}"/>
               </a:ext>
             </a:extLst>
           </p:cNvPr>
@@ -6374,7 +6487,7 @@
         </p:nvSpPr>
         <p:spPr>
           <a:xfrm>
-            <a:off x="615386" y="2397433"/>
+            <a:off x="684212" y="2455606"/>
             <a:ext cx="8534400" cy="3615267"/>
           </a:xfrm>
         </p:spPr>
@@ -6382,46 +6495,45 @@
           <a:bodyPr/>
           <a:lstStyle/>
           <a:p>
+            <a:pPr marL="0" indent="0">
+              <a:buNone/>
+            </a:pPr>
+            <a:r>
+              <a:rPr lang="cs-CZ" sz="2400" dirty="0"/>
+              <a:t>Microsoft dává na výběr ze 4 hlavních plánů:</a:t>
+            </a:r>
+          </a:p>
+          <a:p>
+            <a:pPr marL="0" indent="0">
+              <a:buNone/>
+            </a:pPr>
+            <a:endParaRPr lang="cs-CZ" sz="2400" dirty="0"/>
+          </a:p>
+          <a:p>
             <a:r>
               <a:rPr lang="cs-CZ" dirty="0"/>
-              <a:t>Obsahuje desktopové aplikace Office jako jsou Word, Excel a Powerpoint. </a:t>
+              <a:t>1. Plán pro rodiny a jednotlivce</a:t>
             </a:r>
           </a:p>
           <a:p>
             <a:r>
               <a:rPr lang="cs-CZ" dirty="0"/>
-              <a:t>Nabízí online úložiště na </a:t>
-            </a:r>
-            <a:r>
-              <a:rPr lang="cs-CZ" dirty="0" err="1"/>
-              <a:t>onedrive</a:t>
-            </a:r>
+              <a:t>2. Plán pro vzdělávání</a:t>
+            </a:r>
+          </a:p>
+          <a:p>
             <a:r>
               <a:rPr lang="cs-CZ" dirty="0"/>
-              <a:t> (až 6 TB) a jiné cloudové funkce. </a:t>
+              <a:t>3. Plán pro firmy </a:t>
             </a:r>
           </a:p>
           <a:p>
             <a:r>
               <a:rPr lang="cs-CZ" dirty="0"/>
-              <a:t>Je také kompatibilní se zařízeními od Apple a s Androidem</a:t>
-            </a:r>
-          </a:p>
-          <a:p>
-            <a:r>
-              <a:rPr lang="cs-CZ" dirty="0"/>
-              <a:t>Lze použít na více zařízeních najednou</a:t>
-            </a:r>
-          </a:p>
-          <a:p>
-            <a:r>
-              <a:rPr lang="cs-CZ" dirty="0"/>
-              <a:t>Pokročilé zabezpečení uživatelských dat pomocí služby Windows </a:t>
-            </a:r>
-            <a:r>
-              <a:rPr lang="cs-CZ" dirty="0" err="1"/>
-              <a:t>Defender</a:t>
-            </a:r>
+              <a:t>4. Plán pro větší podniky</a:t>
+            </a:r>
+          </a:p>
+          <a:p>
             <a:endParaRPr lang="cs-CZ" dirty="0"/>
           </a:p>
         </p:txBody>
@@ -6429,7 +6541,7 @@
     </p:spTree>
     <p:extLst>
       <p:ext uri="{BB962C8B-B14F-4D97-AF65-F5344CB8AC3E}">
-        <p14:creationId xmlns:p14="http://schemas.microsoft.com/office/powerpoint/2010/main" val="204954460"/>
+        <p14:creationId xmlns:p14="http://schemas.microsoft.com/office/powerpoint/2010/main" val="275395657"/>
       </p:ext>
     </p:extLst>
   </p:cSld>
@@ -6461,7 +6573,7 @@
           <p:cNvPr id="2" name="Nadpis 1">
             <a:extLst>
               <a:ext uri="{FF2B5EF4-FFF2-40B4-BE49-F238E27FC236}">
-                <a16:creationId xmlns:a16="http://schemas.microsoft.com/office/drawing/2014/main" id="{B5C00F46-2E7E-7F3F-026D-40E696CBE7DE}"/>
+                <a16:creationId xmlns:a16="http://schemas.microsoft.com/office/drawing/2014/main" id="{D98048EE-D0E9-A560-3A8E-3DADD2B34F2F}"/>
               </a:ext>
             </a:extLst>
           </p:cNvPr>
@@ -6474,7 +6586,7 @@
         </p:nvSpPr>
         <p:spPr>
           <a:xfrm>
-            <a:off x="684212" y="0"/>
+            <a:off x="615386" y="406945"/>
             <a:ext cx="8534400" cy="1507067"/>
           </a:xfrm>
         </p:spPr>
@@ -6484,7 +6596,7 @@
           <a:p>
             <a:r>
               <a:rPr lang="cs-CZ" dirty="0"/>
-              <a:t>2. Plán pro vzdělávání</a:t>
+              <a:t>1. Plán pro rodiny</a:t>
             </a:r>
           </a:p>
         </p:txBody>
@@ -6494,7 +6606,7 @@
           <p:cNvPr id="3" name="Zástupný obsah 2">
             <a:extLst>
               <a:ext uri="{FF2B5EF4-FFF2-40B4-BE49-F238E27FC236}">
-                <a16:creationId xmlns:a16="http://schemas.microsoft.com/office/drawing/2014/main" id="{1535EA55-3904-B87B-A75D-DF361A2F390E}"/>
+                <a16:creationId xmlns:a16="http://schemas.microsoft.com/office/drawing/2014/main" id="{05FE07C3-F838-CF4B-9B04-3B99A03EFE04}"/>
               </a:ext>
             </a:extLst>
           </p:cNvPr>
@@ -6507,138 +6619,54 @@
         </p:nvSpPr>
         <p:spPr>
           <a:xfrm>
-            <a:off x="684212" y="1700463"/>
-            <a:ext cx="8534400" cy="5157537"/>
+            <a:off x="615386" y="2397433"/>
+            <a:ext cx="8534400" cy="3615267"/>
           </a:xfrm>
         </p:spPr>
         <p:txBody>
-          <a:bodyPr>
-            <a:normAutofit lnSpcReduction="10000"/>
-          </a:bodyPr>
+          <a:bodyPr/>
           <a:lstStyle/>
           <a:p>
             <a:r>
               <a:rPr lang="cs-CZ" dirty="0"/>
-              <a:t>  plán pro vzdělávání se dělí na tři hlavní skupiny: </a:t>
+              <a:t>Obsahuje desktopové aplikace Office jako jsou Word, Excel a Powerpoint. </a:t>
             </a:r>
           </a:p>
           <a:p>
             <a:r>
               <a:rPr lang="cs-CZ" dirty="0"/>
-              <a:t>1) Microsoft 365 </a:t>
+              <a:t>Nabízí online úložiště na </a:t>
             </a:r>
             <a:r>
               <a:rPr lang="cs-CZ" dirty="0" err="1"/>
-              <a:t>Education</a:t>
+              <a:t>onedrive</a:t>
             </a:r>
             <a:r>
               <a:rPr lang="cs-CZ" dirty="0"/>
-              <a:t> A1 </a:t>
+              <a:t> (až 6 TB) a jiné cloudové funkce. </a:t>
             </a:r>
           </a:p>
           <a:p>
             <a:r>
               <a:rPr lang="cs-CZ" dirty="0"/>
-              <a:t>Je to jednorázové řešení pro jedno zařízení</a:t>
+              <a:t>Je také kompatibilní se zařízeními od Apple a s Androidem</a:t>
             </a:r>
           </a:p>
           <a:p>
             <a:r>
               <a:rPr lang="cs-CZ" dirty="0"/>
-              <a:t>- obsahuje základní funkce jako jsou Word, Excel, Powerpoint, Teams a další.</a:t>
+              <a:t>Lze použít na více zařízeních najednou</a:t>
             </a:r>
           </a:p>
           <a:p>
             <a:r>
               <a:rPr lang="cs-CZ" dirty="0"/>
-              <a:t>Licence také nabízí cloudovou samosprávu v pomocí aplikace Microsoft </a:t>
-            </a:r>
-            <a:r>
-              <a:rPr lang="cs-CZ" dirty="0" err="1"/>
-              <a:t>Intune</a:t>
-            </a:r>
-            <a:r>
-              <a:rPr lang="cs-CZ" dirty="0"/>
-              <a:t> </a:t>
-            </a:r>
-            <a:r>
-              <a:rPr lang="cs-CZ" dirty="0" err="1"/>
-              <a:t>for</a:t>
-            </a:r>
-            <a:r>
-              <a:rPr lang="cs-CZ" dirty="0"/>
-              <a:t> </a:t>
-            </a:r>
-            <a:r>
-              <a:rPr lang="cs-CZ" dirty="0" err="1"/>
-              <a:t>Education</a:t>
-            </a:r>
-            <a:r>
-              <a:rPr lang="cs-CZ" dirty="0"/>
-              <a:t> (slouží k správě vašich zařízení)</a:t>
-            </a:r>
-          </a:p>
-          <a:p>
-            <a:r>
-              <a:rPr lang="cs-CZ" dirty="0"/>
-              <a:t>2) Microsoft 365 </a:t>
-            </a:r>
-            <a:r>
-              <a:rPr lang="cs-CZ" dirty="0" err="1"/>
-              <a:t>Education</a:t>
-            </a:r>
-            <a:r>
-              <a:rPr lang="cs-CZ" dirty="0"/>
-              <a:t> A3</a:t>
-            </a:r>
-          </a:p>
-          <a:p>
-            <a:r>
-              <a:rPr lang="cs-CZ" dirty="0"/>
-              <a:t>Obsahuje vše co plán A1</a:t>
-            </a:r>
-          </a:p>
-          <a:p>
-            <a:r>
-              <a:rPr lang="cs-CZ" dirty="0"/>
-              <a:t>Licence je registrovaná na uživatele – přístup odkudkoli</a:t>
-            </a:r>
-          </a:p>
-          <a:p>
-            <a:r>
-              <a:rPr lang="cs-CZ" dirty="0"/>
-              <a:t>3) Microsoft 365 </a:t>
-            </a:r>
-            <a:r>
-              <a:rPr lang="cs-CZ" dirty="0" err="1"/>
-              <a:t>Education</a:t>
-            </a:r>
-            <a:r>
-              <a:rPr lang="cs-CZ" dirty="0"/>
-              <a:t> A5</a:t>
-            </a:r>
-          </a:p>
-          <a:p>
-            <a:r>
-              <a:rPr lang="cs-CZ" dirty="0"/>
-              <a:t>Obsahuje vše  co plán A3</a:t>
-            </a:r>
-          </a:p>
-          <a:p>
-            <a:r>
-              <a:rPr lang="cs-CZ" dirty="0"/>
-              <a:t>Nabízí lepší zabezpečení pomocí služby Windows </a:t>
+              <a:t>Pokročilé zabezpečení uživatelských dat pomocí služby Windows </a:t>
             </a:r>
             <a:r>
               <a:rPr lang="cs-CZ" dirty="0" err="1"/>
               <a:t>Defender</a:t>
             </a:r>
-            <a:endParaRPr lang="cs-CZ" dirty="0"/>
-          </a:p>
-          <a:p>
-            <a:endParaRPr lang="cs-CZ" dirty="0"/>
-          </a:p>
-          <a:p>
             <a:endParaRPr lang="cs-CZ" dirty="0"/>
           </a:p>
         </p:txBody>
@@ -6646,7 +6674,7 @@
     </p:spTree>
     <p:extLst>
       <p:ext uri="{BB962C8B-B14F-4D97-AF65-F5344CB8AC3E}">
-        <p14:creationId xmlns:p14="http://schemas.microsoft.com/office/powerpoint/2010/main" val="1562630982"/>
+        <p14:creationId xmlns:p14="http://schemas.microsoft.com/office/powerpoint/2010/main" val="204954460"/>
       </p:ext>
     </p:extLst>
   </p:cSld>
@@ -6678,7 +6706,7 @@
           <p:cNvPr id="2" name="Nadpis 1">
             <a:extLst>
               <a:ext uri="{FF2B5EF4-FFF2-40B4-BE49-F238E27FC236}">
-                <a16:creationId xmlns:a16="http://schemas.microsoft.com/office/drawing/2014/main" id="{EA8E2AE4-4B4A-B43B-8E73-9CBD87D32624}"/>
+                <a16:creationId xmlns:a16="http://schemas.microsoft.com/office/drawing/2014/main" id="{B5C00F46-2E7E-7F3F-026D-40E696CBE7DE}"/>
               </a:ext>
             </a:extLst>
           </p:cNvPr>
@@ -6691,7 +6719,7 @@
         </p:nvSpPr>
         <p:spPr>
           <a:xfrm>
-            <a:off x="684212" y="447177"/>
+            <a:off x="684212" y="0"/>
             <a:ext cx="8534400" cy="1507067"/>
           </a:xfrm>
         </p:spPr>
@@ -6701,7 +6729,7 @@
           <a:p>
             <a:r>
               <a:rPr lang="cs-CZ" dirty="0"/>
-              <a:t>3. Plán pro větší podniky</a:t>
+              <a:t>2. Plán pro vzdělávání</a:t>
             </a:r>
           </a:p>
         </p:txBody>
@@ -6711,7 +6739,7 @@
           <p:cNvPr id="3" name="Zástupný obsah 2">
             <a:extLst>
               <a:ext uri="{FF2B5EF4-FFF2-40B4-BE49-F238E27FC236}">
-                <a16:creationId xmlns:a16="http://schemas.microsoft.com/office/drawing/2014/main" id="{1DAD4166-BF3C-166D-85B2-6B9CB6E81081}"/>
+                <a16:creationId xmlns:a16="http://schemas.microsoft.com/office/drawing/2014/main" id="{1535EA55-3904-B87B-A75D-DF361A2F390E}"/>
               </a:ext>
             </a:extLst>
           </p:cNvPr>
@@ -6724,18 +6752,136 @@
         </p:nvSpPr>
         <p:spPr>
           <a:xfrm>
-            <a:off x="684212" y="2197359"/>
-            <a:ext cx="8534400" cy="3615267"/>
+            <a:off x="684212" y="1700463"/>
+            <a:ext cx="8534400" cy="5157537"/>
           </a:xfrm>
         </p:spPr>
         <p:txBody>
-          <a:bodyPr/>
+          <a:bodyPr>
+            <a:normAutofit lnSpcReduction="10000"/>
+          </a:bodyPr>
           <a:lstStyle/>
           <a:p>
             <a:r>
               <a:rPr lang="cs-CZ" dirty="0"/>
-              <a:t>Slouží k propojení všech zaměstnanců v podniku </a:t>
-            </a:r>
+              <a:t>  plán pro vzdělávání se dělí na tři hlavní skupiny: </a:t>
+            </a:r>
+          </a:p>
+          <a:p>
+            <a:r>
+              <a:rPr lang="cs-CZ" dirty="0"/>
+              <a:t>1) Microsoft 365 </a:t>
+            </a:r>
+            <a:r>
+              <a:rPr lang="cs-CZ" dirty="0" err="1"/>
+              <a:t>Education</a:t>
+            </a:r>
+            <a:r>
+              <a:rPr lang="cs-CZ" dirty="0"/>
+              <a:t> A1 </a:t>
+            </a:r>
+          </a:p>
+          <a:p>
+            <a:r>
+              <a:rPr lang="cs-CZ" dirty="0"/>
+              <a:t>Je to jednorázové řešení pro jedno zařízení</a:t>
+            </a:r>
+          </a:p>
+          <a:p>
+            <a:r>
+              <a:rPr lang="cs-CZ" dirty="0"/>
+              <a:t>- obsahuje základní funkce jako jsou Word, Excel, Powerpoint, Teams a další.</a:t>
+            </a:r>
+          </a:p>
+          <a:p>
+            <a:r>
+              <a:rPr lang="cs-CZ" dirty="0"/>
+              <a:t>Licence také nabízí cloudovou samosprávu v pomocí aplikace Microsoft </a:t>
+            </a:r>
+            <a:r>
+              <a:rPr lang="cs-CZ" dirty="0" err="1"/>
+              <a:t>Intune</a:t>
+            </a:r>
+            <a:r>
+              <a:rPr lang="cs-CZ" dirty="0"/>
+              <a:t> </a:t>
+            </a:r>
+            <a:r>
+              <a:rPr lang="cs-CZ" dirty="0" err="1"/>
+              <a:t>for</a:t>
+            </a:r>
+            <a:r>
+              <a:rPr lang="cs-CZ" dirty="0"/>
+              <a:t> </a:t>
+            </a:r>
+            <a:r>
+              <a:rPr lang="cs-CZ" dirty="0" err="1"/>
+              <a:t>Education</a:t>
+            </a:r>
+            <a:r>
+              <a:rPr lang="cs-CZ" dirty="0"/>
+              <a:t> (slouží k správě vašich zařízení)</a:t>
+            </a:r>
+          </a:p>
+          <a:p>
+            <a:r>
+              <a:rPr lang="cs-CZ" dirty="0"/>
+              <a:t>2) Microsoft 365 </a:t>
+            </a:r>
+            <a:r>
+              <a:rPr lang="cs-CZ" dirty="0" err="1"/>
+              <a:t>Education</a:t>
+            </a:r>
+            <a:r>
+              <a:rPr lang="cs-CZ" dirty="0"/>
+              <a:t> A3</a:t>
+            </a:r>
+          </a:p>
+          <a:p>
+            <a:r>
+              <a:rPr lang="cs-CZ" dirty="0"/>
+              <a:t>Obsahuje vše co plán A1</a:t>
+            </a:r>
+          </a:p>
+          <a:p>
+            <a:r>
+              <a:rPr lang="cs-CZ" dirty="0"/>
+              <a:t>Licence je registrovaná na uživatele – přístup odkudkoli</a:t>
+            </a:r>
+          </a:p>
+          <a:p>
+            <a:r>
+              <a:rPr lang="cs-CZ" dirty="0"/>
+              <a:t>3) Microsoft 365 </a:t>
+            </a:r>
+            <a:r>
+              <a:rPr lang="cs-CZ" dirty="0" err="1"/>
+              <a:t>Education</a:t>
+            </a:r>
+            <a:r>
+              <a:rPr lang="cs-CZ" dirty="0"/>
+              <a:t> A5</a:t>
+            </a:r>
+          </a:p>
+          <a:p>
+            <a:r>
+              <a:rPr lang="cs-CZ" dirty="0"/>
+              <a:t>Obsahuje vše  co plán A3</a:t>
+            </a:r>
+          </a:p>
+          <a:p>
+            <a:r>
+              <a:rPr lang="cs-CZ" dirty="0"/>
+              <a:t>Nabízí lepší zabezpečení pomocí služby Windows </a:t>
+            </a:r>
+            <a:r>
+              <a:rPr lang="cs-CZ" dirty="0" err="1"/>
+              <a:t>Defender</a:t>
+            </a:r>
+            <a:endParaRPr lang="cs-CZ" dirty="0"/>
+          </a:p>
+          <a:p>
+            <a:endParaRPr lang="cs-CZ" dirty="0"/>
           </a:p>
           <a:p>
             <a:endParaRPr lang="cs-CZ" dirty="0"/>
@@ -6745,7 +6891,7 @@
     </p:spTree>
     <p:extLst>
       <p:ext uri="{BB962C8B-B14F-4D97-AF65-F5344CB8AC3E}">
-        <p14:creationId xmlns:p14="http://schemas.microsoft.com/office/powerpoint/2010/main" val="1477139281"/>
+        <p14:creationId xmlns:p14="http://schemas.microsoft.com/office/powerpoint/2010/main" val="1562630982"/>
       </p:ext>
     </p:extLst>
   </p:cSld>
@@ -6800,7 +6946,7 @@
           <a:p>
             <a:r>
               <a:rPr lang="cs-CZ" dirty="0"/>
-              <a:t>4. Plán pro menší firmy</a:t>
+              <a:t>3. Plán pro menší firmy</a:t>
             </a:r>
           </a:p>
         </p:txBody>
@@ -6823,15 +6969,93 @@
         </p:nvSpPr>
         <p:spPr>
           <a:xfrm>
-            <a:off x="684212" y="2548022"/>
-            <a:ext cx="8534400" cy="3615267"/>
+            <a:off x="422955" y="2099389"/>
+            <a:ext cx="8534400" cy="4269174"/>
           </a:xfrm>
         </p:spPr>
         <p:txBody>
-          <a:bodyPr/>
-          <a:lstStyle/>
+          <a:bodyPr>
+            <a:normAutofit fontScale="92500" lnSpcReduction="20000"/>
+          </a:bodyPr>
+          <a:lstStyle/>
+          <a:p>
+            <a:r>
+              <a:rPr lang="cs-CZ" dirty="0"/>
+              <a:t>Dělí se na 4 skupiny:</a:t>
+            </a:r>
+          </a:p>
+          <a:p>
+            <a:r>
+              <a:rPr lang="cs-CZ" dirty="0"/>
+              <a:t>1)Microsoft 365 Business Basic</a:t>
+            </a:r>
+          </a:p>
+          <a:p>
+            <a:r>
+              <a:rPr lang="cs-CZ" dirty="0"/>
+              <a:t>- chat, volání až s 300 účastníky</a:t>
+            </a:r>
+          </a:p>
+          <a:p>
+            <a:r>
+              <a:rPr lang="cs-CZ" dirty="0"/>
+              <a:t>- pouze webové a mobilní verze Office</a:t>
+            </a:r>
+          </a:p>
+          <a:p>
+            <a:r>
+              <a:rPr lang="cs-CZ" dirty="0"/>
+              <a:t>2) Microsoft 365 Business Standard</a:t>
+            </a:r>
+          </a:p>
+          <a:p>
+            <a:r>
+              <a:rPr lang="cs-CZ" dirty="0"/>
+              <a:t>- desktopové verze Office s prémiovými funkcemi</a:t>
+            </a:r>
+          </a:p>
+          <a:p>
+            <a:r>
+              <a:rPr lang="cs-CZ" dirty="0"/>
+              <a:t>- snadné hostování webinářů</a:t>
+            </a:r>
+          </a:p>
+          <a:p>
+            <a:r>
+              <a:rPr lang="cs-CZ" dirty="0"/>
+              <a:t>3) Microsoft 365 Business Premium </a:t>
+            </a:r>
+          </a:p>
+          <a:p>
+            <a:r>
+              <a:rPr lang="cs-CZ" dirty="0"/>
+              <a:t>- pokročilé zabezpečení</a:t>
+            </a:r>
+          </a:p>
           <a:p>
             <a:endParaRPr lang="cs-CZ" dirty="0"/>
+          </a:p>
+          <a:p>
+            <a:r>
+              <a:rPr lang="cs-CZ" dirty="0"/>
+              <a:t>4) Microsoft 365 </a:t>
+            </a:r>
+            <a:r>
+              <a:rPr lang="cs-CZ" dirty="0" err="1"/>
+              <a:t>Apps</a:t>
+            </a:r>
+            <a:r>
+              <a:rPr lang="cs-CZ" dirty="0"/>
+              <a:t> </a:t>
+            </a:r>
+            <a:r>
+              <a:rPr lang="cs-CZ" dirty="0" err="1"/>
+              <a:t>for</a:t>
+            </a:r>
+            <a:r>
+              <a:rPr lang="cs-CZ" dirty="0"/>
+              <a:t> Business</a:t>
+            </a:r>
           </a:p>
         </p:txBody>
       </p:sp>
@@ -6839,6 +7063,167 @@
     <p:extLst>
       <p:ext uri="{BB962C8B-B14F-4D97-AF65-F5344CB8AC3E}">
         <p14:creationId xmlns:p14="http://schemas.microsoft.com/office/powerpoint/2010/main" val="4055391505"/>
+      </p:ext>
+    </p:extLst>
+  </p:cSld>
+  <p:clrMapOvr>
+    <a:masterClrMapping/>
+  </p:clrMapOvr>
+</p:sld>
+</file>
+
+<file path=ppt/slides/slide9.xml><?xml version="1.0" encoding="utf-8"?>
+<p:sld xmlns:a="http://schemas.openxmlformats.org/drawingml/2006/main" xmlns:r="http://schemas.openxmlformats.org/officeDocument/2006/relationships" xmlns:p="http://schemas.openxmlformats.org/presentationml/2006/main">
+  <p:cSld>
+    <p:spTree>
+      <p:nvGrpSpPr>
+        <p:cNvPr id="1" name=""/>
+        <p:cNvGrpSpPr/>
+        <p:nvPr/>
+      </p:nvGrpSpPr>
+      <p:grpSpPr>
+        <a:xfrm>
+          <a:off x="0" y="0"/>
+          <a:ext cx="0" cy="0"/>
+          <a:chOff x="0" y="0"/>
+          <a:chExt cx="0" cy="0"/>
+        </a:xfrm>
+      </p:grpSpPr>
+      <p:sp>
+        <p:nvSpPr>
+          <p:cNvPr id="2" name="Nadpis 1">
+            <a:extLst>
+              <a:ext uri="{FF2B5EF4-FFF2-40B4-BE49-F238E27FC236}">
+                <a16:creationId xmlns:a16="http://schemas.microsoft.com/office/drawing/2014/main" id="{EA8E2AE4-4B4A-B43B-8E73-9CBD87D32624}"/>
+              </a:ext>
+            </a:extLst>
+          </p:cNvPr>
+          <p:cNvSpPr>
+            <a:spLocks noGrp="1"/>
+          </p:cNvSpPr>
+          <p:nvPr>
+            <p:ph type="title"/>
+          </p:nvPr>
+        </p:nvSpPr>
+        <p:spPr>
+          <a:xfrm>
+            <a:off x="684212" y="447177"/>
+            <a:ext cx="8534400" cy="1507067"/>
+          </a:xfrm>
+        </p:spPr>
+        <p:txBody>
+          <a:bodyPr/>
+          <a:lstStyle/>
+          <a:p>
+            <a:r>
+              <a:rPr lang="cs-CZ" dirty="0"/>
+              <a:t>4. Plán pro větší podniky</a:t>
+            </a:r>
+          </a:p>
+        </p:txBody>
+      </p:sp>
+      <p:sp>
+        <p:nvSpPr>
+          <p:cNvPr id="3" name="Zástupný obsah 2">
+            <a:extLst>
+              <a:ext uri="{FF2B5EF4-FFF2-40B4-BE49-F238E27FC236}">
+                <a16:creationId xmlns:a16="http://schemas.microsoft.com/office/drawing/2014/main" id="{1DAD4166-BF3C-166D-85B2-6B9CB6E81081}"/>
+              </a:ext>
+            </a:extLst>
+          </p:cNvPr>
+          <p:cNvSpPr>
+            <a:spLocks noGrp="1"/>
+          </p:cNvSpPr>
+          <p:nvPr>
+            <p:ph idx="1"/>
+          </p:nvPr>
+        </p:nvSpPr>
+        <p:spPr>
+          <a:xfrm>
+            <a:off x="684212" y="1954244"/>
+            <a:ext cx="8534400" cy="4207761"/>
+          </a:xfrm>
+        </p:spPr>
+        <p:txBody>
+          <a:bodyPr>
+            <a:normAutofit fontScale="92500" lnSpcReduction="10000"/>
+          </a:bodyPr>
+          <a:lstStyle/>
+          <a:p>
+            <a:r>
+              <a:rPr lang="cs-CZ" dirty="0"/>
+              <a:t>Slouží k propojení všech zaměstnanců v podniku</a:t>
+            </a:r>
+          </a:p>
+          <a:p>
+            <a:r>
+              <a:rPr lang="cs-CZ" dirty="0"/>
+              <a:t>Microsoft 365 E3</a:t>
+            </a:r>
+          </a:p>
+          <a:p>
+            <a:r>
+              <a:rPr lang="cs-CZ" dirty="0"/>
+              <a:t>Microsoft 365 E5</a:t>
+            </a:r>
+          </a:p>
+          <a:p>
+            <a:r>
+              <a:rPr lang="cs-CZ" dirty="0"/>
+              <a:t>Microsoft 365 F3</a:t>
+            </a:r>
+          </a:p>
+          <a:p>
+            <a:r>
+              <a:rPr lang="cs-CZ" dirty="0"/>
+              <a:t>Office 365 E1</a:t>
+            </a:r>
+          </a:p>
+          <a:p>
+            <a:r>
+              <a:rPr lang="cs-CZ" dirty="0"/>
+              <a:t>Office 365 E3</a:t>
+            </a:r>
+          </a:p>
+          <a:p>
+            <a:r>
+              <a:rPr lang="cs-CZ" dirty="0"/>
+              <a:t>Office 365 E5</a:t>
+            </a:r>
+          </a:p>
+          <a:p>
+            <a:r>
+              <a:rPr lang="cs-CZ" dirty="0"/>
+              <a:t>Microsoft 365 </a:t>
+            </a:r>
+            <a:r>
+              <a:rPr lang="cs-CZ" dirty="0" err="1"/>
+              <a:t>Apps</a:t>
+            </a:r>
+            <a:endParaRPr lang="cs-CZ" dirty="0"/>
+          </a:p>
+          <a:p>
+            <a:endParaRPr lang="cs-CZ" dirty="0"/>
+          </a:p>
+          <a:p>
+            <a:r>
+              <a:rPr lang="cs-CZ" dirty="0"/>
+              <a:t>Rozdíl mezi Office plány a Microsoft plány je, že Office plány </a:t>
+            </a:r>
+            <a:br>
+              <a:rPr lang="cs-CZ" dirty="0"/>
+            </a:br>
+            <a:r>
+              <a:rPr lang="cs-CZ" dirty="0"/>
+              <a:t>neposkytují desktopové aplikace (pouze Office pro web)</a:t>
+            </a:r>
+          </a:p>
+        </p:txBody>
+      </p:sp>
+    </p:spTree>
+    <p:extLst>
+      <p:ext uri="{BB962C8B-B14F-4D97-AF65-F5344CB8AC3E}">
+        <p14:creationId xmlns:p14="http://schemas.microsoft.com/office/powerpoint/2010/main" val="1477139281"/>
       </p:ext>
     </p:extLst>
   </p:cSld>

--- a/Machacek.pptx
+++ b/Machacek.pptx
@@ -15,6 +15,8 @@
     <p:sldId id="264" r:id="rId9"/>
     <p:sldId id="263" r:id="rId10"/>
     <p:sldId id="265" r:id="rId11"/>
+    <p:sldId id="267" r:id="rId12"/>
+    <p:sldId id="268" r:id="rId13"/>
   </p:sldIdLst>
   <p:sldSz cx="12192000" cy="6858000"/>
   <p:notesSz cx="6858000" cy="9144000"/>
@@ -312,7 +314,7 @@
           <a:p>
             <a:fld id="{065B1203-6543-4646-B75F-6F9F6309B165}" type="datetimeFigureOut">
               <a:rPr lang="cs-CZ" smtClean="0"/>
-              <a:t>11.01.2023</a:t>
+              <a:t>12.01.2023</a:t>
             </a:fld>
             <a:endParaRPr lang="cs-CZ"/>
           </a:p>
@@ -748,7 +750,7 @@
           <a:p>
             <a:fld id="{065B1203-6543-4646-B75F-6F9F6309B165}" type="datetimeFigureOut">
               <a:rPr lang="cs-CZ" smtClean="0"/>
-              <a:t>11.01.2023</a:t>
+              <a:t>12.01.2023</a:t>
             </a:fld>
             <a:endParaRPr lang="cs-CZ"/>
           </a:p>
@@ -998,7 +1000,7 @@
           <a:p>
             <a:fld id="{065B1203-6543-4646-B75F-6F9F6309B165}" type="datetimeFigureOut">
               <a:rPr lang="cs-CZ" smtClean="0"/>
-              <a:t>11.01.2023</a:t>
+              <a:t>12.01.2023</a:t>
             </a:fld>
             <a:endParaRPr lang="cs-CZ"/>
           </a:p>
@@ -1306,7 +1308,7 @@
           <a:p>
             <a:fld id="{065B1203-6543-4646-B75F-6F9F6309B165}" type="datetimeFigureOut">
               <a:rPr lang="cs-CZ" smtClean="0"/>
-              <a:t>11.01.2023</a:t>
+              <a:t>12.01.2023</a:t>
             </a:fld>
             <a:endParaRPr lang="cs-CZ"/>
           </a:p>
@@ -1624,7 +1626,7 @@
           <a:p>
             <a:fld id="{065B1203-6543-4646-B75F-6F9F6309B165}" type="datetimeFigureOut">
               <a:rPr lang="cs-CZ" smtClean="0"/>
-              <a:t>11.01.2023</a:t>
+              <a:t>12.01.2023</a:t>
             </a:fld>
             <a:endParaRPr lang="cs-CZ"/>
           </a:p>
@@ -1926,7 +1928,7 @@
           <a:p>
             <a:fld id="{065B1203-6543-4646-B75F-6F9F6309B165}" type="datetimeFigureOut">
               <a:rPr lang="cs-CZ" smtClean="0"/>
-              <a:t>11.01.2023</a:t>
+              <a:t>12.01.2023</a:t>
             </a:fld>
             <a:endParaRPr lang="cs-CZ"/>
           </a:p>
@@ -2293,7 +2295,7 @@
           <a:p>
             <a:fld id="{065B1203-6543-4646-B75F-6F9F6309B165}" type="datetimeFigureOut">
               <a:rPr lang="cs-CZ" smtClean="0"/>
-              <a:t>11.01.2023</a:t>
+              <a:t>12.01.2023</a:t>
             </a:fld>
             <a:endParaRPr lang="cs-CZ"/>
           </a:p>
@@ -2467,7 +2469,7 @@
           <a:p>
             <a:fld id="{065B1203-6543-4646-B75F-6F9F6309B165}" type="datetimeFigureOut">
               <a:rPr lang="cs-CZ" smtClean="0"/>
-              <a:t>11.01.2023</a:t>
+              <a:t>12.01.2023</a:t>
             </a:fld>
             <a:endParaRPr lang="cs-CZ"/>
           </a:p>
@@ -2647,7 +2649,7 @@
           <a:p>
             <a:fld id="{065B1203-6543-4646-B75F-6F9F6309B165}" type="datetimeFigureOut">
               <a:rPr lang="cs-CZ" smtClean="0"/>
-              <a:t>11.01.2023</a:t>
+              <a:t>12.01.2023</a:t>
             </a:fld>
             <a:endParaRPr lang="cs-CZ"/>
           </a:p>
@@ -2817,7 +2819,7 @@
           <a:p>
             <a:fld id="{065B1203-6543-4646-B75F-6F9F6309B165}" type="datetimeFigureOut">
               <a:rPr lang="cs-CZ" smtClean="0"/>
-              <a:t>11.01.2023</a:t>
+              <a:t>12.01.2023</a:t>
             </a:fld>
             <a:endParaRPr lang="cs-CZ"/>
           </a:p>
@@ -3067,7 +3069,7 @@
           <a:p>
             <a:fld id="{065B1203-6543-4646-B75F-6F9F6309B165}" type="datetimeFigureOut">
               <a:rPr lang="cs-CZ" smtClean="0"/>
-              <a:t>11.01.2023</a:t>
+              <a:t>12.01.2023</a:t>
             </a:fld>
             <a:endParaRPr lang="cs-CZ"/>
           </a:p>
@@ -3303,7 +3305,7 @@
           <a:p>
             <a:fld id="{065B1203-6543-4646-B75F-6F9F6309B165}" type="datetimeFigureOut">
               <a:rPr lang="cs-CZ" smtClean="0"/>
-              <a:t>11.01.2023</a:t>
+              <a:t>12.01.2023</a:t>
             </a:fld>
             <a:endParaRPr lang="cs-CZ"/>
           </a:p>
@@ -3685,7 +3687,7 @@
           <a:p>
             <a:fld id="{065B1203-6543-4646-B75F-6F9F6309B165}" type="datetimeFigureOut">
               <a:rPr lang="cs-CZ" smtClean="0"/>
-              <a:t>11.01.2023</a:t>
+              <a:t>12.01.2023</a:t>
             </a:fld>
             <a:endParaRPr lang="cs-CZ"/>
           </a:p>
@@ -3803,7 +3805,7 @@
           <a:p>
             <a:fld id="{065B1203-6543-4646-B75F-6F9F6309B165}" type="datetimeFigureOut">
               <a:rPr lang="cs-CZ" smtClean="0"/>
-              <a:t>11.01.2023</a:t>
+              <a:t>12.01.2023</a:t>
             </a:fld>
             <a:endParaRPr lang="cs-CZ"/>
           </a:p>
@@ -3898,7 +3900,7 @@
           <a:p>
             <a:fld id="{065B1203-6543-4646-B75F-6F9F6309B165}" type="datetimeFigureOut">
               <a:rPr lang="cs-CZ" smtClean="0"/>
-              <a:t>11.01.2023</a:t>
+              <a:t>12.01.2023</a:t>
             </a:fld>
             <a:endParaRPr lang="cs-CZ"/>
           </a:p>
@@ -4153,7 +4155,7 @@
           <a:p>
             <a:fld id="{065B1203-6543-4646-B75F-6F9F6309B165}" type="datetimeFigureOut">
               <a:rPr lang="cs-CZ" smtClean="0"/>
-              <a:t>11.01.2023</a:t>
+              <a:t>12.01.2023</a:t>
             </a:fld>
             <a:endParaRPr lang="cs-CZ"/>
           </a:p>
@@ -4436,7 +4438,7 @@
           <a:p>
             <a:fld id="{065B1203-6543-4646-B75F-6F9F6309B165}" type="datetimeFigureOut">
               <a:rPr lang="cs-CZ" smtClean="0"/>
-              <a:t>11.01.2023</a:t>
+              <a:t>12.01.2023</a:t>
             </a:fld>
             <a:endParaRPr lang="cs-CZ"/>
           </a:p>
@@ -4842,7 +4844,7 @@
           <a:p>
             <a:fld id="{065B1203-6543-4646-B75F-6F9F6309B165}" type="datetimeFigureOut">
               <a:rPr lang="cs-CZ" smtClean="0"/>
-              <a:t>11.01.2023</a:t>
+              <a:t>12.01.2023</a:t>
             </a:fld>
             <a:endParaRPr lang="cs-CZ"/>
           </a:p>
@@ -6017,32 +6019,66 @@
         </p:nvSpPr>
         <p:spPr>
           <a:xfrm>
-            <a:off x="883233" y="2342676"/>
-            <a:ext cx="8534400" cy="3615267"/>
+            <a:off x="883233" y="1847462"/>
+            <a:ext cx="8534400" cy="4110482"/>
           </a:xfrm>
         </p:spPr>
         <p:txBody>
-          <a:bodyPr/>
-          <a:lstStyle/>
-          <a:p>
-            <a:r>
-              <a:rPr lang="cs-CZ" u="sng" dirty="0"/>
+          <a:bodyPr>
+            <a:normAutofit fontScale="92500" lnSpcReduction="10000"/>
+          </a:bodyPr>
+          <a:lstStyle/>
+          <a:p>
+            <a:r>
+              <a:rPr lang="cs-CZ" sz="2400" u="sng" dirty="0"/>
               <a:t>Mezi hlavní aplikace Microsoft 365 patří:</a:t>
             </a:r>
           </a:p>
           <a:p>
-            <a:endParaRPr lang="cs-CZ" dirty="0"/>
-          </a:p>
-          <a:p>
-            <a:r>
-              <a:rPr lang="cs-CZ" dirty="0"/>
-              <a:t>Microsoft Word</a:t>
-            </a:r>
-          </a:p>
-          <a:p>
-            <a:r>
-              <a:rPr lang="cs-CZ" dirty="0"/>
-              <a:t>-</a:t>
+            <a:endParaRPr lang="cs-CZ" sz="2400" dirty="0"/>
+          </a:p>
+          <a:p>
+            <a:r>
+              <a:rPr lang="cs-CZ" sz="2400" dirty="0"/>
+              <a:t>Word - textový procesor</a:t>
+            </a:r>
+          </a:p>
+          <a:p>
+            <a:r>
+              <a:rPr lang="cs-CZ" sz="2400" dirty="0"/>
+              <a:t>Excel - tabulkový procesor</a:t>
+            </a:r>
+          </a:p>
+          <a:p>
+            <a:r>
+              <a:rPr lang="cs-CZ" sz="2400" dirty="0"/>
+              <a:t>PowerPoint - program pro vytváření prezentací</a:t>
+            </a:r>
+          </a:p>
+          <a:p>
+            <a:r>
+              <a:rPr lang="cs-CZ" sz="2400" dirty="0"/>
+              <a:t>Outlook - e-mailový program</a:t>
+            </a:r>
+          </a:p>
+          <a:p>
+            <a:r>
+              <a:rPr lang="cs-CZ" sz="2400" dirty="0" err="1"/>
+              <a:t>Onedrive</a:t>
+            </a:r>
+            <a:r>
+              <a:rPr lang="cs-CZ" sz="2400" dirty="0"/>
+              <a:t> - cloudové úložiště</a:t>
+            </a:r>
+          </a:p>
+          <a:p>
+            <a:r>
+              <a:rPr lang="cs-CZ" sz="2400" dirty="0" err="1"/>
+              <a:t>Onenote</a:t>
+            </a:r>
+            <a:r>
+              <a:rPr lang="cs-CZ" sz="2400" dirty="0"/>
+              <a:t> - program pro vytváření textových, ale i zvukových a grafických poznámek</a:t>
             </a:r>
           </a:p>
         </p:txBody>
@@ -6051,6 +6087,230 @@
     <p:extLst>
       <p:ext uri="{BB962C8B-B14F-4D97-AF65-F5344CB8AC3E}">
         <p14:creationId xmlns:p14="http://schemas.microsoft.com/office/powerpoint/2010/main" val="3202221987"/>
+      </p:ext>
+    </p:extLst>
+  </p:cSld>
+  <p:clrMapOvr>
+    <a:masterClrMapping/>
+  </p:clrMapOvr>
+</p:sld>
+</file>
+
+<file path=ppt/slides/slide11.xml><?xml version="1.0" encoding="utf-8"?>
+<p:sld xmlns:a="http://schemas.openxmlformats.org/drawingml/2006/main" xmlns:r="http://schemas.openxmlformats.org/officeDocument/2006/relationships" xmlns:p="http://schemas.openxmlformats.org/presentationml/2006/main">
+  <p:cSld>
+    <p:spTree>
+      <p:nvGrpSpPr>
+        <p:cNvPr id="1" name=""/>
+        <p:cNvGrpSpPr/>
+        <p:nvPr/>
+      </p:nvGrpSpPr>
+      <p:grpSpPr>
+        <a:xfrm>
+          <a:off x="0" y="0"/>
+          <a:ext cx="0" cy="0"/>
+          <a:chOff x="0" y="0"/>
+          <a:chExt cx="0" cy="0"/>
+        </a:xfrm>
+      </p:grpSpPr>
+      <p:sp>
+        <p:nvSpPr>
+          <p:cNvPr id="2" name="Nadpis 1">
+            <a:extLst>
+              <a:ext uri="{FF2B5EF4-FFF2-40B4-BE49-F238E27FC236}">
+                <a16:creationId xmlns:a16="http://schemas.microsoft.com/office/drawing/2014/main" id="{E641099E-1892-1C3F-BFF9-5C26822A1E2A}"/>
+              </a:ext>
+            </a:extLst>
+          </p:cNvPr>
+          <p:cNvSpPr>
+            <a:spLocks noGrp="1"/>
+          </p:cNvSpPr>
+          <p:nvPr>
+            <p:ph type="title"/>
+          </p:nvPr>
+        </p:nvSpPr>
+        <p:spPr>
+          <a:xfrm>
+            <a:off x="684212" y="685800"/>
+            <a:ext cx="8534400" cy="1507067"/>
+          </a:xfrm>
+        </p:spPr>
+        <p:txBody>
+          <a:bodyPr/>
+          <a:lstStyle/>
+          <a:p>
+            <a:r>
+              <a:rPr lang="cs-CZ" dirty="0"/>
+              <a:t>Hlavní aplikace Microsoft 365</a:t>
+            </a:r>
+          </a:p>
+        </p:txBody>
+      </p:sp>
+      <p:sp>
+        <p:nvSpPr>
+          <p:cNvPr id="3" name="Zástupný obsah 2">
+            <a:extLst>
+              <a:ext uri="{FF2B5EF4-FFF2-40B4-BE49-F238E27FC236}">
+                <a16:creationId xmlns:a16="http://schemas.microsoft.com/office/drawing/2014/main" id="{C8E53577-6502-B001-947B-37FC6EE12475}"/>
+              </a:ext>
+            </a:extLst>
+          </p:cNvPr>
+          <p:cNvSpPr>
+            <a:spLocks noGrp="1"/>
+          </p:cNvSpPr>
+          <p:nvPr>
+            <p:ph idx="1"/>
+          </p:nvPr>
+        </p:nvSpPr>
+        <p:spPr>
+          <a:xfrm>
+            <a:off x="684212" y="2192867"/>
+            <a:ext cx="8534400" cy="3615267"/>
+          </a:xfrm>
+        </p:spPr>
+        <p:txBody>
+          <a:bodyPr/>
+          <a:lstStyle/>
+          <a:p>
+            <a:r>
+              <a:rPr lang="cs-CZ" sz="2000" dirty="0"/>
+              <a:t>Skype - je to peer to peer program (komunikace probíhá přímo mezi uživateli), který umožňuje telefonovat a chatovat zadarmo</a:t>
+            </a:r>
+          </a:p>
+          <a:p>
+            <a:r>
+              <a:rPr lang="cs-CZ" dirty="0" err="1"/>
+              <a:t>Forms</a:t>
+            </a:r>
+            <a:r>
+              <a:rPr lang="cs-CZ" dirty="0"/>
+              <a:t> - program k vytváření online průzkumů</a:t>
+            </a:r>
+          </a:p>
+          <a:p>
+            <a:r>
+              <a:rPr lang="cs-CZ" dirty="0"/>
+              <a:t>Visio - program pro vytváření vektorové grafiky</a:t>
+            </a:r>
+            <a:br>
+              <a:rPr lang="cs-CZ" dirty="0"/>
+            </a:br>
+            <a:r>
+              <a:rPr lang="cs-CZ" dirty="0"/>
+              <a:t>- používá se k vytváření různých diagramů – např: vývojové diagramy, síťové diagramy, organizační diagramy, půdorysů, myšlenkových map, atd.</a:t>
+            </a:r>
+          </a:p>
+        </p:txBody>
+      </p:sp>
+    </p:spTree>
+    <p:extLst>
+      <p:ext uri="{BB962C8B-B14F-4D97-AF65-F5344CB8AC3E}">
+        <p14:creationId xmlns:p14="http://schemas.microsoft.com/office/powerpoint/2010/main" val="1655075294"/>
+      </p:ext>
+    </p:extLst>
+  </p:cSld>
+  <p:clrMapOvr>
+    <a:masterClrMapping/>
+  </p:clrMapOvr>
+</p:sld>
+</file>
+
+<file path=ppt/slides/slide12.xml><?xml version="1.0" encoding="utf-8"?>
+<p:sld xmlns:a="http://schemas.openxmlformats.org/drawingml/2006/main" xmlns:r="http://schemas.openxmlformats.org/officeDocument/2006/relationships" xmlns:p="http://schemas.openxmlformats.org/presentationml/2006/main">
+  <p:cSld>
+    <p:spTree>
+      <p:nvGrpSpPr>
+        <p:cNvPr id="1" name=""/>
+        <p:cNvGrpSpPr/>
+        <p:nvPr/>
+      </p:nvGrpSpPr>
+      <p:grpSpPr>
+        <a:xfrm>
+          <a:off x="0" y="0"/>
+          <a:ext cx="0" cy="0"/>
+          <a:chOff x="0" y="0"/>
+          <a:chExt cx="0" cy="0"/>
+        </a:xfrm>
+      </p:grpSpPr>
+      <p:sp>
+        <p:nvSpPr>
+          <p:cNvPr id="2" name="Nadpis 1">
+            <a:extLst>
+              <a:ext uri="{FF2B5EF4-FFF2-40B4-BE49-F238E27FC236}">
+                <a16:creationId xmlns:a16="http://schemas.microsoft.com/office/drawing/2014/main" id="{78FF49E1-89E0-E19F-3018-EE843366E71D}"/>
+              </a:ext>
+            </a:extLst>
+          </p:cNvPr>
+          <p:cNvSpPr>
+            <a:spLocks noGrp="1"/>
+          </p:cNvSpPr>
+          <p:nvPr>
+            <p:ph type="title"/>
+          </p:nvPr>
+        </p:nvSpPr>
+        <p:spPr>
+          <a:xfrm>
+            <a:off x="684212" y="830424"/>
+            <a:ext cx="8534400" cy="1507067"/>
+          </a:xfrm>
+        </p:spPr>
+        <p:txBody>
+          <a:bodyPr/>
+          <a:lstStyle/>
+          <a:p>
+            <a:r>
+              <a:rPr lang="cs-CZ" dirty="0"/>
+              <a:t>Hlavní Aplikace </a:t>
+            </a:r>
+            <a:r>
+              <a:rPr lang="cs-CZ" dirty="0" err="1"/>
+              <a:t>microsoft</a:t>
+            </a:r>
+            <a:r>
+              <a:rPr lang="cs-CZ" dirty="0"/>
+              <a:t> 365</a:t>
+            </a:r>
+          </a:p>
+        </p:txBody>
+      </p:sp>
+      <p:sp>
+        <p:nvSpPr>
+          <p:cNvPr id="3" name="Zástupný obsah 2">
+            <a:extLst>
+              <a:ext uri="{FF2B5EF4-FFF2-40B4-BE49-F238E27FC236}">
+                <a16:creationId xmlns:a16="http://schemas.microsoft.com/office/drawing/2014/main" id="{0A473BAA-3329-D04E-59B8-35EB5B952E2D}"/>
+              </a:ext>
+            </a:extLst>
+          </p:cNvPr>
+          <p:cNvSpPr>
+            <a:spLocks noGrp="1"/>
+          </p:cNvSpPr>
+          <p:nvPr>
+            <p:ph idx="1"/>
+          </p:nvPr>
+        </p:nvSpPr>
+        <p:spPr>
+          <a:xfrm>
+            <a:off x="684212" y="2375161"/>
+            <a:ext cx="8534400" cy="3615267"/>
+          </a:xfrm>
+        </p:spPr>
+        <p:txBody>
+          <a:bodyPr/>
+          <a:lstStyle/>
+          <a:p>
+            <a:r>
+              <a:rPr lang="cs-CZ"/>
+              <a:t>Sway</a:t>
+            </a:r>
+            <a:endParaRPr lang="cs-CZ" dirty="0"/>
+          </a:p>
+        </p:txBody>
+      </p:sp>
+    </p:spTree>
+    <p:extLst>
+      <p:ext uri="{BB962C8B-B14F-4D97-AF65-F5344CB8AC3E}">
+        <p14:creationId xmlns:p14="http://schemas.microsoft.com/office/powerpoint/2010/main" val="1782674078"/>
       </p:ext>
     </p:extLst>
   </p:cSld>

--- a/Machacek.pptx
+++ b/Machacek.pptx
@@ -15,8 +15,12 @@
     <p:sldId id="264" r:id="rId9"/>
     <p:sldId id="263" r:id="rId10"/>
     <p:sldId id="265" r:id="rId11"/>
-    <p:sldId id="267" r:id="rId12"/>
-    <p:sldId id="268" r:id="rId13"/>
+    <p:sldId id="272" r:id="rId12"/>
+    <p:sldId id="267" r:id="rId13"/>
+    <p:sldId id="268" r:id="rId14"/>
+    <p:sldId id="269" r:id="rId15"/>
+    <p:sldId id="270" r:id="rId16"/>
+    <p:sldId id="271" r:id="rId17"/>
   </p:sldIdLst>
   <p:sldSz cx="12192000" cy="6858000"/>
   <p:notesSz cx="6858000" cy="9144000"/>
@@ -314,7 +318,7 @@
           <a:p>
             <a:fld id="{065B1203-6543-4646-B75F-6F9F6309B165}" type="datetimeFigureOut">
               <a:rPr lang="cs-CZ" smtClean="0"/>
-              <a:t>12.01.2023</a:t>
+              <a:t>15.01.2023</a:t>
             </a:fld>
             <a:endParaRPr lang="cs-CZ"/>
           </a:p>
@@ -750,7 +754,7 @@
           <a:p>
             <a:fld id="{065B1203-6543-4646-B75F-6F9F6309B165}" type="datetimeFigureOut">
               <a:rPr lang="cs-CZ" smtClean="0"/>
-              <a:t>12.01.2023</a:t>
+              <a:t>15.01.2023</a:t>
             </a:fld>
             <a:endParaRPr lang="cs-CZ"/>
           </a:p>
@@ -1000,7 +1004,7 @@
           <a:p>
             <a:fld id="{065B1203-6543-4646-B75F-6F9F6309B165}" type="datetimeFigureOut">
               <a:rPr lang="cs-CZ" smtClean="0"/>
-              <a:t>12.01.2023</a:t>
+              <a:t>15.01.2023</a:t>
             </a:fld>
             <a:endParaRPr lang="cs-CZ"/>
           </a:p>
@@ -1308,7 +1312,7 @@
           <a:p>
             <a:fld id="{065B1203-6543-4646-B75F-6F9F6309B165}" type="datetimeFigureOut">
               <a:rPr lang="cs-CZ" smtClean="0"/>
-              <a:t>12.01.2023</a:t>
+              <a:t>15.01.2023</a:t>
             </a:fld>
             <a:endParaRPr lang="cs-CZ"/>
           </a:p>
@@ -1626,7 +1630,7 @@
           <a:p>
             <a:fld id="{065B1203-6543-4646-B75F-6F9F6309B165}" type="datetimeFigureOut">
               <a:rPr lang="cs-CZ" smtClean="0"/>
-              <a:t>12.01.2023</a:t>
+              <a:t>15.01.2023</a:t>
             </a:fld>
             <a:endParaRPr lang="cs-CZ"/>
           </a:p>
@@ -1928,7 +1932,7 @@
           <a:p>
             <a:fld id="{065B1203-6543-4646-B75F-6F9F6309B165}" type="datetimeFigureOut">
               <a:rPr lang="cs-CZ" smtClean="0"/>
-              <a:t>12.01.2023</a:t>
+              <a:t>15.01.2023</a:t>
             </a:fld>
             <a:endParaRPr lang="cs-CZ"/>
           </a:p>
@@ -2295,7 +2299,7 @@
           <a:p>
             <a:fld id="{065B1203-6543-4646-B75F-6F9F6309B165}" type="datetimeFigureOut">
               <a:rPr lang="cs-CZ" smtClean="0"/>
-              <a:t>12.01.2023</a:t>
+              <a:t>15.01.2023</a:t>
             </a:fld>
             <a:endParaRPr lang="cs-CZ"/>
           </a:p>
@@ -2469,7 +2473,7 @@
           <a:p>
             <a:fld id="{065B1203-6543-4646-B75F-6F9F6309B165}" type="datetimeFigureOut">
               <a:rPr lang="cs-CZ" smtClean="0"/>
-              <a:t>12.01.2023</a:t>
+              <a:t>15.01.2023</a:t>
             </a:fld>
             <a:endParaRPr lang="cs-CZ"/>
           </a:p>
@@ -2649,7 +2653,7 @@
           <a:p>
             <a:fld id="{065B1203-6543-4646-B75F-6F9F6309B165}" type="datetimeFigureOut">
               <a:rPr lang="cs-CZ" smtClean="0"/>
-              <a:t>12.01.2023</a:t>
+              <a:t>15.01.2023</a:t>
             </a:fld>
             <a:endParaRPr lang="cs-CZ"/>
           </a:p>
@@ -2819,7 +2823,7 @@
           <a:p>
             <a:fld id="{065B1203-6543-4646-B75F-6F9F6309B165}" type="datetimeFigureOut">
               <a:rPr lang="cs-CZ" smtClean="0"/>
-              <a:t>12.01.2023</a:t>
+              <a:t>15.01.2023</a:t>
             </a:fld>
             <a:endParaRPr lang="cs-CZ"/>
           </a:p>
@@ -3069,7 +3073,7 @@
           <a:p>
             <a:fld id="{065B1203-6543-4646-B75F-6F9F6309B165}" type="datetimeFigureOut">
               <a:rPr lang="cs-CZ" smtClean="0"/>
-              <a:t>12.01.2023</a:t>
+              <a:t>15.01.2023</a:t>
             </a:fld>
             <a:endParaRPr lang="cs-CZ"/>
           </a:p>
@@ -3305,7 +3309,7 @@
           <a:p>
             <a:fld id="{065B1203-6543-4646-B75F-6F9F6309B165}" type="datetimeFigureOut">
               <a:rPr lang="cs-CZ" smtClean="0"/>
-              <a:t>12.01.2023</a:t>
+              <a:t>15.01.2023</a:t>
             </a:fld>
             <a:endParaRPr lang="cs-CZ"/>
           </a:p>
@@ -3687,7 +3691,7 @@
           <a:p>
             <a:fld id="{065B1203-6543-4646-B75F-6F9F6309B165}" type="datetimeFigureOut">
               <a:rPr lang="cs-CZ" smtClean="0"/>
-              <a:t>12.01.2023</a:t>
+              <a:t>15.01.2023</a:t>
             </a:fld>
             <a:endParaRPr lang="cs-CZ"/>
           </a:p>
@@ -3805,7 +3809,7 @@
           <a:p>
             <a:fld id="{065B1203-6543-4646-B75F-6F9F6309B165}" type="datetimeFigureOut">
               <a:rPr lang="cs-CZ" smtClean="0"/>
-              <a:t>12.01.2023</a:t>
+              <a:t>15.01.2023</a:t>
             </a:fld>
             <a:endParaRPr lang="cs-CZ"/>
           </a:p>
@@ -3900,7 +3904,7 @@
           <a:p>
             <a:fld id="{065B1203-6543-4646-B75F-6F9F6309B165}" type="datetimeFigureOut">
               <a:rPr lang="cs-CZ" smtClean="0"/>
-              <a:t>12.01.2023</a:t>
+              <a:t>15.01.2023</a:t>
             </a:fld>
             <a:endParaRPr lang="cs-CZ"/>
           </a:p>
@@ -4155,7 +4159,7 @@
           <a:p>
             <a:fld id="{065B1203-6543-4646-B75F-6F9F6309B165}" type="datetimeFigureOut">
               <a:rPr lang="cs-CZ" smtClean="0"/>
-              <a:t>12.01.2023</a:t>
+              <a:t>15.01.2023</a:t>
             </a:fld>
             <a:endParaRPr lang="cs-CZ"/>
           </a:p>
@@ -4438,7 +4442,7 @@
           <a:p>
             <a:fld id="{065B1203-6543-4646-B75F-6F9F6309B165}" type="datetimeFigureOut">
               <a:rPr lang="cs-CZ" smtClean="0"/>
-              <a:t>12.01.2023</a:t>
+              <a:t>15.01.2023</a:t>
             </a:fld>
             <a:endParaRPr lang="cs-CZ"/>
           </a:p>
@@ -4844,7 +4848,7 @@
           <a:p>
             <a:fld id="{065B1203-6543-4646-B75F-6F9F6309B165}" type="datetimeFigureOut">
               <a:rPr lang="cs-CZ" smtClean="0"/>
-              <a:t>12.01.2023</a:t>
+              <a:t>15.01.2023</a:t>
             </a:fld>
             <a:endParaRPr lang="cs-CZ"/>
           </a:p>
@@ -5954,6 +5958,31 @@
 <file path=ppt/slides/slide10.xml><?xml version="1.0" encoding="utf-8"?>
 <p:sld xmlns:a="http://schemas.openxmlformats.org/drawingml/2006/main" xmlns:r="http://schemas.openxmlformats.org/officeDocument/2006/relationships" xmlns:p="http://schemas.openxmlformats.org/presentationml/2006/main">
   <p:cSld>
+    <p:bg>
+      <p:bgPr>
+        <a:gradFill rotWithShape="1">
+          <a:gsLst>
+            <a:gs pos="10000">
+              <a:schemeClr val="bg2">
+                <a:tint val="97000"/>
+                <a:hueMod val="92000"/>
+                <a:satMod val="169000"/>
+                <a:lumMod val="164000"/>
+              </a:schemeClr>
+            </a:gs>
+            <a:gs pos="100000">
+              <a:schemeClr val="bg2">
+                <a:shade val="96000"/>
+                <a:satMod val="120000"/>
+                <a:lumMod val="90000"/>
+              </a:schemeClr>
+            </a:gs>
+          </a:gsLst>
+          <a:lin ang="6120000" scaled="1"/>
+        </a:gradFill>
+        <a:effectLst/>
+      </p:bgPr>
+    </p:bg>
     <p:spTree>
       <p:nvGrpSpPr>
         <p:cNvPr id="1" name=""/>
@@ -6025,7 +6054,7 @@
         </p:spPr>
         <p:txBody>
           <a:bodyPr>
-            <a:normAutofit fontScale="92500" lnSpcReduction="10000"/>
+            <a:normAutofit fontScale="92500" lnSpcReduction="20000"/>
           </a:bodyPr>
           <a:lstStyle/>
           <a:p>
@@ -6040,7 +6069,7 @@
           <a:p>
             <a:r>
               <a:rPr lang="cs-CZ" sz="2400" dirty="0"/>
-              <a:t>Word - textový procesor</a:t>
+              <a:t>Word - textový procesor - vznikl v roce 1983 – první textový procesor schopný zobrazit kurzívu a tučné písmo.</a:t>
             </a:r>
           </a:p>
           <a:p>
@@ -6083,6 +6112,194 @@
           </a:p>
         </p:txBody>
       </p:sp>
+      <p:pic>
+        <p:nvPicPr>
+          <p:cNvPr id="1026" name="Picture 2" descr="Microsoft Word – Wikipedie">
+            <a:extLst>
+              <a:ext uri="{FF2B5EF4-FFF2-40B4-BE49-F238E27FC236}">
+                <a16:creationId xmlns:a16="http://schemas.microsoft.com/office/drawing/2014/main" id="{93BBDCAD-5B14-E116-12EA-134DEB5908CC}"/>
+              </a:ext>
+            </a:extLst>
+          </p:cNvPr>
+          <p:cNvPicPr>
+            <a:picLocks noChangeAspect="1" noChangeArrowheads="1"/>
+          </p:cNvPicPr>
+          <p:nvPr/>
+        </p:nvPicPr>
+        <p:blipFill>
+          <a:blip r:embed="rId2">
+            <a:extLst>
+              <a:ext uri="{28A0092B-C50C-407E-A947-70E740481C1C}">
+                <a14:useLocalDpi xmlns:a14="http://schemas.microsoft.com/office/drawing/2010/main" val="0"/>
+              </a:ext>
+            </a:extLst>
+          </a:blip>
+          <a:srcRect/>
+          <a:stretch>
+            <a:fillRect/>
+          </a:stretch>
+        </p:blipFill>
+        <p:spPr bwMode="auto">
+          <a:xfrm>
+            <a:off x="8675116" y="2710358"/>
+            <a:ext cx="579205" cy="538680"/>
+          </a:xfrm>
+          <a:prstGeom prst="rect">
+            <a:avLst/>
+          </a:prstGeom>
+          <a:noFill/>
+          <a:extLst>
+            <a:ext uri="{909E8E84-426E-40DD-AFC4-6F175D3DCCD1}">
+              <a14:hiddenFill xmlns:a14="http://schemas.microsoft.com/office/drawing/2010/main">
+                <a:solidFill>
+                  <a:srgbClr val="FFFFFF"/>
+                </a:solidFill>
+              </a14:hiddenFill>
+            </a:ext>
+          </a:extLst>
+        </p:spPr>
+      </p:pic>
+      <p:pic>
+        <p:nvPicPr>
+          <p:cNvPr id="1028" name="Picture 4" descr="Microsoft Excel – Wikipedie">
+            <a:extLst>
+              <a:ext uri="{FF2B5EF4-FFF2-40B4-BE49-F238E27FC236}">
+                <a16:creationId xmlns:a16="http://schemas.microsoft.com/office/drawing/2014/main" id="{6EF427ED-C6CA-652F-7D74-A5EA17DBCE6A}"/>
+              </a:ext>
+            </a:extLst>
+          </p:cNvPr>
+          <p:cNvPicPr>
+            <a:picLocks noChangeAspect="1" noChangeArrowheads="1"/>
+          </p:cNvPicPr>
+          <p:nvPr/>
+        </p:nvPicPr>
+        <p:blipFill>
+          <a:blip r:embed="rId3">
+            <a:extLst>
+              <a:ext uri="{28A0092B-C50C-407E-A947-70E740481C1C}">
+                <a14:useLocalDpi xmlns:a14="http://schemas.microsoft.com/office/drawing/2010/main" val="0"/>
+              </a:ext>
+            </a:extLst>
+          </a:blip>
+          <a:srcRect/>
+          <a:stretch>
+            <a:fillRect/>
+          </a:stretch>
+        </p:blipFill>
+        <p:spPr bwMode="auto">
+          <a:xfrm>
+            <a:off x="8675116" y="3249038"/>
+            <a:ext cx="579206" cy="538680"/>
+          </a:xfrm>
+          <a:prstGeom prst="rect">
+            <a:avLst/>
+          </a:prstGeom>
+          <a:noFill/>
+          <a:extLst>
+            <a:ext uri="{909E8E84-426E-40DD-AFC4-6F175D3DCCD1}">
+              <a14:hiddenFill xmlns:a14="http://schemas.microsoft.com/office/drawing/2010/main">
+                <a:solidFill>
+                  <a:srgbClr val="FFFFFF"/>
+                </a:solidFill>
+              </a14:hiddenFill>
+            </a:ext>
+          </a:extLst>
+        </p:spPr>
+      </p:pic>
+      <p:pic>
+        <p:nvPicPr>
+          <p:cNvPr id="1030" name="Picture 6" descr="Microsoft PowerPoint – Wikipedie">
+            <a:extLst>
+              <a:ext uri="{FF2B5EF4-FFF2-40B4-BE49-F238E27FC236}">
+                <a16:creationId xmlns:a16="http://schemas.microsoft.com/office/drawing/2014/main" id="{D6288CC4-0D9F-5CC7-6988-C8EC4AE2A8F5}"/>
+              </a:ext>
+            </a:extLst>
+          </p:cNvPr>
+          <p:cNvPicPr>
+            <a:picLocks noChangeAspect="1" noChangeArrowheads="1"/>
+          </p:cNvPicPr>
+          <p:nvPr/>
+        </p:nvPicPr>
+        <p:blipFill>
+          <a:blip r:embed="rId4">
+            <a:extLst>
+              <a:ext uri="{28A0092B-C50C-407E-A947-70E740481C1C}">
+                <a14:useLocalDpi xmlns:a14="http://schemas.microsoft.com/office/drawing/2010/main" val="0"/>
+              </a:ext>
+            </a:extLst>
+          </a:blip>
+          <a:srcRect/>
+          <a:stretch>
+            <a:fillRect/>
+          </a:stretch>
+        </p:blipFill>
+        <p:spPr bwMode="auto">
+          <a:xfrm>
+            <a:off x="8675116" y="3795471"/>
+            <a:ext cx="579206" cy="538680"/>
+          </a:xfrm>
+          <a:prstGeom prst="rect">
+            <a:avLst/>
+          </a:prstGeom>
+          <a:noFill/>
+          <a:extLst>
+            <a:ext uri="{909E8E84-426E-40DD-AFC4-6F175D3DCCD1}">
+              <a14:hiddenFill xmlns:a14="http://schemas.microsoft.com/office/drawing/2010/main">
+                <a:solidFill>
+                  <a:srgbClr val="FFFFFF"/>
+                </a:solidFill>
+              </a14:hiddenFill>
+            </a:ext>
+          </a:extLst>
+        </p:spPr>
+      </p:pic>
+      <p:pic>
+        <p:nvPicPr>
+          <p:cNvPr id="1032" name="Picture 8" descr="Microsoft Outlook – Wikipedie">
+            <a:extLst>
+              <a:ext uri="{FF2B5EF4-FFF2-40B4-BE49-F238E27FC236}">
+                <a16:creationId xmlns:a16="http://schemas.microsoft.com/office/drawing/2014/main" id="{4802FCE2-18FB-CCCD-3604-2F46945F7E00}"/>
+              </a:ext>
+            </a:extLst>
+          </p:cNvPr>
+          <p:cNvPicPr>
+            <a:picLocks noChangeAspect="1" noChangeArrowheads="1"/>
+          </p:cNvPicPr>
+          <p:nvPr/>
+        </p:nvPicPr>
+        <p:blipFill>
+          <a:blip r:embed="rId5">
+            <a:extLst>
+              <a:ext uri="{28A0092B-C50C-407E-A947-70E740481C1C}">
+                <a14:useLocalDpi xmlns:a14="http://schemas.microsoft.com/office/drawing/2010/main" val="0"/>
+              </a:ext>
+            </a:extLst>
+          </a:blip>
+          <a:srcRect/>
+          <a:stretch>
+            <a:fillRect/>
+          </a:stretch>
+        </p:blipFill>
+        <p:spPr bwMode="auto">
+          <a:xfrm>
+            <a:off x="8675116" y="4341904"/>
+            <a:ext cx="579205" cy="538680"/>
+          </a:xfrm>
+          <a:prstGeom prst="rect">
+            <a:avLst/>
+          </a:prstGeom>
+          <a:noFill/>
+          <a:extLst>
+            <a:ext uri="{909E8E84-426E-40DD-AFC4-6F175D3DCCD1}">
+              <a14:hiddenFill xmlns:a14="http://schemas.microsoft.com/office/drawing/2010/main">
+                <a:solidFill>
+                  <a:srgbClr val="FFFFFF"/>
+                </a:solidFill>
+              </a14:hiddenFill>
+            </a:ext>
+          </a:extLst>
+        </p:spPr>
+      </p:pic>
     </p:spTree>
     <p:extLst>
       <p:ext uri="{BB962C8B-B14F-4D97-AF65-F5344CB8AC3E}">
@@ -6118,7 +6335,7 @@
           <p:cNvPr id="2" name="Nadpis 1">
             <a:extLst>
               <a:ext uri="{FF2B5EF4-FFF2-40B4-BE49-F238E27FC236}">
-                <a16:creationId xmlns:a16="http://schemas.microsoft.com/office/drawing/2014/main" id="{E641099E-1892-1C3F-BFF9-5C26822A1E2A}"/>
+                <a16:creationId xmlns:a16="http://schemas.microsoft.com/office/drawing/2014/main" id="{FBC5E170-4658-E929-6450-1227DFEE92C7}"/>
               </a:ext>
             </a:extLst>
           </p:cNvPr>
@@ -6129,20 +6346,12 @@
             <p:ph type="title"/>
           </p:nvPr>
         </p:nvSpPr>
-        <p:spPr>
-          <a:xfrm>
-            <a:off x="684212" y="685800"/>
-            <a:ext cx="8534400" cy="1507067"/>
-          </a:xfrm>
-        </p:spPr>
+        <p:spPr/>
         <p:txBody>
           <a:bodyPr/>
           <a:lstStyle/>
           <a:p>
-            <a:r>
-              <a:rPr lang="cs-CZ" dirty="0"/>
-              <a:t>Hlavní aplikace Microsoft 365</a:t>
-            </a:r>
+            <a:endParaRPr lang="cs-CZ"/>
           </a:p>
         </p:txBody>
       </p:sp>
@@ -6151,7 +6360,7 @@
           <p:cNvPr id="3" name="Zástupný obsah 2">
             <a:extLst>
               <a:ext uri="{FF2B5EF4-FFF2-40B4-BE49-F238E27FC236}">
-                <a16:creationId xmlns:a16="http://schemas.microsoft.com/office/drawing/2014/main" id="{C8E53577-6502-B001-947B-37FC6EE12475}"/>
+                <a16:creationId xmlns:a16="http://schemas.microsoft.com/office/drawing/2014/main" id="{8FF218C6-6594-9C0B-89C6-374EA7FBF368}"/>
               </a:ext>
             </a:extLst>
           </p:cNvPr>
@@ -6162,50 +6371,19 @@
             <p:ph idx="1"/>
           </p:nvPr>
         </p:nvSpPr>
-        <p:spPr>
-          <a:xfrm>
-            <a:off x="684212" y="2192867"/>
-            <a:ext cx="8534400" cy="3615267"/>
-          </a:xfrm>
-        </p:spPr>
+        <p:spPr/>
         <p:txBody>
           <a:bodyPr/>
           <a:lstStyle/>
           <a:p>
-            <a:r>
-              <a:rPr lang="cs-CZ" sz="2000" dirty="0"/>
-              <a:t>Skype - je to peer to peer program (komunikace probíhá přímo mezi uživateli), který umožňuje telefonovat a chatovat zadarmo</a:t>
-            </a:r>
-          </a:p>
-          <a:p>
-            <a:r>
-              <a:rPr lang="cs-CZ" dirty="0" err="1"/>
-              <a:t>Forms</a:t>
-            </a:r>
-            <a:r>
-              <a:rPr lang="cs-CZ" dirty="0"/>
-              <a:t> - program k vytváření online průzkumů</a:t>
-            </a:r>
-          </a:p>
-          <a:p>
-            <a:r>
-              <a:rPr lang="cs-CZ" dirty="0"/>
-              <a:t>Visio - program pro vytváření vektorové grafiky</a:t>
-            </a:r>
-            <a:br>
-              <a:rPr lang="cs-CZ" dirty="0"/>
-            </a:br>
-            <a:r>
-              <a:rPr lang="cs-CZ" dirty="0"/>
-              <a:t>- používá se k vytváření různých diagramů – např: vývojové diagramy, síťové diagramy, organizační diagramy, půdorysů, myšlenkových map, atd.</a:t>
-            </a:r>
+            <a:endParaRPr lang="cs-CZ"/>
           </a:p>
         </p:txBody>
       </p:sp>
     </p:spTree>
     <p:extLst>
       <p:ext uri="{BB962C8B-B14F-4D97-AF65-F5344CB8AC3E}">
-        <p14:creationId xmlns:p14="http://schemas.microsoft.com/office/powerpoint/2010/main" val="1655075294"/>
+        <p14:creationId xmlns:p14="http://schemas.microsoft.com/office/powerpoint/2010/main" val="4147444259"/>
       </p:ext>
     </p:extLst>
   </p:cSld>
@@ -6237,6 +6415,126 @@
           <p:cNvPr id="2" name="Nadpis 1">
             <a:extLst>
               <a:ext uri="{FF2B5EF4-FFF2-40B4-BE49-F238E27FC236}">
+                <a16:creationId xmlns:a16="http://schemas.microsoft.com/office/drawing/2014/main" id="{E641099E-1892-1C3F-BFF9-5C26822A1E2A}"/>
+              </a:ext>
+            </a:extLst>
+          </p:cNvPr>
+          <p:cNvSpPr>
+            <a:spLocks noGrp="1"/>
+          </p:cNvSpPr>
+          <p:nvPr>
+            <p:ph type="title"/>
+          </p:nvPr>
+        </p:nvSpPr>
+        <p:spPr>
+          <a:xfrm>
+            <a:off x="684212" y="685800"/>
+            <a:ext cx="8534400" cy="1507067"/>
+          </a:xfrm>
+        </p:spPr>
+        <p:txBody>
+          <a:bodyPr/>
+          <a:lstStyle/>
+          <a:p>
+            <a:r>
+              <a:rPr lang="cs-CZ"/>
+              <a:t>Hlavní aplikace Microsoft 365</a:t>
+            </a:r>
+            <a:endParaRPr lang="cs-CZ" dirty="0"/>
+          </a:p>
+        </p:txBody>
+      </p:sp>
+      <p:sp>
+        <p:nvSpPr>
+          <p:cNvPr id="3" name="Zástupný obsah 2">
+            <a:extLst>
+              <a:ext uri="{FF2B5EF4-FFF2-40B4-BE49-F238E27FC236}">
+                <a16:creationId xmlns:a16="http://schemas.microsoft.com/office/drawing/2014/main" id="{C8E53577-6502-B001-947B-37FC6EE12475}"/>
+              </a:ext>
+            </a:extLst>
+          </p:cNvPr>
+          <p:cNvSpPr>
+            <a:spLocks noGrp="1"/>
+          </p:cNvSpPr>
+          <p:nvPr>
+            <p:ph idx="1"/>
+          </p:nvPr>
+        </p:nvSpPr>
+        <p:spPr>
+          <a:xfrm>
+            <a:off x="684212" y="2192867"/>
+            <a:ext cx="8534400" cy="3615267"/>
+          </a:xfrm>
+        </p:spPr>
+        <p:txBody>
+          <a:bodyPr/>
+          <a:lstStyle/>
+          <a:p>
+            <a:r>
+              <a:rPr lang="cs-CZ" sz="2000" dirty="0"/>
+              <a:t>Skype - je to peer to peer program (komunikace probíhá přímo mezi uživateli), který umožňuje telefonovat a chatovat zadarmo</a:t>
+            </a:r>
+          </a:p>
+          <a:p>
+            <a:r>
+              <a:rPr lang="cs-CZ" dirty="0" err="1"/>
+              <a:t>Forms</a:t>
+            </a:r>
+            <a:r>
+              <a:rPr lang="cs-CZ" dirty="0"/>
+              <a:t> - program k vytváření online průzkumů</a:t>
+            </a:r>
+          </a:p>
+          <a:p>
+            <a:r>
+              <a:rPr lang="cs-CZ" dirty="0"/>
+              <a:t>Visio - program pro vytváření vektorové grafiky</a:t>
+            </a:r>
+            <a:br>
+              <a:rPr lang="cs-CZ" dirty="0"/>
+            </a:br>
+            <a:r>
+              <a:rPr lang="cs-CZ" dirty="0"/>
+              <a:t>- používá se k vytváření různých diagramů – např: vývojové diagramy, síťové diagramy, organizační diagramy, půdorysů, myšlenkových map, atd.</a:t>
+            </a:r>
+          </a:p>
+        </p:txBody>
+      </p:sp>
+    </p:spTree>
+    <p:extLst>
+      <p:ext uri="{BB962C8B-B14F-4D97-AF65-F5344CB8AC3E}">
+        <p14:creationId xmlns:p14="http://schemas.microsoft.com/office/powerpoint/2010/main" val="1655075294"/>
+      </p:ext>
+    </p:extLst>
+  </p:cSld>
+  <p:clrMapOvr>
+    <a:masterClrMapping/>
+  </p:clrMapOvr>
+</p:sld>
+</file>
+
+<file path=ppt/slides/slide13.xml><?xml version="1.0" encoding="utf-8"?>
+<p:sld xmlns:a="http://schemas.openxmlformats.org/drawingml/2006/main" xmlns:r="http://schemas.openxmlformats.org/officeDocument/2006/relationships" xmlns:p="http://schemas.openxmlformats.org/presentationml/2006/main">
+  <p:cSld>
+    <p:spTree>
+      <p:nvGrpSpPr>
+        <p:cNvPr id="1" name=""/>
+        <p:cNvGrpSpPr/>
+        <p:nvPr/>
+      </p:nvGrpSpPr>
+      <p:grpSpPr>
+        <a:xfrm>
+          <a:off x="0" y="0"/>
+          <a:ext cx="0" cy="0"/>
+          <a:chOff x="0" y="0"/>
+          <a:chExt cx="0" cy="0"/>
+        </a:xfrm>
+      </p:grpSpPr>
+      <p:sp>
+        <p:nvSpPr>
+          <p:cNvPr id="2" name="Nadpis 1">
+            <a:extLst>
+              <a:ext uri="{FF2B5EF4-FFF2-40B4-BE49-F238E27FC236}">
                 <a16:creationId xmlns:a16="http://schemas.microsoft.com/office/drawing/2014/main" id="{78FF49E1-89E0-E19F-3018-EE843366E71D}"/>
               </a:ext>
             </a:extLst>
@@ -6300,9 +6598,44 @@
           <a:lstStyle/>
           <a:p>
             <a:r>
-              <a:rPr lang="cs-CZ"/>
+              <a:rPr lang="cs-CZ" dirty="0" err="1"/>
               <a:t>Sway</a:t>
             </a:r>
+            <a:r>
+              <a:rPr lang="cs-CZ" dirty="0"/>
+              <a:t> - je to aplikace určená k vytváření a sdílení interaktivních sestav osobních příběhů, prezentací a mnoho dalšího.</a:t>
+            </a:r>
+          </a:p>
+          <a:p>
+            <a:r>
+              <a:rPr lang="cs-CZ" dirty="0"/>
+              <a:t>Teams – komunikační platforma, která nabízí chat a videokonference v pracovním prostoru, ukládání souborů,...</a:t>
+            </a:r>
+            <a:br>
+              <a:rPr lang="cs-CZ" dirty="0"/>
+            </a:br>
+            <a:r>
+              <a:rPr lang="cs-CZ" dirty="0"/>
+              <a:t>- nahradil také jiné  komunikační platformy, které poskytují chat a videokonference jako jsou Skype </a:t>
+            </a:r>
+            <a:r>
+              <a:rPr lang="cs-CZ" dirty="0" err="1"/>
+              <a:t>for</a:t>
+            </a:r>
+            <a:r>
+              <a:rPr lang="cs-CZ" dirty="0"/>
+              <a:t> Business a Microsoft </a:t>
+            </a:r>
+            <a:r>
+              <a:rPr lang="cs-CZ" dirty="0" err="1"/>
+              <a:t>Classroom</a:t>
+            </a:r>
+            <a:r>
+              <a:rPr lang="cs-CZ" dirty="0"/>
+              <a:t>.</a:t>
+            </a:r>
+          </a:p>
+          <a:p>
             <a:endParaRPr lang="cs-CZ" dirty="0"/>
           </a:p>
         </p:txBody>
@@ -6311,6 +6644,367 @@
     <p:extLst>
       <p:ext uri="{BB962C8B-B14F-4D97-AF65-F5344CB8AC3E}">
         <p14:creationId xmlns:p14="http://schemas.microsoft.com/office/powerpoint/2010/main" val="1782674078"/>
+      </p:ext>
+    </p:extLst>
+  </p:cSld>
+  <p:clrMapOvr>
+    <a:masterClrMapping/>
+  </p:clrMapOvr>
+</p:sld>
+</file>
+
+<file path=ppt/slides/slide14.xml><?xml version="1.0" encoding="utf-8"?>
+<p:sld xmlns:a="http://schemas.openxmlformats.org/drawingml/2006/main" xmlns:r="http://schemas.openxmlformats.org/officeDocument/2006/relationships" xmlns:p="http://schemas.openxmlformats.org/presentationml/2006/main">
+  <p:cSld>
+    <p:spTree>
+      <p:nvGrpSpPr>
+        <p:cNvPr id="1" name=""/>
+        <p:cNvGrpSpPr/>
+        <p:nvPr/>
+      </p:nvGrpSpPr>
+      <p:grpSpPr>
+        <a:xfrm>
+          <a:off x="0" y="0"/>
+          <a:ext cx="0" cy="0"/>
+          <a:chOff x="0" y="0"/>
+          <a:chExt cx="0" cy="0"/>
+        </a:xfrm>
+      </p:grpSpPr>
+      <p:sp>
+        <p:nvSpPr>
+          <p:cNvPr id="2" name="Nadpis 1">
+            <a:extLst>
+              <a:ext uri="{FF2B5EF4-FFF2-40B4-BE49-F238E27FC236}">
+                <a16:creationId xmlns:a16="http://schemas.microsoft.com/office/drawing/2014/main" id="{A42F26DD-60D9-FD58-ABEB-E4351334661C}"/>
+              </a:ext>
+            </a:extLst>
+          </p:cNvPr>
+          <p:cNvSpPr>
+            <a:spLocks noGrp="1"/>
+          </p:cNvSpPr>
+          <p:nvPr>
+            <p:ph type="title"/>
+          </p:nvPr>
+        </p:nvSpPr>
+        <p:spPr>
+          <a:xfrm>
+            <a:off x="684212" y="764765"/>
+            <a:ext cx="8534400" cy="1507067"/>
+          </a:xfrm>
+        </p:spPr>
+        <p:txBody>
+          <a:bodyPr/>
+          <a:lstStyle/>
+          <a:p>
+            <a:r>
+              <a:rPr lang="cs-CZ" dirty="0"/>
+              <a:t>Hlavní aplikace </a:t>
+            </a:r>
+            <a:r>
+              <a:rPr lang="cs-CZ" dirty="0" err="1"/>
+              <a:t>microsoft</a:t>
+            </a:r>
+            <a:r>
+              <a:rPr lang="cs-CZ" dirty="0"/>
+              <a:t> 365</a:t>
+            </a:r>
+          </a:p>
+        </p:txBody>
+      </p:sp>
+      <p:sp>
+        <p:nvSpPr>
+          <p:cNvPr id="3" name="Zástupný obsah 2">
+            <a:extLst>
+              <a:ext uri="{FF2B5EF4-FFF2-40B4-BE49-F238E27FC236}">
+                <a16:creationId xmlns:a16="http://schemas.microsoft.com/office/drawing/2014/main" id="{781C4302-492E-C12A-1100-541D269EAD35}"/>
+              </a:ext>
+            </a:extLst>
+          </p:cNvPr>
+          <p:cNvSpPr>
+            <a:spLocks noGrp="1"/>
+          </p:cNvSpPr>
+          <p:nvPr>
+            <p:ph idx="1"/>
+          </p:nvPr>
+        </p:nvSpPr>
+        <p:spPr>
+          <a:xfrm>
+            <a:off x="684212" y="2477968"/>
+            <a:ext cx="8534400" cy="3615267"/>
+          </a:xfrm>
+        </p:spPr>
+        <p:txBody>
+          <a:bodyPr/>
+          <a:lstStyle/>
+          <a:p>
+            <a:r>
+              <a:rPr lang="cs-CZ" dirty="0" err="1"/>
+              <a:t>Acces</a:t>
+            </a:r>
+            <a:r>
+              <a:rPr lang="cs-CZ" dirty="0"/>
+              <a:t> - systém pro správu databází, slouží k vytváření podnikových aplikací</a:t>
+            </a:r>
+          </a:p>
+          <a:p>
+            <a:r>
+              <a:rPr lang="cs-CZ" dirty="0"/>
+              <a:t>Project - je to software pro řízení projektů – slouží k sledování pokroku, správě rozpočtu, analýze pracovního vytížení, přiřazování zdrojů k úkolům, pomáhá při vytváření projektového plánu </a:t>
+            </a:r>
+          </a:p>
+          <a:p>
+            <a:r>
+              <a:rPr lang="cs-CZ" dirty="0"/>
+              <a:t>Publisher – aplikace pro publikování – podobná jako Microsoft Word, ale je kladen větší důraz na rozvržení stránky a grafický design než na kompozici textu </a:t>
+            </a:r>
+          </a:p>
+        </p:txBody>
+      </p:sp>
+    </p:spTree>
+    <p:extLst>
+      <p:ext uri="{BB962C8B-B14F-4D97-AF65-F5344CB8AC3E}">
+        <p14:creationId xmlns:p14="http://schemas.microsoft.com/office/powerpoint/2010/main" val="2367602683"/>
+      </p:ext>
+    </p:extLst>
+  </p:cSld>
+  <p:clrMapOvr>
+    <a:masterClrMapping/>
+  </p:clrMapOvr>
+</p:sld>
+</file>
+
+<file path=ppt/slides/slide15.xml><?xml version="1.0" encoding="utf-8"?>
+<p:sld xmlns:a="http://schemas.openxmlformats.org/drawingml/2006/main" xmlns:r="http://schemas.openxmlformats.org/officeDocument/2006/relationships" xmlns:p="http://schemas.openxmlformats.org/presentationml/2006/main">
+  <p:cSld>
+    <p:spTree>
+      <p:nvGrpSpPr>
+        <p:cNvPr id="1" name=""/>
+        <p:cNvGrpSpPr/>
+        <p:nvPr/>
+      </p:nvGrpSpPr>
+      <p:grpSpPr>
+        <a:xfrm>
+          <a:off x="0" y="0"/>
+          <a:ext cx="0" cy="0"/>
+          <a:chOff x="0" y="0"/>
+          <a:chExt cx="0" cy="0"/>
+        </a:xfrm>
+      </p:grpSpPr>
+      <p:sp>
+        <p:nvSpPr>
+          <p:cNvPr id="2" name="Nadpis 1">
+            <a:extLst>
+              <a:ext uri="{FF2B5EF4-FFF2-40B4-BE49-F238E27FC236}">
+                <a16:creationId xmlns:a16="http://schemas.microsoft.com/office/drawing/2014/main" id="{738F7B9A-D431-B529-4377-4863BA33955A}"/>
+              </a:ext>
+            </a:extLst>
+          </p:cNvPr>
+          <p:cNvSpPr>
+            <a:spLocks noGrp="1"/>
+          </p:cNvSpPr>
+          <p:nvPr>
+            <p:ph type="title"/>
+          </p:nvPr>
+        </p:nvSpPr>
+        <p:spPr>
+          <a:xfrm>
+            <a:off x="684212" y="703769"/>
+            <a:ext cx="8534400" cy="1507067"/>
+          </a:xfrm>
+        </p:spPr>
+        <p:txBody>
+          <a:bodyPr/>
+          <a:lstStyle/>
+          <a:p>
+            <a:r>
+              <a:rPr lang="cs-CZ" dirty="0"/>
+              <a:t>Hlavní aplikace Microsoft 365</a:t>
+            </a:r>
+          </a:p>
+        </p:txBody>
+      </p:sp>
+      <p:sp>
+        <p:nvSpPr>
+          <p:cNvPr id="3" name="Zástupný obsah 2">
+            <a:extLst>
+              <a:ext uri="{FF2B5EF4-FFF2-40B4-BE49-F238E27FC236}">
+                <a16:creationId xmlns:a16="http://schemas.microsoft.com/office/drawing/2014/main" id="{38D52082-AD48-2AB4-D66F-538953175A4A}"/>
+              </a:ext>
+            </a:extLst>
+          </p:cNvPr>
+          <p:cNvSpPr>
+            <a:spLocks noGrp="1"/>
+          </p:cNvSpPr>
+          <p:nvPr>
+            <p:ph idx="1"/>
+          </p:nvPr>
+        </p:nvSpPr>
+        <p:spPr>
+          <a:xfrm>
+            <a:off x="684212" y="2085392"/>
+            <a:ext cx="8534400" cy="3615267"/>
+          </a:xfrm>
+        </p:spPr>
+        <p:txBody>
+          <a:bodyPr/>
+          <a:lstStyle/>
+          <a:p>
+            <a:r>
+              <a:rPr lang="cs-CZ" dirty="0" err="1"/>
+              <a:t>Sharepoint</a:t>
+            </a:r>
+            <a:r>
+              <a:rPr lang="cs-CZ" dirty="0"/>
+              <a:t> - platforma pro spolupráci - systém pro správu a ukládání dokumentů</a:t>
+            </a:r>
+          </a:p>
+          <a:p>
+            <a:r>
+              <a:rPr lang="cs-CZ" dirty="0"/>
+              <a:t>Stream – služba pro sdílení videa, nahradil Office 365 video</a:t>
+            </a:r>
+          </a:p>
+          <a:p>
+            <a:r>
+              <a:rPr lang="cs-CZ" dirty="0" err="1"/>
+              <a:t>Yammer</a:t>
+            </a:r>
+            <a:r>
+              <a:rPr lang="cs-CZ" dirty="0"/>
+              <a:t> – je to služba podnikových sociálních sítí – používá se pro soukromou komunikaci mezi organizacemi, pro sítě zahrnující různé organizace</a:t>
+            </a:r>
+          </a:p>
+          <a:p>
+            <a:endParaRPr lang="cs-CZ" dirty="0"/>
+          </a:p>
+        </p:txBody>
+      </p:sp>
+    </p:spTree>
+    <p:extLst>
+      <p:ext uri="{BB962C8B-B14F-4D97-AF65-F5344CB8AC3E}">
+        <p14:creationId xmlns:p14="http://schemas.microsoft.com/office/powerpoint/2010/main" val="933727235"/>
+      </p:ext>
+    </p:extLst>
+  </p:cSld>
+  <p:clrMapOvr>
+    <a:masterClrMapping/>
+  </p:clrMapOvr>
+</p:sld>
+</file>
+
+<file path=ppt/slides/slide16.xml><?xml version="1.0" encoding="utf-8"?>
+<p:sld xmlns:a="http://schemas.openxmlformats.org/drawingml/2006/main" xmlns:r="http://schemas.openxmlformats.org/officeDocument/2006/relationships" xmlns:p="http://schemas.openxmlformats.org/presentationml/2006/main">
+  <p:cSld>
+    <p:spTree>
+      <p:nvGrpSpPr>
+        <p:cNvPr id="1" name=""/>
+        <p:cNvGrpSpPr/>
+        <p:nvPr/>
+      </p:nvGrpSpPr>
+      <p:grpSpPr>
+        <a:xfrm>
+          <a:off x="0" y="0"/>
+          <a:ext cx="0" cy="0"/>
+          <a:chOff x="0" y="0"/>
+          <a:chExt cx="0" cy="0"/>
+        </a:xfrm>
+      </p:grpSpPr>
+      <p:sp>
+        <p:nvSpPr>
+          <p:cNvPr id="4" name="Nadpis 3">
+            <a:extLst>
+              <a:ext uri="{FF2B5EF4-FFF2-40B4-BE49-F238E27FC236}">
+                <a16:creationId xmlns:a16="http://schemas.microsoft.com/office/drawing/2014/main" id="{BED34D74-05FD-A07F-01C7-D02C03876CCA}"/>
+              </a:ext>
+            </a:extLst>
+          </p:cNvPr>
+          <p:cNvSpPr>
+            <a:spLocks noGrp="1"/>
+          </p:cNvSpPr>
+          <p:nvPr>
+            <p:ph type="title"/>
+          </p:nvPr>
+        </p:nvSpPr>
+        <p:spPr>
+          <a:xfrm>
+            <a:off x="684212" y="863601"/>
+            <a:ext cx="8534400" cy="1507067"/>
+          </a:xfrm>
+        </p:spPr>
+        <p:txBody>
+          <a:bodyPr/>
+          <a:lstStyle/>
+          <a:p>
+            <a:r>
+              <a:rPr lang="cs-CZ" dirty="0"/>
+              <a:t>Hlavní aplikace </a:t>
+            </a:r>
+            <a:r>
+              <a:rPr lang="cs-CZ" dirty="0" err="1"/>
+              <a:t>microsoft</a:t>
+            </a:r>
+            <a:r>
+              <a:rPr lang="cs-CZ" dirty="0"/>
+              <a:t> 365</a:t>
+            </a:r>
+          </a:p>
+        </p:txBody>
+      </p:sp>
+      <p:sp>
+        <p:nvSpPr>
+          <p:cNvPr id="5" name="Zástupný obsah 4">
+            <a:extLst>
+              <a:ext uri="{FF2B5EF4-FFF2-40B4-BE49-F238E27FC236}">
+                <a16:creationId xmlns:a16="http://schemas.microsoft.com/office/drawing/2014/main" id="{885F3390-28DC-C5F2-BC58-50FA64D45303}"/>
+              </a:ext>
+            </a:extLst>
+          </p:cNvPr>
+          <p:cNvSpPr>
+            <a:spLocks noGrp="1"/>
+          </p:cNvSpPr>
+          <p:nvPr>
+            <p:ph idx="1"/>
+          </p:nvPr>
+        </p:nvSpPr>
+        <p:spPr>
+          <a:xfrm>
+            <a:off x="684212" y="2370668"/>
+            <a:ext cx="8534400" cy="3615267"/>
+          </a:xfrm>
+        </p:spPr>
+        <p:txBody>
+          <a:bodyPr/>
+          <a:lstStyle/>
+          <a:p>
+            <a:r>
+              <a:rPr lang="cs-CZ" dirty="0" err="1"/>
+              <a:t>Planner</a:t>
+            </a:r>
+            <a:r>
+              <a:rPr lang="cs-CZ" dirty="0"/>
+              <a:t> – plánovací aplikace, je to nástroj zaměřený na týmovou spolupráci (správa týmu, sdílení souborů, organizace)</a:t>
+            </a:r>
+          </a:p>
+          <a:p>
+            <a:r>
+              <a:rPr lang="cs-CZ" dirty="0"/>
+              <a:t>To do – cloudová aplikace pro správu úloh. Na rozdíl od Microsoft </a:t>
+            </a:r>
+            <a:r>
+              <a:rPr lang="cs-CZ" dirty="0" err="1"/>
+              <a:t>planner</a:t>
+            </a:r>
+            <a:r>
+              <a:rPr lang="cs-CZ" dirty="0"/>
+              <a:t>, který je zaměřený na týmovou spolupráci je To do lepší pro osobní správu úloh.</a:t>
+            </a:r>
+          </a:p>
+        </p:txBody>
+      </p:sp>
+    </p:spTree>
+    <p:extLst>
+      <p:ext uri="{BB962C8B-B14F-4D97-AF65-F5344CB8AC3E}">
+        <p14:creationId xmlns:p14="http://schemas.microsoft.com/office/powerpoint/2010/main" val="736339064"/>
       </p:ext>
     </p:extLst>
   </p:cSld>
@@ -6747,7 +7441,7 @@
         </p:nvSpPr>
         <p:spPr>
           <a:xfrm>
-            <a:off x="684212" y="2455606"/>
+            <a:off x="677959" y="2455606"/>
             <a:ext cx="8534400" cy="3615267"/>
           </a:xfrm>
         </p:spPr>

--- a/Machacek.pptx
+++ b/Machacek.pptx
@@ -21,6 +21,12 @@
     <p:sldId id="269" r:id="rId15"/>
     <p:sldId id="270" r:id="rId16"/>
     <p:sldId id="271" r:id="rId17"/>
+    <p:sldId id="273" r:id="rId18"/>
+    <p:sldId id="274" r:id="rId19"/>
+    <p:sldId id="275" r:id="rId20"/>
+    <p:sldId id="276" r:id="rId21"/>
+    <p:sldId id="277" r:id="rId22"/>
+    <p:sldId id="278" r:id="rId23"/>
   </p:sldIdLst>
   <p:sldSz cx="12192000" cy="6858000"/>
   <p:notesSz cx="6858000" cy="9144000"/>
@@ -318,7 +324,7 @@
           <a:p>
             <a:fld id="{065B1203-6543-4646-B75F-6F9F6309B165}" type="datetimeFigureOut">
               <a:rPr lang="cs-CZ" smtClean="0"/>
-              <a:t>15.01.2023</a:t>
+              <a:t>17.01.2023</a:t>
             </a:fld>
             <a:endParaRPr lang="cs-CZ"/>
           </a:p>
@@ -754,7 +760,7 @@
           <a:p>
             <a:fld id="{065B1203-6543-4646-B75F-6F9F6309B165}" type="datetimeFigureOut">
               <a:rPr lang="cs-CZ" smtClean="0"/>
-              <a:t>15.01.2023</a:t>
+              <a:t>17.01.2023</a:t>
             </a:fld>
             <a:endParaRPr lang="cs-CZ"/>
           </a:p>
@@ -1004,7 +1010,7 @@
           <a:p>
             <a:fld id="{065B1203-6543-4646-B75F-6F9F6309B165}" type="datetimeFigureOut">
               <a:rPr lang="cs-CZ" smtClean="0"/>
-              <a:t>15.01.2023</a:t>
+              <a:t>17.01.2023</a:t>
             </a:fld>
             <a:endParaRPr lang="cs-CZ"/>
           </a:p>
@@ -1312,7 +1318,7 @@
           <a:p>
             <a:fld id="{065B1203-6543-4646-B75F-6F9F6309B165}" type="datetimeFigureOut">
               <a:rPr lang="cs-CZ" smtClean="0"/>
-              <a:t>15.01.2023</a:t>
+              <a:t>17.01.2023</a:t>
             </a:fld>
             <a:endParaRPr lang="cs-CZ"/>
           </a:p>
@@ -1630,7 +1636,7 @@
           <a:p>
             <a:fld id="{065B1203-6543-4646-B75F-6F9F6309B165}" type="datetimeFigureOut">
               <a:rPr lang="cs-CZ" smtClean="0"/>
-              <a:t>15.01.2023</a:t>
+              <a:t>17.01.2023</a:t>
             </a:fld>
             <a:endParaRPr lang="cs-CZ"/>
           </a:p>
@@ -1932,7 +1938,7 @@
           <a:p>
             <a:fld id="{065B1203-6543-4646-B75F-6F9F6309B165}" type="datetimeFigureOut">
               <a:rPr lang="cs-CZ" smtClean="0"/>
-              <a:t>15.01.2023</a:t>
+              <a:t>17.01.2023</a:t>
             </a:fld>
             <a:endParaRPr lang="cs-CZ"/>
           </a:p>
@@ -2299,7 +2305,7 @@
           <a:p>
             <a:fld id="{065B1203-6543-4646-B75F-6F9F6309B165}" type="datetimeFigureOut">
               <a:rPr lang="cs-CZ" smtClean="0"/>
-              <a:t>15.01.2023</a:t>
+              <a:t>17.01.2023</a:t>
             </a:fld>
             <a:endParaRPr lang="cs-CZ"/>
           </a:p>
@@ -2473,7 +2479,7 @@
           <a:p>
             <a:fld id="{065B1203-6543-4646-B75F-6F9F6309B165}" type="datetimeFigureOut">
               <a:rPr lang="cs-CZ" smtClean="0"/>
-              <a:t>15.01.2023</a:t>
+              <a:t>17.01.2023</a:t>
             </a:fld>
             <a:endParaRPr lang="cs-CZ"/>
           </a:p>
@@ -2653,7 +2659,7 @@
           <a:p>
             <a:fld id="{065B1203-6543-4646-B75F-6F9F6309B165}" type="datetimeFigureOut">
               <a:rPr lang="cs-CZ" smtClean="0"/>
-              <a:t>15.01.2023</a:t>
+              <a:t>17.01.2023</a:t>
             </a:fld>
             <a:endParaRPr lang="cs-CZ"/>
           </a:p>
@@ -2823,7 +2829,7 @@
           <a:p>
             <a:fld id="{065B1203-6543-4646-B75F-6F9F6309B165}" type="datetimeFigureOut">
               <a:rPr lang="cs-CZ" smtClean="0"/>
-              <a:t>15.01.2023</a:t>
+              <a:t>17.01.2023</a:t>
             </a:fld>
             <a:endParaRPr lang="cs-CZ"/>
           </a:p>
@@ -3073,7 +3079,7 @@
           <a:p>
             <a:fld id="{065B1203-6543-4646-B75F-6F9F6309B165}" type="datetimeFigureOut">
               <a:rPr lang="cs-CZ" smtClean="0"/>
-              <a:t>15.01.2023</a:t>
+              <a:t>17.01.2023</a:t>
             </a:fld>
             <a:endParaRPr lang="cs-CZ"/>
           </a:p>
@@ -3309,7 +3315,7 @@
           <a:p>
             <a:fld id="{065B1203-6543-4646-B75F-6F9F6309B165}" type="datetimeFigureOut">
               <a:rPr lang="cs-CZ" smtClean="0"/>
-              <a:t>15.01.2023</a:t>
+              <a:t>17.01.2023</a:t>
             </a:fld>
             <a:endParaRPr lang="cs-CZ"/>
           </a:p>
@@ -3691,7 +3697,7 @@
           <a:p>
             <a:fld id="{065B1203-6543-4646-B75F-6F9F6309B165}" type="datetimeFigureOut">
               <a:rPr lang="cs-CZ" smtClean="0"/>
-              <a:t>15.01.2023</a:t>
+              <a:t>17.01.2023</a:t>
             </a:fld>
             <a:endParaRPr lang="cs-CZ"/>
           </a:p>
@@ -3809,7 +3815,7 @@
           <a:p>
             <a:fld id="{065B1203-6543-4646-B75F-6F9F6309B165}" type="datetimeFigureOut">
               <a:rPr lang="cs-CZ" smtClean="0"/>
-              <a:t>15.01.2023</a:t>
+              <a:t>17.01.2023</a:t>
             </a:fld>
             <a:endParaRPr lang="cs-CZ"/>
           </a:p>
@@ -3904,7 +3910,7 @@
           <a:p>
             <a:fld id="{065B1203-6543-4646-B75F-6F9F6309B165}" type="datetimeFigureOut">
               <a:rPr lang="cs-CZ" smtClean="0"/>
-              <a:t>15.01.2023</a:t>
+              <a:t>17.01.2023</a:t>
             </a:fld>
             <a:endParaRPr lang="cs-CZ"/>
           </a:p>
@@ -4159,7 +4165,7 @@
           <a:p>
             <a:fld id="{065B1203-6543-4646-B75F-6F9F6309B165}" type="datetimeFigureOut">
               <a:rPr lang="cs-CZ" smtClean="0"/>
-              <a:t>15.01.2023</a:t>
+              <a:t>17.01.2023</a:t>
             </a:fld>
             <a:endParaRPr lang="cs-CZ"/>
           </a:p>
@@ -4442,7 +4448,7 @@
           <a:p>
             <a:fld id="{065B1203-6543-4646-B75F-6F9F6309B165}" type="datetimeFigureOut">
               <a:rPr lang="cs-CZ" smtClean="0"/>
-              <a:t>15.01.2023</a:t>
+              <a:t>17.01.2023</a:t>
             </a:fld>
             <a:endParaRPr lang="cs-CZ"/>
           </a:p>
@@ -4848,7 +4854,7 @@
           <a:p>
             <a:fld id="{065B1203-6543-4646-B75F-6F9F6309B165}" type="datetimeFigureOut">
               <a:rPr lang="cs-CZ" smtClean="0"/>
-              <a:t>15.01.2023</a:t>
+              <a:t>17.01.2023</a:t>
             </a:fld>
             <a:endParaRPr lang="cs-CZ"/>
           </a:p>
@@ -6054,7 +6060,7 @@
         </p:spPr>
         <p:txBody>
           <a:bodyPr>
-            <a:normAutofit fontScale="92500" lnSpcReduction="20000"/>
+            <a:normAutofit fontScale="92500"/>
           </a:bodyPr>
           <a:lstStyle/>
           <a:p>
@@ -6068,46 +6074,28 @@
           </a:p>
           <a:p>
             <a:r>
+              <a:rPr lang="cs-CZ" sz="2800" b="1" u="sng" dirty="0"/>
+              <a:t>Word</a:t>
+            </a:r>
+            <a:endParaRPr lang="cs-CZ" sz="3000" b="1" u="sng" dirty="0"/>
+          </a:p>
+          <a:p>
+            <a:r>
               <a:rPr lang="cs-CZ" sz="2400" dirty="0"/>
-              <a:t>Word - textový procesor - vznikl v roce 1983 – první textový procesor schopný zobrazit kurzívu a tučné písmo.</a:t>
-            </a:r>
+              <a:t> - textový procesor - vznikl v roce 1983 – první textový procesor schopný zobrazit kurzívu a tučné písmo.</a:t>
+            </a:r>
+          </a:p>
+          <a:p>
+            <a:r>
+              <a:rPr lang="cs-CZ" sz="2400" b="1" u="sng" dirty="0"/>
+              <a:t>Excel</a:t>
+            </a:r>
+            <a:endParaRPr lang="cs-CZ" sz="2400" dirty="0"/>
           </a:p>
           <a:p>
             <a:r>
               <a:rPr lang="cs-CZ" sz="2400" dirty="0"/>
-              <a:t>Excel - tabulkový procesor</a:t>
-            </a:r>
-          </a:p>
-          <a:p>
-            <a:r>
-              <a:rPr lang="cs-CZ" sz="2400" dirty="0"/>
-              <a:t>PowerPoint - program pro vytváření prezentací</a:t>
-            </a:r>
-          </a:p>
-          <a:p>
-            <a:r>
-              <a:rPr lang="cs-CZ" sz="2400" dirty="0"/>
-              <a:t>Outlook - e-mailový program</a:t>
-            </a:r>
-          </a:p>
-          <a:p>
-            <a:r>
-              <a:rPr lang="cs-CZ" sz="2400" dirty="0" err="1"/>
-              <a:t>Onedrive</a:t>
-            </a:r>
-            <a:r>
-              <a:rPr lang="cs-CZ" sz="2400" dirty="0"/>
-              <a:t> - cloudové úložiště</a:t>
-            </a:r>
-          </a:p>
-          <a:p>
-            <a:r>
-              <a:rPr lang="cs-CZ" sz="2400" dirty="0" err="1"/>
-              <a:t>Onenote</a:t>
-            </a:r>
-            <a:r>
-              <a:rPr lang="cs-CZ" sz="2400" dirty="0"/>
-              <a:t> - program pro vytváření textových, ale i zvukových a grafických poznámek</a:t>
+              <a:t> - tabulkový procesor – vznikl v roce 1985, první program, jehož GUI  využívalo rozbalovací menu ovládaných klikáním myší – pohodlnější práce než v jiných programech</a:t>
             </a:r>
           </a:p>
         </p:txBody>
@@ -6141,8 +6129,8 @@
         </p:blipFill>
         <p:spPr bwMode="auto">
           <a:xfrm>
-            <a:off x="8675116" y="2710358"/>
-            <a:ext cx="579205" cy="538680"/>
+            <a:off x="9318929" y="1507334"/>
+            <a:ext cx="2307014" cy="2145601"/>
           </a:xfrm>
           <a:prstGeom prst="rect">
             <a:avLst/>
@@ -6188,102 +6176,8 @@
         </p:blipFill>
         <p:spPr bwMode="auto">
           <a:xfrm>
-            <a:off x="8675116" y="3249038"/>
-            <a:ext cx="579206" cy="538680"/>
-          </a:xfrm>
-          <a:prstGeom prst="rect">
-            <a:avLst/>
-          </a:prstGeom>
-          <a:noFill/>
-          <a:extLst>
-            <a:ext uri="{909E8E84-426E-40DD-AFC4-6F175D3DCCD1}">
-              <a14:hiddenFill xmlns:a14="http://schemas.microsoft.com/office/drawing/2010/main">
-                <a:solidFill>
-                  <a:srgbClr val="FFFFFF"/>
-                </a:solidFill>
-              </a14:hiddenFill>
-            </a:ext>
-          </a:extLst>
-        </p:spPr>
-      </p:pic>
-      <p:pic>
-        <p:nvPicPr>
-          <p:cNvPr id="1030" name="Picture 6" descr="Microsoft PowerPoint – Wikipedie">
-            <a:extLst>
-              <a:ext uri="{FF2B5EF4-FFF2-40B4-BE49-F238E27FC236}">
-                <a16:creationId xmlns:a16="http://schemas.microsoft.com/office/drawing/2014/main" id="{D6288CC4-0D9F-5CC7-6988-C8EC4AE2A8F5}"/>
-              </a:ext>
-            </a:extLst>
-          </p:cNvPr>
-          <p:cNvPicPr>
-            <a:picLocks noChangeAspect="1" noChangeArrowheads="1"/>
-          </p:cNvPicPr>
-          <p:nvPr/>
-        </p:nvPicPr>
-        <p:blipFill>
-          <a:blip r:embed="rId4">
-            <a:extLst>
-              <a:ext uri="{28A0092B-C50C-407E-A947-70E740481C1C}">
-                <a14:useLocalDpi xmlns:a14="http://schemas.microsoft.com/office/drawing/2010/main" val="0"/>
-              </a:ext>
-            </a:extLst>
-          </a:blip>
-          <a:srcRect/>
-          <a:stretch>
-            <a:fillRect/>
-          </a:stretch>
-        </p:blipFill>
-        <p:spPr bwMode="auto">
-          <a:xfrm>
-            <a:off x="8675116" y="3795471"/>
-            <a:ext cx="579206" cy="538680"/>
-          </a:xfrm>
-          <a:prstGeom prst="rect">
-            <a:avLst/>
-          </a:prstGeom>
-          <a:noFill/>
-          <a:extLst>
-            <a:ext uri="{909E8E84-426E-40DD-AFC4-6F175D3DCCD1}">
-              <a14:hiddenFill xmlns:a14="http://schemas.microsoft.com/office/drawing/2010/main">
-                <a:solidFill>
-                  <a:srgbClr val="FFFFFF"/>
-                </a:solidFill>
-              </a14:hiddenFill>
-            </a:ext>
-          </a:extLst>
-        </p:spPr>
-      </p:pic>
-      <p:pic>
-        <p:nvPicPr>
-          <p:cNvPr id="1032" name="Picture 8" descr="Microsoft Outlook – Wikipedie">
-            <a:extLst>
-              <a:ext uri="{FF2B5EF4-FFF2-40B4-BE49-F238E27FC236}">
-                <a16:creationId xmlns:a16="http://schemas.microsoft.com/office/drawing/2014/main" id="{4802FCE2-18FB-CCCD-3604-2F46945F7E00}"/>
-              </a:ext>
-            </a:extLst>
-          </p:cNvPr>
-          <p:cNvPicPr>
-            <a:picLocks noChangeAspect="1" noChangeArrowheads="1"/>
-          </p:cNvPicPr>
-          <p:nvPr/>
-        </p:nvPicPr>
-        <p:blipFill>
-          <a:blip r:embed="rId5">
-            <a:extLst>
-              <a:ext uri="{28A0092B-C50C-407E-A947-70E740481C1C}">
-                <a14:useLocalDpi xmlns:a14="http://schemas.microsoft.com/office/drawing/2010/main" val="0"/>
-              </a:ext>
-            </a:extLst>
-          </a:blip>
-          <a:srcRect/>
-          <a:stretch>
-            <a:fillRect/>
-          </a:stretch>
-        </p:blipFill>
-        <p:spPr bwMode="auto">
-          <a:xfrm>
-            <a:off x="8675116" y="4341904"/>
-            <a:ext cx="579205" cy="538680"/>
+            <a:off x="9417633" y="3993063"/>
+            <a:ext cx="2208310" cy="2053799"/>
           </a:xfrm>
           <a:prstGeom prst="rect">
             <a:avLst/>
@@ -6346,12 +6240,28 @@
             <p:ph type="title"/>
           </p:nvPr>
         </p:nvSpPr>
-        <p:spPr/>
+        <p:spPr>
+          <a:xfrm>
+            <a:off x="684212" y="685800"/>
+            <a:ext cx="8534400" cy="1507067"/>
+          </a:xfrm>
+        </p:spPr>
         <p:txBody>
           <a:bodyPr/>
           <a:lstStyle/>
           <a:p>
-            <a:endParaRPr lang="cs-CZ"/>
+            <a:r>
+              <a:rPr lang="cs-CZ" dirty="0"/>
+              <a:t>Hlavní aplikace </a:t>
+            </a:r>
+            <a:r>
+              <a:rPr lang="cs-CZ" dirty="0" err="1"/>
+              <a:t>microsoft</a:t>
+            </a:r>
+            <a:r>
+              <a:rPr lang="cs-CZ" dirty="0"/>
+              <a:t> 365</a:t>
+            </a:r>
           </a:p>
         </p:txBody>
       </p:sp>
@@ -6371,15 +6281,219 @@
             <p:ph idx="1"/>
           </p:nvPr>
         </p:nvSpPr>
-        <p:spPr/>
-        <p:txBody>
-          <a:bodyPr/>
+        <p:spPr>
+          <a:xfrm>
+            <a:off x="684212" y="2080728"/>
+            <a:ext cx="8534400" cy="4460032"/>
+          </a:xfrm>
+        </p:spPr>
+        <p:txBody>
+          <a:bodyPr>
+            <a:normAutofit/>
+          </a:bodyPr>
           <a:lstStyle/>
           <a:p>
-            <a:endParaRPr lang="cs-CZ"/>
-          </a:p>
-        </p:txBody>
-      </p:sp>
+            <a:r>
+              <a:rPr lang="cs-CZ" sz="2800" b="1" u="sng" dirty="0"/>
+              <a:t>PowerPoint</a:t>
+            </a:r>
+          </a:p>
+          <a:p>
+            <a:r>
+              <a:rPr lang="cs-CZ" sz="2200" dirty="0"/>
+              <a:t>- program pro vytváření prezentací, </a:t>
+            </a:r>
+            <a:br>
+              <a:rPr lang="cs-CZ" sz="2200" dirty="0"/>
+            </a:br>
+            <a:r>
+              <a:rPr lang="cs-CZ" sz="2200" dirty="0"/>
+              <a:t>využívá se pro ukázku různých produktů, služeb, …</a:t>
+            </a:r>
+          </a:p>
+          <a:p>
+            <a:r>
+              <a:rPr lang="cs-CZ" sz="2800" b="1" u="sng" dirty="0"/>
+              <a:t>Outlook</a:t>
+            </a:r>
+            <a:r>
+              <a:rPr lang="cs-CZ" sz="2200" dirty="0"/>
+              <a:t> </a:t>
+            </a:r>
+          </a:p>
+          <a:p>
+            <a:r>
+              <a:rPr lang="cs-CZ" sz="2200" dirty="0"/>
+              <a:t>- e-mailový klient, software pro správu soukromých nebo firemních mailů. Vznikl jako náhrada služby Hotmail.com</a:t>
+            </a:r>
+          </a:p>
+          <a:p>
+            <a:r>
+              <a:rPr lang="cs-CZ" sz="2800" b="1" u="sng" dirty="0" err="1"/>
+              <a:t>Onedrive</a:t>
+            </a:r>
+            <a:endParaRPr lang="cs-CZ" sz="2800" b="1" u="sng" dirty="0"/>
+          </a:p>
+          <a:p>
+            <a:r>
+              <a:rPr lang="cs-CZ" sz="2200" dirty="0"/>
+              <a:t> - cloudové úložiště, volné </a:t>
+            </a:r>
+            <a:r>
+              <a:rPr lang="cs-CZ" sz="2200" dirty="0" err="1"/>
+              <a:t>úložistě</a:t>
+            </a:r>
+            <a:r>
+              <a:rPr lang="cs-CZ" sz="2200" dirty="0"/>
+              <a:t> pro nového uživatele zdarma 15 GB</a:t>
+            </a:r>
+          </a:p>
+          <a:p>
+            <a:endParaRPr lang="cs-CZ" sz="2200" dirty="0"/>
+          </a:p>
+        </p:txBody>
+      </p:sp>
+      <p:pic>
+        <p:nvPicPr>
+          <p:cNvPr id="4" name="Picture 6" descr="Microsoft PowerPoint – Wikipedie">
+            <a:extLst>
+              <a:ext uri="{FF2B5EF4-FFF2-40B4-BE49-F238E27FC236}">
+                <a16:creationId xmlns:a16="http://schemas.microsoft.com/office/drawing/2014/main" id="{B7AA49AD-3A79-540C-EC0A-27EE6A44726A}"/>
+              </a:ext>
+            </a:extLst>
+          </p:cNvPr>
+          <p:cNvPicPr>
+            <a:picLocks noChangeAspect="1" noChangeArrowheads="1"/>
+          </p:cNvPicPr>
+          <p:nvPr/>
+        </p:nvPicPr>
+        <p:blipFill>
+          <a:blip r:embed="rId2">
+            <a:extLst>
+              <a:ext uri="{28A0092B-C50C-407E-A947-70E740481C1C}">
+                <a14:useLocalDpi xmlns:a14="http://schemas.microsoft.com/office/drawing/2010/main" val="0"/>
+              </a:ext>
+            </a:extLst>
+          </a:blip>
+          <a:srcRect/>
+          <a:stretch>
+            <a:fillRect/>
+          </a:stretch>
+        </p:blipFill>
+        <p:spPr bwMode="auto">
+          <a:xfrm>
+            <a:off x="9492587" y="392412"/>
+            <a:ext cx="2251366" cy="2093841"/>
+          </a:xfrm>
+          <a:prstGeom prst="rect">
+            <a:avLst/>
+          </a:prstGeom>
+          <a:noFill/>
+          <a:extLst>
+            <a:ext uri="{909E8E84-426E-40DD-AFC4-6F175D3DCCD1}">
+              <a14:hiddenFill xmlns:a14="http://schemas.microsoft.com/office/drawing/2010/main">
+                <a:solidFill>
+                  <a:srgbClr val="FFFFFF"/>
+                </a:solidFill>
+              </a14:hiddenFill>
+            </a:ext>
+          </a:extLst>
+        </p:spPr>
+      </p:pic>
+      <p:pic>
+        <p:nvPicPr>
+          <p:cNvPr id="5" name="Picture 8" descr="Microsoft Outlook – Wikipedie">
+            <a:extLst>
+              <a:ext uri="{FF2B5EF4-FFF2-40B4-BE49-F238E27FC236}">
+                <a16:creationId xmlns:a16="http://schemas.microsoft.com/office/drawing/2014/main" id="{A7E6729C-195E-6CBF-709F-3683EAC492F5}"/>
+              </a:ext>
+            </a:extLst>
+          </p:cNvPr>
+          <p:cNvPicPr>
+            <a:picLocks noChangeAspect="1" noChangeArrowheads="1"/>
+          </p:cNvPicPr>
+          <p:nvPr/>
+        </p:nvPicPr>
+        <p:blipFill>
+          <a:blip r:embed="rId3">
+            <a:extLst>
+              <a:ext uri="{28A0092B-C50C-407E-A947-70E740481C1C}">
+                <a14:useLocalDpi xmlns:a14="http://schemas.microsoft.com/office/drawing/2010/main" val="0"/>
+              </a:ext>
+            </a:extLst>
+          </a:blip>
+          <a:srcRect/>
+          <a:stretch>
+            <a:fillRect/>
+          </a:stretch>
+        </p:blipFill>
+        <p:spPr bwMode="auto">
+          <a:xfrm>
+            <a:off x="9492587" y="2598219"/>
+            <a:ext cx="2251366" cy="2093845"/>
+          </a:xfrm>
+          <a:prstGeom prst="rect">
+            <a:avLst/>
+          </a:prstGeom>
+          <a:noFill/>
+          <a:extLst>
+            <a:ext uri="{909E8E84-426E-40DD-AFC4-6F175D3DCCD1}">
+              <a14:hiddenFill xmlns:a14="http://schemas.microsoft.com/office/drawing/2010/main">
+                <a:solidFill>
+                  <a:srgbClr val="FFFFFF"/>
+                </a:solidFill>
+              </a14:hiddenFill>
+            </a:ext>
+          </a:extLst>
+        </p:spPr>
+      </p:pic>
+      <p:pic>
+        <p:nvPicPr>
+          <p:cNvPr id="1030" name="Picture 6" descr="Microsoft OneDrive – Wikipedia">
+            <a:extLst>
+              <a:ext uri="{FF2B5EF4-FFF2-40B4-BE49-F238E27FC236}">
+                <a16:creationId xmlns:a16="http://schemas.microsoft.com/office/drawing/2014/main" id="{41F24295-5D18-77DB-A6BB-DEF56ECCC2F6}"/>
+              </a:ext>
+            </a:extLst>
+          </p:cNvPr>
+          <p:cNvPicPr>
+            <a:picLocks noChangeAspect="1" noChangeArrowheads="1"/>
+          </p:cNvPicPr>
+          <p:nvPr/>
+        </p:nvPicPr>
+        <p:blipFill>
+          <a:blip r:embed="rId4">
+            <a:extLst>
+              <a:ext uri="{28A0092B-C50C-407E-A947-70E740481C1C}">
+                <a14:useLocalDpi xmlns:a14="http://schemas.microsoft.com/office/drawing/2010/main" val="0"/>
+              </a:ext>
+            </a:extLst>
+          </a:blip>
+          <a:srcRect/>
+          <a:stretch>
+            <a:fillRect/>
+          </a:stretch>
+        </p:blipFill>
+        <p:spPr bwMode="auto">
+          <a:xfrm>
+            <a:off x="9492587" y="4988130"/>
+            <a:ext cx="2251366" cy="1477458"/>
+          </a:xfrm>
+          <a:prstGeom prst="rect">
+            <a:avLst/>
+          </a:prstGeom>
+          <a:noFill/>
+          <a:extLst>
+            <a:ext uri="{909E8E84-426E-40DD-AFC4-6F175D3DCCD1}">
+              <a14:hiddenFill xmlns:a14="http://schemas.microsoft.com/office/drawing/2010/main">
+                <a:solidFill>
+                  <a:srgbClr val="FFFFFF"/>
+                </a:solidFill>
+              </a14:hiddenFill>
+            </a:ext>
+          </a:extLst>
+        </p:spPr>
+      </p:pic>
     </p:spTree>
     <p:extLst>
       <p:ext uri="{BB962C8B-B14F-4D97-AF65-F5344CB8AC3E}">
@@ -6467,39 +6581,157 @@
           </a:xfrm>
         </p:spPr>
         <p:txBody>
-          <a:bodyPr/>
+          <a:bodyPr>
+            <a:normAutofit fontScale="92500" lnSpcReduction="20000"/>
+          </a:bodyPr>
           <a:lstStyle/>
           <a:p>
             <a:r>
-              <a:rPr lang="cs-CZ" sz="2000" dirty="0"/>
-              <a:t>Skype - je to peer to peer program (komunikace probíhá přímo mezi uživateli), který umožňuje telefonovat a chatovat zadarmo</a:t>
-            </a:r>
-          </a:p>
-          <a:p>
-            <a:r>
-              <a:rPr lang="cs-CZ" dirty="0" err="1"/>
-              <a:t>Forms</a:t>
-            </a:r>
-            <a:r>
-              <a:rPr lang="cs-CZ" dirty="0"/>
-              <a:t> - program k vytváření online průzkumů</a:t>
-            </a:r>
-          </a:p>
-          <a:p>
-            <a:r>
-              <a:rPr lang="cs-CZ" dirty="0"/>
-              <a:t>Visio - program pro vytváření vektorové grafiky</a:t>
+              <a:rPr lang="cs-CZ" sz="2800" b="1" u="sng" dirty="0"/>
+              <a:t>Teams </a:t>
+            </a:r>
+          </a:p>
+          <a:p>
+            <a:r>
+              <a:rPr lang="cs-CZ" sz="2400" dirty="0"/>
+              <a:t>– komunikační platforma, která nabízí chat a videokonference v pracovním prostoru, ukládání souborů,...</a:t>
             </a:r>
             <a:br>
-              <a:rPr lang="cs-CZ" dirty="0"/>
+              <a:rPr lang="cs-CZ" sz="2400" dirty="0"/>
             </a:br>
             <a:r>
-              <a:rPr lang="cs-CZ" dirty="0"/>
-              <a:t>- používá se k vytváření různých diagramů – např: vývojové diagramy, síťové diagramy, organizační diagramy, půdorysů, myšlenkových map, atd.</a:t>
-            </a:r>
-          </a:p>
-        </p:txBody>
-      </p:sp>
+              <a:rPr lang="cs-CZ" sz="2400" dirty="0"/>
+              <a:t>- nahradil také jiné  komunikační platformy, které poskytují chat a videokonference jako jsou Skype </a:t>
+            </a:r>
+            <a:r>
+              <a:rPr lang="cs-CZ" sz="2400" dirty="0" err="1"/>
+              <a:t>for</a:t>
+            </a:r>
+            <a:r>
+              <a:rPr lang="cs-CZ" sz="2400" dirty="0"/>
+              <a:t> Business a Microsoft </a:t>
+            </a:r>
+            <a:r>
+              <a:rPr lang="cs-CZ" sz="2400" dirty="0" err="1"/>
+              <a:t>Classroom</a:t>
+            </a:r>
+            <a:r>
+              <a:rPr lang="cs-CZ" sz="2400" dirty="0"/>
+              <a:t>.</a:t>
+            </a:r>
+          </a:p>
+          <a:p>
+            <a:r>
+              <a:rPr lang="cs-CZ" sz="3000" b="1" u="sng" dirty="0" err="1"/>
+              <a:t>Onenote</a:t>
+            </a:r>
+            <a:r>
+              <a:rPr lang="cs-CZ" sz="2200" dirty="0"/>
+              <a:t> </a:t>
+            </a:r>
+          </a:p>
+          <a:p>
+            <a:r>
+              <a:rPr lang="cs-CZ" sz="2400" dirty="0"/>
+              <a:t>- program pro vytváření textových, ale i zvukových a grafických poznámek</a:t>
+            </a:r>
+          </a:p>
+        </p:txBody>
+      </p:sp>
+      <p:pic>
+        <p:nvPicPr>
+          <p:cNvPr id="2050" name="Picture 2" descr="Logo">
+            <a:extLst>
+              <a:ext uri="{FF2B5EF4-FFF2-40B4-BE49-F238E27FC236}">
+                <a16:creationId xmlns:a16="http://schemas.microsoft.com/office/drawing/2014/main" id="{C5A8C62F-7541-6A0B-0466-89BECEDE3D34}"/>
+              </a:ext>
+            </a:extLst>
+          </p:cNvPr>
+          <p:cNvPicPr>
+            <a:picLocks noChangeAspect="1" noChangeArrowheads="1"/>
+          </p:cNvPicPr>
+          <p:nvPr/>
+        </p:nvPicPr>
+        <p:blipFill>
+          <a:blip r:embed="rId2">
+            <a:extLst>
+              <a:ext uri="{28A0092B-C50C-407E-A947-70E740481C1C}">
+                <a14:useLocalDpi xmlns:a14="http://schemas.microsoft.com/office/drawing/2010/main" val="0"/>
+              </a:ext>
+            </a:extLst>
+          </a:blip>
+          <a:srcRect/>
+          <a:stretch>
+            <a:fillRect/>
+          </a:stretch>
+        </p:blipFill>
+        <p:spPr bwMode="auto">
+          <a:xfrm>
+            <a:off x="9353187" y="1586122"/>
+            <a:ext cx="2369207" cy="2203363"/>
+          </a:xfrm>
+          <a:prstGeom prst="rect">
+            <a:avLst/>
+          </a:prstGeom>
+          <a:noFill/>
+          <a:extLst>
+            <a:ext uri="{909E8E84-426E-40DD-AFC4-6F175D3DCCD1}">
+              <a14:hiddenFill xmlns:a14="http://schemas.microsoft.com/office/drawing/2010/main">
+                <a:solidFill>
+                  <a:srgbClr val="FFFFFF"/>
+                </a:solidFill>
+              </a14:hiddenFill>
+            </a:ext>
+          </a:extLst>
+        </p:spPr>
+      </p:pic>
+      <p:pic>
+        <p:nvPicPr>
+          <p:cNvPr id="2052" name="Picture 4" descr="Logo">
+            <a:extLst>
+              <a:ext uri="{FF2B5EF4-FFF2-40B4-BE49-F238E27FC236}">
+                <a16:creationId xmlns:a16="http://schemas.microsoft.com/office/drawing/2014/main" id="{CD74F0B6-38B0-1C6C-9DA2-0C6548498903}"/>
+              </a:ext>
+            </a:extLst>
+          </p:cNvPr>
+          <p:cNvPicPr>
+            <a:picLocks noChangeAspect="1" noChangeArrowheads="1"/>
+          </p:cNvPicPr>
+          <p:nvPr/>
+        </p:nvPicPr>
+        <p:blipFill>
+          <a:blip r:embed="rId3">
+            <a:extLst>
+              <a:ext uri="{28A0092B-C50C-407E-A947-70E740481C1C}">
+                <a14:useLocalDpi xmlns:a14="http://schemas.microsoft.com/office/drawing/2010/main" val="0"/>
+              </a:ext>
+            </a:extLst>
+          </a:blip>
+          <a:srcRect/>
+          <a:stretch>
+            <a:fillRect/>
+          </a:stretch>
+        </p:blipFill>
+        <p:spPr bwMode="auto">
+          <a:xfrm>
+            <a:off x="9353187" y="4170196"/>
+            <a:ext cx="2369207" cy="2203363"/>
+          </a:xfrm>
+          <a:prstGeom prst="rect">
+            <a:avLst/>
+          </a:prstGeom>
+          <a:noFill/>
+          <a:extLst>
+            <a:ext uri="{909E8E84-426E-40DD-AFC4-6F175D3DCCD1}">
+              <a14:hiddenFill xmlns:a14="http://schemas.microsoft.com/office/drawing/2010/main">
+                <a:solidFill>
+                  <a:srgbClr val="FFFFFF"/>
+                </a:solidFill>
+              </a14:hiddenFill>
+            </a:ext>
+          </a:extLst>
+        </p:spPr>
+      </p:pic>
     </p:spTree>
     <p:extLst>
       <p:ext uri="{BB962C8B-B14F-4D97-AF65-F5344CB8AC3E}">
@@ -6594,52 +6826,148 @@
           </a:xfrm>
         </p:spPr>
         <p:txBody>
-          <a:bodyPr/>
+          <a:bodyPr>
+            <a:normAutofit/>
+          </a:bodyPr>
           <a:lstStyle/>
           <a:p>
             <a:r>
-              <a:rPr lang="cs-CZ" dirty="0" err="1"/>
+              <a:rPr lang="cs-CZ" sz="2800" b="1" u="sng" dirty="0" err="1"/>
               <a:t>Sway</a:t>
             </a:r>
-            <a:r>
-              <a:rPr lang="cs-CZ" dirty="0"/>
+            <a:endParaRPr lang="cs-CZ" sz="2800" b="1" u="sng" dirty="0"/>
+          </a:p>
+          <a:p>
+            <a:r>
+              <a:rPr lang="cs-CZ" sz="2200" dirty="0"/>
               <a:t> - je to aplikace určená k vytváření a sdílení interaktivních sestav osobních příběhů, prezentací a mnoho dalšího.</a:t>
             </a:r>
           </a:p>
           <a:p>
             <a:r>
-              <a:rPr lang="cs-CZ" dirty="0"/>
-              <a:t>Teams – komunikační platforma, která nabízí chat a videokonference v pracovním prostoru, ukládání souborů,...</a:t>
+              <a:rPr lang="cs-CZ" sz="2800" b="1" u="sng" dirty="0"/>
+              <a:t>Visio</a:t>
+            </a:r>
+            <a:r>
+              <a:rPr lang="cs-CZ" sz="2400" dirty="0"/>
+              <a:t> </a:t>
+            </a:r>
+          </a:p>
+          <a:p>
+            <a:r>
+              <a:rPr lang="cs-CZ" sz="2400" dirty="0"/>
+              <a:t>- program pro vytváření vektorové grafiky</a:t>
             </a:r>
             <a:br>
-              <a:rPr lang="cs-CZ" dirty="0"/>
+              <a:rPr lang="cs-CZ" sz="2400" dirty="0"/>
             </a:br>
             <a:r>
-              <a:rPr lang="cs-CZ" dirty="0"/>
-              <a:t>- nahradil také jiné  komunikační platformy, které poskytují chat a videokonference jako jsou Skype </a:t>
-            </a:r>
-            <a:r>
-              <a:rPr lang="cs-CZ" dirty="0" err="1"/>
-              <a:t>for</a:t>
-            </a:r>
-            <a:r>
-              <a:rPr lang="cs-CZ" dirty="0"/>
-              <a:t> Business a Microsoft </a:t>
-            </a:r>
-            <a:r>
-              <a:rPr lang="cs-CZ" dirty="0" err="1"/>
-              <a:t>Classroom</a:t>
-            </a:r>
-            <a:r>
-              <a:rPr lang="cs-CZ" dirty="0"/>
-              <a:t>.</a:t>
-            </a:r>
-          </a:p>
-          <a:p>
-            <a:endParaRPr lang="cs-CZ" dirty="0"/>
-          </a:p>
-        </p:txBody>
-      </p:sp>
+              <a:rPr lang="cs-CZ" sz="2400" dirty="0"/>
+              <a:t>- používá se k vytváření různých diagramů – např: vývojové diagramy, síťové diagramy, organizační diagramy, půdorysů, myšlenkových map, atd.</a:t>
+            </a:r>
+          </a:p>
+          <a:p>
+            <a:pPr marL="0" indent="0">
+              <a:buNone/>
+            </a:pPr>
+            <a:endParaRPr lang="cs-CZ" sz="2200" dirty="0"/>
+          </a:p>
+        </p:txBody>
+      </p:sp>
+      <p:pic>
+        <p:nvPicPr>
+          <p:cNvPr id="3074" name="Picture 2">
+            <a:extLst>
+              <a:ext uri="{FF2B5EF4-FFF2-40B4-BE49-F238E27FC236}">
+                <a16:creationId xmlns:a16="http://schemas.microsoft.com/office/drawing/2014/main" id="{21919390-4ABC-FB4D-F602-B62A35DFAA40}"/>
+              </a:ext>
+            </a:extLst>
+          </p:cNvPr>
+          <p:cNvPicPr>
+            <a:picLocks noChangeAspect="1" noChangeArrowheads="1"/>
+          </p:cNvPicPr>
+          <p:nvPr/>
+        </p:nvPicPr>
+        <p:blipFill>
+          <a:blip r:embed="rId2">
+            <a:extLst>
+              <a:ext uri="{28A0092B-C50C-407E-A947-70E740481C1C}">
+                <a14:useLocalDpi xmlns:a14="http://schemas.microsoft.com/office/drawing/2010/main" val="0"/>
+              </a:ext>
+            </a:extLst>
+          </a:blip>
+          <a:srcRect/>
+          <a:stretch>
+            <a:fillRect/>
+          </a:stretch>
+        </p:blipFill>
+        <p:spPr bwMode="auto">
+          <a:xfrm>
+            <a:off x="9314320" y="1250077"/>
+            <a:ext cx="2492494" cy="2174828"/>
+          </a:xfrm>
+          <a:prstGeom prst="rect">
+            <a:avLst/>
+          </a:prstGeom>
+          <a:noFill/>
+          <a:extLst>
+            <a:ext uri="{909E8E84-426E-40DD-AFC4-6F175D3DCCD1}">
+              <a14:hiddenFill xmlns:a14="http://schemas.microsoft.com/office/drawing/2010/main">
+                <a:solidFill>
+                  <a:srgbClr val="FFFFFF"/>
+                </a:solidFill>
+              </a14:hiddenFill>
+            </a:ext>
+          </a:extLst>
+        </p:spPr>
+      </p:pic>
+      <p:pic>
+        <p:nvPicPr>
+          <p:cNvPr id="3076" name="Picture 4" descr="Logo">
+            <a:extLst>
+              <a:ext uri="{FF2B5EF4-FFF2-40B4-BE49-F238E27FC236}">
+                <a16:creationId xmlns:a16="http://schemas.microsoft.com/office/drawing/2014/main" id="{F321F275-B15C-F1EA-85BB-4975F537490C}"/>
+              </a:ext>
+            </a:extLst>
+          </p:cNvPr>
+          <p:cNvPicPr>
+            <a:picLocks noChangeAspect="1" noChangeArrowheads="1"/>
+          </p:cNvPicPr>
+          <p:nvPr/>
+        </p:nvPicPr>
+        <p:blipFill>
+          <a:blip r:embed="rId3">
+            <a:extLst>
+              <a:ext uri="{28A0092B-C50C-407E-A947-70E740481C1C}">
+                <a14:useLocalDpi xmlns:a14="http://schemas.microsoft.com/office/drawing/2010/main" val="0"/>
+              </a:ext>
+            </a:extLst>
+          </a:blip>
+          <a:srcRect/>
+          <a:stretch>
+            <a:fillRect/>
+          </a:stretch>
+        </p:blipFill>
+        <p:spPr bwMode="auto">
+          <a:xfrm>
+            <a:off x="9314320" y="3815599"/>
+            <a:ext cx="2496579" cy="2384233"/>
+          </a:xfrm>
+          <a:prstGeom prst="rect">
+            <a:avLst/>
+          </a:prstGeom>
+          <a:noFill/>
+          <a:extLst>
+            <a:ext uri="{909E8E84-426E-40DD-AFC4-6F175D3DCCD1}">
+              <a14:hiddenFill xmlns:a14="http://schemas.microsoft.com/office/drawing/2010/main">
+                <a:solidFill>
+                  <a:srgbClr val="FFFFFF"/>
+                </a:solidFill>
+              </a14:hiddenFill>
+            </a:ext>
+          </a:extLst>
+        </p:spPr>
+      </p:pic>
     </p:spTree>
     <p:extLst>
       <p:ext uri="{BB962C8B-B14F-4D97-AF65-F5344CB8AC3E}">
@@ -6734,32 +7062,131 @@
           </a:xfrm>
         </p:spPr>
         <p:txBody>
-          <a:bodyPr/>
+          <a:bodyPr>
+            <a:normAutofit/>
+          </a:bodyPr>
           <a:lstStyle/>
           <a:p>
             <a:r>
-              <a:rPr lang="cs-CZ" dirty="0" err="1"/>
+              <a:rPr lang="cs-CZ" sz="2800" b="1" u="sng" dirty="0" err="1"/>
               <a:t>Acces</a:t>
             </a:r>
-            <a:r>
-              <a:rPr lang="cs-CZ" dirty="0"/>
+            <a:endParaRPr lang="cs-CZ" sz="2800" b="1" u="sng" dirty="0"/>
+          </a:p>
+          <a:p>
+            <a:r>
+              <a:rPr lang="cs-CZ" sz="2200" dirty="0"/>
               <a:t> - systém pro správu databází, slouží k vytváření podnikových aplikací</a:t>
             </a:r>
           </a:p>
           <a:p>
             <a:r>
-              <a:rPr lang="cs-CZ" dirty="0"/>
-              <a:t>Project - je to software pro řízení projektů – slouží k sledování pokroku, správě rozpočtu, analýze pracovního vytížení, přiřazování zdrojů k úkolům, pomáhá při vytváření projektového plánu </a:t>
-            </a:r>
-          </a:p>
-          <a:p>
-            <a:r>
-              <a:rPr lang="cs-CZ" dirty="0"/>
-              <a:t>Publisher – aplikace pro publikování – podobná jako Microsoft Word, ale je kladen větší důraz na rozvržení stránky a grafický design než na kompozici textu </a:t>
-            </a:r>
-          </a:p>
-        </p:txBody>
-      </p:sp>
+              <a:rPr lang="cs-CZ" sz="2800" b="1" u="sng" dirty="0"/>
+              <a:t>Project</a:t>
+            </a:r>
+          </a:p>
+          <a:p>
+            <a:r>
+              <a:rPr lang="cs-CZ" sz="2200" dirty="0"/>
+              <a:t> - je to software pro řízení projektů – slouží k sledování pokroku, správě rozpočtu, analýze pracovního vytížení, přiřazování zdrojů k úkolům, pomáhá při vytváření projektového plánu </a:t>
+            </a:r>
+          </a:p>
+        </p:txBody>
+      </p:sp>
+      <p:pic>
+        <p:nvPicPr>
+          <p:cNvPr id="4098" name="Picture 2">
+            <a:extLst>
+              <a:ext uri="{FF2B5EF4-FFF2-40B4-BE49-F238E27FC236}">
+                <a16:creationId xmlns:a16="http://schemas.microsoft.com/office/drawing/2014/main" id="{C86BCFEA-F2A5-F355-B280-5AE79D2C086D}"/>
+              </a:ext>
+            </a:extLst>
+          </p:cNvPr>
+          <p:cNvPicPr>
+            <a:picLocks noChangeAspect="1" noChangeArrowheads="1"/>
+          </p:cNvPicPr>
+          <p:nvPr/>
+        </p:nvPicPr>
+        <p:blipFill>
+          <a:blip r:embed="rId2">
+            <a:extLst>
+              <a:ext uri="{28A0092B-C50C-407E-A947-70E740481C1C}">
+                <a14:useLocalDpi xmlns:a14="http://schemas.microsoft.com/office/drawing/2010/main" val="0"/>
+              </a:ext>
+            </a:extLst>
+          </a:blip>
+          <a:srcRect/>
+          <a:stretch>
+            <a:fillRect/>
+          </a:stretch>
+        </p:blipFill>
+        <p:spPr bwMode="auto">
+          <a:xfrm>
+            <a:off x="9318163" y="1361994"/>
+            <a:ext cx="2354466" cy="2295605"/>
+          </a:xfrm>
+          <a:prstGeom prst="rect">
+            <a:avLst/>
+          </a:prstGeom>
+          <a:noFill/>
+          <a:extLst>
+            <a:ext uri="{909E8E84-426E-40DD-AFC4-6F175D3DCCD1}">
+              <a14:hiddenFill xmlns:a14="http://schemas.microsoft.com/office/drawing/2010/main">
+                <a:solidFill>
+                  <a:srgbClr val="FFFFFF"/>
+                </a:solidFill>
+              </a14:hiddenFill>
+            </a:ext>
+          </a:extLst>
+        </p:spPr>
+      </p:pic>
+      <p:pic>
+        <p:nvPicPr>
+          <p:cNvPr id="4100" name="Picture 4">
+            <a:extLst>
+              <a:ext uri="{FF2B5EF4-FFF2-40B4-BE49-F238E27FC236}">
+                <a16:creationId xmlns:a16="http://schemas.microsoft.com/office/drawing/2014/main" id="{B8DA3AAE-177B-F473-F89D-D67CE6994A74}"/>
+              </a:ext>
+            </a:extLst>
+          </p:cNvPr>
+          <p:cNvPicPr>
+            <a:picLocks noChangeAspect="1" noChangeArrowheads="1"/>
+          </p:cNvPicPr>
+          <p:nvPr/>
+        </p:nvPicPr>
+        <p:blipFill>
+          <a:blip r:embed="rId3">
+            <a:extLst>
+              <a:ext uri="{28A0092B-C50C-407E-A947-70E740481C1C}">
+                <a14:useLocalDpi xmlns:a14="http://schemas.microsoft.com/office/drawing/2010/main" val="0"/>
+              </a:ext>
+            </a:extLst>
+          </a:blip>
+          <a:srcRect/>
+          <a:stretch>
+            <a:fillRect/>
+          </a:stretch>
+        </p:blipFill>
+        <p:spPr bwMode="auto">
+          <a:xfrm>
+            <a:off x="9318163" y="4133985"/>
+            <a:ext cx="2356048" cy="2061542"/>
+          </a:xfrm>
+          <a:prstGeom prst="rect">
+            <a:avLst/>
+          </a:prstGeom>
+          <a:noFill/>
+          <a:extLst>
+            <a:ext uri="{909E8E84-426E-40DD-AFC4-6F175D3DCCD1}">
+              <a14:hiddenFill xmlns:a14="http://schemas.microsoft.com/office/drawing/2010/main">
+                <a:solidFill>
+                  <a:srgbClr val="FFFFFF"/>
+                </a:solidFill>
+              </a14:hiddenFill>
+            </a:ext>
+          </a:extLst>
+        </p:spPr>
+      </p:pic>
     </p:spTree>
     <p:extLst>
       <p:ext uri="{BB962C8B-B14F-4D97-AF65-F5344CB8AC3E}">
@@ -6846,39 +7273,206 @@
           </a:xfrm>
         </p:spPr>
         <p:txBody>
-          <a:bodyPr/>
+          <a:bodyPr>
+            <a:normAutofit fontScale="92500" lnSpcReduction="20000"/>
+          </a:bodyPr>
           <a:lstStyle/>
           <a:p>
             <a:r>
-              <a:rPr lang="cs-CZ" dirty="0" err="1"/>
+              <a:rPr lang="cs-CZ" sz="2800" b="1" u="sng" dirty="0" err="1"/>
               <a:t>Sharepoint</a:t>
             </a:r>
-            <a:r>
-              <a:rPr lang="cs-CZ" dirty="0"/>
-              <a:t> - platforma pro spolupráci - systém pro správu a ukládání dokumentů</a:t>
-            </a:r>
-          </a:p>
-          <a:p>
-            <a:r>
-              <a:rPr lang="cs-CZ" dirty="0"/>
-              <a:t>Stream – služba pro sdílení videa, nahradil Office 365 video</a:t>
-            </a:r>
-          </a:p>
-          <a:p>
-            <a:r>
-              <a:rPr lang="cs-CZ" dirty="0" err="1"/>
+            <a:endParaRPr lang="cs-CZ" sz="2800" b="1" u="sng" dirty="0"/>
+          </a:p>
+          <a:p>
+            <a:r>
+              <a:rPr lang="cs-CZ" sz="2200" dirty="0"/>
+              <a:t> </a:t>
+            </a:r>
+            <a:r>
+              <a:rPr lang="cs-CZ" sz="2400" dirty="0"/>
+              <a:t>- platforma pro spolupráci - systém pro správu a ukládání dokumentů</a:t>
+            </a:r>
+          </a:p>
+          <a:p>
+            <a:r>
+              <a:rPr lang="cs-CZ" sz="3000" b="1" u="sng" dirty="0"/>
+              <a:t>Stream</a:t>
+            </a:r>
+          </a:p>
+          <a:p>
+            <a:r>
+              <a:rPr lang="cs-CZ" sz="2200" dirty="0"/>
+              <a:t> </a:t>
+            </a:r>
+            <a:r>
+              <a:rPr lang="cs-CZ" sz="2400" dirty="0"/>
+              <a:t>– služba pro sdílení videa, nahradil Office 365 video</a:t>
+            </a:r>
+          </a:p>
+          <a:p>
+            <a:r>
+              <a:rPr lang="cs-CZ" sz="3000" b="1" u="sng" dirty="0" err="1"/>
               <a:t>Yammer</a:t>
             </a:r>
-            <a:r>
-              <a:rPr lang="cs-CZ" dirty="0"/>
-              <a:t> – je to služba podnikových sociálních sítí – používá se pro soukromou komunikaci mezi organizacemi, pro sítě zahrnující různé organizace</a:t>
-            </a:r>
-          </a:p>
-          <a:p>
-            <a:endParaRPr lang="cs-CZ" dirty="0"/>
-          </a:p>
-        </p:txBody>
-      </p:sp>
+            <a:endParaRPr lang="cs-CZ" sz="3000" b="1" u="sng" dirty="0"/>
+          </a:p>
+          <a:p>
+            <a:r>
+              <a:rPr lang="cs-CZ" sz="2200" dirty="0"/>
+              <a:t> </a:t>
+            </a:r>
+            <a:r>
+              <a:rPr lang="cs-CZ" sz="2400" dirty="0"/>
+              <a:t>– je to služba podnikových sociálních sítí – používá se pro soukromou komunikaci mezi organizacemi, pro sítě zahrnující různé organizace</a:t>
+            </a:r>
+          </a:p>
+          <a:p>
+            <a:endParaRPr lang="cs-CZ" sz="2200" dirty="0"/>
+          </a:p>
+        </p:txBody>
+      </p:sp>
+      <p:pic>
+        <p:nvPicPr>
+          <p:cNvPr id="5122" name="Picture 2" descr="Logo">
+            <a:extLst>
+              <a:ext uri="{FF2B5EF4-FFF2-40B4-BE49-F238E27FC236}">
+                <a16:creationId xmlns:a16="http://schemas.microsoft.com/office/drawing/2014/main" id="{A5E3D3CB-A056-372C-4112-CF3D2BBB08B4}"/>
+              </a:ext>
+            </a:extLst>
+          </p:cNvPr>
+          <p:cNvPicPr>
+            <a:picLocks noChangeAspect="1" noChangeArrowheads="1"/>
+          </p:cNvPicPr>
+          <p:nvPr/>
+        </p:nvPicPr>
+        <p:blipFill>
+          <a:blip r:embed="rId2">
+            <a:extLst>
+              <a:ext uri="{28A0092B-C50C-407E-A947-70E740481C1C}">
+                <a14:useLocalDpi xmlns:a14="http://schemas.microsoft.com/office/drawing/2010/main" val="0"/>
+              </a:ext>
+            </a:extLst>
+          </a:blip>
+          <a:srcRect/>
+          <a:stretch>
+            <a:fillRect/>
+          </a:stretch>
+        </p:blipFill>
+        <p:spPr bwMode="auto">
+          <a:xfrm>
+            <a:off x="9247417" y="145212"/>
+            <a:ext cx="2378942" cy="2319468"/>
+          </a:xfrm>
+          <a:prstGeom prst="rect">
+            <a:avLst/>
+          </a:prstGeom>
+          <a:noFill/>
+          <a:extLst>
+            <a:ext uri="{909E8E84-426E-40DD-AFC4-6F175D3DCCD1}">
+              <a14:hiddenFill xmlns:a14="http://schemas.microsoft.com/office/drawing/2010/main">
+                <a:solidFill>
+                  <a:srgbClr val="FFFFFF"/>
+                </a:solidFill>
+              </a14:hiddenFill>
+            </a:ext>
+          </a:extLst>
+        </p:spPr>
+      </p:pic>
+      <p:pic>
+        <p:nvPicPr>
+          <p:cNvPr id="5124" name="Picture 4">
+            <a:extLst>
+              <a:ext uri="{FF2B5EF4-FFF2-40B4-BE49-F238E27FC236}">
+                <a16:creationId xmlns:a16="http://schemas.microsoft.com/office/drawing/2014/main" id="{3B83CC02-8141-A32F-A40D-469C3708A8F7}"/>
+              </a:ext>
+            </a:extLst>
+          </p:cNvPr>
+          <p:cNvPicPr>
+            <a:picLocks noChangeAspect="1" noChangeArrowheads="1"/>
+          </p:cNvPicPr>
+          <p:nvPr/>
+        </p:nvPicPr>
+        <p:blipFill>
+          <a:blip r:embed="rId3">
+            <a:extLst>
+              <a:ext uri="{28A0092B-C50C-407E-A947-70E740481C1C}">
+                <a14:useLocalDpi xmlns:a14="http://schemas.microsoft.com/office/drawing/2010/main" val="0"/>
+              </a:ext>
+            </a:extLst>
+          </a:blip>
+          <a:srcRect/>
+          <a:stretch>
+            <a:fillRect/>
+          </a:stretch>
+        </p:blipFill>
+        <p:spPr bwMode="auto">
+          <a:xfrm>
+            <a:off x="9365903" y="2656477"/>
+            <a:ext cx="2141970" cy="2141970"/>
+          </a:xfrm>
+          <a:prstGeom prst="rect">
+            <a:avLst/>
+          </a:prstGeom>
+          <a:noFill/>
+          <a:extLst>
+            <a:ext uri="{909E8E84-426E-40DD-AFC4-6F175D3DCCD1}">
+              <a14:hiddenFill xmlns:a14="http://schemas.microsoft.com/office/drawing/2010/main">
+                <a:solidFill>
+                  <a:srgbClr val="FFFFFF"/>
+                </a:solidFill>
+              </a14:hiddenFill>
+            </a:ext>
+          </a:extLst>
+        </p:spPr>
+      </p:pic>
+      <p:pic>
+        <p:nvPicPr>
+          <p:cNvPr id="5126" name="Picture 6" descr="Yammer - Wikipedia">
+            <a:extLst>
+              <a:ext uri="{FF2B5EF4-FFF2-40B4-BE49-F238E27FC236}">
+                <a16:creationId xmlns:a16="http://schemas.microsoft.com/office/drawing/2014/main" id="{989C7656-DD19-7B71-F757-B628AC6F905C}"/>
+              </a:ext>
+            </a:extLst>
+          </p:cNvPr>
+          <p:cNvPicPr>
+            <a:picLocks noChangeAspect="1" noChangeArrowheads="1"/>
+          </p:cNvPicPr>
+          <p:nvPr/>
+        </p:nvPicPr>
+        <p:blipFill>
+          <a:blip r:embed="rId4">
+            <a:extLst>
+              <a:ext uri="{28A0092B-C50C-407E-A947-70E740481C1C}">
+                <a14:useLocalDpi xmlns:a14="http://schemas.microsoft.com/office/drawing/2010/main" val="0"/>
+              </a:ext>
+            </a:extLst>
+          </a:blip>
+          <a:srcRect/>
+          <a:stretch>
+            <a:fillRect/>
+          </a:stretch>
+        </p:blipFill>
+        <p:spPr bwMode="auto">
+          <a:xfrm>
+            <a:off x="9484389" y="4629674"/>
+            <a:ext cx="2141970" cy="2141970"/>
+          </a:xfrm>
+          <a:prstGeom prst="rect">
+            <a:avLst/>
+          </a:prstGeom>
+          <a:noFill/>
+          <a:extLst>
+            <a:ext uri="{909E8E84-426E-40DD-AFC4-6F175D3DCCD1}">
+              <a14:hiddenFill xmlns:a14="http://schemas.microsoft.com/office/drawing/2010/main">
+                <a:solidFill>
+                  <a:srgbClr val="FFFFFF"/>
+                </a:solidFill>
+              </a14:hiddenFill>
+            </a:ext>
+          </a:extLst>
+        </p:spPr>
+      </p:pic>
     </p:spTree>
     <p:extLst>
       <p:ext uri="{BB962C8B-B14F-4D97-AF65-F5344CB8AC3E}">
@@ -6973,38 +7567,2952 @@
           </a:xfrm>
         </p:spPr>
         <p:txBody>
-          <a:bodyPr/>
+          <a:bodyPr>
+            <a:normAutofit fontScale="92500" lnSpcReduction="20000"/>
+          </a:bodyPr>
           <a:lstStyle/>
           <a:p>
             <a:r>
-              <a:rPr lang="cs-CZ" dirty="0" err="1"/>
+              <a:rPr lang="cs-CZ" sz="2800" b="1" u="sng" dirty="0" err="1"/>
+              <a:t>Forms</a:t>
+            </a:r>
+            <a:endParaRPr lang="cs-CZ" sz="2800" b="1" u="sng" dirty="0"/>
+          </a:p>
+          <a:p>
+            <a:r>
+              <a:rPr lang="cs-CZ" sz="2200" dirty="0"/>
+              <a:t> </a:t>
+            </a:r>
+            <a:r>
+              <a:rPr lang="cs-CZ" sz="2400" dirty="0"/>
+              <a:t>- program k vytváření online průzkumů</a:t>
+            </a:r>
+          </a:p>
+          <a:p>
+            <a:r>
+              <a:rPr lang="cs-CZ" sz="2800" b="1" u="sng" dirty="0" err="1"/>
               <a:t>Planner</a:t>
             </a:r>
-            <a:r>
-              <a:rPr lang="cs-CZ" dirty="0"/>
-              <a:t> – plánovací aplikace, je to nástroj zaměřený na týmovou spolupráci (správa týmu, sdílení souborů, organizace)</a:t>
-            </a:r>
-          </a:p>
-          <a:p>
-            <a:r>
-              <a:rPr lang="cs-CZ" dirty="0"/>
-              <a:t>To do – cloudová aplikace pro správu úloh. Na rozdíl od Microsoft </a:t>
-            </a:r>
-            <a:r>
-              <a:rPr lang="cs-CZ" dirty="0" err="1"/>
+            <a:endParaRPr lang="cs-CZ" sz="2800" b="1" u="sng" dirty="0"/>
+          </a:p>
+          <a:p>
+            <a:r>
+              <a:rPr lang="cs-CZ" sz="2200" dirty="0"/>
+              <a:t> </a:t>
+            </a:r>
+            <a:r>
+              <a:rPr lang="cs-CZ" sz="2400" dirty="0"/>
+              <a:t>– plánovací aplikace, je to nástroj zaměřený na týmovou spolupráci (správa týmu, sdílení souborů, organizace)</a:t>
+            </a:r>
+          </a:p>
+          <a:p>
+            <a:r>
+              <a:rPr lang="cs-CZ" sz="3000" b="1" u="sng" dirty="0"/>
+              <a:t>To do</a:t>
+            </a:r>
+          </a:p>
+          <a:p>
+            <a:r>
+              <a:rPr lang="cs-CZ" sz="2200" dirty="0"/>
+              <a:t> </a:t>
+            </a:r>
+            <a:r>
+              <a:rPr lang="cs-CZ" sz="2400" dirty="0"/>
+              <a:t>– cloudová aplikace pro správu úloh. Na rozdíl od Microsoft </a:t>
+            </a:r>
+            <a:r>
+              <a:rPr lang="cs-CZ" sz="2400" dirty="0" err="1"/>
               <a:t>planner</a:t>
             </a:r>
             <a:r>
-              <a:rPr lang="cs-CZ" dirty="0"/>
+              <a:rPr lang="cs-CZ" sz="2400" dirty="0"/>
               <a:t>, který je zaměřený na týmovou spolupráci je To do lepší pro osobní správu úloh.</a:t>
             </a:r>
           </a:p>
         </p:txBody>
       </p:sp>
+      <p:pic>
+        <p:nvPicPr>
+          <p:cNvPr id="6148" name="Picture 4">
+            <a:extLst>
+              <a:ext uri="{FF2B5EF4-FFF2-40B4-BE49-F238E27FC236}">
+                <a16:creationId xmlns:a16="http://schemas.microsoft.com/office/drawing/2014/main" id="{033923AC-EEED-4A4D-DCC2-57F41F167945}"/>
+              </a:ext>
+            </a:extLst>
+          </p:cNvPr>
+          <p:cNvPicPr>
+            <a:picLocks noChangeAspect="1" noChangeArrowheads="1"/>
+          </p:cNvPicPr>
+          <p:nvPr/>
+        </p:nvPicPr>
+        <p:blipFill>
+          <a:blip r:embed="rId2">
+            <a:extLst>
+              <a:ext uri="{28A0092B-C50C-407E-A947-70E740481C1C}">
+                <a14:useLocalDpi xmlns:a14="http://schemas.microsoft.com/office/drawing/2010/main" val="0"/>
+              </a:ext>
+            </a:extLst>
+          </a:blip>
+          <a:srcRect/>
+          <a:stretch>
+            <a:fillRect/>
+          </a:stretch>
+        </p:blipFill>
+        <p:spPr bwMode="auto">
+          <a:xfrm>
+            <a:off x="9322804" y="328389"/>
+            <a:ext cx="2195922" cy="2042279"/>
+          </a:xfrm>
+          <a:prstGeom prst="rect">
+            <a:avLst/>
+          </a:prstGeom>
+          <a:noFill/>
+          <a:extLst>
+            <a:ext uri="{909E8E84-426E-40DD-AFC4-6F175D3DCCD1}">
+              <a14:hiddenFill xmlns:a14="http://schemas.microsoft.com/office/drawing/2010/main">
+                <a:solidFill>
+                  <a:srgbClr val="FFFFFF"/>
+                </a:solidFill>
+              </a14:hiddenFill>
+            </a:ext>
+          </a:extLst>
+        </p:spPr>
+      </p:pic>
+      <p:pic>
+        <p:nvPicPr>
+          <p:cNvPr id="6150" name="Picture 6">
+            <a:extLst>
+              <a:ext uri="{FF2B5EF4-FFF2-40B4-BE49-F238E27FC236}">
+                <a16:creationId xmlns:a16="http://schemas.microsoft.com/office/drawing/2014/main" id="{D243E211-9427-FB30-49F6-13F62CF0DB04}"/>
+              </a:ext>
+            </a:extLst>
+          </p:cNvPr>
+          <p:cNvPicPr>
+            <a:picLocks noChangeAspect="1" noChangeArrowheads="1"/>
+          </p:cNvPicPr>
+          <p:nvPr/>
+        </p:nvPicPr>
+        <p:blipFill>
+          <a:blip r:embed="rId3">
+            <a:extLst>
+              <a:ext uri="{28A0092B-C50C-407E-A947-70E740481C1C}">
+                <a14:useLocalDpi xmlns:a14="http://schemas.microsoft.com/office/drawing/2010/main" val="0"/>
+              </a:ext>
+            </a:extLst>
+          </a:blip>
+          <a:srcRect/>
+          <a:stretch>
+            <a:fillRect/>
+          </a:stretch>
+        </p:blipFill>
+        <p:spPr bwMode="auto">
+          <a:xfrm>
+            <a:off x="9434772" y="2634789"/>
+            <a:ext cx="2176068" cy="2417854"/>
+          </a:xfrm>
+          <a:prstGeom prst="rect">
+            <a:avLst/>
+          </a:prstGeom>
+          <a:noFill/>
+          <a:extLst>
+            <a:ext uri="{909E8E84-426E-40DD-AFC4-6F175D3DCCD1}">
+              <a14:hiddenFill xmlns:a14="http://schemas.microsoft.com/office/drawing/2010/main">
+                <a:solidFill>
+                  <a:srgbClr val="FFFFFF"/>
+                </a:solidFill>
+              </a14:hiddenFill>
+            </a:ext>
+          </a:extLst>
+        </p:spPr>
+      </p:pic>
+      <p:pic>
+        <p:nvPicPr>
+          <p:cNvPr id="6152" name="Picture 8" descr="Welcome to To Do">
+            <a:extLst>
+              <a:ext uri="{FF2B5EF4-FFF2-40B4-BE49-F238E27FC236}">
+                <a16:creationId xmlns:a16="http://schemas.microsoft.com/office/drawing/2014/main" id="{24B86E2A-241A-F3FB-3EC3-F83FAF7A7407}"/>
+              </a:ext>
+            </a:extLst>
+          </p:cNvPr>
+          <p:cNvPicPr>
+            <a:picLocks noChangeAspect="1" noChangeArrowheads="1"/>
+          </p:cNvPicPr>
+          <p:nvPr/>
+        </p:nvPicPr>
+        <p:blipFill>
+          <a:blip r:embed="rId4">
+            <a:extLst>
+              <a:ext uri="{28A0092B-C50C-407E-A947-70E740481C1C}">
+                <a14:useLocalDpi xmlns:a14="http://schemas.microsoft.com/office/drawing/2010/main" val="0"/>
+              </a:ext>
+            </a:extLst>
+          </a:blip>
+          <a:srcRect/>
+          <a:stretch>
+            <a:fillRect/>
+          </a:stretch>
+        </p:blipFill>
+        <p:spPr bwMode="auto">
+          <a:xfrm>
+            <a:off x="9214483" y="4805267"/>
+            <a:ext cx="2304243" cy="1877467"/>
+          </a:xfrm>
+          <a:prstGeom prst="rect">
+            <a:avLst/>
+          </a:prstGeom>
+          <a:noFill/>
+          <a:extLst>
+            <a:ext uri="{909E8E84-426E-40DD-AFC4-6F175D3DCCD1}">
+              <a14:hiddenFill xmlns:a14="http://schemas.microsoft.com/office/drawing/2010/main">
+                <a:solidFill>
+                  <a:srgbClr val="FFFFFF"/>
+                </a:solidFill>
+              </a14:hiddenFill>
+            </a:ext>
+          </a:extLst>
+        </p:spPr>
+      </p:pic>
     </p:spTree>
     <p:extLst>
       <p:ext uri="{BB962C8B-B14F-4D97-AF65-F5344CB8AC3E}">
         <p14:creationId xmlns:p14="http://schemas.microsoft.com/office/powerpoint/2010/main" val="736339064"/>
+      </p:ext>
+    </p:extLst>
+  </p:cSld>
+  <p:clrMapOvr>
+    <a:masterClrMapping/>
+  </p:clrMapOvr>
+</p:sld>
+</file>
+
+<file path=ppt/slides/slide17.xml><?xml version="1.0" encoding="utf-8"?>
+<p:sld xmlns:a="http://schemas.openxmlformats.org/drawingml/2006/main" xmlns:r="http://schemas.openxmlformats.org/officeDocument/2006/relationships" xmlns:p="http://schemas.openxmlformats.org/presentationml/2006/main">
+  <p:cSld>
+    <p:spTree>
+      <p:nvGrpSpPr>
+        <p:cNvPr id="1" name=""/>
+        <p:cNvGrpSpPr/>
+        <p:nvPr/>
+      </p:nvGrpSpPr>
+      <p:grpSpPr>
+        <a:xfrm>
+          <a:off x="0" y="0"/>
+          <a:ext cx="0" cy="0"/>
+          <a:chOff x="0" y="0"/>
+          <a:chExt cx="0" cy="0"/>
+        </a:xfrm>
+      </p:grpSpPr>
+      <p:sp>
+        <p:nvSpPr>
+          <p:cNvPr id="2" name="Nadpis 1">
+            <a:extLst>
+              <a:ext uri="{FF2B5EF4-FFF2-40B4-BE49-F238E27FC236}">
+                <a16:creationId xmlns:a16="http://schemas.microsoft.com/office/drawing/2014/main" id="{8D2B52C5-5FCF-6449-92FC-700B1EF9C05B}"/>
+              </a:ext>
+            </a:extLst>
+          </p:cNvPr>
+          <p:cNvSpPr>
+            <a:spLocks noGrp="1"/>
+          </p:cNvSpPr>
+          <p:nvPr>
+            <p:ph type="title"/>
+          </p:nvPr>
+        </p:nvSpPr>
+        <p:spPr>
+          <a:xfrm>
+            <a:off x="684212" y="685800"/>
+            <a:ext cx="8534400" cy="1507067"/>
+          </a:xfrm>
+        </p:spPr>
+        <p:txBody>
+          <a:bodyPr/>
+          <a:lstStyle/>
+          <a:p>
+            <a:r>
+              <a:rPr lang="cs-CZ" dirty="0"/>
+              <a:t>Hlavní aplikace </a:t>
+            </a:r>
+            <a:r>
+              <a:rPr lang="cs-CZ" dirty="0" err="1"/>
+              <a:t>microsoft</a:t>
+            </a:r>
+            <a:r>
+              <a:rPr lang="cs-CZ" dirty="0"/>
+              <a:t> 365</a:t>
+            </a:r>
+          </a:p>
+        </p:txBody>
+      </p:sp>
+      <p:sp>
+        <p:nvSpPr>
+          <p:cNvPr id="3" name="Zástupný obsah 2">
+            <a:extLst>
+              <a:ext uri="{FF2B5EF4-FFF2-40B4-BE49-F238E27FC236}">
+                <a16:creationId xmlns:a16="http://schemas.microsoft.com/office/drawing/2014/main" id="{2D032B2F-4C41-EAD4-0C7B-C5C071A44E08}"/>
+              </a:ext>
+            </a:extLst>
+          </p:cNvPr>
+          <p:cNvSpPr>
+            <a:spLocks noGrp="1"/>
+          </p:cNvSpPr>
+          <p:nvPr>
+            <p:ph idx="1"/>
+          </p:nvPr>
+        </p:nvSpPr>
+        <p:spPr>
+          <a:xfrm>
+            <a:off x="684212" y="2192867"/>
+            <a:ext cx="8534400" cy="3615267"/>
+          </a:xfrm>
+        </p:spPr>
+        <p:txBody>
+          <a:bodyPr/>
+          <a:lstStyle/>
+          <a:p>
+            <a:r>
+              <a:rPr lang="cs-CZ" sz="2800" b="1" u="sng" dirty="0"/>
+              <a:t>Skype</a:t>
+            </a:r>
+            <a:r>
+              <a:rPr lang="cs-CZ" sz="2000" dirty="0"/>
+              <a:t> </a:t>
+            </a:r>
+          </a:p>
+          <a:p>
+            <a:r>
+              <a:rPr lang="cs-CZ" sz="2200" dirty="0"/>
+              <a:t>- je to peer to peer program (komunikace probíhá přímo mezi uživateli), který umožňuje telefonovat a chatovat zadarmo</a:t>
+            </a:r>
+          </a:p>
+          <a:p>
+            <a:r>
+              <a:rPr lang="cs-CZ" sz="2800" b="1" u="sng" dirty="0"/>
+              <a:t>Publisher</a:t>
+            </a:r>
+          </a:p>
+          <a:p>
+            <a:r>
+              <a:rPr lang="cs-CZ" sz="2000" dirty="0"/>
+              <a:t> </a:t>
+            </a:r>
+            <a:r>
+              <a:rPr lang="cs-CZ" sz="2200" dirty="0"/>
+              <a:t>– aplikace pro publikování – podobná jako Microsoft Word, ale je kladen větší důraz na rozvržení stránky a grafický design než na kompozici textu </a:t>
+            </a:r>
+          </a:p>
+          <a:p>
+            <a:endParaRPr lang="cs-CZ" dirty="0"/>
+          </a:p>
+        </p:txBody>
+      </p:sp>
+      <p:pic>
+        <p:nvPicPr>
+          <p:cNvPr id="7170" name="Picture 2" descr="Skype – Wikipedie">
+            <a:extLst>
+              <a:ext uri="{FF2B5EF4-FFF2-40B4-BE49-F238E27FC236}">
+                <a16:creationId xmlns:a16="http://schemas.microsoft.com/office/drawing/2014/main" id="{5F9896A6-65FD-1E84-3CE4-2156E3929211}"/>
+              </a:ext>
+            </a:extLst>
+          </p:cNvPr>
+          <p:cNvPicPr>
+            <a:picLocks noChangeAspect="1" noChangeArrowheads="1"/>
+          </p:cNvPicPr>
+          <p:nvPr/>
+        </p:nvPicPr>
+        <p:blipFill>
+          <a:blip r:embed="rId2">
+            <a:extLst>
+              <a:ext uri="{28A0092B-C50C-407E-A947-70E740481C1C}">
+                <a14:useLocalDpi xmlns:a14="http://schemas.microsoft.com/office/drawing/2010/main" val="0"/>
+              </a:ext>
+            </a:extLst>
+          </a:blip>
+          <a:srcRect/>
+          <a:stretch>
+            <a:fillRect/>
+          </a:stretch>
+        </p:blipFill>
+        <p:spPr bwMode="auto">
+          <a:xfrm>
+            <a:off x="9218612" y="1049866"/>
+            <a:ext cx="2289176" cy="2310031"/>
+          </a:xfrm>
+          <a:prstGeom prst="rect">
+            <a:avLst/>
+          </a:prstGeom>
+          <a:noFill/>
+          <a:extLst>
+            <a:ext uri="{909E8E84-426E-40DD-AFC4-6F175D3DCCD1}">
+              <a14:hiddenFill xmlns:a14="http://schemas.microsoft.com/office/drawing/2010/main">
+                <a:solidFill>
+                  <a:srgbClr val="FFFFFF"/>
+                </a:solidFill>
+              </a14:hiddenFill>
+            </a:ext>
+          </a:extLst>
+        </p:spPr>
+      </p:pic>
+      <p:pic>
+        <p:nvPicPr>
+          <p:cNvPr id="7172" name="Picture 4" descr="Microsoft Publisher – Wikipedie">
+            <a:extLst>
+              <a:ext uri="{FF2B5EF4-FFF2-40B4-BE49-F238E27FC236}">
+                <a16:creationId xmlns:a16="http://schemas.microsoft.com/office/drawing/2014/main" id="{C4A7434E-75DB-B76F-D99A-3FB8C12B27D1}"/>
+              </a:ext>
+            </a:extLst>
+          </p:cNvPr>
+          <p:cNvPicPr>
+            <a:picLocks noChangeAspect="1" noChangeArrowheads="1"/>
+          </p:cNvPicPr>
+          <p:nvPr/>
+        </p:nvPicPr>
+        <p:blipFill>
+          <a:blip r:embed="rId3">
+            <a:extLst>
+              <a:ext uri="{28A0092B-C50C-407E-A947-70E740481C1C}">
+                <a14:useLocalDpi xmlns:a14="http://schemas.microsoft.com/office/drawing/2010/main" val="0"/>
+              </a:ext>
+            </a:extLst>
+          </a:blip>
+          <a:srcRect/>
+          <a:stretch>
+            <a:fillRect/>
+          </a:stretch>
+        </p:blipFill>
+        <p:spPr bwMode="auto">
+          <a:xfrm>
+            <a:off x="9218611" y="3877215"/>
+            <a:ext cx="2363821" cy="2119492"/>
+          </a:xfrm>
+          <a:prstGeom prst="rect">
+            <a:avLst/>
+          </a:prstGeom>
+          <a:noFill/>
+          <a:extLst>
+            <a:ext uri="{909E8E84-426E-40DD-AFC4-6F175D3DCCD1}">
+              <a14:hiddenFill xmlns:a14="http://schemas.microsoft.com/office/drawing/2010/main">
+                <a:solidFill>
+                  <a:srgbClr val="FFFFFF"/>
+                </a:solidFill>
+              </a14:hiddenFill>
+            </a:ext>
+          </a:extLst>
+        </p:spPr>
+      </p:pic>
+    </p:spTree>
+    <p:extLst>
+      <p:ext uri="{BB962C8B-B14F-4D97-AF65-F5344CB8AC3E}">
+        <p14:creationId xmlns:p14="http://schemas.microsoft.com/office/powerpoint/2010/main" val="1745700412"/>
+      </p:ext>
+    </p:extLst>
+  </p:cSld>
+  <p:clrMapOvr>
+    <a:masterClrMapping/>
+  </p:clrMapOvr>
+</p:sld>
+</file>
+
+<file path=ppt/slides/slide18.xml><?xml version="1.0" encoding="utf-8"?>
+<p:sld xmlns:a="http://schemas.openxmlformats.org/drawingml/2006/main" xmlns:r="http://schemas.openxmlformats.org/officeDocument/2006/relationships" xmlns:p="http://schemas.openxmlformats.org/presentationml/2006/main">
+  <p:cSld>
+    <p:spTree>
+      <p:nvGrpSpPr>
+        <p:cNvPr id="1" name=""/>
+        <p:cNvGrpSpPr/>
+        <p:nvPr/>
+      </p:nvGrpSpPr>
+      <p:grpSpPr>
+        <a:xfrm>
+          <a:off x="0" y="0"/>
+          <a:ext cx="0" cy="0"/>
+          <a:chOff x="0" y="0"/>
+          <a:chExt cx="0" cy="0"/>
+        </a:xfrm>
+      </p:grpSpPr>
+      <p:sp>
+        <p:nvSpPr>
+          <p:cNvPr id="2" name="Nadpis 1">
+            <a:extLst>
+              <a:ext uri="{FF2B5EF4-FFF2-40B4-BE49-F238E27FC236}">
+                <a16:creationId xmlns:a16="http://schemas.microsoft.com/office/drawing/2014/main" id="{D93B6ABC-E405-5C29-35F1-617D32051DF6}"/>
+              </a:ext>
+            </a:extLst>
+          </p:cNvPr>
+          <p:cNvSpPr>
+            <a:spLocks noGrp="1"/>
+          </p:cNvSpPr>
+          <p:nvPr>
+            <p:ph type="title"/>
+          </p:nvPr>
+        </p:nvSpPr>
+        <p:spPr>
+          <a:xfrm>
+            <a:off x="684212" y="363201"/>
+            <a:ext cx="8534400" cy="1507067"/>
+          </a:xfrm>
+        </p:spPr>
+        <p:txBody>
+          <a:bodyPr/>
+          <a:lstStyle/>
+          <a:p>
+            <a:r>
+              <a:rPr lang="cs-CZ" dirty="0"/>
+              <a:t>Použitá literatura:</a:t>
+            </a:r>
+          </a:p>
+        </p:txBody>
+      </p:sp>
+      <p:sp>
+        <p:nvSpPr>
+          <p:cNvPr id="3" name="Zástupný obsah 2">
+            <a:extLst>
+              <a:ext uri="{FF2B5EF4-FFF2-40B4-BE49-F238E27FC236}">
+                <a16:creationId xmlns:a16="http://schemas.microsoft.com/office/drawing/2014/main" id="{7BEE2DA4-40C8-02F4-F01C-4068FA2B6E15}"/>
+              </a:ext>
+            </a:extLst>
+          </p:cNvPr>
+          <p:cNvSpPr>
+            <a:spLocks noGrp="1"/>
+          </p:cNvSpPr>
+          <p:nvPr>
+            <p:ph idx="1"/>
+          </p:nvPr>
+        </p:nvSpPr>
+        <p:spPr>
+          <a:xfrm>
+            <a:off x="684212" y="1647644"/>
+            <a:ext cx="9700759" cy="5061065"/>
+          </a:xfrm>
+        </p:spPr>
+        <p:txBody>
+          <a:bodyPr>
+            <a:normAutofit fontScale="70000" lnSpcReduction="20000"/>
+          </a:bodyPr>
+          <a:lstStyle/>
+          <a:p>
+            <a:pPr>
+              <a:lnSpc>
+                <a:spcPct val="107000"/>
+              </a:lnSpc>
+              <a:spcAft>
+                <a:spcPts val="800"/>
+              </a:spcAft>
+            </a:pPr>
+            <a:r>
+              <a:rPr lang="cs-CZ" sz="1800" dirty="0">
+                <a:solidFill>
+                  <a:srgbClr val="000000"/>
+                </a:solidFill>
+                <a:effectLst/>
+                <a:latin typeface="Roboto Slab" pitchFamily="2" charset="0"/>
+                <a:ea typeface="Calibri" panose="020F0502020204030204" pitchFamily="34" charset="0"/>
+                <a:cs typeface="Times New Roman" panose="02020603050405020304" pitchFamily="18" charset="0"/>
+              </a:rPr>
+              <a:t>Microsoft 365 – Wikipedie. [online]. Dostupné z: </a:t>
+            </a:r>
+            <a:r>
+              <a:rPr lang="cs-CZ" sz="1800" u="none" strike="noStrike" dirty="0">
+                <a:solidFill>
+                  <a:srgbClr val="000000"/>
+                </a:solidFill>
+                <a:effectLst/>
+                <a:latin typeface="Roboto Slab" pitchFamily="2" charset="0"/>
+                <a:ea typeface="Calibri" panose="020F0502020204030204" pitchFamily="34" charset="0"/>
+                <a:cs typeface="Times New Roman" panose="02020603050405020304" pitchFamily="18" charset="0"/>
+                <a:hlinkClick r:id="rId2"/>
+              </a:rPr>
+              <a:t>https://cs.wikipedia.org/wiki/Microsoft_365</a:t>
+            </a:r>
+            <a:endParaRPr lang="cs-CZ" sz="1800" dirty="0">
+              <a:effectLst/>
+              <a:latin typeface="Calibri" panose="020F0502020204030204" pitchFamily="34" charset="0"/>
+              <a:ea typeface="Calibri" panose="020F0502020204030204" pitchFamily="34" charset="0"/>
+              <a:cs typeface="Times New Roman" panose="02020603050405020304" pitchFamily="18" charset="0"/>
+            </a:endParaRPr>
+          </a:p>
+          <a:p>
+            <a:pPr>
+              <a:lnSpc>
+                <a:spcPct val="107000"/>
+              </a:lnSpc>
+              <a:spcAft>
+                <a:spcPts val="800"/>
+              </a:spcAft>
+            </a:pPr>
+            <a:r>
+              <a:rPr lang="cs-CZ" sz="1800" dirty="0">
+                <a:solidFill>
+                  <a:srgbClr val="000000"/>
+                </a:solidFill>
+                <a:effectLst/>
+                <a:latin typeface="Roboto Slab" pitchFamily="2" charset="0"/>
+                <a:ea typeface="Calibri" panose="020F0502020204030204" pitchFamily="34" charset="0"/>
+                <a:cs typeface="Times New Roman" panose="02020603050405020304" pitchFamily="18" charset="0"/>
+              </a:rPr>
+              <a:t>Microsoft 365 vs. Office 365: </a:t>
+            </a:r>
+            <a:r>
+              <a:rPr lang="cs-CZ" sz="1800" dirty="0" err="1">
+                <a:solidFill>
+                  <a:srgbClr val="000000"/>
+                </a:solidFill>
+                <a:effectLst/>
+                <a:latin typeface="Roboto Slab" pitchFamily="2" charset="0"/>
+                <a:ea typeface="Calibri" panose="020F0502020204030204" pitchFamily="34" charset="0"/>
+                <a:cs typeface="Times New Roman" panose="02020603050405020304" pitchFamily="18" charset="0"/>
+              </a:rPr>
+              <a:t>What’s</a:t>
+            </a:r>
+            <a:r>
+              <a:rPr lang="cs-CZ" sz="1800" dirty="0">
+                <a:solidFill>
+                  <a:srgbClr val="000000"/>
+                </a:solidFill>
+                <a:effectLst/>
+                <a:latin typeface="Roboto Slab" pitchFamily="2" charset="0"/>
+                <a:ea typeface="Calibri" panose="020F0502020204030204" pitchFamily="34" charset="0"/>
+                <a:cs typeface="Times New Roman" panose="02020603050405020304" pitchFamily="18" charset="0"/>
+              </a:rPr>
+              <a:t> </a:t>
+            </a:r>
+            <a:r>
+              <a:rPr lang="cs-CZ" sz="1800" dirty="0" err="1">
+                <a:solidFill>
+                  <a:srgbClr val="000000"/>
+                </a:solidFill>
+                <a:effectLst/>
+                <a:latin typeface="Roboto Slab" pitchFamily="2" charset="0"/>
+                <a:ea typeface="Calibri" panose="020F0502020204030204" pitchFamily="34" charset="0"/>
+                <a:cs typeface="Times New Roman" panose="02020603050405020304" pitchFamily="18" charset="0"/>
+              </a:rPr>
+              <a:t>the</a:t>
+            </a:r>
+            <a:r>
+              <a:rPr lang="cs-CZ" sz="1800" dirty="0">
+                <a:solidFill>
+                  <a:srgbClr val="000000"/>
+                </a:solidFill>
+                <a:effectLst/>
+                <a:latin typeface="Roboto Slab" pitchFamily="2" charset="0"/>
+                <a:ea typeface="Calibri" panose="020F0502020204030204" pitchFamily="34" charset="0"/>
+                <a:cs typeface="Times New Roman" panose="02020603050405020304" pitchFamily="18" charset="0"/>
+              </a:rPr>
+              <a:t> </a:t>
+            </a:r>
+            <a:r>
+              <a:rPr lang="cs-CZ" sz="1800" dirty="0" err="1">
+                <a:solidFill>
+                  <a:srgbClr val="000000"/>
+                </a:solidFill>
+                <a:effectLst/>
+                <a:latin typeface="Roboto Slab" pitchFamily="2" charset="0"/>
+                <a:ea typeface="Calibri" panose="020F0502020204030204" pitchFamily="34" charset="0"/>
+                <a:cs typeface="Times New Roman" panose="02020603050405020304" pitchFamily="18" charset="0"/>
+              </a:rPr>
+              <a:t>difference</a:t>
+            </a:r>
+            <a:r>
+              <a:rPr lang="cs-CZ" sz="1800" dirty="0">
+                <a:solidFill>
+                  <a:srgbClr val="000000"/>
+                </a:solidFill>
+                <a:effectLst/>
+                <a:latin typeface="Roboto Slab" pitchFamily="2" charset="0"/>
+                <a:ea typeface="Calibri" panose="020F0502020204030204" pitchFamily="34" charset="0"/>
+                <a:cs typeface="Times New Roman" panose="02020603050405020304" pitchFamily="18" charset="0"/>
+              </a:rPr>
+              <a:t>?. </a:t>
+            </a:r>
+            <a:r>
+              <a:rPr lang="cs-CZ" sz="1800" i="1" dirty="0">
+                <a:solidFill>
+                  <a:srgbClr val="000000"/>
+                </a:solidFill>
+                <a:effectLst/>
+                <a:latin typeface="Roboto Slab" pitchFamily="2" charset="0"/>
+                <a:ea typeface="Calibri" panose="020F0502020204030204" pitchFamily="34" charset="0"/>
+                <a:cs typeface="Times New Roman" panose="02020603050405020304" pitchFamily="18" charset="0"/>
+              </a:rPr>
+              <a:t>KnowBe4 </a:t>
+            </a:r>
+            <a:r>
+              <a:rPr lang="cs-CZ" sz="1800" i="1" dirty="0" err="1">
+                <a:solidFill>
+                  <a:srgbClr val="000000"/>
+                </a:solidFill>
+                <a:effectLst/>
+                <a:latin typeface="Roboto Slab" pitchFamily="2" charset="0"/>
+                <a:ea typeface="Calibri" panose="020F0502020204030204" pitchFamily="34" charset="0"/>
+                <a:cs typeface="Times New Roman" panose="02020603050405020304" pitchFamily="18" charset="0"/>
+              </a:rPr>
+              <a:t>Security</a:t>
+            </a:r>
+            <a:r>
+              <a:rPr lang="cs-CZ" sz="1800" i="1" dirty="0">
+                <a:solidFill>
+                  <a:srgbClr val="000000"/>
+                </a:solidFill>
+                <a:effectLst/>
+                <a:latin typeface="Roboto Slab" pitchFamily="2" charset="0"/>
+                <a:ea typeface="Calibri" panose="020F0502020204030204" pitchFamily="34" charset="0"/>
+                <a:cs typeface="Times New Roman" panose="02020603050405020304" pitchFamily="18" charset="0"/>
+              </a:rPr>
+              <a:t> </a:t>
+            </a:r>
+            <a:r>
+              <a:rPr lang="cs-CZ" sz="1800" i="1" dirty="0" err="1">
+                <a:solidFill>
+                  <a:srgbClr val="000000"/>
+                </a:solidFill>
+                <a:effectLst/>
+                <a:latin typeface="Roboto Slab" pitchFamily="2" charset="0"/>
+                <a:ea typeface="Calibri" panose="020F0502020204030204" pitchFamily="34" charset="0"/>
+                <a:cs typeface="Times New Roman" panose="02020603050405020304" pitchFamily="18" charset="0"/>
+              </a:rPr>
+              <a:t>Awareness</a:t>
+            </a:r>
+            <a:r>
+              <a:rPr lang="cs-CZ" sz="1800" i="1" dirty="0">
+                <a:solidFill>
+                  <a:srgbClr val="000000"/>
+                </a:solidFill>
+                <a:effectLst/>
+                <a:latin typeface="Roboto Slab" pitchFamily="2" charset="0"/>
+                <a:ea typeface="Calibri" panose="020F0502020204030204" pitchFamily="34" charset="0"/>
+                <a:cs typeface="Times New Roman" panose="02020603050405020304" pitchFamily="18" charset="0"/>
+              </a:rPr>
+              <a:t> </a:t>
+            </a:r>
+            <a:r>
+              <a:rPr lang="cs-CZ" sz="1800" i="1" dirty="0" err="1">
+                <a:solidFill>
+                  <a:srgbClr val="000000"/>
+                </a:solidFill>
+                <a:effectLst/>
+                <a:latin typeface="Roboto Slab" pitchFamily="2" charset="0"/>
+                <a:ea typeface="Calibri" panose="020F0502020204030204" pitchFamily="34" charset="0"/>
+                <a:cs typeface="Times New Roman" panose="02020603050405020304" pitchFamily="18" charset="0"/>
+              </a:rPr>
+              <a:t>Training</a:t>
+            </a:r>
+            <a:r>
+              <a:rPr lang="cs-CZ" sz="1800" i="1" dirty="0">
+                <a:solidFill>
+                  <a:srgbClr val="000000"/>
+                </a:solidFill>
+                <a:effectLst/>
+                <a:latin typeface="Roboto Slab" pitchFamily="2" charset="0"/>
+                <a:ea typeface="Calibri" panose="020F0502020204030204" pitchFamily="34" charset="0"/>
+                <a:cs typeface="Times New Roman" panose="02020603050405020304" pitchFamily="18" charset="0"/>
+              </a:rPr>
+              <a:t> Blog</a:t>
+            </a:r>
+            <a:r>
+              <a:rPr lang="cs-CZ" sz="1800" dirty="0">
+                <a:solidFill>
+                  <a:srgbClr val="000000"/>
+                </a:solidFill>
+                <a:effectLst/>
+                <a:latin typeface="Roboto Slab" pitchFamily="2" charset="0"/>
+                <a:ea typeface="Calibri" panose="020F0502020204030204" pitchFamily="34" charset="0"/>
+                <a:cs typeface="Times New Roman" panose="02020603050405020304" pitchFamily="18" charset="0"/>
+              </a:rPr>
+              <a:t> [online]. Copyright © [cit. 17.01.2023]. Dostupné z: </a:t>
+            </a:r>
+            <a:r>
+              <a:rPr lang="cs-CZ" sz="1800" u="none" strike="noStrike" dirty="0">
+                <a:solidFill>
+                  <a:srgbClr val="000000"/>
+                </a:solidFill>
+                <a:effectLst/>
+                <a:latin typeface="Roboto Slab" pitchFamily="2" charset="0"/>
+                <a:ea typeface="Calibri" panose="020F0502020204030204" pitchFamily="34" charset="0"/>
+                <a:cs typeface="Times New Roman" panose="02020603050405020304" pitchFamily="18" charset="0"/>
+                <a:hlinkClick r:id="rId3"/>
+              </a:rPr>
+              <a:t>https://blog.knowbe4.com/microsoft-365-vs.-office-365-whats-the-difference</a:t>
+            </a:r>
+            <a:endParaRPr lang="cs-CZ" sz="1800" dirty="0">
+              <a:effectLst/>
+              <a:latin typeface="Calibri" panose="020F0502020204030204" pitchFamily="34" charset="0"/>
+              <a:ea typeface="Calibri" panose="020F0502020204030204" pitchFamily="34" charset="0"/>
+              <a:cs typeface="Times New Roman" panose="02020603050405020304" pitchFamily="18" charset="0"/>
+            </a:endParaRPr>
+          </a:p>
+          <a:p>
+            <a:pPr>
+              <a:lnSpc>
+                <a:spcPct val="107000"/>
+              </a:lnSpc>
+              <a:spcAft>
+                <a:spcPts val="800"/>
+              </a:spcAft>
+            </a:pPr>
+            <a:r>
+              <a:rPr lang="cs-CZ" sz="1800" dirty="0">
+                <a:solidFill>
+                  <a:srgbClr val="000000"/>
+                </a:solidFill>
+                <a:effectLst/>
+                <a:latin typeface="Roboto Slab" pitchFamily="2" charset="0"/>
+                <a:ea typeface="Calibri" panose="020F0502020204030204" pitchFamily="34" charset="0"/>
+                <a:cs typeface="Times New Roman" panose="02020603050405020304" pitchFamily="18" charset="0"/>
+              </a:rPr>
+              <a:t>Microsoft </a:t>
+            </a:r>
+            <a:r>
+              <a:rPr lang="cs-CZ" sz="1800" dirty="0" err="1">
+                <a:solidFill>
+                  <a:srgbClr val="000000"/>
+                </a:solidFill>
+                <a:effectLst/>
+                <a:latin typeface="Roboto Slab" pitchFamily="2" charset="0"/>
+                <a:ea typeface="Calibri" panose="020F0502020204030204" pitchFamily="34" charset="0"/>
+                <a:cs typeface="Times New Roman" panose="02020603050405020304" pitchFamily="18" charset="0"/>
+              </a:rPr>
+              <a:t>Corporation</a:t>
+            </a:r>
+            <a:r>
+              <a:rPr lang="cs-CZ" sz="1800" dirty="0">
+                <a:solidFill>
+                  <a:srgbClr val="000000"/>
+                </a:solidFill>
+                <a:effectLst/>
+                <a:latin typeface="Roboto Slab" pitchFamily="2" charset="0"/>
+                <a:ea typeface="Calibri" panose="020F0502020204030204" pitchFamily="34" charset="0"/>
+                <a:cs typeface="Times New Roman" panose="02020603050405020304" pitchFamily="18" charset="0"/>
+              </a:rPr>
+              <a:t>. </a:t>
+            </a:r>
+            <a:r>
+              <a:rPr lang="cs-CZ" sz="1800" i="1" dirty="0">
+                <a:solidFill>
+                  <a:srgbClr val="000000"/>
+                </a:solidFill>
+                <a:effectLst/>
+                <a:latin typeface="Roboto Slab" pitchFamily="2" charset="0"/>
+                <a:ea typeface="Calibri" panose="020F0502020204030204" pitchFamily="34" charset="0"/>
+                <a:cs typeface="Times New Roman" panose="02020603050405020304" pitchFamily="18" charset="0"/>
+              </a:rPr>
+              <a:t>Microsoft </a:t>
+            </a:r>
+            <a:r>
+              <a:rPr lang="cs-CZ" sz="1800" i="1" dirty="0" err="1">
+                <a:solidFill>
+                  <a:srgbClr val="000000"/>
+                </a:solidFill>
+                <a:effectLst/>
+                <a:latin typeface="Roboto Slab" pitchFamily="2" charset="0"/>
+                <a:ea typeface="Calibri" panose="020F0502020204030204" pitchFamily="34" charset="0"/>
+                <a:cs typeface="Times New Roman" panose="02020603050405020304" pitchFamily="18" charset="0"/>
+              </a:rPr>
+              <a:t>Corporation</a:t>
+            </a:r>
+            <a:r>
+              <a:rPr lang="cs-CZ" sz="1800" dirty="0">
+                <a:solidFill>
+                  <a:srgbClr val="000000"/>
+                </a:solidFill>
+                <a:effectLst/>
+                <a:latin typeface="Roboto Slab" pitchFamily="2" charset="0"/>
+                <a:ea typeface="Calibri" panose="020F0502020204030204" pitchFamily="34" charset="0"/>
+                <a:cs typeface="Times New Roman" panose="02020603050405020304" pitchFamily="18" charset="0"/>
+              </a:rPr>
+              <a:t> [online]. Dostupné z: </a:t>
+            </a:r>
+            <a:r>
+              <a:rPr lang="cs-CZ" sz="1800" u="none" strike="noStrike" dirty="0">
+                <a:solidFill>
+                  <a:srgbClr val="000000"/>
+                </a:solidFill>
+                <a:effectLst/>
+                <a:latin typeface="Roboto Slab" pitchFamily="2" charset="0"/>
+                <a:ea typeface="Calibri" panose="020F0502020204030204" pitchFamily="34" charset="0"/>
+                <a:cs typeface="Times New Roman" panose="02020603050405020304" pitchFamily="18" charset="0"/>
+                <a:hlinkClick r:id="rId4"/>
+              </a:rPr>
+              <a:t>https://www.microsoft.com/cs-cz/microsoft-365?legRedir=default&amp;CorrelationId=afac4848-f7b5-49d8-b04e-891f6b109559</a:t>
+            </a:r>
+            <a:endParaRPr lang="cs-CZ" sz="1800" dirty="0">
+              <a:effectLst/>
+              <a:latin typeface="Calibri" panose="020F0502020204030204" pitchFamily="34" charset="0"/>
+              <a:ea typeface="Calibri" panose="020F0502020204030204" pitchFamily="34" charset="0"/>
+              <a:cs typeface="Times New Roman" panose="02020603050405020304" pitchFamily="18" charset="0"/>
+            </a:endParaRPr>
+          </a:p>
+          <a:p>
+            <a:pPr>
+              <a:lnSpc>
+                <a:spcPct val="107000"/>
+              </a:lnSpc>
+              <a:spcAft>
+                <a:spcPts val="800"/>
+              </a:spcAft>
+            </a:pPr>
+            <a:r>
+              <a:rPr lang="cs-CZ" sz="1800" dirty="0">
+                <a:solidFill>
+                  <a:srgbClr val="000000"/>
+                </a:solidFill>
+                <a:effectLst/>
+                <a:latin typeface="Roboto Slab" pitchFamily="2" charset="0"/>
+                <a:ea typeface="Calibri" panose="020F0502020204030204" pitchFamily="34" charset="0"/>
+                <a:cs typeface="Times New Roman" panose="02020603050405020304" pitchFamily="18" charset="0"/>
+              </a:rPr>
+              <a:t>Porovnejte všechny plány Microsoft 365 (dříve Office 365) – Microsoft </a:t>
+            </a:r>
+            <a:r>
+              <a:rPr lang="cs-CZ" sz="1800" dirty="0" err="1">
+                <a:solidFill>
+                  <a:srgbClr val="000000"/>
+                </a:solidFill>
+                <a:effectLst/>
+                <a:latin typeface="Roboto Slab" pitchFamily="2" charset="0"/>
+                <a:ea typeface="Calibri" panose="020F0502020204030204" pitchFamily="34" charset="0"/>
+                <a:cs typeface="Times New Roman" panose="02020603050405020304" pitchFamily="18" charset="0"/>
+              </a:rPr>
+              <a:t>Store</a:t>
+            </a:r>
+            <a:r>
+              <a:rPr lang="cs-CZ" sz="1800" dirty="0">
+                <a:solidFill>
+                  <a:srgbClr val="000000"/>
+                </a:solidFill>
+                <a:effectLst/>
+                <a:latin typeface="Roboto Slab" pitchFamily="2" charset="0"/>
+                <a:ea typeface="Calibri" panose="020F0502020204030204" pitchFamily="34" charset="0"/>
+                <a:cs typeface="Times New Roman" panose="02020603050405020304" pitchFamily="18" charset="0"/>
+              </a:rPr>
+              <a:t>. </a:t>
+            </a:r>
+            <a:r>
+              <a:rPr lang="cs-CZ" sz="1800" i="1" dirty="0">
+                <a:solidFill>
+                  <a:srgbClr val="000000"/>
+                </a:solidFill>
+                <a:effectLst/>
+                <a:latin typeface="Roboto Slab" pitchFamily="2" charset="0"/>
+                <a:ea typeface="Calibri" panose="020F0502020204030204" pitchFamily="34" charset="0"/>
+                <a:cs typeface="Times New Roman" panose="02020603050405020304" pitchFamily="18" charset="0"/>
+              </a:rPr>
+              <a:t>Microsoft </a:t>
+            </a:r>
+            <a:r>
+              <a:rPr lang="cs-CZ" sz="1800" i="1" dirty="0" err="1">
+                <a:solidFill>
+                  <a:srgbClr val="000000"/>
+                </a:solidFill>
+                <a:effectLst/>
+                <a:latin typeface="Roboto Slab" pitchFamily="2" charset="0"/>
+                <a:ea typeface="Calibri" panose="020F0502020204030204" pitchFamily="34" charset="0"/>
+                <a:cs typeface="Times New Roman" panose="02020603050405020304" pitchFamily="18" charset="0"/>
+              </a:rPr>
+              <a:t>Corporation</a:t>
+            </a:r>
+            <a:r>
+              <a:rPr lang="cs-CZ" sz="1800" dirty="0">
+                <a:solidFill>
+                  <a:srgbClr val="000000"/>
+                </a:solidFill>
+                <a:effectLst/>
+                <a:latin typeface="Roboto Slab" pitchFamily="2" charset="0"/>
+                <a:ea typeface="Calibri" panose="020F0502020204030204" pitchFamily="34" charset="0"/>
+                <a:cs typeface="Times New Roman" panose="02020603050405020304" pitchFamily="18" charset="0"/>
+              </a:rPr>
+              <a:t> [online]. Dostupné z: </a:t>
+            </a:r>
+            <a:r>
+              <a:rPr lang="cs-CZ" sz="1800" u="none" strike="noStrike" dirty="0">
+                <a:solidFill>
+                  <a:srgbClr val="000000"/>
+                </a:solidFill>
+                <a:effectLst/>
+                <a:latin typeface="Roboto Slab" pitchFamily="2" charset="0"/>
+                <a:ea typeface="Calibri" panose="020F0502020204030204" pitchFamily="34" charset="0"/>
+                <a:cs typeface="Times New Roman" panose="02020603050405020304" pitchFamily="18" charset="0"/>
+                <a:hlinkClick r:id="rId5"/>
+              </a:rPr>
+              <a:t>https://www.microsoft.com/cs-cz/microsoft-365/buy/compare-all-microsoft-365-products?tab=1</a:t>
+            </a:r>
+            <a:endParaRPr lang="cs-CZ" sz="1800" dirty="0">
+              <a:effectLst/>
+              <a:latin typeface="Calibri" panose="020F0502020204030204" pitchFamily="34" charset="0"/>
+              <a:ea typeface="Calibri" panose="020F0502020204030204" pitchFamily="34" charset="0"/>
+              <a:cs typeface="Times New Roman" panose="02020603050405020304" pitchFamily="18" charset="0"/>
+            </a:endParaRPr>
+          </a:p>
+          <a:p>
+            <a:pPr>
+              <a:lnSpc>
+                <a:spcPct val="107000"/>
+              </a:lnSpc>
+              <a:spcAft>
+                <a:spcPts val="800"/>
+              </a:spcAft>
+            </a:pPr>
+            <a:r>
+              <a:rPr lang="cs-CZ" sz="1800" dirty="0">
+                <a:solidFill>
+                  <a:srgbClr val="000000"/>
+                </a:solidFill>
+                <a:effectLst/>
+                <a:latin typeface="Roboto Slab" pitchFamily="2" charset="0"/>
+                <a:ea typeface="Calibri" panose="020F0502020204030204" pitchFamily="34" charset="0"/>
+                <a:cs typeface="Times New Roman" panose="02020603050405020304" pitchFamily="18" charset="0"/>
+              </a:rPr>
+              <a:t>Microsoft </a:t>
+            </a:r>
+            <a:r>
+              <a:rPr lang="cs-CZ" sz="1800" dirty="0" err="1">
+                <a:solidFill>
+                  <a:srgbClr val="000000"/>
+                </a:solidFill>
+                <a:effectLst/>
+                <a:latin typeface="Roboto Slab" pitchFamily="2" charset="0"/>
+                <a:ea typeface="Calibri" panose="020F0502020204030204" pitchFamily="34" charset="0"/>
+                <a:cs typeface="Times New Roman" panose="02020603050405020304" pitchFamily="18" charset="0"/>
+              </a:rPr>
+              <a:t>Corporation</a:t>
+            </a:r>
+            <a:r>
+              <a:rPr lang="cs-CZ" sz="1800" dirty="0">
+                <a:solidFill>
+                  <a:srgbClr val="000000"/>
+                </a:solidFill>
+                <a:effectLst/>
+                <a:latin typeface="Roboto Slab" pitchFamily="2" charset="0"/>
+                <a:ea typeface="Calibri" panose="020F0502020204030204" pitchFamily="34" charset="0"/>
+                <a:cs typeface="Times New Roman" panose="02020603050405020304" pitchFamily="18" charset="0"/>
+              </a:rPr>
+              <a:t>. </a:t>
+            </a:r>
+            <a:r>
+              <a:rPr lang="cs-CZ" sz="1800" i="1" dirty="0">
+                <a:solidFill>
+                  <a:srgbClr val="000000"/>
+                </a:solidFill>
+                <a:effectLst/>
+                <a:latin typeface="Roboto Slab" pitchFamily="2" charset="0"/>
+                <a:ea typeface="Calibri" panose="020F0502020204030204" pitchFamily="34" charset="0"/>
+                <a:cs typeface="Times New Roman" panose="02020603050405020304" pitchFamily="18" charset="0"/>
+              </a:rPr>
+              <a:t>Microsoft </a:t>
+            </a:r>
+            <a:r>
+              <a:rPr lang="cs-CZ" sz="1800" i="1" dirty="0" err="1">
+                <a:solidFill>
+                  <a:srgbClr val="000000"/>
+                </a:solidFill>
+                <a:effectLst/>
+                <a:latin typeface="Roboto Slab" pitchFamily="2" charset="0"/>
+                <a:ea typeface="Calibri" panose="020F0502020204030204" pitchFamily="34" charset="0"/>
+                <a:cs typeface="Times New Roman" panose="02020603050405020304" pitchFamily="18" charset="0"/>
+              </a:rPr>
+              <a:t>Corporation</a:t>
+            </a:r>
+            <a:r>
+              <a:rPr lang="cs-CZ" sz="1800" dirty="0">
+                <a:solidFill>
+                  <a:srgbClr val="000000"/>
+                </a:solidFill>
+                <a:effectLst/>
+                <a:latin typeface="Roboto Slab" pitchFamily="2" charset="0"/>
+                <a:ea typeface="Calibri" panose="020F0502020204030204" pitchFamily="34" charset="0"/>
+                <a:cs typeface="Times New Roman" panose="02020603050405020304" pitchFamily="18" charset="0"/>
+              </a:rPr>
+              <a:t> [online]. Dostupné z: </a:t>
+            </a:r>
+            <a:r>
+              <a:rPr lang="cs-CZ" sz="1800" u="none" strike="noStrike" dirty="0">
+                <a:solidFill>
+                  <a:srgbClr val="000000"/>
+                </a:solidFill>
+                <a:effectLst/>
+                <a:latin typeface="Roboto Slab" pitchFamily="2" charset="0"/>
+                <a:ea typeface="Calibri" panose="020F0502020204030204" pitchFamily="34" charset="0"/>
+                <a:cs typeface="Times New Roman" panose="02020603050405020304" pitchFamily="18" charset="0"/>
+                <a:hlinkClick r:id="rId6"/>
+              </a:rPr>
+              <a:t>https://www.microsoft.com/cs-cz/education/products/microsoft-365</a:t>
+            </a:r>
+            <a:endParaRPr lang="cs-CZ" sz="1800" dirty="0">
+              <a:effectLst/>
+              <a:latin typeface="Calibri" panose="020F0502020204030204" pitchFamily="34" charset="0"/>
+              <a:ea typeface="Calibri" panose="020F0502020204030204" pitchFamily="34" charset="0"/>
+              <a:cs typeface="Times New Roman" panose="02020603050405020304" pitchFamily="18" charset="0"/>
+            </a:endParaRPr>
+          </a:p>
+          <a:p>
+            <a:pPr>
+              <a:lnSpc>
+                <a:spcPct val="107000"/>
+              </a:lnSpc>
+              <a:spcAft>
+                <a:spcPts val="800"/>
+              </a:spcAft>
+            </a:pPr>
+            <a:r>
+              <a:rPr lang="cs-CZ" sz="1800" dirty="0">
+                <a:solidFill>
+                  <a:srgbClr val="000000"/>
+                </a:solidFill>
+                <a:effectLst/>
+                <a:latin typeface="Roboto Slab" pitchFamily="2" charset="0"/>
+                <a:ea typeface="Calibri" panose="020F0502020204030204" pitchFamily="34" charset="0"/>
+                <a:cs typeface="Times New Roman" panose="02020603050405020304" pitchFamily="18" charset="0"/>
+              </a:rPr>
+              <a:t>Microsoft </a:t>
+            </a:r>
+            <a:r>
+              <a:rPr lang="cs-CZ" sz="1800" dirty="0" err="1">
+                <a:solidFill>
+                  <a:srgbClr val="000000"/>
+                </a:solidFill>
+                <a:effectLst/>
+                <a:latin typeface="Roboto Slab" pitchFamily="2" charset="0"/>
+                <a:ea typeface="Calibri" panose="020F0502020204030204" pitchFamily="34" charset="0"/>
+                <a:cs typeface="Times New Roman" panose="02020603050405020304" pitchFamily="18" charset="0"/>
+              </a:rPr>
+              <a:t>Corporation</a:t>
+            </a:r>
+            <a:r>
+              <a:rPr lang="cs-CZ" sz="1800" dirty="0">
+                <a:solidFill>
+                  <a:srgbClr val="000000"/>
+                </a:solidFill>
+                <a:effectLst/>
+                <a:latin typeface="Roboto Slab" pitchFamily="2" charset="0"/>
+                <a:ea typeface="Calibri" panose="020F0502020204030204" pitchFamily="34" charset="0"/>
+                <a:cs typeface="Times New Roman" panose="02020603050405020304" pitchFamily="18" charset="0"/>
+              </a:rPr>
+              <a:t>. </a:t>
+            </a:r>
+            <a:r>
+              <a:rPr lang="cs-CZ" sz="1800" i="1" dirty="0">
+                <a:solidFill>
+                  <a:srgbClr val="000000"/>
+                </a:solidFill>
+                <a:effectLst/>
+                <a:latin typeface="Roboto Slab" pitchFamily="2" charset="0"/>
+                <a:ea typeface="Calibri" panose="020F0502020204030204" pitchFamily="34" charset="0"/>
+                <a:cs typeface="Times New Roman" panose="02020603050405020304" pitchFamily="18" charset="0"/>
+              </a:rPr>
+              <a:t>Microsoft </a:t>
+            </a:r>
+            <a:r>
+              <a:rPr lang="cs-CZ" sz="1800" i="1" dirty="0" err="1">
+                <a:solidFill>
+                  <a:srgbClr val="000000"/>
+                </a:solidFill>
+                <a:effectLst/>
+                <a:latin typeface="Roboto Slab" pitchFamily="2" charset="0"/>
+                <a:ea typeface="Calibri" panose="020F0502020204030204" pitchFamily="34" charset="0"/>
+                <a:cs typeface="Times New Roman" panose="02020603050405020304" pitchFamily="18" charset="0"/>
+              </a:rPr>
+              <a:t>Corporation</a:t>
+            </a:r>
+            <a:r>
+              <a:rPr lang="cs-CZ" sz="1800" dirty="0">
+                <a:solidFill>
+                  <a:srgbClr val="000000"/>
+                </a:solidFill>
+                <a:effectLst/>
+                <a:latin typeface="Roboto Slab" pitchFamily="2" charset="0"/>
+                <a:ea typeface="Calibri" panose="020F0502020204030204" pitchFamily="34" charset="0"/>
+                <a:cs typeface="Times New Roman" panose="02020603050405020304" pitchFamily="18" charset="0"/>
+              </a:rPr>
+              <a:t> [online]. Dostupné z: </a:t>
+            </a:r>
+            <a:r>
+              <a:rPr lang="cs-CZ" sz="1800" u="none" strike="noStrike" dirty="0">
+                <a:solidFill>
+                  <a:srgbClr val="000000"/>
+                </a:solidFill>
+                <a:effectLst/>
+                <a:latin typeface="Roboto Slab" pitchFamily="2" charset="0"/>
+                <a:ea typeface="Calibri" panose="020F0502020204030204" pitchFamily="34" charset="0"/>
+                <a:cs typeface="Times New Roman" panose="02020603050405020304" pitchFamily="18" charset="0"/>
+                <a:hlinkClick r:id="rId7"/>
+              </a:rPr>
+              <a:t>https://www.microsoft.com/cs-cz/microsoft-365/business</a:t>
+            </a:r>
+            <a:endParaRPr lang="cs-CZ" sz="1800" dirty="0">
+              <a:effectLst/>
+              <a:latin typeface="Calibri" panose="020F0502020204030204" pitchFamily="34" charset="0"/>
+              <a:ea typeface="Calibri" panose="020F0502020204030204" pitchFamily="34" charset="0"/>
+              <a:cs typeface="Times New Roman" panose="02020603050405020304" pitchFamily="18" charset="0"/>
+            </a:endParaRPr>
+          </a:p>
+          <a:p>
+            <a:pPr>
+              <a:lnSpc>
+                <a:spcPct val="107000"/>
+              </a:lnSpc>
+              <a:spcAft>
+                <a:spcPts val="800"/>
+              </a:spcAft>
+            </a:pPr>
+            <a:r>
+              <a:rPr lang="cs-CZ" sz="1800" dirty="0">
+                <a:solidFill>
+                  <a:srgbClr val="000000"/>
+                </a:solidFill>
+                <a:effectLst/>
+                <a:latin typeface="Roboto Slab" pitchFamily="2" charset="0"/>
+                <a:ea typeface="Calibri" panose="020F0502020204030204" pitchFamily="34" charset="0"/>
+                <a:cs typeface="Times New Roman" panose="02020603050405020304" pitchFamily="18" charset="0"/>
+              </a:rPr>
+              <a:t>Microsoft </a:t>
+            </a:r>
+            <a:r>
+              <a:rPr lang="cs-CZ" sz="1800" dirty="0" err="1">
+                <a:solidFill>
+                  <a:srgbClr val="000000"/>
+                </a:solidFill>
+                <a:effectLst/>
+                <a:latin typeface="Roboto Slab" pitchFamily="2" charset="0"/>
+                <a:ea typeface="Calibri" panose="020F0502020204030204" pitchFamily="34" charset="0"/>
+                <a:cs typeface="Times New Roman" panose="02020603050405020304" pitchFamily="18" charset="0"/>
+              </a:rPr>
+              <a:t>Corporation</a:t>
+            </a:r>
+            <a:r>
+              <a:rPr lang="cs-CZ" sz="1800" dirty="0">
+                <a:solidFill>
+                  <a:srgbClr val="000000"/>
+                </a:solidFill>
+                <a:effectLst/>
+                <a:latin typeface="Roboto Slab" pitchFamily="2" charset="0"/>
+                <a:ea typeface="Calibri" panose="020F0502020204030204" pitchFamily="34" charset="0"/>
+                <a:cs typeface="Times New Roman" panose="02020603050405020304" pitchFamily="18" charset="0"/>
+              </a:rPr>
+              <a:t>. </a:t>
+            </a:r>
+            <a:r>
+              <a:rPr lang="cs-CZ" sz="1800" i="1" dirty="0">
+                <a:solidFill>
+                  <a:srgbClr val="000000"/>
+                </a:solidFill>
+                <a:effectLst/>
+                <a:latin typeface="Roboto Slab" pitchFamily="2" charset="0"/>
+                <a:ea typeface="Calibri" panose="020F0502020204030204" pitchFamily="34" charset="0"/>
+                <a:cs typeface="Times New Roman" panose="02020603050405020304" pitchFamily="18" charset="0"/>
+              </a:rPr>
+              <a:t>Microsoft </a:t>
+            </a:r>
+            <a:r>
+              <a:rPr lang="cs-CZ" sz="1800" i="1" dirty="0" err="1">
+                <a:solidFill>
+                  <a:srgbClr val="000000"/>
+                </a:solidFill>
+                <a:effectLst/>
+                <a:latin typeface="Roboto Slab" pitchFamily="2" charset="0"/>
+                <a:ea typeface="Calibri" panose="020F0502020204030204" pitchFamily="34" charset="0"/>
+                <a:cs typeface="Times New Roman" panose="02020603050405020304" pitchFamily="18" charset="0"/>
+              </a:rPr>
+              <a:t>Corporation</a:t>
+            </a:r>
+            <a:r>
+              <a:rPr lang="cs-CZ" sz="1800" dirty="0">
+                <a:solidFill>
+                  <a:srgbClr val="000000"/>
+                </a:solidFill>
+                <a:effectLst/>
+                <a:latin typeface="Roboto Slab" pitchFamily="2" charset="0"/>
+                <a:ea typeface="Calibri" panose="020F0502020204030204" pitchFamily="34" charset="0"/>
+                <a:cs typeface="Times New Roman" panose="02020603050405020304" pitchFamily="18" charset="0"/>
+              </a:rPr>
+              <a:t> [online]. Dostupné z: </a:t>
+            </a:r>
+            <a:r>
+              <a:rPr lang="cs-CZ" sz="1800" u="none" strike="noStrike" dirty="0">
+                <a:solidFill>
+                  <a:srgbClr val="000000"/>
+                </a:solidFill>
+                <a:effectLst/>
+                <a:latin typeface="Roboto Slab" pitchFamily="2" charset="0"/>
+                <a:ea typeface="Calibri" panose="020F0502020204030204" pitchFamily="34" charset="0"/>
+                <a:cs typeface="Times New Roman" panose="02020603050405020304" pitchFamily="18" charset="0"/>
+                <a:hlinkClick r:id="rId8"/>
+              </a:rPr>
+              <a:t>https://www.microsoft.com/cs-cz/microsoft-365/compare-microsoft-365-enterprise-plans</a:t>
+            </a:r>
+            <a:endParaRPr lang="cs-CZ" sz="1800" dirty="0">
+              <a:effectLst/>
+              <a:latin typeface="Calibri" panose="020F0502020204030204" pitchFamily="34" charset="0"/>
+              <a:ea typeface="Calibri" panose="020F0502020204030204" pitchFamily="34" charset="0"/>
+              <a:cs typeface="Times New Roman" panose="02020603050405020304" pitchFamily="18" charset="0"/>
+            </a:endParaRPr>
+          </a:p>
+          <a:p>
+            <a:pPr>
+              <a:lnSpc>
+                <a:spcPct val="107000"/>
+              </a:lnSpc>
+              <a:spcAft>
+                <a:spcPts val="800"/>
+              </a:spcAft>
+            </a:pPr>
+            <a:r>
+              <a:rPr lang="cs-CZ" sz="1800" dirty="0">
+                <a:solidFill>
+                  <a:srgbClr val="000000"/>
+                </a:solidFill>
+                <a:effectLst/>
+                <a:latin typeface="Roboto Slab" pitchFamily="2" charset="0"/>
+                <a:ea typeface="Calibri" panose="020F0502020204030204" pitchFamily="34" charset="0"/>
+                <a:cs typeface="Times New Roman" panose="02020603050405020304" pitchFamily="18" charset="0"/>
+              </a:rPr>
+              <a:t>Microsoft 365 - Wikipedia. [online]. Dostupné z: </a:t>
+            </a:r>
+            <a:r>
+              <a:rPr lang="cs-CZ" sz="1800" u="none" strike="noStrike" dirty="0">
+                <a:solidFill>
+                  <a:srgbClr val="000000"/>
+                </a:solidFill>
+                <a:effectLst/>
+                <a:latin typeface="Roboto Slab" pitchFamily="2" charset="0"/>
+                <a:ea typeface="Calibri" panose="020F0502020204030204" pitchFamily="34" charset="0"/>
+                <a:cs typeface="Times New Roman" panose="02020603050405020304" pitchFamily="18" charset="0"/>
+                <a:hlinkClick r:id="rId9"/>
+              </a:rPr>
+              <a:t>https://en.wikipedia.org/wiki/Microsoft_365#Education</a:t>
+            </a:r>
+            <a:endParaRPr lang="cs-CZ" sz="1800" dirty="0">
+              <a:effectLst/>
+              <a:latin typeface="Calibri" panose="020F0502020204030204" pitchFamily="34" charset="0"/>
+              <a:ea typeface="Calibri" panose="020F0502020204030204" pitchFamily="34" charset="0"/>
+              <a:cs typeface="Times New Roman" panose="02020603050405020304" pitchFamily="18" charset="0"/>
+            </a:endParaRPr>
+          </a:p>
+          <a:p>
+            <a:pPr>
+              <a:lnSpc>
+                <a:spcPct val="107000"/>
+              </a:lnSpc>
+              <a:spcAft>
+                <a:spcPts val="800"/>
+              </a:spcAft>
+            </a:pPr>
+            <a:r>
+              <a:rPr lang="cs-CZ" sz="1800" dirty="0">
+                <a:solidFill>
+                  <a:srgbClr val="000000"/>
+                </a:solidFill>
+                <a:effectLst/>
+                <a:latin typeface="Roboto Slab" pitchFamily="2" charset="0"/>
+                <a:ea typeface="Calibri" panose="020F0502020204030204" pitchFamily="34" charset="0"/>
+                <a:cs typeface="Times New Roman" panose="02020603050405020304" pitchFamily="18" charset="0"/>
+              </a:rPr>
+              <a:t>Microsoft Word – Wikipedie. [online]. Dostupné z: </a:t>
+            </a:r>
+            <a:r>
+              <a:rPr lang="cs-CZ" sz="1800" u="none" strike="noStrike" dirty="0">
+                <a:solidFill>
+                  <a:srgbClr val="000000"/>
+                </a:solidFill>
+                <a:effectLst/>
+                <a:latin typeface="Roboto Slab" pitchFamily="2" charset="0"/>
+                <a:ea typeface="Calibri" panose="020F0502020204030204" pitchFamily="34" charset="0"/>
+                <a:cs typeface="Times New Roman" panose="02020603050405020304" pitchFamily="18" charset="0"/>
+                <a:hlinkClick r:id="rId10"/>
+              </a:rPr>
+              <a:t>https://cs.wikipedia.org/wiki/Microsoft_Word</a:t>
+            </a:r>
+            <a:endParaRPr lang="cs-CZ" sz="1800" dirty="0">
+              <a:effectLst/>
+              <a:latin typeface="Calibri" panose="020F0502020204030204" pitchFamily="34" charset="0"/>
+              <a:ea typeface="Calibri" panose="020F0502020204030204" pitchFamily="34" charset="0"/>
+              <a:cs typeface="Times New Roman" panose="02020603050405020304" pitchFamily="18" charset="0"/>
+            </a:endParaRPr>
+          </a:p>
+          <a:p>
+            <a:pPr>
+              <a:lnSpc>
+                <a:spcPct val="107000"/>
+              </a:lnSpc>
+              <a:spcAft>
+                <a:spcPts val="800"/>
+              </a:spcAft>
+            </a:pPr>
+            <a:r>
+              <a:rPr lang="cs-CZ" sz="1800" dirty="0">
+                <a:solidFill>
+                  <a:srgbClr val="000000"/>
+                </a:solidFill>
+                <a:effectLst/>
+                <a:latin typeface="Roboto Slab" pitchFamily="2" charset="0"/>
+                <a:ea typeface="Calibri" panose="020F0502020204030204" pitchFamily="34" charset="0"/>
+                <a:cs typeface="Times New Roman" panose="02020603050405020304" pitchFamily="18" charset="0"/>
+              </a:rPr>
+              <a:t>Microsoft Excel – Wikipedie. [online]. Dostupné z: </a:t>
+            </a:r>
+            <a:r>
+              <a:rPr lang="cs-CZ" sz="1800" u="none" strike="noStrike" dirty="0">
+                <a:solidFill>
+                  <a:srgbClr val="000000"/>
+                </a:solidFill>
+                <a:effectLst/>
+                <a:latin typeface="Roboto Slab" pitchFamily="2" charset="0"/>
+                <a:ea typeface="Calibri" panose="020F0502020204030204" pitchFamily="34" charset="0"/>
+                <a:cs typeface="Times New Roman" panose="02020603050405020304" pitchFamily="18" charset="0"/>
+                <a:hlinkClick r:id="rId11"/>
+              </a:rPr>
+              <a:t>https://cs.wikipedia.org/wiki/Microsoft_Excel</a:t>
+            </a:r>
+            <a:endParaRPr lang="cs-CZ" sz="1800" dirty="0">
+              <a:effectLst/>
+              <a:latin typeface="Calibri" panose="020F0502020204030204" pitchFamily="34" charset="0"/>
+              <a:ea typeface="Calibri" panose="020F0502020204030204" pitchFamily="34" charset="0"/>
+              <a:cs typeface="Times New Roman" panose="02020603050405020304" pitchFamily="18" charset="0"/>
+            </a:endParaRPr>
+          </a:p>
+          <a:p>
+            <a:pPr>
+              <a:lnSpc>
+                <a:spcPct val="107000"/>
+              </a:lnSpc>
+              <a:spcAft>
+                <a:spcPts val="800"/>
+              </a:spcAft>
+            </a:pPr>
+            <a:r>
+              <a:rPr lang="cs-CZ" sz="1800" dirty="0">
+                <a:solidFill>
+                  <a:srgbClr val="000000"/>
+                </a:solidFill>
+                <a:effectLst/>
+                <a:latin typeface="Roboto Slab" pitchFamily="2" charset="0"/>
+                <a:ea typeface="Calibri" panose="020F0502020204030204" pitchFamily="34" charset="0"/>
+                <a:cs typeface="Times New Roman" panose="02020603050405020304" pitchFamily="18" charset="0"/>
+              </a:rPr>
+              <a:t>File:Microsoft Office Word (2019–</a:t>
+            </a:r>
+            <a:r>
+              <a:rPr lang="cs-CZ" sz="1800" dirty="0" err="1">
+                <a:solidFill>
+                  <a:srgbClr val="000000"/>
+                </a:solidFill>
+                <a:effectLst/>
+                <a:latin typeface="Roboto Slab" pitchFamily="2" charset="0"/>
+                <a:ea typeface="Calibri" panose="020F0502020204030204" pitchFamily="34" charset="0"/>
+                <a:cs typeface="Times New Roman" panose="02020603050405020304" pitchFamily="18" charset="0"/>
+              </a:rPr>
+              <a:t>present</a:t>
+            </a:r>
+            <a:r>
+              <a:rPr lang="cs-CZ" sz="1800" dirty="0">
+                <a:solidFill>
+                  <a:srgbClr val="000000"/>
+                </a:solidFill>
+                <a:effectLst/>
+                <a:latin typeface="Roboto Slab" pitchFamily="2" charset="0"/>
+                <a:ea typeface="Calibri" panose="020F0502020204030204" pitchFamily="34" charset="0"/>
+                <a:cs typeface="Times New Roman" panose="02020603050405020304" pitchFamily="18" charset="0"/>
+              </a:rPr>
+              <a:t>).</a:t>
+            </a:r>
+            <a:r>
+              <a:rPr lang="cs-CZ" sz="1800" dirty="0" err="1">
+                <a:solidFill>
+                  <a:srgbClr val="000000"/>
+                </a:solidFill>
+                <a:effectLst/>
+                <a:latin typeface="Roboto Slab" pitchFamily="2" charset="0"/>
+                <a:ea typeface="Calibri" panose="020F0502020204030204" pitchFamily="34" charset="0"/>
+                <a:cs typeface="Times New Roman" panose="02020603050405020304" pitchFamily="18" charset="0"/>
+              </a:rPr>
+              <a:t>svg</a:t>
+            </a:r>
+            <a:r>
+              <a:rPr lang="cs-CZ" sz="1800" dirty="0">
+                <a:solidFill>
+                  <a:srgbClr val="000000"/>
+                </a:solidFill>
+                <a:effectLst/>
+                <a:latin typeface="Roboto Slab" pitchFamily="2" charset="0"/>
+                <a:ea typeface="Calibri" panose="020F0502020204030204" pitchFamily="34" charset="0"/>
+                <a:cs typeface="Times New Roman" panose="02020603050405020304" pitchFamily="18" charset="0"/>
+              </a:rPr>
+              <a:t> - </a:t>
+            </a:r>
+            <a:r>
+              <a:rPr lang="cs-CZ" sz="1800" dirty="0" err="1">
+                <a:solidFill>
+                  <a:srgbClr val="000000"/>
+                </a:solidFill>
+                <a:effectLst/>
+                <a:latin typeface="Roboto Slab" pitchFamily="2" charset="0"/>
+                <a:ea typeface="Calibri" panose="020F0502020204030204" pitchFamily="34" charset="0"/>
+                <a:cs typeface="Times New Roman" panose="02020603050405020304" pitchFamily="18" charset="0"/>
+              </a:rPr>
+              <a:t>Wikimedia</a:t>
+            </a:r>
+            <a:r>
+              <a:rPr lang="cs-CZ" sz="1800" dirty="0">
+                <a:solidFill>
+                  <a:srgbClr val="000000"/>
+                </a:solidFill>
+                <a:effectLst/>
+                <a:latin typeface="Roboto Slab" pitchFamily="2" charset="0"/>
+                <a:ea typeface="Calibri" panose="020F0502020204030204" pitchFamily="34" charset="0"/>
+                <a:cs typeface="Times New Roman" panose="02020603050405020304" pitchFamily="18" charset="0"/>
+              </a:rPr>
+              <a:t> </a:t>
+            </a:r>
+            <a:r>
+              <a:rPr lang="cs-CZ" sz="1800" dirty="0" err="1">
+                <a:solidFill>
+                  <a:srgbClr val="000000"/>
+                </a:solidFill>
+                <a:effectLst/>
+                <a:latin typeface="Roboto Slab" pitchFamily="2" charset="0"/>
+                <a:ea typeface="Calibri" panose="020F0502020204030204" pitchFamily="34" charset="0"/>
+                <a:cs typeface="Times New Roman" panose="02020603050405020304" pitchFamily="18" charset="0"/>
+              </a:rPr>
+              <a:t>Commons</a:t>
+            </a:r>
+            <a:r>
+              <a:rPr lang="cs-CZ" sz="1800" dirty="0">
+                <a:solidFill>
+                  <a:srgbClr val="000000"/>
+                </a:solidFill>
+                <a:effectLst/>
+                <a:latin typeface="Roboto Slab" pitchFamily="2" charset="0"/>
+                <a:ea typeface="Calibri" panose="020F0502020204030204" pitchFamily="34" charset="0"/>
+                <a:cs typeface="Times New Roman" panose="02020603050405020304" pitchFamily="18" charset="0"/>
+              </a:rPr>
+              <a:t>. [online]. Dostupné z: </a:t>
+            </a:r>
+            <a:r>
+              <a:rPr lang="cs-CZ" sz="1800" u="none" strike="noStrike" dirty="0">
+                <a:solidFill>
+                  <a:srgbClr val="000000"/>
+                </a:solidFill>
+                <a:effectLst/>
+                <a:latin typeface="Roboto Slab" pitchFamily="2" charset="0"/>
+                <a:ea typeface="Calibri" panose="020F0502020204030204" pitchFamily="34" charset="0"/>
+                <a:cs typeface="Times New Roman" panose="02020603050405020304" pitchFamily="18" charset="0"/>
+                <a:hlinkClick r:id="rId12"/>
+              </a:rPr>
+              <a:t>https://commons.wikimedia.org/wiki/File:Microsoft_Office_Word_(2019%E2%80%93present).svg</a:t>
+            </a:r>
+            <a:endParaRPr lang="cs-CZ" sz="1800" dirty="0">
+              <a:effectLst/>
+              <a:latin typeface="Calibri" panose="020F0502020204030204" pitchFamily="34" charset="0"/>
+              <a:ea typeface="Calibri" panose="020F0502020204030204" pitchFamily="34" charset="0"/>
+              <a:cs typeface="Times New Roman" panose="02020603050405020304" pitchFamily="18" charset="0"/>
+            </a:endParaRPr>
+          </a:p>
+          <a:p>
+            <a:r>
+              <a:rPr lang="cs-CZ" sz="1800" dirty="0">
+                <a:solidFill>
+                  <a:srgbClr val="000000"/>
+                </a:solidFill>
+                <a:effectLst/>
+                <a:latin typeface="Roboto Slab" pitchFamily="2" charset="0"/>
+                <a:ea typeface="Calibri" panose="020F0502020204030204" pitchFamily="34" charset="0"/>
+              </a:rPr>
+              <a:t>File:Microsoft Office Excel (2019–</a:t>
+            </a:r>
+            <a:r>
+              <a:rPr lang="cs-CZ" sz="1800" dirty="0" err="1">
+                <a:solidFill>
+                  <a:srgbClr val="000000"/>
+                </a:solidFill>
+                <a:effectLst/>
+                <a:latin typeface="Roboto Slab" pitchFamily="2" charset="0"/>
+                <a:ea typeface="Calibri" panose="020F0502020204030204" pitchFamily="34" charset="0"/>
+              </a:rPr>
+              <a:t>present</a:t>
+            </a:r>
+            <a:r>
+              <a:rPr lang="cs-CZ" sz="1800" dirty="0">
+                <a:solidFill>
+                  <a:srgbClr val="000000"/>
+                </a:solidFill>
+                <a:effectLst/>
+                <a:latin typeface="Roboto Slab" pitchFamily="2" charset="0"/>
+                <a:ea typeface="Calibri" panose="020F0502020204030204" pitchFamily="34" charset="0"/>
+              </a:rPr>
+              <a:t>).</a:t>
+            </a:r>
+            <a:r>
+              <a:rPr lang="cs-CZ" sz="1800" dirty="0" err="1">
+                <a:solidFill>
+                  <a:srgbClr val="000000"/>
+                </a:solidFill>
+                <a:effectLst/>
+                <a:latin typeface="Roboto Slab" pitchFamily="2" charset="0"/>
+                <a:ea typeface="Calibri" panose="020F0502020204030204" pitchFamily="34" charset="0"/>
+              </a:rPr>
+              <a:t>svg</a:t>
+            </a:r>
+            <a:r>
+              <a:rPr lang="cs-CZ" sz="1800" dirty="0">
+                <a:solidFill>
+                  <a:srgbClr val="000000"/>
+                </a:solidFill>
+                <a:effectLst/>
+                <a:latin typeface="Roboto Slab" pitchFamily="2" charset="0"/>
+                <a:ea typeface="Calibri" panose="020F0502020204030204" pitchFamily="34" charset="0"/>
+              </a:rPr>
+              <a:t> - </a:t>
+            </a:r>
+            <a:r>
+              <a:rPr lang="cs-CZ" sz="1800" dirty="0" err="1">
+                <a:solidFill>
+                  <a:srgbClr val="000000"/>
+                </a:solidFill>
+                <a:effectLst/>
+                <a:latin typeface="Roboto Slab" pitchFamily="2" charset="0"/>
+                <a:ea typeface="Calibri" panose="020F0502020204030204" pitchFamily="34" charset="0"/>
+              </a:rPr>
+              <a:t>Wikimedia</a:t>
+            </a:r>
+            <a:r>
+              <a:rPr lang="cs-CZ" sz="1800" dirty="0">
+                <a:solidFill>
+                  <a:srgbClr val="000000"/>
+                </a:solidFill>
+                <a:effectLst/>
+                <a:latin typeface="Roboto Slab" pitchFamily="2" charset="0"/>
+                <a:ea typeface="Calibri" panose="020F0502020204030204" pitchFamily="34" charset="0"/>
+              </a:rPr>
+              <a:t> </a:t>
+            </a:r>
+            <a:r>
+              <a:rPr lang="cs-CZ" sz="1800" dirty="0" err="1">
+                <a:solidFill>
+                  <a:srgbClr val="000000"/>
+                </a:solidFill>
+                <a:effectLst/>
+                <a:latin typeface="Roboto Slab" pitchFamily="2" charset="0"/>
+                <a:ea typeface="Calibri" panose="020F0502020204030204" pitchFamily="34" charset="0"/>
+              </a:rPr>
+              <a:t>Commons</a:t>
+            </a:r>
+            <a:r>
+              <a:rPr lang="cs-CZ" sz="1800" dirty="0">
+                <a:solidFill>
+                  <a:srgbClr val="000000"/>
+                </a:solidFill>
+                <a:effectLst/>
+                <a:latin typeface="Roboto Slab" pitchFamily="2" charset="0"/>
+                <a:ea typeface="Calibri" panose="020F0502020204030204" pitchFamily="34" charset="0"/>
+              </a:rPr>
+              <a:t>. [online]. Dostupné </a:t>
+            </a:r>
+            <a:endParaRPr lang="cs-CZ" sz="1000" b="0" i="0" u="none" strike="noStrike" dirty="0">
+              <a:solidFill>
+                <a:srgbClr val="000000"/>
+              </a:solidFill>
+              <a:effectLst/>
+              <a:latin typeface="Roboto Slab" panose="020B0604020202020204" pitchFamily="2" charset="0"/>
+            </a:endParaRPr>
+          </a:p>
+        </p:txBody>
+      </p:sp>
+    </p:spTree>
+    <p:extLst>
+      <p:ext uri="{BB962C8B-B14F-4D97-AF65-F5344CB8AC3E}">
+        <p14:creationId xmlns:p14="http://schemas.microsoft.com/office/powerpoint/2010/main" val="3655091539"/>
+      </p:ext>
+    </p:extLst>
+  </p:cSld>
+  <p:clrMapOvr>
+    <a:masterClrMapping/>
+  </p:clrMapOvr>
+</p:sld>
+</file>
+
+<file path=ppt/slides/slide19.xml><?xml version="1.0" encoding="utf-8"?>
+<p:sld xmlns:a="http://schemas.openxmlformats.org/drawingml/2006/main" xmlns:r="http://schemas.openxmlformats.org/officeDocument/2006/relationships" xmlns:p="http://schemas.openxmlformats.org/presentationml/2006/main">
+  <p:cSld>
+    <p:spTree>
+      <p:nvGrpSpPr>
+        <p:cNvPr id="1" name=""/>
+        <p:cNvGrpSpPr/>
+        <p:nvPr/>
+      </p:nvGrpSpPr>
+      <p:grpSpPr>
+        <a:xfrm>
+          <a:off x="0" y="0"/>
+          <a:ext cx="0" cy="0"/>
+          <a:chOff x="0" y="0"/>
+          <a:chExt cx="0" cy="0"/>
+        </a:xfrm>
+      </p:grpSpPr>
+      <p:sp>
+        <p:nvSpPr>
+          <p:cNvPr id="5" name="TextovéPole 4">
+            <a:extLst>
+              <a:ext uri="{FF2B5EF4-FFF2-40B4-BE49-F238E27FC236}">
+                <a16:creationId xmlns:a16="http://schemas.microsoft.com/office/drawing/2014/main" id="{4FD54C9D-4D08-10AC-CB97-E1457EC26064}"/>
+              </a:ext>
+            </a:extLst>
+          </p:cNvPr>
+          <p:cNvSpPr txBox="1"/>
+          <p:nvPr/>
+        </p:nvSpPr>
+        <p:spPr>
+          <a:xfrm>
+            <a:off x="448573" y="512928"/>
+            <a:ext cx="11128075" cy="6330451"/>
+          </a:xfrm>
+          <a:prstGeom prst="rect">
+            <a:avLst/>
+          </a:prstGeom>
+          <a:noFill/>
+        </p:spPr>
+        <p:txBody>
+          <a:bodyPr wrap="square">
+            <a:spAutoFit/>
+          </a:bodyPr>
+          <a:lstStyle/>
+          <a:p>
+            <a:pPr>
+              <a:lnSpc>
+                <a:spcPct val="107000"/>
+              </a:lnSpc>
+              <a:spcAft>
+                <a:spcPts val="800"/>
+              </a:spcAft>
+            </a:pPr>
+            <a:r>
+              <a:rPr lang="cs-CZ" sz="1300" dirty="0">
+                <a:solidFill>
+                  <a:srgbClr val="000000"/>
+                </a:solidFill>
+                <a:effectLst/>
+                <a:latin typeface="Roboto Slab" pitchFamily="2" charset="0"/>
+                <a:ea typeface="Calibri" panose="020F0502020204030204" pitchFamily="34" charset="0"/>
+                <a:cs typeface="Times New Roman" panose="02020603050405020304" pitchFamily="18" charset="0"/>
+              </a:rPr>
+              <a:t>z: </a:t>
+            </a:r>
+            <a:r>
+              <a:rPr lang="cs-CZ" sz="1300" u="none" strike="noStrike" dirty="0">
+                <a:solidFill>
+                  <a:srgbClr val="000000"/>
+                </a:solidFill>
+                <a:effectLst/>
+                <a:latin typeface="Roboto Slab" pitchFamily="2" charset="0"/>
+                <a:ea typeface="Calibri" panose="020F0502020204030204" pitchFamily="34" charset="0"/>
+                <a:cs typeface="Times New Roman" panose="02020603050405020304" pitchFamily="18" charset="0"/>
+                <a:hlinkClick r:id="rId2"/>
+              </a:rPr>
+              <a:t>https://commons.wikimedia.org/wiki/File:Microsoft_Office_Excel_(2019%E2%80%93present).svg</a:t>
+            </a:r>
+            <a:endParaRPr lang="cs-CZ" sz="1300" dirty="0">
+              <a:effectLst/>
+              <a:latin typeface="Calibri" panose="020F0502020204030204" pitchFamily="34" charset="0"/>
+              <a:ea typeface="Calibri" panose="020F0502020204030204" pitchFamily="34" charset="0"/>
+              <a:cs typeface="Times New Roman" panose="02020603050405020304" pitchFamily="18" charset="0"/>
+            </a:endParaRPr>
+          </a:p>
+          <a:p>
+            <a:pPr>
+              <a:lnSpc>
+                <a:spcPct val="107000"/>
+              </a:lnSpc>
+              <a:spcAft>
+                <a:spcPts val="800"/>
+              </a:spcAft>
+            </a:pPr>
+            <a:r>
+              <a:rPr lang="cs-CZ" sz="1300" dirty="0">
+                <a:solidFill>
+                  <a:srgbClr val="000000"/>
+                </a:solidFill>
+                <a:effectLst/>
+                <a:latin typeface="Roboto Slab" pitchFamily="2" charset="0"/>
+                <a:ea typeface="Calibri" panose="020F0502020204030204" pitchFamily="34" charset="0"/>
+                <a:cs typeface="Times New Roman" panose="02020603050405020304" pitchFamily="18" charset="0"/>
+              </a:rPr>
+              <a:t>Microsoft PowerPoint – Wikipedie. [online]. Dostupné z: </a:t>
+            </a:r>
+            <a:r>
+              <a:rPr lang="cs-CZ" sz="1300" u="none" strike="noStrike" dirty="0">
+                <a:solidFill>
+                  <a:srgbClr val="000000"/>
+                </a:solidFill>
+                <a:effectLst/>
+                <a:latin typeface="Roboto Slab" pitchFamily="2" charset="0"/>
+                <a:ea typeface="Calibri" panose="020F0502020204030204" pitchFamily="34" charset="0"/>
+                <a:cs typeface="Times New Roman" panose="02020603050405020304" pitchFamily="18" charset="0"/>
+                <a:hlinkClick r:id="rId3"/>
+              </a:rPr>
+              <a:t>https://cs.wikipedia.org/wiki/Microsoft_PowerPoint</a:t>
+            </a:r>
+            <a:endParaRPr lang="cs-CZ" sz="1300" dirty="0">
+              <a:effectLst/>
+              <a:latin typeface="Calibri" panose="020F0502020204030204" pitchFamily="34" charset="0"/>
+              <a:ea typeface="Calibri" panose="020F0502020204030204" pitchFamily="34" charset="0"/>
+              <a:cs typeface="Times New Roman" panose="02020603050405020304" pitchFamily="18" charset="0"/>
+            </a:endParaRPr>
+          </a:p>
+          <a:p>
+            <a:pPr>
+              <a:lnSpc>
+                <a:spcPct val="107000"/>
+              </a:lnSpc>
+              <a:spcAft>
+                <a:spcPts val="800"/>
+              </a:spcAft>
+            </a:pPr>
+            <a:r>
+              <a:rPr lang="cs-CZ" sz="1300" dirty="0">
+                <a:solidFill>
+                  <a:srgbClr val="000000"/>
+                </a:solidFill>
+                <a:effectLst/>
+                <a:latin typeface="Roboto Slab" pitchFamily="2" charset="0"/>
+                <a:ea typeface="Calibri" panose="020F0502020204030204" pitchFamily="34" charset="0"/>
+                <a:cs typeface="Times New Roman" panose="02020603050405020304" pitchFamily="18" charset="0"/>
+              </a:rPr>
+              <a:t>Microsoft Outlook – Wikipedie. [online]. Dostupné z: </a:t>
+            </a:r>
+            <a:r>
+              <a:rPr lang="cs-CZ" sz="1300" u="none" strike="noStrike" dirty="0">
+                <a:solidFill>
+                  <a:srgbClr val="000000"/>
+                </a:solidFill>
+                <a:effectLst/>
+                <a:latin typeface="Roboto Slab" pitchFamily="2" charset="0"/>
+                <a:ea typeface="Calibri" panose="020F0502020204030204" pitchFamily="34" charset="0"/>
+                <a:cs typeface="Times New Roman" panose="02020603050405020304" pitchFamily="18" charset="0"/>
+                <a:hlinkClick r:id="rId4"/>
+              </a:rPr>
+              <a:t>https://cs.wikipedia.org/wiki/Microsoft_Outlook</a:t>
+            </a:r>
+            <a:endParaRPr lang="cs-CZ" sz="1300" dirty="0">
+              <a:effectLst/>
+              <a:latin typeface="Calibri" panose="020F0502020204030204" pitchFamily="34" charset="0"/>
+              <a:ea typeface="Calibri" panose="020F0502020204030204" pitchFamily="34" charset="0"/>
+              <a:cs typeface="Times New Roman" panose="02020603050405020304" pitchFamily="18" charset="0"/>
+            </a:endParaRPr>
+          </a:p>
+          <a:p>
+            <a:pPr>
+              <a:lnSpc>
+                <a:spcPct val="107000"/>
+              </a:lnSpc>
+              <a:spcAft>
+                <a:spcPts val="800"/>
+              </a:spcAft>
+            </a:pPr>
+            <a:r>
+              <a:rPr lang="cs-CZ" sz="1300" dirty="0" err="1">
+                <a:solidFill>
+                  <a:srgbClr val="000000"/>
+                </a:solidFill>
+                <a:effectLst/>
+                <a:latin typeface="Roboto Slab" pitchFamily="2" charset="0"/>
+                <a:ea typeface="Calibri" panose="020F0502020204030204" pitchFamily="34" charset="0"/>
+                <a:cs typeface="Times New Roman" panose="02020603050405020304" pitchFamily="18" charset="0"/>
+              </a:rPr>
+              <a:t>OneDrive</a:t>
+            </a:r>
+            <a:r>
+              <a:rPr lang="cs-CZ" sz="1300" dirty="0">
+                <a:solidFill>
+                  <a:srgbClr val="000000"/>
+                </a:solidFill>
+                <a:effectLst/>
+                <a:latin typeface="Roboto Slab" pitchFamily="2" charset="0"/>
+                <a:ea typeface="Calibri" panose="020F0502020204030204" pitchFamily="34" charset="0"/>
+                <a:cs typeface="Times New Roman" panose="02020603050405020304" pitchFamily="18" charset="0"/>
+              </a:rPr>
+              <a:t> – Wikipedie. [online]. Dostupné z: </a:t>
+            </a:r>
+            <a:r>
+              <a:rPr lang="cs-CZ" sz="1300" u="none" strike="noStrike" dirty="0">
+                <a:solidFill>
+                  <a:srgbClr val="000000"/>
+                </a:solidFill>
+                <a:effectLst/>
+                <a:latin typeface="Roboto Slab" pitchFamily="2" charset="0"/>
+                <a:ea typeface="Calibri" panose="020F0502020204030204" pitchFamily="34" charset="0"/>
+                <a:cs typeface="Times New Roman" panose="02020603050405020304" pitchFamily="18" charset="0"/>
+                <a:hlinkClick r:id="rId5"/>
+              </a:rPr>
+              <a:t>https://cs.wikipedia.org/wiki/OneDrive</a:t>
+            </a:r>
+            <a:endParaRPr lang="cs-CZ" sz="1300" dirty="0">
+              <a:effectLst/>
+              <a:latin typeface="Calibri" panose="020F0502020204030204" pitchFamily="34" charset="0"/>
+              <a:ea typeface="Calibri" panose="020F0502020204030204" pitchFamily="34" charset="0"/>
+              <a:cs typeface="Times New Roman" panose="02020603050405020304" pitchFamily="18" charset="0"/>
+            </a:endParaRPr>
+          </a:p>
+          <a:p>
+            <a:pPr>
+              <a:lnSpc>
+                <a:spcPct val="107000"/>
+              </a:lnSpc>
+              <a:spcAft>
+                <a:spcPts val="800"/>
+              </a:spcAft>
+            </a:pPr>
+            <a:r>
+              <a:rPr lang="cs-CZ" sz="1300" dirty="0">
+                <a:solidFill>
+                  <a:srgbClr val="000000"/>
+                </a:solidFill>
+                <a:effectLst/>
+                <a:latin typeface="Roboto Slab" pitchFamily="2" charset="0"/>
+                <a:ea typeface="Calibri" panose="020F0502020204030204" pitchFamily="34" charset="0"/>
+                <a:cs typeface="Times New Roman" panose="02020603050405020304" pitchFamily="18" charset="0"/>
+              </a:rPr>
+              <a:t>File:Microsoft Office PowerPoint (2019–</a:t>
+            </a:r>
+            <a:r>
+              <a:rPr lang="cs-CZ" sz="1300" dirty="0" err="1">
+                <a:solidFill>
+                  <a:srgbClr val="000000"/>
+                </a:solidFill>
+                <a:effectLst/>
+                <a:latin typeface="Roboto Slab" pitchFamily="2" charset="0"/>
+                <a:ea typeface="Calibri" panose="020F0502020204030204" pitchFamily="34" charset="0"/>
+                <a:cs typeface="Times New Roman" panose="02020603050405020304" pitchFamily="18" charset="0"/>
+              </a:rPr>
+              <a:t>present</a:t>
+            </a:r>
+            <a:r>
+              <a:rPr lang="cs-CZ" sz="1300" dirty="0">
+                <a:solidFill>
+                  <a:srgbClr val="000000"/>
+                </a:solidFill>
+                <a:effectLst/>
+                <a:latin typeface="Roboto Slab" pitchFamily="2" charset="0"/>
+                <a:ea typeface="Calibri" panose="020F0502020204030204" pitchFamily="34" charset="0"/>
+                <a:cs typeface="Times New Roman" panose="02020603050405020304" pitchFamily="18" charset="0"/>
+              </a:rPr>
+              <a:t>).</a:t>
+            </a:r>
+            <a:r>
+              <a:rPr lang="cs-CZ" sz="1300" dirty="0" err="1">
+                <a:solidFill>
+                  <a:srgbClr val="000000"/>
+                </a:solidFill>
+                <a:effectLst/>
+                <a:latin typeface="Roboto Slab" pitchFamily="2" charset="0"/>
+                <a:ea typeface="Calibri" panose="020F0502020204030204" pitchFamily="34" charset="0"/>
+                <a:cs typeface="Times New Roman" panose="02020603050405020304" pitchFamily="18" charset="0"/>
+              </a:rPr>
+              <a:t>svg</a:t>
+            </a:r>
+            <a:r>
+              <a:rPr lang="cs-CZ" sz="1300" dirty="0">
+                <a:solidFill>
+                  <a:srgbClr val="000000"/>
+                </a:solidFill>
+                <a:effectLst/>
+                <a:latin typeface="Roboto Slab" pitchFamily="2" charset="0"/>
+                <a:ea typeface="Calibri" panose="020F0502020204030204" pitchFamily="34" charset="0"/>
+                <a:cs typeface="Times New Roman" panose="02020603050405020304" pitchFamily="18" charset="0"/>
+              </a:rPr>
+              <a:t> - </a:t>
+            </a:r>
+            <a:r>
+              <a:rPr lang="cs-CZ" sz="1300" dirty="0" err="1">
+                <a:solidFill>
+                  <a:srgbClr val="000000"/>
+                </a:solidFill>
+                <a:effectLst/>
+                <a:latin typeface="Roboto Slab" pitchFamily="2" charset="0"/>
+                <a:ea typeface="Calibri" panose="020F0502020204030204" pitchFamily="34" charset="0"/>
+                <a:cs typeface="Times New Roman" panose="02020603050405020304" pitchFamily="18" charset="0"/>
+              </a:rPr>
+              <a:t>Wikimedia</a:t>
+            </a:r>
+            <a:r>
+              <a:rPr lang="cs-CZ" sz="1300" dirty="0">
+                <a:solidFill>
+                  <a:srgbClr val="000000"/>
+                </a:solidFill>
+                <a:effectLst/>
+                <a:latin typeface="Roboto Slab" pitchFamily="2" charset="0"/>
+                <a:ea typeface="Calibri" panose="020F0502020204030204" pitchFamily="34" charset="0"/>
+                <a:cs typeface="Times New Roman" panose="02020603050405020304" pitchFamily="18" charset="0"/>
+              </a:rPr>
+              <a:t> </a:t>
+            </a:r>
+            <a:r>
+              <a:rPr lang="cs-CZ" sz="1300" dirty="0" err="1">
+                <a:solidFill>
+                  <a:srgbClr val="000000"/>
+                </a:solidFill>
+                <a:effectLst/>
+                <a:latin typeface="Roboto Slab" pitchFamily="2" charset="0"/>
+                <a:ea typeface="Calibri" panose="020F0502020204030204" pitchFamily="34" charset="0"/>
+                <a:cs typeface="Times New Roman" panose="02020603050405020304" pitchFamily="18" charset="0"/>
+              </a:rPr>
+              <a:t>Commons</a:t>
+            </a:r>
+            <a:r>
+              <a:rPr lang="cs-CZ" sz="1300" dirty="0">
+                <a:solidFill>
+                  <a:srgbClr val="000000"/>
+                </a:solidFill>
+                <a:effectLst/>
+                <a:latin typeface="Roboto Slab" pitchFamily="2" charset="0"/>
+                <a:ea typeface="Calibri" panose="020F0502020204030204" pitchFamily="34" charset="0"/>
+                <a:cs typeface="Times New Roman" panose="02020603050405020304" pitchFamily="18" charset="0"/>
+              </a:rPr>
+              <a:t>. [online]. Dostupné z: </a:t>
+            </a:r>
+            <a:r>
+              <a:rPr lang="cs-CZ" sz="1300" u="none" strike="noStrike" dirty="0">
+                <a:solidFill>
+                  <a:srgbClr val="000000"/>
+                </a:solidFill>
+                <a:effectLst/>
+                <a:latin typeface="Roboto Slab" pitchFamily="2" charset="0"/>
+                <a:ea typeface="Calibri" panose="020F0502020204030204" pitchFamily="34" charset="0"/>
+                <a:cs typeface="Times New Roman" panose="02020603050405020304" pitchFamily="18" charset="0"/>
+                <a:hlinkClick r:id="rId6"/>
+              </a:rPr>
+              <a:t>https://commons.wikimedia.org/wiki/File:Microsoft_Office_PowerPoint_(2019%E2%80%93present).svg</a:t>
+            </a:r>
+            <a:endParaRPr lang="cs-CZ" sz="1300" dirty="0">
+              <a:effectLst/>
+              <a:latin typeface="Calibri" panose="020F0502020204030204" pitchFamily="34" charset="0"/>
+              <a:ea typeface="Calibri" panose="020F0502020204030204" pitchFamily="34" charset="0"/>
+              <a:cs typeface="Times New Roman" panose="02020603050405020304" pitchFamily="18" charset="0"/>
+            </a:endParaRPr>
+          </a:p>
+          <a:p>
+            <a:pPr>
+              <a:lnSpc>
+                <a:spcPct val="107000"/>
+              </a:lnSpc>
+              <a:spcAft>
+                <a:spcPts val="800"/>
+              </a:spcAft>
+            </a:pPr>
+            <a:r>
+              <a:rPr lang="cs-CZ" sz="1300" dirty="0">
+                <a:solidFill>
+                  <a:srgbClr val="000000"/>
+                </a:solidFill>
+                <a:effectLst/>
+                <a:latin typeface="Roboto Slab" pitchFamily="2" charset="0"/>
+                <a:ea typeface="Calibri" panose="020F0502020204030204" pitchFamily="34" charset="0"/>
+                <a:cs typeface="Times New Roman" panose="02020603050405020304" pitchFamily="18" charset="0"/>
+              </a:rPr>
+              <a:t>File:Microsoft Office Outlook (2018–</a:t>
+            </a:r>
+            <a:r>
+              <a:rPr lang="cs-CZ" sz="1300" dirty="0" err="1">
+                <a:solidFill>
+                  <a:srgbClr val="000000"/>
+                </a:solidFill>
+                <a:effectLst/>
+                <a:latin typeface="Roboto Slab" pitchFamily="2" charset="0"/>
+                <a:ea typeface="Calibri" panose="020F0502020204030204" pitchFamily="34" charset="0"/>
+                <a:cs typeface="Times New Roman" panose="02020603050405020304" pitchFamily="18" charset="0"/>
+              </a:rPr>
+              <a:t>present</a:t>
+            </a:r>
+            <a:r>
+              <a:rPr lang="cs-CZ" sz="1300" dirty="0">
+                <a:solidFill>
+                  <a:srgbClr val="000000"/>
+                </a:solidFill>
+                <a:effectLst/>
+                <a:latin typeface="Roboto Slab" pitchFamily="2" charset="0"/>
+                <a:ea typeface="Calibri" panose="020F0502020204030204" pitchFamily="34" charset="0"/>
+                <a:cs typeface="Times New Roman" panose="02020603050405020304" pitchFamily="18" charset="0"/>
+              </a:rPr>
+              <a:t>).</a:t>
+            </a:r>
+            <a:r>
+              <a:rPr lang="cs-CZ" sz="1300" dirty="0" err="1">
+                <a:solidFill>
+                  <a:srgbClr val="000000"/>
+                </a:solidFill>
+                <a:effectLst/>
+                <a:latin typeface="Roboto Slab" pitchFamily="2" charset="0"/>
+                <a:ea typeface="Calibri" panose="020F0502020204030204" pitchFamily="34" charset="0"/>
+                <a:cs typeface="Times New Roman" panose="02020603050405020304" pitchFamily="18" charset="0"/>
+              </a:rPr>
+              <a:t>svg</a:t>
+            </a:r>
+            <a:r>
+              <a:rPr lang="cs-CZ" sz="1300" dirty="0">
+                <a:solidFill>
+                  <a:srgbClr val="000000"/>
+                </a:solidFill>
+                <a:effectLst/>
+                <a:latin typeface="Roboto Slab" pitchFamily="2" charset="0"/>
+                <a:ea typeface="Calibri" panose="020F0502020204030204" pitchFamily="34" charset="0"/>
+                <a:cs typeface="Times New Roman" panose="02020603050405020304" pitchFamily="18" charset="0"/>
+              </a:rPr>
+              <a:t> - </a:t>
+            </a:r>
+            <a:r>
+              <a:rPr lang="cs-CZ" sz="1300" dirty="0" err="1">
+                <a:solidFill>
+                  <a:srgbClr val="000000"/>
+                </a:solidFill>
+                <a:effectLst/>
+                <a:latin typeface="Roboto Slab" pitchFamily="2" charset="0"/>
+                <a:ea typeface="Calibri" panose="020F0502020204030204" pitchFamily="34" charset="0"/>
+                <a:cs typeface="Times New Roman" panose="02020603050405020304" pitchFamily="18" charset="0"/>
+              </a:rPr>
+              <a:t>Wikimedia</a:t>
+            </a:r>
+            <a:r>
+              <a:rPr lang="cs-CZ" sz="1300" dirty="0">
+                <a:solidFill>
+                  <a:srgbClr val="000000"/>
+                </a:solidFill>
+                <a:effectLst/>
+                <a:latin typeface="Roboto Slab" pitchFamily="2" charset="0"/>
+                <a:ea typeface="Calibri" panose="020F0502020204030204" pitchFamily="34" charset="0"/>
+                <a:cs typeface="Times New Roman" panose="02020603050405020304" pitchFamily="18" charset="0"/>
+              </a:rPr>
+              <a:t> </a:t>
+            </a:r>
+            <a:r>
+              <a:rPr lang="cs-CZ" sz="1300" dirty="0" err="1">
+                <a:solidFill>
+                  <a:srgbClr val="000000"/>
+                </a:solidFill>
+                <a:effectLst/>
+                <a:latin typeface="Roboto Slab" pitchFamily="2" charset="0"/>
+                <a:ea typeface="Calibri" panose="020F0502020204030204" pitchFamily="34" charset="0"/>
+                <a:cs typeface="Times New Roman" panose="02020603050405020304" pitchFamily="18" charset="0"/>
+              </a:rPr>
+              <a:t>Commons</a:t>
+            </a:r>
+            <a:r>
+              <a:rPr lang="cs-CZ" sz="1300" dirty="0">
+                <a:solidFill>
+                  <a:srgbClr val="000000"/>
+                </a:solidFill>
+                <a:effectLst/>
+                <a:latin typeface="Roboto Slab" pitchFamily="2" charset="0"/>
+                <a:ea typeface="Calibri" panose="020F0502020204030204" pitchFamily="34" charset="0"/>
+                <a:cs typeface="Times New Roman" panose="02020603050405020304" pitchFamily="18" charset="0"/>
+              </a:rPr>
+              <a:t>. [online]. Dostupné z: </a:t>
+            </a:r>
+            <a:r>
+              <a:rPr lang="cs-CZ" sz="1300" u="none" strike="noStrike" dirty="0">
+                <a:solidFill>
+                  <a:srgbClr val="000000"/>
+                </a:solidFill>
+                <a:effectLst/>
+                <a:latin typeface="Roboto Slab" pitchFamily="2" charset="0"/>
+                <a:ea typeface="Calibri" panose="020F0502020204030204" pitchFamily="34" charset="0"/>
+                <a:cs typeface="Times New Roman" panose="02020603050405020304" pitchFamily="18" charset="0"/>
+                <a:hlinkClick r:id="rId7"/>
+              </a:rPr>
+              <a:t>https://commons.wikimedia.org/wiki/File:Microsoft_Office_Outlook_(2018%E2%80%93present).svg</a:t>
+            </a:r>
+            <a:endParaRPr lang="cs-CZ" sz="1300" dirty="0">
+              <a:effectLst/>
+              <a:latin typeface="Calibri" panose="020F0502020204030204" pitchFamily="34" charset="0"/>
+              <a:ea typeface="Calibri" panose="020F0502020204030204" pitchFamily="34" charset="0"/>
+              <a:cs typeface="Times New Roman" panose="02020603050405020304" pitchFamily="18" charset="0"/>
+            </a:endParaRPr>
+          </a:p>
+          <a:p>
+            <a:pPr>
+              <a:lnSpc>
+                <a:spcPct val="107000"/>
+              </a:lnSpc>
+              <a:spcAft>
+                <a:spcPts val="800"/>
+              </a:spcAft>
+            </a:pPr>
+            <a:r>
+              <a:rPr lang="cs-CZ" sz="1300" dirty="0" err="1">
+                <a:solidFill>
+                  <a:srgbClr val="000000"/>
+                </a:solidFill>
+                <a:effectLst/>
+                <a:latin typeface="Roboto Slab" pitchFamily="2" charset="0"/>
+                <a:ea typeface="Calibri" panose="020F0502020204030204" pitchFamily="34" charset="0"/>
+                <a:cs typeface="Times New Roman" panose="02020603050405020304" pitchFamily="18" charset="0"/>
+              </a:rPr>
+              <a:t>Datei:Microsoft</a:t>
+            </a:r>
+            <a:r>
+              <a:rPr lang="cs-CZ" sz="1300" dirty="0">
+                <a:solidFill>
+                  <a:srgbClr val="000000"/>
+                </a:solidFill>
+                <a:effectLst/>
+                <a:latin typeface="Roboto Slab" pitchFamily="2" charset="0"/>
+                <a:ea typeface="Calibri" panose="020F0502020204030204" pitchFamily="34" charset="0"/>
+                <a:cs typeface="Times New Roman" panose="02020603050405020304" pitchFamily="18" charset="0"/>
+              </a:rPr>
+              <a:t> Office </a:t>
+            </a:r>
+            <a:r>
+              <a:rPr lang="cs-CZ" sz="1300" dirty="0" err="1">
+                <a:solidFill>
+                  <a:srgbClr val="000000"/>
+                </a:solidFill>
+                <a:effectLst/>
+                <a:latin typeface="Roboto Slab" pitchFamily="2" charset="0"/>
+                <a:ea typeface="Calibri" panose="020F0502020204030204" pitchFamily="34" charset="0"/>
+                <a:cs typeface="Times New Roman" panose="02020603050405020304" pitchFamily="18" charset="0"/>
+              </a:rPr>
+              <a:t>OneDrive</a:t>
+            </a:r>
+            <a:r>
+              <a:rPr lang="cs-CZ" sz="1300" dirty="0">
+                <a:solidFill>
+                  <a:srgbClr val="000000"/>
+                </a:solidFill>
+                <a:effectLst/>
+                <a:latin typeface="Roboto Slab" pitchFamily="2" charset="0"/>
+                <a:ea typeface="Calibri" panose="020F0502020204030204" pitchFamily="34" charset="0"/>
+                <a:cs typeface="Times New Roman" panose="02020603050405020304" pitchFamily="18" charset="0"/>
+              </a:rPr>
+              <a:t> (2019–</a:t>
+            </a:r>
+            <a:r>
+              <a:rPr lang="cs-CZ" sz="1300" dirty="0" err="1">
+                <a:solidFill>
+                  <a:srgbClr val="000000"/>
+                </a:solidFill>
+                <a:effectLst/>
+                <a:latin typeface="Roboto Slab" pitchFamily="2" charset="0"/>
+                <a:ea typeface="Calibri" panose="020F0502020204030204" pitchFamily="34" charset="0"/>
+                <a:cs typeface="Times New Roman" panose="02020603050405020304" pitchFamily="18" charset="0"/>
+              </a:rPr>
+              <a:t>present</a:t>
+            </a:r>
+            <a:r>
+              <a:rPr lang="cs-CZ" sz="1300" dirty="0">
+                <a:solidFill>
+                  <a:srgbClr val="000000"/>
+                </a:solidFill>
+                <a:effectLst/>
+                <a:latin typeface="Roboto Slab" pitchFamily="2" charset="0"/>
+                <a:ea typeface="Calibri" panose="020F0502020204030204" pitchFamily="34" charset="0"/>
+                <a:cs typeface="Times New Roman" panose="02020603050405020304" pitchFamily="18" charset="0"/>
+              </a:rPr>
+              <a:t>).</a:t>
+            </a:r>
+            <a:r>
+              <a:rPr lang="cs-CZ" sz="1300" dirty="0" err="1">
+                <a:solidFill>
+                  <a:srgbClr val="000000"/>
+                </a:solidFill>
+                <a:effectLst/>
+                <a:latin typeface="Roboto Slab" pitchFamily="2" charset="0"/>
+                <a:ea typeface="Calibri" panose="020F0502020204030204" pitchFamily="34" charset="0"/>
+                <a:cs typeface="Times New Roman" panose="02020603050405020304" pitchFamily="18" charset="0"/>
+              </a:rPr>
+              <a:t>svg</a:t>
+            </a:r>
+            <a:r>
+              <a:rPr lang="cs-CZ" sz="1300" dirty="0">
+                <a:solidFill>
+                  <a:srgbClr val="000000"/>
+                </a:solidFill>
+                <a:effectLst/>
+                <a:latin typeface="Roboto Slab" pitchFamily="2" charset="0"/>
+                <a:ea typeface="Calibri" panose="020F0502020204030204" pitchFamily="34" charset="0"/>
+                <a:cs typeface="Times New Roman" panose="02020603050405020304" pitchFamily="18" charset="0"/>
+              </a:rPr>
+              <a:t> – Wikipedia. [online]. Dostupné z: </a:t>
+            </a:r>
+            <a:r>
+              <a:rPr lang="cs-CZ" sz="1300" u="none" strike="noStrike" dirty="0">
+                <a:solidFill>
+                  <a:srgbClr val="000000"/>
+                </a:solidFill>
+                <a:effectLst/>
+                <a:latin typeface="Roboto Slab" pitchFamily="2" charset="0"/>
+                <a:ea typeface="Calibri" panose="020F0502020204030204" pitchFamily="34" charset="0"/>
+                <a:cs typeface="Times New Roman" panose="02020603050405020304" pitchFamily="18" charset="0"/>
+                <a:hlinkClick r:id="rId8"/>
+              </a:rPr>
+              <a:t>https://de.wikipedia.org/wiki/Datei:Microsoft_Office_OneDrive_(2019%E2%80%93present).svg</a:t>
+            </a:r>
+            <a:endParaRPr lang="cs-CZ" sz="1300" dirty="0">
+              <a:effectLst/>
+              <a:latin typeface="Calibri" panose="020F0502020204030204" pitchFamily="34" charset="0"/>
+              <a:ea typeface="Calibri" panose="020F0502020204030204" pitchFamily="34" charset="0"/>
+              <a:cs typeface="Times New Roman" panose="02020603050405020304" pitchFamily="18" charset="0"/>
+            </a:endParaRPr>
+          </a:p>
+          <a:p>
+            <a:pPr>
+              <a:lnSpc>
+                <a:spcPct val="107000"/>
+              </a:lnSpc>
+              <a:spcAft>
+                <a:spcPts val="800"/>
+              </a:spcAft>
+            </a:pPr>
+            <a:r>
+              <a:rPr lang="cs-CZ" sz="1300" dirty="0">
+                <a:solidFill>
+                  <a:srgbClr val="000000"/>
+                </a:solidFill>
+                <a:effectLst/>
+                <a:latin typeface="Roboto Slab" pitchFamily="2" charset="0"/>
+                <a:ea typeface="Calibri" panose="020F0502020204030204" pitchFamily="34" charset="0"/>
+                <a:cs typeface="Times New Roman" panose="02020603050405020304" pitchFamily="18" charset="0"/>
+              </a:rPr>
+              <a:t>Microsoft Teams – Wikipedie. [online]. Dostupné z: </a:t>
+            </a:r>
+            <a:r>
+              <a:rPr lang="cs-CZ" sz="1300" u="none" strike="noStrike" dirty="0">
+                <a:solidFill>
+                  <a:srgbClr val="000000"/>
+                </a:solidFill>
+                <a:effectLst/>
+                <a:latin typeface="Roboto Slab" pitchFamily="2" charset="0"/>
+                <a:ea typeface="Calibri" panose="020F0502020204030204" pitchFamily="34" charset="0"/>
+                <a:cs typeface="Times New Roman" panose="02020603050405020304" pitchFamily="18" charset="0"/>
+                <a:hlinkClick r:id="rId9"/>
+              </a:rPr>
+              <a:t>https://cs.wikipedia.org/wiki/Microsoft_Teams</a:t>
+            </a:r>
+            <a:endParaRPr lang="cs-CZ" sz="1300" dirty="0">
+              <a:effectLst/>
+              <a:latin typeface="Calibri" panose="020F0502020204030204" pitchFamily="34" charset="0"/>
+              <a:ea typeface="Calibri" panose="020F0502020204030204" pitchFamily="34" charset="0"/>
+              <a:cs typeface="Times New Roman" panose="02020603050405020304" pitchFamily="18" charset="0"/>
+            </a:endParaRPr>
+          </a:p>
+          <a:p>
+            <a:pPr>
+              <a:lnSpc>
+                <a:spcPct val="107000"/>
+              </a:lnSpc>
+              <a:spcAft>
+                <a:spcPts val="800"/>
+              </a:spcAft>
+            </a:pPr>
+            <a:r>
+              <a:rPr lang="cs-CZ" sz="1300" dirty="0">
+                <a:solidFill>
+                  <a:srgbClr val="000000"/>
+                </a:solidFill>
+                <a:effectLst/>
+                <a:latin typeface="Roboto Slab" pitchFamily="2" charset="0"/>
+                <a:ea typeface="Calibri" panose="020F0502020204030204" pitchFamily="34" charset="0"/>
+                <a:cs typeface="Times New Roman" panose="02020603050405020304" pitchFamily="18" charset="0"/>
+              </a:rPr>
+              <a:t>File:Microsoft Office Teams (2018–</a:t>
+            </a:r>
+            <a:r>
+              <a:rPr lang="cs-CZ" sz="1300" dirty="0" err="1">
+                <a:solidFill>
+                  <a:srgbClr val="000000"/>
+                </a:solidFill>
+                <a:effectLst/>
+                <a:latin typeface="Roboto Slab" pitchFamily="2" charset="0"/>
+                <a:ea typeface="Calibri" panose="020F0502020204030204" pitchFamily="34" charset="0"/>
+                <a:cs typeface="Times New Roman" panose="02020603050405020304" pitchFamily="18" charset="0"/>
+              </a:rPr>
+              <a:t>present</a:t>
+            </a:r>
+            <a:r>
+              <a:rPr lang="cs-CZ" sz="1300" dirty="0">
+                <a:solidFill>
+                  <a:srgbClr val="000000"/>
+                </a:solidFill>
+                <a:effectLst/>
+                <a:latin typeface="Roboto Slab" pitchFamily="2" charset="0"/>
+                <a:ea typeface="Calibri" panose="020F0502020204030204" pitchFamily="34" charset="0"/>
+                <a:cs typeface="Times New Roman" panose="02020603050405020304" pitchFamily="18" charset="0"/>
+              </a:rPr>
+              <a:t>).</a:t>
+            </a:r>
+            <a:r>
+              <a:rPr lang="cs-CZ" sz="1300" dirty="0" err="1">
+                <a:solidFill>
+                  <a:srgbClr val="000000"/>
+                </a:solidFill>
+                <a:effectLst/>
+                <a:latin typeface="Roboto Slab" pitchFamily="2" charset="0"/>
+                <a:ea typeface="Calibri" panose="020F0502020204030204" pitchFamily="34" charset="0"/>
+                <a:cs typeface="Times New Roman" panose="02020603050405020304" pitchFamily="18" charset="0"/>
+              </a:rPr>
+              <a:t>svg</a:t>
+            </a:r>
+            <a:r>
+              <a:rPr lang="cs-CZ" sz="1300" dirty="0">
+                <a:solidFill>
+                  <a:srgbClr val="000000"/>
+                </a:solidFill>
+                <a:effectLst/>
+                <a:latin typeface="Roboto Slab" pitchFamily="2" charset="0"/>
+                <a:ea typeface="Calibri" panose="020F0502020204030204" pitchFamily="34" charset="0"/>
+                <a:cs typeface="Times New Roman" panose="02020603050405020304" pitchFamily="18" charset="0"/>
+              </a:rPr>
+              <a:t> - </a:t>
+            </a:r>
+            <a:r>
+              <a:rPr lang="cs-CZ" sz="1300" dirty="0" err="1">
+                <a:solidFill>
+                  <a:srgbClr val="000000"/>
+                </a:solidFill>
+                <a:effectLst/>
+                <a:latin typeface="Roboto Slab" pitchFamily="2" charset="0"/>
+                <a:ea typeface="Calibri" panose="020F0502020204030204" pitchFamily="34" charset="0"/>
+                <a:cs typeface="Times New Roman" panose="02020603050405020304" pitchFamily="18" charset="0"/>
+              </a:rPr>
+              <a:t>Wikimedia</a:t>
+            </a:r>
+            <a:r>
+              <a:rPr lang="cs-CZ" sz="1300" dirty="0">
+                <a:solidFill>
+                  <a:srgbClr val="000000"/>
+                </a:solidFill>
+                <a:effectLst/>
+                <a:latin typeface="Roboto Slab" pitchFamily="2" charset="0"/>
+                <a:ea typeface="Calibri" panose="020F0502020204030204" pitchFamily="34" charset="0"/>
+                <a:cs typeface="Times New Roman" panose="02020603050405020304" pitchFamily="18" charset="0"/>
+              </a:rPr>
+              <a:t> </a:t>
+            </a:r>
+            <a:r>
+              <a:rPr lang="cs-CZ" sz="1300" dirty="0" err="1">
+                <a:solidFill>
+                  <a:srgbClr val="000000"/>
+                </a:solidFill>
+                <a:effectLst/>
+                <a:latin typeface="Roboto Slab" pitchFamily="2" charset="0"/>
+                <a:ea typeface="Calibri" panose="020F0502020204030204" pitchFamily="34" charset="0"/>
+                <a:cs typeface="Times New Roman" panose="02020603050405020304" pitchFamily="18" charset="0"/>
+              </a:rPr>
+              <a:t>Commons</a:t>
+            </a:r>
+            <a:r>
+              <a:rPr lang="cs-CZ" sz="1300" dirty="0">
+                <a:solidFill>
+                  <a:srgbClr val="000000"/>
+                </a:solidFill>
+                <a:effectLst/>
+                <a:latin typeface="Roboto Slab" pitchFamily="2" charset="0"/>
+                <a:ea typeface="Calibri" panose="020F0502020204030204" pitchFamily="34" charset="0"/>
+                <a:cs typeface="Times New Roman" panose="02020603050405020304" pitchFamily="18" charset="0"/>
+              </a:rPr>
+              <a:t>. [online]. Dostupné z: </a:t>
+            </a:r>
+            <a:r>
+              <a:rPr lang="cs-CZ" sz="1300" u="none" strike="noStrike" dirty="0">
+                <a:solidFill>
+                  <a:srgbClr val="000000"/>
+                </a:solidFill>
+                <a:effectLst/>
+                <a:latin typeface="Roboto Slab" pitchFamily="2" charset="0"/>
+                <a:ea typeface="Calibri" panose="020F0502020204030204" pitchFamily="34" charset="0"/>
+                <a:cs typeface="Times New Roman" panose="02020603050405020304" pitchFamily="18" charset="0"/>
+                <a:hlinkClick r:id="rId10"/>
+              </a:rPr>
+              <a:t>https://commons.wikimedia.org/wiki/File:Microsoft_Office_Teams_(2018%E2%80%93present).svg</a:t>
+            </a:r>
+            <a:endParaRPr lang="cs-CZ" sz="1300" dirty="0">
+              <a:effectLst/>
+              <a:latin typeface="Calibri" panose="020F0502020204030204" pitchFamily="34" charset="0"/>
+              <a:ea typeface="Calibri" panose="020F0502020204030204" pitchFamily="34" charset="0"/>
+              <a:cs typeface="Times New Roman" panose="02020603050405020304" pitchFamily="18" charset="0"/>
+            </a:endParaRPr>
+          </a:p>
+          <a:p>
+            <a:pPr>
+              <a:lnSpc>
+                <a:spcPct val="107000"/>
+              </a:lnSpc>
+              <a:spcAft>
+                <a:spcPts val="800"/>
+              </a:spcAft>
+            </a:pPr>
+            <a:r>
+              <a:rPr lang="cs-CZ" sz="1300" dirty="0">
+                <a:solidFill>
+                  <a:srgbClr val="000000"/>
+                </a:solidFill>
+                <a:effectLst/>
+                <a:latin typeface="Roboto Slab" pitchFamily="2" charset="0"/>
+                <a:ea typeface="Calibri" panose="020F0502020204030204" pitchFamily="34" charset="0"/>
+                <a:cs typeface="Times New Roman" panose="02020603050405020304" pitchFamily="18" charset="0"/>
+              </a:rPr>
+              <a:t>Microsoft OneNote – Wikipedie. [online]. Dostupné z: </a:t>
+            </a:r>
+            <a:r>
+              <a:rPr lang="cs-CZ" sz="1300" u="none" strike="noStrike" dirty="0">
+                <a:solidFill>
+                  <a:srgbClr val="000000"/>
+                </a:solidFill>
+                <a:effectLst/>
+                <a:latin typeface="Roboto Slab" pitchFamily="2" charset="0"/>
+                <a:ea typeface="Calibri" panose="020F0502020204030204" pitchFamily="34" charset="0"/>
+                <a:cs typeface="Times New Roman" panose="02020603050405020304" pitchFamily="18" charset="0"/>
+                <a:hlinkClick r:id="rId11"/>
+              </a:rPr>
+              <a:t>https://cs.wikipedia.org/wiki/Microsoft_OneNote</a:t>
+            </a:r>
+            <a:endParaRPr lang="cs-CZ" sz="1300" dirty="0">
+              <a:effectLst/>
+              <a:latin typeface="Calibri" panose="020F0502020204030204" pitchFamily="34" charset="0"/>
+              <a:ea typeface="Calibri" panose="020F0502020204030204" pitchFamily="34" charset="0"/>
+              <a:cs typeface="Times New Roman" panose="02020603050405020304" pitchFamily="18" charset="0"/>
+            </a:endParaRPr>
+          </a:p>
+          <a:p>
+            <a:pPr>
+              <a:lnSpc>
+                <a:spcPct val="107000"/>
+              </a:lnSpc>
+              <a:spcAft>
+                <a:spcPts val="800"/>
+              </a:spcAft>
+            </a:pPr>
+            <a:r>
+              <a:rPr lang="cs-CZ" sz="1300" dirty="0">
+                <a:solidFill>
+                  <a:srgbClr val="000000"/>
+                </a:solidFill>
+                <a:effectLst/>
+                <a:latin typeface="Roboto Slab" pitchFamily="2" charset="0"/>
+                <a:ea typeface="Calibri" panose="020F0502020204030204" pitchFamily="34" charset="0"/>
+                <a:cs typeface="Times New Roman" panose="02020603050405020304" pitchFamily="18" charset="0"/>
+              </a:rPr>
+              <a:t>File:Microsoft Office OneNote (2019–</a:t>
+            </a:r>
+            <a:r>
+              <a:rPr lang="cs-CZ" sz="1300" dirty="0" err="1">
+                <a:solidFill>
+                  <a:srgbClr val="000000"/>
+                </a:solidFill>
+                <a:effectLst/>
+                <a:latin typeface="Roboto Slab" pitchFamily="2" charset="0"/>
+                <a:ea typeface="Calibri" panose="020F0502020204030204" pitchFamily="34" charset="0"/>
+                <a:cs typeface="Times New Roman" panose="02020603050405020304" pitchFamily="18" charset="0"/>
+              </a:rPr>
+              <a:t>present</a:t>
+            </a:r>
+            <a:r>
+              <a:rPr lang="cs-CZ" sz="1300" dirty="0">
+                <a:solidFill>
+                  <a:srgbClr val="000000"/>
+                </a:solidFill>
+                <a:effectLst/>
+                <a:latin typeface="Roboto Slab" pitchFamily="2" charset="0"/>
+                <a:ea typeface="Calibri" panose="020F0502020204030204" pitchFamily="34" charset="0"/>
+                <a:cs typeface="Times New Roman" panose="02020603050405020304" pitchFamily="18" charset="0"/>
+              </a:rPr>
+              <a:t>).</a:t>
+            </a:r>
+            <a:r>
+              <a:rPr lang="cs-CZ" sz="1300" dirty="0" err="1">
+                <a:solidFill>
+                  <a:srgbClr val="000000"/>
+                </a:solidFill>
+                <a:effectLst/>
+                <a:latin typeface="Roboto Slab" pitchFamily="2" charset="0"/>
+                <a:ea typeface="Calibri" panose="020F0502020204030204" pitchFamily="34" charset="0"/>
+                <a:cs typeface="Times New Roman" panose="02020603050405020304" pitchFamily="18" charset="0"/>
+              </a:rPr>
+              <a:t>svg</a:t>
+            </a:r>
+            <a:r>
+              <a:rPr lang="cs-CZ" sz="1300" dirty="0">
+                <a:solidFill>
+                  <a:srgbClr val="000000"/>
+                </a:solidFill>
+                <a:effectLst/>
+                <a:latin typeface="Roboto Slab" pitchFamily="2" charset="0"/>
+                <a:ea typeface="Calibri" panose="020F0502020204030204" pitchFamily="34" charset="0"/>
+                <a:cs typeface="Times New Roman" panose="02020603050405020304" pitchFamily="18" charset="0"/>
+              </a:rPr>
+              <a:t> - </a:t>
+            </a:r>
+            <a:r>
+              <a:rPr lang="cs-CZ" sz="1300" dirty="0" err="1">
+                <a:solidFill>
+                  <a:srgbClr val="000000"/>
+                </a:solidFill>
+                <a:effectLst/>
+                <a:latin typeface="Roboto Slab" pitchFamily="2" charset="0"/>
+                <a:ea typeface="Calibri" panose="020F0502020204030204" pitchFamily="34" charset="0"/>
+                <a:cs typeface="Times New Roman" panose="02020603050405020304" pitchFamily="18" charset="0"/>
+              </a:rPr>
+              <a:t>Wikimedia</a:t>
+            </a:r>
+            <a:r>
+              <a:rPr lang="cs-CZ" sz="1300" dirty="0">
+                <a:solidFill>
+                  <a:srgbClr val="000000"/>
+                </a:solidFill>
+                <a:effectLst/>
+                <a:latin typeface="Roboto Slab" pitchFamily="2" charset="0"/>
+                <a:ea typeface="Calibri" panose="020F0502020204030204" pitchFamily="34" charset="0"/>
+                <a:cs typeface="Times New Roman" panose="02020603050405020304" pitchFamily="18" charset="0"/>
+              </a:rPr>
+              <a:t> </a:t>
+            </a:r>
+            <a:r>
+              <a:rPr lang="cs-CZ" sz="1300" dirty="0" err="1">
+                <a:solidFill>
+                  <a:srgbClr val="000000"/>
+                </a:solidFill>
+                <a:effectLst/>
+                <a:latin typeface="Roboto Slab" pitchFamily="2" charset="0"/>
+                <a:ea typeface="Calibri" panose="020F0502020204030204" pitchFamily="34" charset="0"/>
+                <a:cs typeface="Times New Roman" panose="02020603050405020304" pitchFamily="18" charset="0"/>
+              </a:rPr>
+              <a:t>Commons</a:t>
+            </a:r>
+            <a:r>
+              <a:rPr lang="cs-CZ" sz="1300" dirty="0">
+                <a:solidFill>
+                  <a:srgbClr val="000000"/>
+                </a:solidFill>
+                <a:effectLst/>
+                <a:latin typeface="Roboto Slab" pitchFamily="2" charset="0"/>
+                <a:ea typeface="Calibri" panose="020F0502020204030204" pitchFamily="34" charset="0"/>
+                <a:cs typeface="Times New Roman" panose="02020603050405020304" pitchFamily="18" charset="0"/>
+              </a:rPr>
+              <a:t>. [online]. Dostupné z: </a:t>
+            </a:r>
+            <a:r>
+              <a:rPr lang="cs-CZ" sz="1300" u="none" strike="noStrike" dirty="0">
+                <a:solidFill>
+                  <a:srgbClr val="000000"/>
+                </a:solidFill>
+                <a:effectLst/>
+                <a:latin typeface="Roboto Slab" pitchFamily="2" charset="0"/>
+                <a:ea typeface="Calibri" panose="020F0502020204030204" pitchFamily="34" charset="0"/>
+                <a:cs typeface="Times New Roman" panose="02020603050405020304" pitchFamily="18" charset="0"/>
+                <a:hlinkClick r:id="rId12"/>
+              </a:rPr>
+              <a:t>https://commons.wikimedia.org/wiki/File:Microsoft_Office_OneNote_(2019%E2%80%93present).svg</a:t>
+            </a:r>
+            <a:endParaRPr lang="cs-CZ" sz="1300" u="none" strike="noStrike" dirty="0">
+              <a:solidFill>
+                <a:srgbClr val="000000"/>
+              </a:solidFill>
+              <a:effectLst/>
+              <a:latin typeface="Roboto Slab" pitchFamily="2" charset="0"/>
+              <a:ea typeface="Calibri" panose="020F0502020204030204" pitchFamily="34" charset="0"/>
+              <a:cs typeface="Times New Roman" panose="02020603050405020304" pitchFamily="18" charset="0"/>
+            </a:endParaRPr>
+          </a:p>
+          <a:p>
+            <a:pPr>
+              <a:lnSpc>
+                <a:spcPct val="107000"/>
+              </a:lnSpc>
+              <a:spcAft>
+                <a:spcPts val="800"/>
+              </a:spcAft>
+            </a:pPr>
+            <a:r>
+              <a:rPr lang="cs-CZ" sz="1300" dirty="0">
+                <a:solidFill>
+                  <a:srgbClr val="000000"/>
+                </a:solidFill>
+                <a:effectLst/>
+                <a:latin typeface="Roboto Slab" pitchFamily="2" charset="0"/>
+                <a:ea typeface="Calibri" panose="020F0502020204030204" pitchFamily="34" charset="0"/>
+                <a:cs typeface="Times New Roman" panose="02020603050405020304" pitchFamily="18" charset="0"/>
+              </a:rPr>
+              <a:t>Microsoft </a:t>
+            </a:r>
+            <a:r>
+              <a:rPr lang="cs-CZ" sz="1300" dirty="0" err="1">
+                <a:solidFill>
+                  <a:srgbClr val="000000"/>
+                </a:solidFill>
+                <a:effectLst/>
+                <a:latin typeface="Roboto Slab" pitchFamily="2" charset="0"/>
+                <a:ea typeface="Calibri" panose="020F0502020204030204" pitchFamily="34" charset="0"/>
+                <a:cs typeface="Times New Roman" panose="02020603050405020304" pitchFamily="18" charset="0"/>
+              </a:rPr>
+              <a:t>Sway</a:t>
+            </a:r>
+            <a:r>
+              <a:rPr lang="cs-CZ" sz="1300" dirty="0">
+                <a:solidFill>
+                  <a:srgbClr val="000000"/>
+                </a:solidFill>
+                <a:effectLst/>
+                <a:latin typeface="Roboto Slab" pitchFamily="2" charset="0"/>
+                <a:ea typeface="Calibri" panose="020F0502020204030204" pitchFamily="34" charset="0"/>
+                <a:cs typeface="Times New Roman" panose="02020603050405020304" pitchFamily="18" charset="0"/>
+              </a:rPr>
+              <a:t> - Wikipedia. [online]. Dostupné z: </a:t>
+            </a:r>
+            <a:r>
+              <a:rPr lang="cs-CZ" sz="1300" u="none" strike="noStrike" dirty="0">
+                <a:solidFill>
+                  <a:srgbClr val="000000"/>
+                </a:solidFill>
+                <a:effectLst/>
+                <a:latin typeface="Roboto Slab" pitchFamily="2" charset="0"/>
+                <a:ea typeface="Calibri" panose="020F0502020204030204" pitchFamily="34" charset="0"/>
+                <a:cs typeface="Times New Roman" panose="02020603050405020304" pitchFamily="18" charset="0"/>
+                <a:hlinkClick r:id="rId13"/>
+              </a:rPr>
+              <a:t>https://en.wikipedia.org/wiki/Microsoft_Sway</a:t>
+            </a:r>
+            <a:endParaRPr lang="cs-CZ" sz="1300" dirty="0">
+              <a:effectLst/>
+              <a:latin typeface="Calibri" panose="020F0502020204030204" pitchFamily="34" charset="0"/>
+              <a:ea typeface="Calibri" panose="020F0502020204030204" pitchFamily="34" charset="0"/>
+              <a:cs typeface="Times New Roman" panose="02020603050405020304" pitchFamily="18" charset="0"/>
+            </a:endParaRPr>
+          </a:p>
+          <a:p>
+            <a:pPr>
+              <a:lnSpc>
+                <a:spcPct val="107000"/>
+              </a:lnSpc>
+              <a:spcAft>
+                <a:spcPts val="800"/>
+              </a:spcAft>
+            </a:pPr>
+            <a:r>
+              <a:rPr lang="cs-CZ" sz="1300" dirty="0">
+                <a:solidFill>
+                  <a:srgbClr val="000000"/>
+                </a:solidFill>
+                <a:effectLst/>
+                <a:latin typeface="Roboto Slab" pitchFamily="2" charset="0"/>
+                <a:ea typeface="Calibri" panose="020F0502020204030204" pitchFamily="34" charset="0"/>
+                <a:cs typeface="Times New Roman" panose="02020603050405020304" pitchFamily="18" charset="0"/>
+              </a:rPr>
+              <a:t>File:Microsoft Office </a:t>
+            </a:r>
+            <a:r>
+              <a:rPr lang="cs-CZ" sz="1300" dirty="0" err="1">
+                <a:solidFill>
+                  <a:srgbClr val="000000"/>
+                </a:solidFill>
+                <a:effectLst/>
+                <a:latin typeface="Roboto Slab" pitchFamily="2" charset="0"/>
+                <a:ea typeface="Calibri" panose="020F0502020204030204" pitchFamily="34" charset="0"/>
+                <a:cs typeface="Times New Roman" panose="02020603050405020304" pitchFamily="18" charset="0"/>
+              </a:rPr>
+              <a:t>Sway</a:t>
+            </a:r>
+            <a:r>
+              <a:rPr lang="cs-CZ" sz="1300" dirty="0">
+                <a:solidFill>
+                  <a:srgbClr val="000000"/>
+                </a:solidFill>
+                <a:effectLst/>
+                <a:latin typeface="Roboto Slab" pitchFamily="2" charset="0"/>
+                <a:ea typeface="Calibri" panose="020F0502020204030204" pitchFamily="34" charset="0"/>
+                <a:cs typeface="Times New Roman" panose="02020603050405020304" pitchFamily="18" charset="0"/>
+              </a:rPr>
+              <a:t> (2019–</a:t>
+            </a:r>
+            <a:r>
+              <a:rPr lang="cs-CZ" sz="1300" dirty="0" err="1">
+                <a:solidFill>
+                  <a:srgbClr val="000000"/>
+                </a:solidFill>
+                <a:effectLst/>
+                <a:latin typeface="Roboto Slab" pitchFamily="2" charset="0"/>
+                <a:ea typeface="Calibri" panose="020F0502020204030204" pitchFamily="34" charset="0"/>
+                <a:cs typeface="Times New Roman" panose="02020603050405020304" pitchFamily="18" charset="0"/>
+              </a:rPr>
+              <a:t>present</a:t>
+            </a:r>
+            <a:r>
+              <a:rPr lang="cs-CZ" sz="1300" dirty="0">
+                <a:solidFill>
+                  <a:srgbClr val="000000"/>
+                </a:solidFill>
+                <a:effectLst/>
+                <a:latin typeface="Roboto Slab" pitchFamily="2" charset="0"/>
+                <a:ea typeface="Calibri" panose="020F0502020204030204" pitchFamily="34" charset="0"/>
+                <a:cs typeface="Times New Roman" panose="02020603050405020304" pitchFamily="18" charset="0"/>
+              </a:rPr>
+              <a:t>).</a:t>
+            </a:r>
+            <a:r>
+              <a:rPr lang="cs-CZ" sz="1300" dirty="0" err="1">
+                <a:solidFill>
+                  <a:srgbClr val="000000"/>
+                </a:solidFill>
+                <a:effectLst/>
+                <a:latin typeface="Roboto Slab" pitchFamily="2" charset="0"/>
+                <a:ea typeface="Calibri" panose="020F0502020204030204" pitchFamily="34" charset="0"/>
+                <a:cs typeface="Times New Roman" panose="02020603050405020304" pitchFamily="18" charset="0"/>
+              </a:rPr>
+              <a:t>svg</a:t>
+            </a:r>
+            <a:r>
+              <a:rPr lang="cs-CZ" sz="1300" dirty="0">
+                <a:solidFill>
+                  <a:srgbClr val="000000"/>
+                </a:solidFill>
+                <a:effectLst/>
+                <a:latin typeface="Roboto Slab" pitchFamily="2" charset="0"/>
+                <a:ea typeface="Calibri" panose="020F0502020204030204" pitchFamily="34" charset="0"/>
+                <a:cs typeface="Times New Roman" panose="02020603050405020304" pitchFamily="18" charset="0"/>
+              </a:rPr>
+              <a:t> - </a:t>
+            </a:r>
+            <a:r>
+              <a:rPr lang="cs-CZ" sz="1300" dirty="0" err="1">
+                <a:solidFill>
+                  <a:srgbClr val="000000"/>
+                </a:solidFill>
+                <a:effectLst/>
+                <a:latin typeface="Roboto Slab" pitchFamily="2" charset="0"/>
+                <a:ea typeface="Calibri" panose="020F0502020204030204" pitchFamily="34" charset="0"/>
+                <a:cs typeface="Times New Roman" panose="02020603050405020304" pitchFamily="18" charset="0"/>
+              </a:rPr>
+              <a:t>Wikimedia</a:t>
+            </a:r>
+            <a:r>
+              <a:rPr lang="cs-CZ" sz="1300" dirty="0">
+                <a:solidFill>
+                  <a:srgbClr val="000000"/>
+                </a:solidFill>
+                <a:effectLst/>
+                <a:latin typeface="Roboto Slab" pitchFamily="2" charset="0"/>
+                <a:ea typeface="Calibri" panose="020F0502020204030204" pitchFamily="34" charset="0"/>
+                <a:cs typeface="Times New Roman" panose="02020603050405020304" pitchFamily="18" charset="0"/>
+              </a:rPr>
+              <a:t> </a:t>
+            </a:r>
+            <a:r>
+              <a:rPr lang="cs-CZ" sz="1300" dirty="0" err="1">
+                <a:solidFill>
+                  <a:srgbClr val="000000"/>
+                </a:solidFill>
+                <a:effectLst/>
+                <a:latin typeface="Roboto Slab" pitchFamily="2" charset="0"/>
+                <a:ea typeface="Calibri" panose="020F0502020204030204" pitchFamily="34" charset="0"/>
+                <a:cs typeface="Times New Roman" panose="02020603050405020304" pitchFamily="18" charset="0"/>
+              </a:rPr>
+              <a:t>Commons</a:t>
+            </a:r>
+            <a:r>
+              <a:rPr lang="cs-CZ" sz="1300" dirty="0">
+                <a:solidFill>
+                  <a:srgbClr val="000000"/>
+                </a:solidFill>
+                <a:effectLst/>
+                <a:latin typeface="Roboto Slab" pitchFamily="2" charset="0"/>
+                <a:ea typeface="Calibri" panose="020F0502020204030204" pitchFamily="34" charset="0"/>
+                <a:cs typeface="Times New Roman" panose="02020603050405020304" pitchFamily="18" charset="0"/>
+              </a:rPr>
+              <a:t>. [online]. Dostupné z: </a:t>
+            </a:r>
+            <a:r>
+              <a:rPr lang="cs-CZ" sz="1300" u="none" strike="noStrike" dirty="0">
+                <a:solidFill>
+                  <a:srgbClr val="000000"/>
+                </a:solidFill>
+                <a:effectLst/>
+                <a:latin typeface="Roboto Slab" pitchFamily="2" charset="0"/>
+                <a:ea typeface="Calibri" panose="020F0502020204030204" pitchFamily="34" charset="0"/>
+                <a:cs typeface="Times New Roman" panose="02020603050405020304" pitchFamily="18" charset="0"/>
+                <a:hlinkClick r:id="rId14"/>
+              </a:rPr>
+              <a:t>https://commons.wikimedia.org/wiki/File:Microsoft_Office_Sway_%282019–present%29.svg</a:t>
+            </a:r>
+            <a:endParaRPr lang="cs-CZ" sz="1300" dirty="0">
+              <a:effectLst/>
+              <a:latin typeface="Calibri" panose="020F0502020204030204" pitchFamily="34" charset="0"/>
+              <a:ea typeface="Calibri" panose="020F0502020204030204" pitchFamily="34" charset="0"/>
+              <a:cs typeface="Times New Roman" panose="02020603050405020304" pitchFamily="18" charset="0"/>
+            </a:endParaRPr>
+          </a:p>
+          <a:p>
+            <a:pPr>
+              <a:lnSpc>
+                <a:spcPct val="107000"/>
+              </a:lnSpc>
+              <a:spcAft>
+                <a:spcPts val="800"/>
+              </a:spcAft>
+            </a:pPr>
+            <a:r>
+              <a:rPr lang="cs-CZ" sz="1300" dirty="0">
+                <a:solidFill>
+                  <a:srgbClr val="000000"/>
+                </a:solidFill>
+                <a:effectLst/>
+                <a:latin typeface="Roboto Slab" pitchFamily="2" charset="0"/>
+                <a:ea typeface="Calibri" panose="020F0502020204030204" pitchFamily="34" charset="0"/>
+                <a:cs typeface="Times New Roman" panose="02020603050405020304" pitchFamily="18" charset="0"/>
+              </a:rPr>
+              <a:t>Microsoft Visio – Wikipedie. [online]. Dostupné z: </a:t>
+            </a:r>
+            <a:r>
+              <a:rPr lang="cs-CZ" sz="1300" u="none" strike="noStrike" dirty="0">
+                <a:solidFill>
+                  <a:srgbClr val="000000"/>
+                </a:solidFill>
+                <a:effectLst/>
+                <a:latin typeface="Roboto Slab" pitchFamily="2" charset="0"/>
+                <a:ea typeface="Calibri" panose="020F0502020204030204" pitchFamily="34" charset="0"/>
+                <a:cs typeface="Times New Roman" panose="02020603050405020304" pitchFamily="18" charset="0"/>
+                <a:hlinkClick r:id="rId15"/>
+              </a:rPr>
+              <a:t>https://cs.wikipedia.org/wiki/Microsoft_Visio</a:t>
+            </a:r>
+            <a:endParaRPr lang="cs-CZ" sz="1300" dirty="0">
+              <a:effectLst/>
+              <a:latin typeface="Calibri" panose="020F0502020204030204" pitchFamily="34" charset="0"/>
+              <a:ea typeface="Calibri" panose="020F0502020204030204" pitchFamily="34" charset="0"/>
+              <a:cs typeface="Times New Roman" panose="02020603050405020304" pitchFamily="18" charset="0"/>
+            </a:endParaRPr>
+          </a:p>
+          <a:p>
+            <a:pPr>
+              <a:lnSpc>
+                <a:spcPct val="107000"/>
+              </a:lnSpc>
+              <a:spcAft>
+                <a:spcPts val="800"/>
+              </a:spcAft>
+            </a:pPr>
+            <a:endParaRPr lang="cs-CZ" sz="1300" dirty="0">
+              <a:effectLst/>
+              <a:latin typeface="Calibri" panose="020F0502020204030204" pitchFamily="34" charset="0"/>
+              <a:ea typeface="Calibri" panose="020F0502020204030204" pitchFamily="34" charset="0"/>
+              <a:cs typeface="Times New Roman" panose="02020603050405020304" pitchFamily="18" charset="0"/>
+            </a:endParaRPr>
+          </a:p>
+          <a:p>
+            <a:pPr>
+              <a:lnSpc>
+                <a:spcPct val="107000"/>
+              </a:lnSpc>
+              <a:spcAft>
+                <a:spcPts val="800"/>
+              </a:spcAft>
+            </a:pPr>
+            <a:r>
+              <a:rPr lang="cs-CZ" sz="1300" dirty="0">
+                <a:effectLst/>
+                <a:latin typeface="Calibri" panose="020F0502020204030204" pitchFamily="34" charset="0"/>
+                <a:ea typeface="Calibri" panose="020F0502020204030204" pitchFamily="34" charset="0"/>
+                <a:cs typeface="Times New Roman" panose="02020603050405020304" pitchFamily="18" charset="0"/>
+              </a:rPr>
+              <a:t> </a:t>
+            </a:r>
+          </a:p>
+        </p:txBody>
+      </p:sp>
+    </p:spTree>
+    <p:extLst>
+      <p:ext uri="{BB962C8B-B14F-4D97-AF65-F5344CB8AC3E}">
+        <p14:creationId xmlns:p14="http://schemas.microsoft.com/office/powerpoint/2010/main" val="3886547804"/>
       </p:ext>
     </p:extLst>
   </p:cSld>
@@ -7127,6 +10635,2037 @@
   <p:transition spd="slow">
     <p:push dir="u"/>
   </p:transition>
+</p:sld>
+</file>
+
+<file path=ppt/slides/slide20.xml><?xml version="1.0" encoding="utf-8"?>
+<p:sld xmlns:a="http://schemas.openxmlformats.org/drawingml/2006/main" xmlns:r="http://schemas.openxmlformats.org/officeDocument/2006/relationships" xmlns:p="http://schemas.openxmlformats.org/presentationml/2006/main">
+  <p:cSld>
+    <p:spTree>
+      <p:nvGrpSpPr>
+        <p:cNvPr id="1" name=""/>
+        <p:cNvGrpSpPr/>
+        <p:nvPr/>
+      </p:nvGrpSpPr>
+      <p:grpSpPr>
+        <a:xfrm>
+          <a:off x="0" y="0"/>
+          <a:ext cx="0" cy="0"/>
+          <a:chOff x="0" y="0"/>
+          <a:chExt cx="0" cy="0"/>
+        </a:xfrm>
+      </p:grpSpPr>
+      <p:sp>
+        <p:nvSpPr>
+          <p:cNvPr id="3" name="TextovéPole 2">
+            <a:extLst>
+              <a:ext uri="{FF2B5EF4-FFF2-40B4-BE49-F238E27FC236}">
+                <a16:creationId xmlns:a16="http://schemas.microsoft.com/office/drawing/2014/main" id="{A42866B2-06FA-3A5B-91DD-01F84D4A9C05}"/>
+              </a:ext>
+            </a:extLst>
+          </p:cNvPr>
+          <p:cNvSpPr txBox="1"/>
+          <p:nvPr/>
+        </p:nvSpPr>
+        <p:spPr>
+          <a:xfrm>
+            <a:off x="491705" y="270507"/>
+            <a:ext cx="9325155" cy="6316986"/>
+          </a:xfrm>
+          <a:prstGeom prst="rect">
+            <a:avLst/>
+          </a:prstGeom>
+          <a:noFill/>
+        </p:spPr>
+        <p:txBody>
+          <a:bodyPr wrap="square">
+            <a:spAutoFit/>
+          </a:bodyPr>
+          <a:lstStyle/>
+          <a:p>
+            <a:pPr marL="190500" marR="190500">
+              <a:lnSpc>
+                <a:spcPct val="107000"/>
+              </a:lnSpc>
+              <a:spcBef>
+                <a:spcPts val="1500"/>
+              </a:spcBef>
+              <a:spcAft>
+                <a:spcPts val="1500"/>
+              </a:spcAft>
+            </a:pPr>
+            <a:r>
+              <a:rPr lang="cs-CZ" sz="1300" dirty="0">
+                <a:solidFill>
+                  <a:srgbClr val="000000"/>
+                </a:solidFill>
+                <a:effectLst/>
+                <a:latin typeface="Roboto Slab" pitchFamily="2" charset="0"/>
+                <a:ea typeface="Times New Roman" panose="02020603050405020304" pitchFamily="18" charset="0"/>
+                <a:cs typeface="Times New Roman" panose="02020603050405020304" pitchFamily="18" charset="0"/>
+              </a:rPr>
+              <a:t>File:Microsoft Office Visio (2019).</a:t>
+            </a:r>
+            <a:r>
+              <a:rPr lang="cs-CZ" sz="1300" dirty="0" err="1">
+                <a:solidFill>
+                  <a:srgbClr val="000000"/>
+                </a:solidFill>
+                <a:effectLst/>
+                <a:latin typeface="Roboto Slab" pitchFamily="2" charset="0"/>
+                <a:ea typeface="Times New Roman" panose="02020603050405020304" pitchFamily="18" charset="0"/>
+                <a:cs typeface="Times New Roman" panose="02020603050405020304" pitchFamily="18" charset="0"/>
+              </a:rPr>
+              <a:t>svg</a:t>
+            </a:r>
+            <a:r>
+              <a:rPr lang="cs-CZ" sz="1300" dirty="0">
+                <a:solidFill>
+                  <a:srgbClr val="000000"/>
+                </a:solidFill>
+                <a:effectLst/>
+                <a:latin typeface="Roboto Slab" pitchFamily="2" charset="0"/>
+                <a:ea typeface="Times New Roman" panose="02020603050405020304" pitchFamily="18" charset="0"/>
+                <a:cs typeface="Times New Roman" panose="02020603050405020304" pitchFamily="18" charset="0"/>
+              </a:rPr>
+              <a:t> - </a:t>
+            </a:r>
+            <a:r>
+              <a:rPr lang="cs-CZ" sz="1300" dirty="0" err="1">
+                <a:solidFill>
+                  <a:srgbClr val="000000"/>
+                </a:solidFill>
+                <a:effectLst/>
+                <a:latin typeface="Roboto Slab" pitchFamily="2" charset="0"/>
+                <a:ea typeface="Times New Roman" panose="02020603050405020304" pitchFamily="18" charset="0"/>
+                <a:cs typeface="Times New Roman" panose="02020603050405020304" pitchFamily="18" charset="0"/>
+              </a:rPr>
+              <a:t>Wikimedia</a:t>
+            </a:r>
+            <a:r>
+              <a:rPr lang="cs-CZ" sz="1300" dirty="0">
+                <a:solidFill>
+                  <a:srgbClr val="000000"/>
+                </a:solidFill>
+                <a:effectLst/>
+                <a:latin typeface="Roboto Slab" pitchFamily="2" charset="0"/>
+                <a:ea typeface="Times New Roman" panose="02020603050405020304" pitchFamily="18" charset="0"/>
+                <a:cs typeface="Times New Roman" panose="02020603050405020304" pitchFamily="18" charset="0"/>
+              </a:rPr>
+              <a:t> </a:t>
+            </a:r>
+            <a:r>
+              <a:rPr lang="cs-CZ" sz="1300" dirty="0" err="1">
+                <a:solidFill>
+                  <a:srgbClr val="000000"/>
+                </a:solidFill>
+                <a:effectLst/>
+                <a:latin typeface="Roboto Slab" pitchFamily="2" charset="0"/>
+                <a:ea typeface="Times New Roman" panose="02020603050405020304" pitchFamily="18" charset="0"/>
+                <a:cs typeface="Times New Roman" panose="02020603050405020304" pitchFamily="18" charset="0"/>
+              </a:rPr>
+              <a:t>Commons</a:t>
+            </a:r>
+            <a:r>
+              <a:rPr lang="cs-CZ" sz="1300" dirty="0">
+                <a:solidFill>
+                  <a:srgbClr val="000000"/>
+                </a:solidFill>
+                <a:effectLst/>
+                <a:latin typeface="Roboto Slab" pitchFamily="2" charset="0"/>
+                <a:ea typeface="Times New Roman" panose="02020603050405020304" pitchFamily="18" charset="0"/>
+                <a:cs typeface="Times New Roman" panose="02020603050405020304" pitchFamily="18" charset="0"/>
+              </a:rPr>
+              <a:t>. [online]. Dostupné z: </a:t>
+            </a:r>
+            <a:r>
+              <a:rPr lang="cs-CZ" sz="1300" u="sng" dirty="0">
+                <a:solidFill>
+                  <a:srgbClr val="000000"/>
+                </a:solidFill>
+                <a:effectLst/>
+                <a:latin typeface="Roboto Slab" pitchFamily="2" charset="0"/>
+                <a:ea typeface="Times New Roman" panose="02020603050405020304" pitchFamily="18" charset="0"/>
+                <a:cs typeface="Times New Roman" panose="02020603050405020304" pitchFamily="18" charset="0"/>
+                <a:hlinkClick r:id="rId2"/>
+              </a:rPr>
+              <a:t>https://commons.wikimedia.org/wiki/File:Microsoft_Office_Visio_(2019).svg</a:t>
+            </a:r>
+            <a:endParaRPr lang="cs-CZ" sz="1300" dirty="0">
+              <a:effectLst/>
+              <a:latin typeface="Calibri" panose="020F0502020204030204" pitchFamily="34" charset="0"/>
+              <a:ea typeface="Calibri" panose="020F0502020204030204" pitchFamily="34" charset="0"/>
+              <a:cs typeface="Times New Roman" panose="02020603050405020304" pitchFamily="18" charset="0"/>
+            </a:endParaRPr>
+          </a:p>
+          <a:p>
+            <a:pPr>
+              <a:lnSpc>
+                <a:spcPct val="107000"/>
+              </a:lnSpc>
+              <a:spcAft>
+                <a:spcPts val="800"/>
+              </a:spcAft>
+            </a:pPr>
+            <a:r>
+              <a:rPr lang="cs-CZ" sz="1300" dirty="0">
+                <a:solidFill>
+                  <a:srgbClr val="000000"/>
+                </a:solidFill>
+                <a:effectLst/>
+                <a:latin typeface="Roboto Slab" pitchFamily="2" charset="0"/>
+                <a:ea typeface="Calibri" panose="020F0502020204030204" pitchFamily="34" charset="0"/>
+                <a:cs typeface="Times New Roman" panose="02020603050405020304" pitchFamily="18" charset="0"/>
+              </a:rPr>
+              <a:t>Microsoft Access – Wikipedie. [online]. Dostupné z: </a:t>
+            </a:r>
+            <a:r>
+              <a:rPr lang="cs-CZ" sz="1300" u="none" strike="noStrike" dirty="0">
+                <a:solidFill>
+                  <a:srgbClr val="000000"/>
+                </a:solidFill>
+                <a:effectLst/>
+                <a:latin typeface="Roboto Slab" pitchFamily="2" charset="0"/>
+                <a:ea typeface="Calibri" panose="020F0502020204030204" pitchFamily="34" charset="0"/>
+                <a:cs typeface="Times New Roman" panose="02020603050405020304" pitchFamily="18" charset="0"/>
+                <a:hlinkClick r:id="rId3"/>
+              </a:rPr>
+              <a:t>https://cs.wikipedia.org/wiki/Microsoft_Access</a:t>
+            </a:r>
+            <a:endParaRPr lang="cs-CZ" sz="1300" dirty="0">
+              <a:effectLst/>
+              <a:latin typeface="Calibri" panose="020F0502020204030204" pitchFamily="34" charset="0"/>
+              <a:ea typeface="Calibri" panose="020F0502020204030204" pitchFamily="34" charset="0"/>
+              <a:cs typeface="Times New Roman" panose="02020603050405020304" pitchFamily="18" charset="0"/>
+            </a:endParaRPr>
+          </a:p>
+          <a:p>
+            <a:pPr>
+              <a:lnSpc>
+                <a:spcPct val="107000"/>
+              </a:lnSpc>
+              <a:spcAft>
+                <a:spcPts val="800"/>
+              </a:spcAft>
+            </a:pPr>
+            <a:r>
+              <a:rPr lang="cs-CZ" sz="1300" dirty="0">
+                <a:solidFill>
+                  <a:srgbClr val="000000"/>
+                </a:solidFill>
+                <a:effectLst/>
+                <a:latin typeface="Roboto Slab" pitchFamily="2" charset="0"/>
+                <a:ea typeface="Calibri" panose="020F0502020204030204" pitchFamily="34" charset="0"/>
+                <a:cs typeface="Times New Roman" panose="02020603050405020304" pitchFamily="18" charset="0"/>
+              </a:rPr>
+              <a:t>File:Microsoft Office Access (2019-present).</a:t>
+            </a:r>
+            <a:r>
+              <a:rPr lang="cs-CZ" sz="1300" dirty="0" err="1">
+                <a:solidFill>
+                  <a:srgbClr val="000000"/>
+                </a:solidFill>
+                <a:effectLst/>
+                <a:latin typeface="Roboto Slab" pitchFamily="2" charset="0"/>
+                <a:ea typeface="Calibri" panose="020F0502020204030204" pitchFamily="34" charset="0"/>
+                <a:cs typeface="Times New Roman" panose="02020603050405020304" pitchFamily="18" charset="0"/>
+              </a:rPr>
+              <a:t>svg</a:t>
+            </a:r>
+            <a:r>
+              <a:rPr lang="cs-CZ" sz="1300" dirty="0">
+                <a:solidFill>
+                  <a:srgbClr val="000000"/>
+                </a:solidFill>
+                <a:effectLst/>
+                <a:latin typeface="Roboto Slab" pitchFamily="2" charset="0"/>
+                <a:ea typeface="Calibri" panose="020F0502020204030204" pitchFamily="34" charset="0"/>
+                <a:cs typeface="Times New Roman" panose="02020603050405020304" pitchFamily="18" charset="0"/>
+              </a:rPr>
+              <a:t> - </a:t>
+            </a:r>
+            <a:r>
+              <a:rPr lang="cs-CZ" sz="1300" dirty="0" err="1">
+                <a:solidFill>
+                  <a:srgbClr val="000000"/>
+                </a:solidFill>
+                <a:effectLst/>
+                <a:latin typeface="Roboto Slab" pitchFamily="2" charset="0"/>
+                <a:ea typeface="Calibri" panose="020F0502020204030204" pitchFamily="34" charset="0"/>
+                <a:cs typeface="Times New Roman" panose="02020603050405020304" pitchFamily="18" charset="0"/>
+              </a:rPr>
+              <a:t>Wikimedia</a:t>
+            </a:r>
+            <a:r>
+              <a:rPr lang="cs-CZ" sz="1300" dirty="0">
+                <a:solidFill>
+                  <a:srgbClr val="000000"/>
+                </a:solidFill>
+                <a:effectLst/>
+                <a:latin typeface="Roboto Slab" pitchFamily="2" charset="0"/>
+                <a:ea typeface="Calibri" panose="020F0502020204030204" pitchFamily="34" charset="0"/>
+                <a:cs typeface="Times New Roman" panose="02020603050405020304" pitchFamily="18" charset="0"/>
+              </a:rPr>
+              <a:t> </a:t>
+            </a:r>
+            <a:r>
+              <a:rPr lang="cs-CZ" sz="1300" dirty="0" err="1">
+                <a:solidFill>
+                  <a:srgbClr val="000000"/>
+                </a:solidFill>
+                <a:effectLst/>
+                <a:latin typeface="Roboto Slab" pitchFamily="2" charset="0"/>
+                <a:ea typeface="Calibri" panose="020F0502020204030204" pitchFamily="34" charset="0"/>
+                <a:cs typeface="Times New Roman" panose="02020603050405020304" pitchFamily="18" charset="0"/>
+              </a:rPr>
+              <a:t>Commons</a:t>
+            </a:r>
+            <a:r>
+              <a:rPr lang="cs-CZ" sz="1300" dirty="0">
+                <a:solidFill>
+                  <a:srgbClr val="000000"/>
+                </a:solidFill>
+                <a:effectLst/>
+                <a:latin typeface="Roboto Slab" pitchFamily="2" charset="0"/>
+                <a:ea typeface="Calibri" panose="020F0502020204030204" pitchFamily="34" charset="0"/>
+                <a:cs typeface="Times New Roman" panose="02020603050405020304" pitchFamily="18" charset="0"/>
+              </a:rPr>
+              <a:t>. [online]. Dostupné z: </a:t>
+            </a:r>
+            <a:r>
+              <a:rPr lang="cs-CZ" sz="1300" u="none" strike="noStrike" dirty="0">
+                <a:solidFill>
+                  <a:srgbClr val="000000"/>
+                </a:solidFill>
+                <a:effectLst/>
+                <a:latin typeface="Roboto Slab" pitchFamily="2" charset="0"/>
+                <a:ea typeface="Calibri" panose="020F0502020204030204" pitchFamily="34" charset="0"/>
+                <a:cs typeface="Times New Roman" panose="02020603050405020304" pitchFamily="18" charset="0"/>
+                <a:hlinkClick r:id="rId4"/>
+              </a:rPr>
+              <a:t>https://commons.wikimedia.org/wiki/File:Microsoft_Office_Access_(2019-present).svg</a:t>
+            </a:r>
+            <a:endParaRPr lang="cs-CZ" sz="1300" dirty="0">
+              <a:effectLst/>
+              <a:latin typeface="Calibri" panose="020F0502020204030204" pitchFamily="34" charset="0"/>
+              <a:ea typeface="Calibri" panose="020F0502020204030204" pitchFamily="34" charset="0"/>
+              <a:cs typeface="Times New Roman" panose="02020603050405020304" pitchFamily="18" charset="0"/>
+            </a:endParaRPr>
+          </a:p>
+          <a:p>
+            <a:pPr>
+              <a:lnSpc>
+                <a:spcPct val="107000"/>
+              </a:lnSpc>
+              <a:spcAft>
+                <a:spcPts val="800"/>
+              </a:spcAft>
+            </a:pPr>
+            <a:r>
+              <a:rPr lang="cs-CZ" sz="1300" dirty="0">
+                <a:solidFill>
+                  <a:srgbClr val="000000"/>
+                </a:solidFill>
+                <a:effectLst/>
+                <a:latin typeface="Roboto Slab" pitchFamily="2" charset="0"/>
+                <a:ea typeface="Calibri" panose="020F0502020204030204" pitchFamily="34" charset="0"/>
+                <a:cs typeface="Times New Roman" panose="02020603050405020304" pitchFamily="18" charset="0"/>
+              </a:rPr>
+              <a:t>Microsoft Project – Wikipedie. [online]. Dostupné z: </a:t>
+            </a:r>
+            <a:r>
+              <a:rPr lang="cs-CZ" sz="1300" u="none" strike="noStrike" dirty="0">
+                <a:solidFill>
+                  <a:srgbClr val="000000"/>
+                </a:solidFill>
+                <a:effectLst/>
+                <a:latin typeface="Roboto Slab" pitchFamily="2" charset="0"/>
+                <a:ea typeface="Calibri" panose="020F0502020204030204" pitchFamily="34" charset="0"/>
+                <a:cs typeface="Times New Roman" panose="02020603050405020304" pitchFamily="18" charset="0"/>
+                <a:hlinkClick r:id="rId5"/>
+              </a:rPr>
+              <a:t>https://cs.wikipedia.org/wiki/Microsoft_Project</a:t>
+            </a:r>
+            <a:endParaRPr lang="cs-CZ" sz="1300" dirty="0">
+              <a:effectLst/>
+              <a:latin typeface="Calibri" panose="020F0502020204030204" pitchFamily="34" charset="0"/>
+              <a:ea typeface="Calibri" panose="020F0502020204030204" pitchFamily="34" charset="0"/>
+              <a:cs typeface="Times New Roman" panose="02020603050405020304" pitchFamily="18" charset="0"/>
+            </a:endParaRPr>
+          </a:p>
+          <a:p>
+            <a:pPr>
+              <a:lnSpc>
+                <a:spcPct val="107000"/>
+              </a:lnSpc>
+              <a:spcAft>
+                <a:spcPts val="800"/>
+              </a:spcAft>
+            </a:pPr>
+            <a:r>
+              <a:rPr lang="cs-CZ" sz="1300" dirty="0">
+                <a:solidFill>
+                  <a:srgbClr val="000000"/>
+                </a:solidFill>
+                <a:effectLst/>
+                <a:latin typeface="Roboto Slab" pitchFamily="2" charset="0"/>
+                <a:ea typeface="Calibri" panose="020F0502020204030204" pitchFamily="34" charset="0"/>
+                <a:cs typeface="Times New Roman" panose="02020603050405020304" pitchFamily="18" charset="0"/>
+              </a:rPr>
+              <a:t>File:Microsoft Project (2019–</a:t>
+            </a:r>
+            <a:r>
+              <a:rPr lang="cs-CZ" sz="1300" dirty="0" err="1">
+                <a:solidFill>
+                  <a:srgbClr val="000000"/>
+                </a:solidFill>
+                <a:effectLst/>
+                <a:latin typeface="Roboto Slab" pitchFamily="2" charset="0"/>
+                <a:ea typeface="Calibri" panose="020F0502020204030204" pitchFamily="34" charset="0"/>
+                <a:cs typeface="Times New Roman" panose="02020603050405020304" pitchFamily="18" charset="0"/>
+              </a:rPr>
+              <a:t>present</a:t>
+            </a:r>
+            <a:r>
+              <a:rPr lang="cs-CZ" sz="1300" dirty="0">
+                <a:solidFill>
+                  <a:srgbClr val="000000"/>
+                </a:solidFill>
+                <a:effectLst/>
+                <a:latin typeface="Roboto Slab" pitchFamily="2" charset="0"/>
+                <a:ea typeface="Calibri" panose="020F0502020204030204" pitchFamily="34" charset="0"/>
+                <a:cs typeface="Times New Roman" panose="02020603050405020304" pitchFamily="18" charset="0"/>
+              </a:rPr>
+              <a:t>).</a:t>
+            </a:r>
+            <a:r>
+              <a:rPr lang="cs-CZ" sz="1300" dirty="0" err="1">
+                <a:solidFill>
+                  <a:srgbClr val="000000"/>
+                </a:solidFill>
+                <a:effectLst/>
+                <a:latin typeface="Roboto Slab" pitchFamily="2" charset="0"/>
+                <a:ea typeface="Calibri" panose="020F0502020204030204" pitchFamily="34" charset="0"/>
+                <a:cs typeface="Times New Roman" panose="02020603050405020304" pitchFamily="18" charset="0"/>
+              </a:rPr>
+              <a:t>svg</a:t>
+            </a:r>
+            <a:r>
+              <a:rPr lang="cs-CZ" sz="1300" dirty="0">
+                <a:solidFill>
+                  <a:srgbClr val="000000"/>
+                </a:solidFill>
+                <a:effectLst/>
+                <a:latin typeface="Roboto Slab" pitchFamily="2" charset="0"/>
+                <a:ea typeface="Calibri" panose="020F0502020204030204" pitchFamily="34" charset="0"/>
+                <a:cs typeface="Times New Roman" panose="02020603050405020304" pitchFamily="18" charset="0"/>
+              </a:rPr>
+              <a:t> - </a:t>
+            </a:r>
+            <a:r>
+              <a:rPr lang="cs-CZ" sz="1300" dirty="0" err="1">
+                <a:solidFill>
+                  <a:srgbClr val="000000"/>
+                </a:solidFill>
+                <a:effectLst/>
+                <a:latin typeface="Roboto Slab" pitchFamily="2" charset="0"/>
+                <a:ea typeface="Calibri" panose="020F0502020204030204" pitchFamily="34" charset="0"/>
+                <a:cs typeface="Times New Roman" panose="02020603050405020304" pitchFamily="18" charset="0"/>
+              </a:rPr>
+              <a:t>Wikimedia</a:t>
+            </a:r>
+            <a:r>
+              <a:rPr lang="cs-CZ" sz="1300" dirty="0">
+                <a:solidFill>
+                  <a:srgbClr val="000000"/>
+                </a:solidFill>
+                <a:effectLst/>
+                <a:latin typeface="Roboto Slab" pitchFamily="2" charset="0"/>
+                <a:ea typeface="Calibri" panose="020F0502020204030204" pitchFamily="34" charset="0"/>
+                <a:cs typeface="Times New Roman" panose="02020603050405020304" pitchFamily="18" charset="0"/>
+              </a:rPr>
+              <a:t> </a:t>
+            </a:r>
+            <a:r>
+              <a:rPr lang="cs-CZ" sz="1300" dirty="0" err="1">
+                <a:solidFill>
+                  <a:srgbClr val="000000"/>
+                </a:solidFill>
+                <a:effectLst/>
+                <a:latin typeface="Roboto Slab" pitchFamily="2" charset="0"/>
+                <a:ea typeface="Calibri" panose="020F0502020204030204" pitchFamily="34" charset="0"/>
+                <a:cs typeface="Times New Roman" panose="02020603050405020304" pitchFamily="18" charset="0"/>
+              </a:rPr>
+              <a:t>Commons</a:t>
+            </a:r>
+            <a:r>
+              <a:rPr lang="cs-CZ" sz="1300" dirty="0">
+                <a:solidFill>
+                  <a:srgbClr val="000000"/>
+                </a:solidFill>
+                <a:effectLst/>
+                <a:latin typeface="Roboto Slab" pitchFamily="2" charset="0"/>
+                <a:ea typeface="Calibri" panose="020F0502020204030204" pitchFamily="34" charset="0"/>
+                <a:cs typeface="Times New Roman" panose="02020603050405020304" pitchFamily="18" charset="0"/>
+              </a:rPr>
+              <a:t>. [online]. Dostupné z: </a:t>
+            </a:r>
+            <a:r>
+              <a:rPr lang="cs-CZ" sz="1300" u="none" strike="noStrike" dirty="0">
+                <a:solidFill>
+                  <a:srgbClr val="000000"/>
+                </a:solidFill>
+                <a:effectLst/>
+                <a:latin typeface="Roboto Slab" pitchFamily="2" charset="0"/>
+                <a:ea typeface="Calibri" panose="020F0502020204030204" pitchFamily="34" charset="0"/>
+                <a:cs typeface="Times New Roman" panose="02020603050405020304" pitchFamily="18" charset="0"/>
+                <a:hlinkClick r:id="rId6"/>
+              </a:rPr>
+              <a:t>https://commons.wikimedia.org/wiki/File:Microsoft_Project_(2019%E2%80%93present).svg</a:t>
+            </a:r>
+            <a:endParaRPr lang="cs-CZ" sz="1300" dirty="0">
+              <a:effectLst/>
+              <a:latin typeface="Calibri" panose="020F0502020204030204" pitchFamily="34" charset="0"/>
+              <a:ea typeface="Calibri" panose="020F0502020204030204" pitchFamily="34" charset="0"/>
+              <a:cs typeface="Times New Roman" panose="02020603050405020304" pitchFamily="18" charset="0"/>
+            </a:endParaRPr>
+          </a:p>
+          <a:p>
+            <a:pPr>
+              <a:lnSpc>
+                <a:spcPct val="107000"/>
+              </a:lnSpc>
+              <a:spcAft>
+                <a:spcPts val="800"/>
+              </a:spcAft>
+            </a:pPr>
+            <a:r>
+              <a:rPr lang="cs-CZ" sz="1300" dirty="0">
+                <a:solidFill>
+                  <a:srgbClr val="000000"/>
+                </a:solidFill>
+                <a:effectLst/>
+                <a:latin typeface="Roboto Slab" pitchFamily="2" charset="0"/>
+                <a:ea typeface="Calibri" panose="020F0502020204030204" pitchFamily="34" charset="0"/>
+                <a:cs typeface="Times New Roman" panose="02020603050405020304" pitchFamily="18" charset="0"/>
+              </a:rPr>
+              <a:t>SharePoint - Wikipedia. [online]. Dostupné z: </a:t>
+            </a:r>
+            <a:r>
+              <a:rPr lang="cs-CZ" sz="1300" u="none" strike="noStrike" dirty="0">
+                <a:solidFill>
+                  <a:srgbClr val="000000"/>
+                </a:solidFill>
+                <a:effectLst/>
+                <a:latin typeface="Roboto Slab" pitchFamily="2" charset="0"/>
+                <a:ea typeface="Calibri" panose="020F0502020204030204" pitchFamily="34" charset="0"/>
+                <a:cs typeface="Times New Roman" panose="02020603050405020304" pitchFamily="18" charset="0"/>
+                <a:hlinkClick r:id="rId7"/>
+              </a:rPr>
+              <a:t>https://en.wikipedia.org/wiki/SharePoint</a:t>
+            </a:r>
+            <a:endParaRPr lang="cs-CZ" sz="1300" dirty="0">
+              <a:effectLst/>
+              <a:latin typeface="Calibri" panose="020F0502020204030204" pitchFamily="34" charset="0"/>
+              <a:ea typeface="Calibri" panose="020F0502020204030204" pitchFamily="34" charset="0"/>
+              <a:cs typeface="Times New Roman" panose="02020603050405020304" pitchFamily="18" charset="0"/>
+            </a:endParaRPr>
+          </a:p>
+          <a:p>
+            <a:pPr>
+              <a:lnSpc>
+                <a:spcPct val="107000"/>
+              </a:lnSpc>
+              <a:spcAft>
+                <a:spcPts val="800"/>
+              </a:spcAft>
+            </a:pPr>
+            <a:r>
+              <a:rPr lang="cs-CZ" sz="1300" dirty="0">
+                <a:solidFill>
+                  <a:srgbClr val="000000"/>
+                </a:solidFill>
+                <a:effectLst/>
+                <a:latin typeface="Roboto Slab" pitchFamily="2" charset="0"/>
+                <a:ea typeface="Calibri" panose="020F0502020204030204" pitchFamily="34" charset="0"/>
+                <a:cs typeface="Times New Roman" panose="02020603050405020304" pitchFamily="18" charset="0"/>
+              </a:rPr>
+              <a:t>File:Microsoft Office SharePoint (2019–</a:t>
+            </a:r>
+            <a:r>
+              <a:rPr lang="cs-CZ" sz="1300" dirty="0" err="1">
+                <a:solidFill>
+                  <a:srgbClr val="000000"/>
+                </a:solidFill>
+                <a:effectLst/>
+                <a:latin typeface="Roboto Slab" pitchFamily="2" charset="0"/>
+                <a:ea typeface="Calibri" panose="020F0502020204030204" pitchFamily="34" charset="0"/>
+                <a:cs typeface="Times New Roman" panose="02020603050405020304" pitchFamily="18" charset="0"/>
+              </a:rPr>
+              <a:t>present</a:t>
+            </a:r>
+            <a:r>
+              <a:rPr lang="cs-CZ" sz="1300" dirty="0">
+                <a:solidFill>
+                  <a:srgbClr val="000000"/>
+                </a:solidFill>
+                <a:effectLst/>
+                <a:latin typeface="Roboto Slab" pitchFamily="2" charset="0"/>
+                <a:ea typeface="Calibri" panose="020F0502020204030204" pitchFamily="34" charset="0"/>
+                <a:cs typeface="Times New Roman" panose="02020603050405020304" pitchFamily="18" charset="0"/>
+              </a:rPr>
+              <a:t>).</a:t>
+            </a:r>
+            <a:r>
+              <a:rPr lang="cs-CZ" sz="1300" dirty="0" err="1">
+                <a:solidFill>
+                  <a:srgbClr val="000000"/>
+                </a:solidFill>
+                <a:effectLst/>
+                <a:latin typeface="Roboto Slab" pitchFamily="2" charset="0"/>
+                <a:ea typeface="Calibri" panose="020F0502020204030204" pitchFamily="34" charset="0"/>
+                <a:cs typeface="Times New Roman" panose="02020603050405020304" pitchFamily="18" charset="0"/>
+              </a:rPr>
+              <a:t>svg</a:t>
+            </a:r>
+            <a:r>
+              <a:rPr lang="cs-CZ" sz="1300" dirty="0">
+                <a:solidFill>
+                  <a:srgbClr val="000000"/>
+                </a:solidFill>
+                <a:effectLst/>
+                <a:latin typeface="Roboto Slab" pitchFamily="2" charset="0"/>
+                <a:ea typeface="Calibri" panose="020F0502020204030204" pitchFamily="34" charset="0"/>
+                <a:cs typeface="Times New Roman" panose="02020603050405020304" pitchFamily="18" charset="0"/>
+              </a:rPr>
+              <a:t> - Wikipedia. [online]. Dostupné z: </a:t>
+            </a:r>
+            <a:r>
+              <a:rPr lang="cs-CZ" sz="1300" u="none" strike="noStrike" dirty="0">
+                <a:solidFill>
+                  <a:srgbClr val="000000"/>
+                </a:solidFill>
+                <a:effectLst/>
+                <a:latin typeface="Roboto Slab" pitchFamily="2" charset="0"/>
+                <a:ea typeface="Calibri" panose="020F0502020204030204" pitchFamily="34" charset="0"/>
+                <a:cs typeface="Times New Roman" panose="02020603050405020304" pitchFamily="18" charset="0"/>
+                <a:hlinkClick r:id="rId8"/>
+              </a:rPr>
+              <a:t>https://en.wikipedia.org/wiki/File:Microsoft_Office_SharePoint_(2019%E2%80%93present).svg</a:t>
+            </a:r>
+            <a:endParaRPr lang="cs-CZ" sz="1300" dirty="0">
+              <a:effectLst/>
+              <a:latin typeface="Calibri" panose="020F0502020204030204" pitchFamily="34" charset="0"/>
+              <a:ea typeface="Calibri" panose="020F0502020204030204" pitchFamily="34" charset="0"/>
+              <a:cs typeface="Times New Roman" panose="02020603050405020304" pitchFamily="18" charset="0"/>
+            </a:endParaRPr>
+          </a:p>
+          <a:p>
+            <a:pPr>
+              <a:lnSpc>
+                <a:spcPct val="107000"/>
+              </a:lnSpc>
+              <a:spcAft>
+                <a:spcPts val="800"/>
+              </a:spcAft>
+            </a:pPr>
+            <a:r>
+              <a:rPr lang="cs-CZ" sz="1300" dirty="0">
+                <a:solidFill>
+                  <a:srgbClr val="000000"/>
+                </a:solidFill>
+                <a:effectLst/>
+                <a:latin typeface="Roboto Slab" pitchFamily="2" charset="0"/>
+                <a:ea typeface="Calibri" panose="020F0502020204030204" pitchFamily="34" charset="0"/>
+                <a:cs typeface="Times New Roman" panose="02020603050405020304" pitchFamily="18" charset="0"/>
+              </a:rPr>
+              <a:t>Microsoft Stream - Wikipedia. [online]. Dostupné z: </a:t>
+            </a:r>
+            <a:r>
+              <a:rPr lang="cs-CZ" sz="1300" u="none" strike="noStrike" dirty="0">
+                <a:solidFill>
+                  <a:srgbClr val="000000"/>
+                </a:solidFill>
+                <a:effectLst/>
+                <a:latin typeface="Roboto Slab" pitchFamily="2" charset="0"/>
+                <a:ea typeface="Calibri" panose="020F0502020204030204" pitchFamily="34" charset="0"/>
+                <a:cs typeface="Times New Roman" panose="02020603050405020304" pitchFamily="18" charset="0"/>
+                <a:hlinkClick r:id="rId9"/>
+              </a:rPr>
+              <a:t>https://en.wikipedia.org/wiki/Microsoft_Stream</a:t>
+            </a:r>
+            <a:endParaRPr lang="cs-CZ" sz="1300" dirty="0">
+              <a:effectLst/>
+              <a:latin typeface="Calibri" panose="020F0502020204030204" pitchFamily="34" charset="0"/>
+              <a:ea typeface="Calibri" panose="020F0502020204030204" pitchFamily="34" charset="0"/>
+              <a:cs typeface="Times New Roman" panose="02020603050405020304" pitchFamily="18" charset="0"/>
+            </a:endParaRPr>
+          </a:p>
+          <a:p>
+            <a:pPr>
+              <a:lnSpc>
+                <a:spcPct val="107000"/>
+              </a:lnSpc>
+              <a:spcAft>
+                <a:spcPts val="800"/>
+              </a:spcAft>
+            </a:pPr>
+            <a:r>
+              <a:rPr lang="cs-CZ" sz="1300" dirty="0">
+                <a:solidFill>
+                  <a:srgbClr val="000000"/>
+                </a:solidFill>
+                <a:effectLst/>
+                <a:latin typeface="Roboto Slab" pitchFamily="2" charset="0"/>
+                <a:ea typeface="Calibri" panose="020F0502020204030204" pitchFamily="34" charset="0"/>
+                <a:cs typeface="Times New Roman" panose="02020603050405020304" pitchFamily="18" charset="0"/>
+              </a:rPr>
+              <a:t>File:Microsoft </a:t>
+            </a:r>
+            <a:r>
+              <a:rPr lang="cs-CZ" sz="1300" dirty="0" err="1">
+                <a:solidFill>
+                  <a:srgbClr val="000000"/>
+                </a:solidFill>
+                <a:effectLst/>
+                <a:latin typeface="Roboto Slab" pitchFamily="2" charset="0"/>
+                <a:ea typeface="Calibri" panose="020F0502020204030204" pitchFamily="34" charset="0"/>
+                <a:cs typeface="Times New Roman" panose="02020603050405020304" pitchFamily="18" charset="0"/>
+              </a:rPr>
+              <a:t>Stream.svg</a:t>
+            </a:r>
+            <a:r>
+              <a:rPr lang="cs-CZ" sz="1300" dirty="0">
+                <a:solidFill>
+                  <a:srgbClr val="000000"/>
+                </a:solidFill>
+                <a:effectLst/>
+                <a:latin typeface="Roboto Slab" pitchFamily="2" charset="0"/>
+                <a:ea typeface="Calibri" panose="020F0502020204030204" pitchFamily="34" charset="0"/>
+                <a:cs typeface="Times New Roman" panose="02020603050405020304" pitchFamily="18" charset="0"/>
+              </a:rPr>
+              <a:t> - Wikipedia. [online]. Dostupné z: </a:t>
+            </a:r>
+            <a:r>
+              <a:rPr lang="cs-CZ" sz="1300" u="none" strike="noStrike" dirty="0">
+                <a:solidFill>
+                  <a:srgbClr val="000000"/>
+                </a:solidFill>
+                <a:effectLst/>
+                <a:latin typeface="Roboto Slab" pitchFamily="2" charset="0"/>
+                <a:ea typeface="Calibri" panose="020F0502020204030204" pitchFamily="34" charset="0"/>
+                <a:cs typeface="Times New Roman" panose="02020603050405020304" pitchFamily="18" charset="0"/>
+                <a:hlinkClick r:id="rId10"/>
+              </a:rPr>
+              <a:t>https://en.wikipedia.org/wiki/File:Microsoft_Stream.svg</a:t>
+            </a:r>
+            <a:endParaRPr lang="cs-CZ" sz="1300" dirty="0">
+              <a:effectLst/>
+              <a:latin typeface="Calibri" panose="020F0502020204030204" pitchFamily="34" charset="0"/>
+              <a:ea typeface="Calibri" panose="020F0502020204030204" pitchFamily="34" charset="0"/>
+              <a:cs typeface="Times New Roman" panose="02020603050405020304" pitchFamily="18" charset="0"/>
+            </a:endParaRPr>
+          </a:p>
+          <a:p>
+            <a:pPr>
+              <a:lnSpc>
+                <a:spcPct val="107000"/>
+              </a:lnSpc>
+              <a:spcAft>
+                <a:spcPts val="800"/>
+              </a:spcAft>
+            </a:pPr>
+            <a:r>
+              <a:rPr lang="cs-CZ" sz="1300" dirty="0" err="1">
+                <a:solidFill>
+                  <a:srgbClr val="000000"/>
+                </a:solidFill>
+                <a:effectLst/>
+                <a:latin typeface="Roboto Slab" pitchFamily="2" charset="0"/>
+                <a:ea typeface="Calibri" panose="020F0502020204030204" pitchFamily="34" charset="0"/>
+                <a:cs typeface="Times New Roman" panose="02020603050405020304" pitchFamily="18" charset="0"/>
+              </a:rPr>
+              <a:t>Yammer</a:t>
+            </a:r>
+            <a:r>
+              <a:rPr lang="cs-CZ" sz="1300" dirty="0">
+                <a:solidFill>
+                  <a:srgbClr val="000000"/>
+                </a:solidFill>
+                <a:effectLst/>
+                <a:latin typeface="Roboto Slab" pitchFamily="2" charset="0"/>
+                <a:ea typeface="Calibri" panose="020F0502020204030204" pitchFamily="34" charset="0"/>
+                <a:cs typeface="Times New Roman" panose="02020603050405020304" pitchFamily="18" charset="0"/>
+              </a:rPr>
+              <a:t> - Wikipedia. [online]. Dostupné z: </a:t>
+            </a:r>
+            <a:r>
+              <a:rPr lang="cs-CZ" sz="1300" u="none" strike="noStrike" dirty="0">
+                <a:solidFill>
+                  <a:srgbClr val="000000"/>
+                </a:solidFill>
+                <a:effectLst/>
+                <a:latin typeface="Roboto Slab" pitchFamily="2" charset="0"/>
+                <a:ea typeface="Calibri" panose="020F0502020204030204" pitchFamily="34" charset="0"/>
+                <a:cs typeface="Times New Roman" panose="02020603050405020304" pitchFamily="18" charset="0"/>
+                <a:hlinkClick r:id="rId11"/>
+              </a:rPr>
+              <a:t>https://en.wikipedia.org/wiki/Yammer</a:t>
+            </a:r>
+            <a:endParaRPr lang="cs-CZ" sz="1300" dirty="0">
+              <a:effectLst/>
+              <a:latin typeface="Calibri" panose="020F0502020204030204" pitchFamily="34" charset="0"/>
+              <a:ea typeface="Calibri" panose="020F0502020204030204" pitchFamily="34" charset="0"/>
+              <a:cs typeface="Times New Roman" panose="02020603050405020304" pitchFamily="18" charset="0"/>
+            </a:endParaRPr>
+          </a:p>
+          <a:p>
+            <a:pPr>
+              <a:lnSpc>
+                <a:spcPct val="107000"/>
+              </a:lnSpc>
+              <a:spcAft>
+                <a:spcPts val="800"/>
+              </a:spcAft>
+            </a:pPr>
+            <a:r>
+              <a:rPr lang="cs-CZ" sz="1300" dirty="0">
+                <a:solidFill>
+                  <a:srgbClr val="000000"/>
+                </a:solidFill>
+                <a:effectLst/>
+                <a:latin typeface="Roboto Slab" pitchFamily="2" charset="0"/>
+                <a:ea typeface="Calibri" panose="020F0502020204030204" pitchFamily="34" charset="0"/>
+                <a:cs typeface="Times New Roman" panose="02020603050405020304" pitchFamily="18" charset="0"/>
+              </a:rPr>
+              <a:t>File:Microsoft Office </a:t>
+            </a:r>
+            <a:r>
+              <a:rPr lang="cs-CZ" sz="1300" dirty="0" err="1">
+                <a:solidFill>
+                  <a:srgbClr val="000000"/>
+                </a:solidFill>
+                <a:effectLst/>
+                <a:latin typeface="Roboto Slab" pitchFamily="2" charset="0"/>
+                <a:ea typeface="Calibri" panose="020F0502020204030204" pitchFamily="34" charset="0"/>
+                <a:cs typeface="Times New Roman" panose="02020603050405020304" pitchFamily="18" charset="0"/>
+              </a:rPr>
+              <a:t>Yammer</a:t>
+            </a:r>
+            <a:r>
+              <a:rPr lang="cs-CZ" sz="1300" dirty="0">
+                <a:solidFill>
+                  <a:srgbClr val="000000"/>
+                </a:solidFill>
+                <a:effectLst/>
+                <a:latin typeface="Roboto Slab" pitchFamily="2" charset="0"/>
+                <a:ea typeface="Calibri" panose="020F0502020204030204" pitchFamily="34" charset="0"/>
+                <a:cs typeface="Times New Roman" panose="02020603050405020304" pitchFamily="18" charset="0"/>
+              </a:rPr>
+              <a:t> (2018–</a:t>
+            </a:r>
+            <a:r>
+              <a:rPr lang="cs-CZ" sz="1300" dirty="0" err="1">
+                <a:solidFill>
+                  <a:srgbClr val="000000"/>
+                </a:solidFill>
+                <a:effectLst/>
+                <a:latin typeface="Roboto Slab" pitchFamily="2" charset="0"/>
+                <a:ea typeface="Calibri" panose="020F0502020204030204" pitchFamily="34" charset="0"/>
+                <a:cs typeface="Times New Roman" panose="02020603050405020304" pitchFamily="18" charset="0"/>
+              </a:rPr>
+              <a:t>present</a:t>
+            </a:r>
+            <a:r>
+              <a:rPr lang="cs-CZ" sz="1300" dirty="0">
+                <a:solidFill>
+                  <a:srgbClr val="000000"/>
+                </a:solidFill>
+                <a:effectLst/>
+                <a:latin typeface="Roboto Slab" pitchFamily="2" charset="0"/>
+                <a:ea typeface="Calibri" panose="020F0502020204030204" pitchFamily="34" charset="0"/>
+                <a:cs typeface="Times New Roman" panose="02020603050405020304" pitchFamily="18" charset="0"/>
+              </a:rPr>
+              <a:t>).</a:t>
+            </a:r>
+            <a:r>
+              <a:rPr lang="cs-CZ" sz="1300" dirty="0" err="1">
+                <a:solidFill>
+                  <a:srgbClr val="000000"/>
+                </a:solidFill>
+                <a:effectLst/>
+                <a:latin typeface="Roboto Slab" pitchFamily="2" charset="0"/>
+                <a:ea typeface="Calibri" panose="020F0502020204030204" pitchFamily="34" charset="0"/>
+                <a:cs typeface="Times New Roman" panose="02020603050405020304" pitchFamily="18" charset="0"/>
+              </a:rPr>
+              <a:t>svg</a:t>
+            </a:r>
+            <a:r>
+              <a:rPr lang="cs-CZ" sz="1300" dirty="0">
+                <a:solidFill>
+                  <a:srgbClr val="000000"/>
+                </a:solidFill>
+                <a:effectLst/>
+                <a:latin typeface="Roboto Slab" pitchFamily="2" charset="0"/>
+                <a:ea typeface="Calibri" panose="020F0502020204030204" pitchFamily="34" charset="0"/>
+                <a:cs typeface="Times New Roman" panose="02020603050405020304" pitchFamily="18" charset="0"/>
+              </a:rPr>
+              <a:t> - Wikipedia. [online]. Dostupné z: </a:t>
+            </a:r>
+            <a:r>
+              <a:rPr lang="cs-CZ" sz="1300" u="none" strike="noStrike" dirty="0">
+                <a:solidFill>
+                  <a:srgbClr val="000000"/>
+                </a:solidFill>
+                <a:effectLst/>
+                <a:latin typeface="Roboto Slab" pitchFamily="2" charset="0"/>
+                <a:ea typeface="Calibri" panose="020F0502020204030204" pitchFamily="34" charset="0"/>
+                <a:cs typeface="Times New Roman" panose="02020603050405020304" pitchFamily="18" charset="0"/>
+                <a:hlinkClick r:id="rId12"/>
+              </a:rPr>
+              <a:t>https://en.wikipedia.org/wiki/File:Microsoft_Office_Yammer_(2018%E2%80%93present).svg</a:t>
+            </a:r>
+            <a:endParaRPr lang="cs-CZ" sz="1300" dirty="0">
+              <a:effectLst/>
+              <a:latin typeface="Calibri" panose="020F0502020204030204" pitchFamily="34" charset="0"/>
+              <a:ea typeface="Calibri" panose="020F0502020204030204" pitchFamily="34" charset="0"/>
+              <a:cs typeface="Times New Roman" panose="02020603050405020304" pitchFamily="18" charset="0"/>
+            </a:endParaRPr>
+          </a:p>
+          <a:p>
+            <a:pPr>
+              <a:lnSpc>
+                <a:spcPct val="107000"/>
+              </a:lnSpc>
+              <a:spcAft>
+                <a:spcPts val="800"/>
+              </a:spcAft>
+            </a:pPr>
+            <a:r>
+              <a:rPr lang="cs-CZ" sz="1300" dirty="0">
+                <a:solidFill>
+                  <a:srgbClr val="000000"/>
+                </a:solidFill>
+                <a:effectLst/>
+                <a:latin typeface="Roboto Slab" pitchFamily="2" charset="0"/>
+                <a:ea typeface="Calibri" panose="020F0502020204030204" pitchFamily="34" charset="0"/>
+                <a:cs typeface="Times New Roman" panose="02020603050405020304" pitchFamily="18" charset="0"/>
+              </a:rPr>
+              <a:t>Microsoft </a:t>
+            </a:r>
+            <a:r>
+              <a:rPr lang="cs-CZ" sz="1300" dirty="0" err="1">
+                <a:solidFill>
+                  <a:srgbClr val="000000"/>
+                </a:solidFill>
+                <a:effectLst/>
+                <a:latin typeface="Roboto Slab" pitchFamily="2" charset="0"/>
+                <a:ea typeface="Calibri" panose="020F0502020204030204" pitchFamily="34" charset="0"/>
+                <a:cs typeface="Times New Roman" panose="02020603050405020304" pitchFamily="18" charset="0"/>
+              </a:rPr>
+              <a:t>Forms</a:t>
+            </a:r>
+            <a:r>
+              <a:rPr lang="cs-CZ" sz="1300" dirty="0">
+                <a:solidFill>
+                  <a:srgbClr val="000000"/>
+                </a:solidFill>
+                <a:effectLst/>
+                <a:latin typeface="Roboto Slab" pitchFamily="2" charset="0"/>
+                <a:ea typeface="Calibri" panose="020F0502020204030204" pitchFamily="34" charset="0"/>
+                <a:cs typeface="Times New Roman" panose="02020603050405020304" pitchFamily="18" charset="0"/>
+              </a:rPr>
+              <a:t> - Wikipedia. [online]. Dostupné z: </a:t>
+            </a:r>
+            <a:r>
+              <a:rPr lang="cs-CZ" sz="1300" u="none" strike="noStrike" dirty="0">
+                <a:solidFill>
+                  <a:srgbClr val="000000"/>
+                </a:solidFill>
+                <a:effectLst/>
+                <a:latin typeface="Roboto Slab" pitchFamily="2" charset="0"/>
+                <a:ea typeface="Calibri" panose="020F0502020204030204" pitchFamily="34" charset="0"/>
+                <a:cs typeface="Times New Roman" panose="02020603050405020304" pitchFamily="18" charset="0"/>
+                <a:hlinkClick r:id="rId13"/>
+              </a:rPr>
+              <a:t>https://en.wikipedia.org/wiki/Microsoft_Forms</a:t>
+            </a:r>
+            <a:endParaRPr lang="cs-CZ" sz="1300" dirty="0">
+              <a:effectLst/>
+              <a:latin typeface="Calibri" panose="020F0502020204030204" pitchFamily="34" charset="0"/>
+              <a:ea typeface="Calibri" panose="020F0502020204030204" pitchFamily="34" charset="0"/>
+              <a:cs typeface="Times New Roman" panose="02020603050405020304" pitchFamily="18" charset="0"/>
+            </a:endParaRPr>
+          </a:p>
+          <a:p>
+            <a:pPr>
+              <a:lnSpc>
+                <a:spcPct val="107000"/>
+              </a:lnSpc>
+              <a:spcAft>
+                <a:spcPts val="800"/>
+              </a:spcAft>
+            </a:pPr>
+            <a:r>
+              <a:rPr lang="cs-CZ" sz="1300" dirty="0">
+                <a:solidFill>
+                  <a:srgbClr val="000000"/>
+                </a:solidFill>
+                <a:effectLst/>
+                <a:latin typeface="Roboto Slab" pitchFamily="2" charset="0"/>
+                <a:ea typeface="Calibri" panose="020F0502020204030204" pitchFamily="34" charset="0"/>
+                <a:cs typeface="Times New Roman" panose="02020603050405020304" pitchFamily="18" charset="0"/>
+              </a:rPr>
+              <a:t>File:Microsoft </a:t>
+            </a:r>
+            <a:r>
+              <a:rPr lang="cs-CZ" sz="1300" dirty="0" err="1">
+                <a:solidFill>
+                  <a:srgbClr val="000000"/>
+                </a:solidFill>
+                <a:effectLst/>
+                <a:latin typeface="Roboto Slab" pitchFamily="2" charset="0"/>
+                <a:ea typeface="Calibri" panose="020F0502020204030204" pitchFamily="34" charset="0"/>
+                <a:cs typeface="Times New Roman" panose="02020603050405020304" pitchFamily="18" charset="0"/>
+              </a:rPr>
+              <a:t>Forms</a:t>
+            </a:r>
+            <a:r>
+              <a:rPr lang="cs-CZ" sz="1300" dirty="0">
+                <a:solidFill>
+                  <a:srgbClr val="000000"/>
+                </a:solidFill>
+                <a:effectLst/>
+                <a:latin typeface="Roboto Slab" pitchFamily="2" charset="0"/>
+                <a:ea typeface="Calibri" panose="020F0502020204030204" pitchFamily="34" charset="0"/>
+                <a:cs typeface="Times New Roman" panose="02020603050405020304" pitchFamily="18" charset="0"/>
+              </a:rPr>
+              <a:t> (2019-present).</a:t>
+            </a:r>
+            <a:r>
+              <a:rPr lang="cs-CZ" sz="1300" dirty="0" err="1">
+                <a:solidFill>
+                  <a:srgbClr val="000000"/>
+                </a:solidFill>
+                <a:effectLst/>
+                <a:latin typeface="Roboto Slab" pitchFamily="2" charset="0"/>
+                <a:ea typeface="Calibri" panose="020F0502020204030204" pitchFamily="34" charset="0"/>
+                <a:cs typeface="Times New Roman" panose="02020603050405020304" pitchFamily="18" charset="0"/>
+              </a:rPr>
+              <a:t>svg</a:t>
+            </a:r>
+            <a:r>
+              <a:rPr lang="cs-CZ" sz="1300" dirty="0">
+                <a:solidFill>
+                  <a:srgbClr val="000000"/>
+                </a:solidFill>
+                <a:effectLst/>
+                <a:latin typeface="Roboto Slab" pitchFamily="2" charset="0"/>
+                <a:ea typeface="Calibri" panose="020F0502020204030204" pitchFamily="34" charset="0"/>
+                <a:cs typeface="Times New Roman" panose="02020603050405020304" pitchFamily="18" charset="0"/>
+              </a:rPr>
+              <a:t> - Wikipedia. [online]. Dostupné z: </a:t>
+            </a:r>
+            <a:r>
+              <a:rPr lang="cs-CZ" sz="1300" u="none" strike="noStrike" dirty="0">
+                <a:solidFill>
+                  <a:srgbClr val="000000"/>
+                </a:solidFill>
+                <a:effectLst/>
+                <a:latin typeface="Roboto Slab" pitchFamily="2" charset="0"/>
+                <a:ea typeface="Calibri" panose="020F0502020204030204" pitchFamily="34" charset="0"/>
+                <a:cs typeface="Times New Roman" panose="02020603050405020304" pitchFamily="18" charset="0"/>
+                <a:hlinkClick r:id="rId14"/>
+              </a:rPr>
+              <a:t>https://en.wikipedia.org/wiki/File:Microsoft_Forms_(2019-present).svg</a:t>
+            </a:r>
+            <a:endParaRPr lang="cs-CZ" sz="1300" dirty="0">
+              <a:effectLst/>
+              <a:latin typeface="Calibri" panose="020F0502020204030204" pitchFamily="34" charset="0"/>
+              <a:ea typeface="Calibri" panose="020F0502020204030204" pitchFamily="34" charset="0"/>
+              <a:cs typeface="Times New Roman" panose="02020603050405020304" pitchFamily="18" charset="0"/>
+            </a:endParaRPr>
+          </a:p>
+          <a:p>
+            <a:pPr>
+              <a:lnSpc>
+                <a:spcPct val="107000"/>
+              </a:lnSpc>
+              <a:spcAft>
+                <a:spcPts val="800"/>
+              </a:spcAft>
+            </a:pPr>
+            <a:r>
+              <a:rPr lang="cs-CZ" sz="1300" dirty="0">
+                <a:solidFill>
+                  <a:srgbClr val="000000"/>
+                </a:solidFill>
+                <a:effectLst/>
+                <a:latin typeface="Roboto Slab" pitchFamily="2" charset="0"/>
+                <a:ea typeface="Calibri" panose="020F0502020204030204" pitchFamily="34" charset="0"/>
+                <a:cs typeface="Times New Roman" panose="02020603050405020304" pitchFamily="18" charset="0"/>
+              </a:rPr>
+              <a:t>Microsoft </a:t>
+            </a:r>
+            <a:r>
+              <a:rPr lang="cs-CZ" sz="1300" dirty="0" err="1">
+                <a:solidFill>
+                  <a:srgbClr val="000000"/>
+                </a:solidFill>
+                <a:effectLst/>
+                <a:latin typeface="Roboto Slab" pitchFamily="2" charset="0"/>
+                <a:ea typeface="Calibri" panose="020F0502020204030204" pitchFamily="34" charset="0"/>
+                <a:cs typeface="Times New Roman" panose="02020603050405020304" pitchFamily="18" charset="0"/>
+              </a:rPr>
+              <a:t>Planner</a:t>
+            </a:r>
+            <a:r>
+              <a:rPr lang="cs-CZ" sz="1300" dirty="0">
+                <a:solidFill>
+                  <a:srgbClr val="000000"/>
+                </a:solidFill>
+                <a:effectLst/>
+                <a:latin typeface="Roboto Slab" pitchFamily="2" charset="0"/>
+                <a:ea typeface="Calibri" panose="020F0502020204030204" pitchFamily="34" charset="0"/>
+                <a:cs typeface="Times New Roman" panose="02020603050405020304" pitchFamily="18" charset="0"/>
+              </a:rPr>
+              <a:t> - Wikipedia. [online]. Dostupné z: </a:t>
+            </a:r>
+            <a:r>
+              <a:rPr lang="cs-CZ" sz="1300" u="none" strike="noStrike" dirty="0">
+                <a:solidFill>
+                  <a:srgbClr val="000000"/>
+                </a:solidFill>
+                <a:effectLst/>
+                <a:latin typeface="Roboto Slab" pitchFamily="2" charset="0"/>
+                <a:ea typeface="Calibri" panose="020F0502020204030204" pitchFamily="34" charset="0"/>
+                <a:cs typeface="Times New Roman" panose="02020603050405020304" pitchFamily="18" charset="0"/>
+                <a:hlinkClick r:id="rId15"/>
+              </a:rPr>
+              <a:t>https://en.wikipedia.org/wiki/Microsoft_Planner</a:t>
+            </a:r>
+            <a:endParaRPr lang="cs-CZ" sz="1300" dirty="0">
+              <a:effectLst/>
+              <a:latin typeface="Calibri" panose="020F0502020204030204" pitchFamily="34" charset="0"/>
+              <a:ea typeface="Calibri" panose="020F0502020204030204" pitchFamily="34" charset="0"/>
+              <a:cs typeface="Times New Roman" panose="02020603050405020304" pitchFamily="18" charset="0"/>
+            </a:endParaRPr>
+          </a:p>
+          <a:p>
+            <a:pPr>
+              <a:lnSpc>
+                <a:spcPct val="107000"/>
+              </a:lnSpc>
+              <a:spcAft>
+                <a:spcPts val="800"/>
+              </a:spcAft>
+            </a:pPr>
+            <a:r>
+              <a:rPr lang="cs-CZ" sz="1300" dirty="0">
+                <a:solidFill>
+                  <a:srgbClr val="000000"/>
+                </a:solidFill>
+                <a:effectLst/>
+                <a:latin typeface="Roboto Slab" pitchFamily="2" charset="0"/>
+                <a:ea typeface="Calibri" panose="020F0502020204030204" pitchFamily="34" charset="0"/>
+                <a:cs typeface="Times New Roman" panose="02020603050405020304" pitchFamily="18" charset="0"/>
+              </a:rPr>
+              <a:t>File:Microsoft </a:t>
+            </a:r>
+            <a:r>
+              <a:rPr lang="cs-CZ" sz="1300" dirty="0" err="1">
+                <a:solidFill>
+                  <a:srgbClr val="000000"/>
+                </a:solidFill>
+                <a:effectLst/>
+                <a:latin typeface="Roboto Slab" pitchFamily="2" charset="0"/>
+                <a:ea typeface="Calibri" panose="020F0502020204030204" pitchFamily="34" charset="0"/>
+                <a:cs typeface="Times New Roman" panose="02020603050405020304" pitchFamily="18" charset="0"/>
+              </a:rPr>
+              <a:t>Planner</a:t>
+            </a:r>
+            <a:r>
+              <a:rPr lang="cs-CZ" sz="1300" dirty="0">
+                <a:solidFill>
+                  <a:srgbClr val="000000"/>
+                </a:solidFill>
+                <a:effectLst/>
+                <a:latin typeface="Roboto Slab" pitchFamily="2" charset="0"/>
+                <a:ea typeface="Calibri" panose="020F0502020204030204" pitchFamily="34" charset="0"/>
+                <a:cs typeface="Times New Roman" panose="02020603050405020304" pitchFamily="18" charset="0"/>
+              </a:rPr>
+              <a:t> (2019–</a:t>
+            </a:r>
+            <a:r>
+              <a:rPr lang="cs-CZ" sz="1300" dirty="0" err="1">
+                <a:solidFill>
+                  <a:srgbClr val="000000"/>
+                </a:solidFill>
+                <a:effectLst/>
+                <a:latin typeface="Roboto Slab" pitchFamily="2" charset="0"/>
+                <a:ea typeface="Calibri" panose="020F0502020204030204" pitchFamily="34" charset="0"/>
+                <a:cs typeface="Times New Roman" panose="02020603050405020304" pitchFamily="18" charset="0"/>
+              </a:rPr>
+              <a:t>present</a:t>
+            </a:r>
+            <a:r>
+              <a:rPr lang="cs-CZ" sz="1300" dirty="0">
+                <a:solidFill>
+                  <a:srgbClr val="000000"/>
+                </a:solidFill>
+                <a:effectLst/>
+                <a:latin typeface="Roboto Slab" pitchFamily="2" charset="0"/>
+                <a:ea typeface="Calibri" panose="020F0502020204030204" pitchFamily="34" charset="0"/>
+                <a:cs typeface="Times New Roman" panose="02020603050405020304" pitchFamily="18" charset="0"/>
+              </a:rPr>
+              <a:t>).</a:t>
+            </a:r>
+            <a:r>
+              <a:rPr lang="cs-CZ" sz="1300" dirty="0" err="1">
+                <a:solidFill>
+                  <a:srgbClr val="000000"/>
+                </a:solidFill>
+                <a:effectLst/>
+                <a:latin typeface="Roboto Slab" pitchFamily="2" charset="0"/>
+                <a:ea typeface="Calibri" panose="020F0502020204030204" pitchFamily="34" charset="0"/>
+                <a:cs typeface="Times New Roman" panose="02020603050405020304" pitchFamily="18" charset="0"/>
+              </a:rPr>
+              <a:t>svg</a:t>
+            </a:r>
+            <a:r>
+              <a:rPr lang="cs-CZ" sz="1300" dirty="0">
+                <a:solidFill>
+                  <a:srgbClr val="000000"/>
+                </a:solidFill>
+                <a:effectLst/>
+                <a:latin typeface="Roboto Slab" pitchFamily="2" charset="0"/>
+                <a:ea typeface="Calibri" panose="020F0502020204030204" pitchFamily="34" charset="0"/>
+                <a:cs typeface="Times New Roman" panose="02020603050405020304" pitchFamily="18" charset="0"/>
+              </a:rPr>
+              <a:t> - Wikipedia. [online]. Dostupné z: </a:t>
+            </a:r>
+            <a:r>
+              <a:rPr lang="cs-CZ" sz="1300" u="none" strike="noStrike" dirty="0">
+                <a:solidFill>
+                  <a:srgbClr val="000000"/>
+                </a:solidFill>
+                <a:effectLst/>
+                <a:latin typeface="Roboto Slab" pitchFamily="2" charset="0"/>
+                <a:ea typeface="Calibri" panose="020F0502020204030204" pitchFamily="34" charset="0"/>
+                <a:cs typeface="Times New Roman" panose="02020603050405020304" pitchFamily="18" charset="0"/>
+                <a:hlinkClick r:id="rId16"/>
+              </a:rPr>
+              <a:t>https://en.wikipedia.org/wiki/File:Microsoft_Planner_(2019%E2%80%93present).svg</a:t>
+            </a:r>
+            <a:endParaRPr lang="cs-CZ" sz="1300" dirty="0">
+              <a:effectLst/>
+              <a:latin typeface="Calibri" panose="020F0502020204030204" pitchFamily="34" charset="0"/>
+              <a:ea typeface="Calibri" panose="020F0502020204030204" pitchFamily="34" charset="0"/>
+              <a:cs typeface="Times New Roman" panose="02020603050405020304" pitchFamily="18" charset="0"/>
+            </a:endParaRPr>
+          </a:p>
+        </p:txBody>
+      </p:sp>
+    </p:spTree>
+    <p:extLst>
+      <p:ext uri="{BB962C8B-B14F-4D97-AF65-F5344CB8AC3E}">
+        <p14:creationId xmlns:p14="http://schemas.microsoft.com/office/powerpoint/2010/main" val="1735343142"/>
+      </p:ext>
+    </p:extLst>
+  </p:cSld>
+  <p:clrMapOvr>
+    <a:masterClrMapping/>
+  </p:clrMapOvr>
+</p:sld>
+</file>
+
+<file path=ppt/slides/slide21.xml><?xml version="1.0" encoding="utf-8"?>
+<p:sld xmlns:a="http://schemas.openxmlformats.org/drawingml/2006/main" xmlns:r="http://schemas.openxmlformats.org/officeDocument/2006/relationships" xmlns:p="http://schemas.openxmlformats.org/presentationml/2006/main">
+  <p:cSld>
+    <p:spTree>
+      <p:nvGrpSpPr>
+        <p:cNvPr id="1" name=""/>
+        <p:cNvGrpSpPr/>
+        <p:nvPr/>
+      </p:nvGrpSpPr>
+      <p:grpSpPr>
+        <a:xfrm>
+          <a:off x="0" y="0"/>
+          <a:ext cx="0" cy="0"/>
+          <a:chOff x="0" y="0"/>
+          <a:chExt cx="0" cy="0"/>
+        </a:xfrm>
+      </p:grpSpPr>
+      <p:sp>
+        <p:nvSpPr>
+          <p:cNvPr id="3" name="TextovéPole 2">
+            <a:extLst>
+              <a:ext uri="{FF2B5EF4-FFF2-40B4-BE49-F238E27FC236}">
+                <a16:creationId xmlns:a16="http://schemas.microsoft.com/office/drawing/2014/main" id="{7507A2A0-511B-11B8-4099-82A48888DFB8}"/>
+              </a:ext>
+            </a:extLst>
+          </p:cNvPr>
+          <p:cNvSpPr txBox="1"/>
+          <p:nvPr/>
+        </p:nvSpPr>
+        <p:spPr>
+          <a:xfrm>
+            <a:off x="345056" y="580036"/>
+            <a:ext cx="10955548" cy="3685368"/>
+          </a:xfrm>
+          <a:prstGeom prst="rect">
+            <a:avLst/>
+          </a:prstGeom>
+          <a:noFill/>
+        </p:spPr>
+        <p:txBody>
+          <a:bodyPr wrap="square">
+            <a:spAutoFit/>
+          </a:bodyPr>
+          <a:lstStyle/>
+          <a:p>
+            <a:pPr>
+              <a:lnSpc>
+                <a:spcPct val="107000"/>
+              </a:lnSpc>
+              <a:spcAft>
+                <a:spcPts val="800"/>
+              </a:spcAft>
+            </a:pPr>
+            <a:r>
+              <a:rPr lang="cs-CZ" sz="1300" dirty="0">
+                <a:solidFill>
+                  <a:srgbClr val="000000"/>
+                </a:solidFill>
+                <a:effectLst/>
+                <a:latin typeface="Roboto Slab" pitchFamily="2" charset="0"/>
+                <a:ea typeface="Calibri" panose="020F0502020204030204" pitchFamily="34" charset="0"/>
+                <a:cs typeface="Times New Roman" panose="02020603050405020304" pitchFamily="18" charset="0"/>
+              </a:rPr>
+              <a:t>Microsoft To Do - Wikipedia. [online]. Dostupné z: </a:t>
+            </a:r>
+            <a:r>
+              <a:rPr lang="cs-CZ" sz="1300" u="none" strike="noStrike" dirty="0">
+                <a:solidFill>
+                  <a:srgbClr val="000000"/>
+                </a:solidFill>
+                <a:effectLst/>
+                <a:latin typeface="Roboto Slab" pitchFamily="2" charset="0"/>
+                <a:ea typeface="Calibri" panose="020F0502020204030204" pitchFamily="34" charset="0"/>
+                <a:cs typeface="Times New Roman" panose="02020603050405020304" pitchFamily="18" charset="0"/>
+                <a:hlinkClick r:id="rId2"/>
+              </a:rPr>
+              <a:t>https://en.wikipedia.org/wiki/Microsoft_To_Do</a:t>
+            </a:r>
+            <a:endParaRPr lang="cs-CZ" sz="1300" dirty="0">
+              <a:effectLst/>
+              <a:latin typeface="Calibri" panose="020F0502020204030204" pitchFamily="34" charset="0"/>
+              <a:ea typeface="Calibri" panose="020F0502020204030204" pitchFamily="34" charset="0"/>
+              <a:cs typeface="Times New Roman" panose="02020603050405020304" pitchFamily="18" charset="0"/>
+            </a:endParaRPr>
+          </a:p>
+          <a:p>
+            <a:pPr>
+              <a:lnSpc>
+                <a:spcPct val="107000"/>
+              </a:lnSpc>
+              <a:spcAft>
+                <a:spcPts val="800"/>
+              </a:spcAft>
+            </a:pPr>
+            <a:r>
+              <a:rPr lang="cs-CZ" sz="1300" dirty="0">
+                <a:solidFill>
+                  <a:srgbClr val="000000"/>
+                </a:solidFill>
+                <a:effectLst/>
+                <a:latin typeface="Roboto Slab" pitchFamily="2" charset="0"/>
+                <a:ea typeface="Calibri" panose="020F0502020204030204" pitchFamily="34" charset="0"/>
+                <a:cs typeface="Times New Roman" panose="02020603050405020304" pitchFamily="18" charset="0"/>
+              </a:rPr>
+              <a:t>File:Microsoft To-Do </a:t>
+            </a:r>
+            <a:r>
+              <a:rPr lang="cs-CZ" sz="1300" dirty="0" err="1">
+                <a:solidFill>
+                  <a:srgbClr val="000000"/>
+                </a:solidFill>
+                <a:effectLst/>
+                <a:latin typeface="Roboto Slab" pitchFamily="2" charset="0"/>
+                <a:ea typeface="Calibri" panose="020F0502020204030204" pitchFamily="34" charset="0"/>
+                <a:cs typeface="Times New Roman" panose="02020603050405020304" pitchFamily="18" charset="0"/>
+              </a:rPr>
+              <a:t>icon.svg</a:t>
+            </a:r>
+            <a:r>
+              <a:rPr lang="cs-CZ" sz="1300" dirty="0">
+                <a:solidFill>
+                  <a:srgbClr val="000000"/>
+                </a:solidFill>
+                <a:effectLst/>
+                <a:latin typeface="Roboto Slab" pitchFamily="2" charset="0"/>
+                <a:ea typeface="Calibri" panose="020F0502020204030204" pitchFamily="34" charset="0"/>
+                <a:cs typeface="Times New Roman" panose="02020603050405020304" pitchFamily="18" charset="0"/>
+              </a:rPr>
+              <a:t> - Wikipedia. [online]. Dostupné z: </a:t>
+            </a:r>
+            <a:r>
+              <a:rPr lang="cs-CZ" sz="1300" u="none" strike="noStrike" dirty="0">
+                <a:solidFill>
+                  <a:srgbClr val="000000"/>
+                </a:solidFill>
+                <a:effectLst/>
+                <a:latin typeface="Roboto Slab" pitchFamily="2" charset="0"/>
+                <a:ea typeface="Calibri" panose="020F0502020204030204" pitchFamily="34" charset="0"/>
+                <a:cs typeface="Times New Roman" panose="02020603050405020304" pitchFamily="18" charset="0"/>
+                <a:hlinkClick r:id="rId3"/>
+              </a:rPr>
+              <a:t>https://en.wikipedia.org/wiki/File:Microsoft_To-Do_icon.svg</a:t>
+            </a:r>
+            <a:endParaRPr lang="cs-CZ" sz="1300" dirty="0">
+              <a:effectLst/>
+              <a:latin typeface="Calibri" panose="020F0502020204030204" pitchFamily="34" charset="0"/>
+              <a:ea typeface="Calibri" panose="020F0502020204030204" pitchFamily="34" charset="0"/>
+              <a:cs typeface="Times New Roman" panose="02020603050405020304" pitchFamily="18" charset="0"/>
+            </a:endParaRPr>
+          </a:p>
+          <a:p>
+            <a:pPr>
+              <a:lnSpc>
+                <a:spcPct val="107000"/>
+              </a:lnSpc>
+              <a:spcAft>
+                <a:spcPts val="800"/>
+              </a:spcAft>
+            </a:pPr>
+            <a:r>
+              <a:rPr lang="cs-CZ" sz="1300" dirty="0">
+                <a:solidFill>
+                  <a:srgbClr val="000000"/>
+                </a:solidFill>
+                <a:effectLst/>
+                <a:latin typeface="Roboto Slab" pitchFamily="2" charset="0"/>
+                <a:ea typeface="Calibri" panose="020F0502020204030204" pitchFamily="34" charset="0"/>
+                <a:cs typeface="Times New Roman" panose="02020603050405020304" pitchFamily="18" charset="0"/>
+              </a:rPr>
+              <a:t>Skype - Wikipedia. [online]. Dostupné z: </a:t>
+            </a:r>
+            <a:r>
+              <a:rPr lang="cs-CZ" sz="1300" u="none" strike="noStrike" dirty="0">
+                <a:solidFill>
+                  <a:srgbClr val="000000"/>
+                </a:solidFill>
+                <a:effectLst/>
+                <a:latin typeface="Roboto Slab" pitchFamily="2" charset="0"/>
+                <a:ea typeface="Calibri" panose="020F0502020204030204" pitchFamily="34" charset="0"/>
+                <a:cs typeface="Times New Roman" panose="02020603050405020304" pitchFamily="18" charset="0"/>
+                <a:hlinkClick r:id="rId4"/>
+              </a:rPr>
+              <a:t>https://en.wikipedia.org/wiki/Skype</a:t>
+            </a:r>
+            <a:endParaRPr lang="cs-CZ" sz="1300" dirty="0">
+              <a:effectLst/>
+              <a:latin typeface="Calibri" panose="020F0502020204030204" pitchFamily="34" charset="0"/>
+              <a:ea typeface="Calibri" panose="020F0502020204030204" pitchFamily="34" charset="0"/>
+              <a:cs typeface="Times New Roman" panose="02020603050405020304" pitchFamily="18" charset="0"/>
+            </a:endParaRPr>
+          </a:p>
+          <a:p>
+            <a:pPr>
+              <a:lnSpc>
+                <a:spcPct val="107000"/>
+              </a:lnSpc>
+              <a:spcAft>
+                <a:spcPts val="800"/>
+              </a:spcAft>
+            </a:pPr>
+            <a:r>
+              <a:rPr lang="cs-CZ" sz="1300" dirty="0">
+                <a:solidFill>
+                  <a:srgbClr val="000000"/>
+                </a:solidFill>
+                <a:effectLst/>
+                <a:latin typeface="Roboto Slab" pitchFamily="2" charset="0"/>
+                <a:ea typeface="Calibri" panose="020F0502020204030204" pitchFamily="34" charset="0"/>
+                <a:cs typeface="Times New Roman" panose="02020603050405020304" pitchFamily="18" charset="0"/>
+              </a:rPr>
+              <a:t>File:Skype logo (2019–</a:t>
+            </a:r>
+            <a:r>
+              <a:rPr lang="cs-CZ" sz="1300" dirty="0" err="1">
+                <a:solidFill>
+                  <a:srgbClr val="000000"/>
+                </a:solidFill>
+                <a:effectLst/>
+                <a:latin typeface="Roboto Slab" pitchFamily="2" charset="0"/>
+                <a:ea typeface="Calibri" panose="020F0502020204030204" pitchFamily="34" charset="0"/>
+                <a:cs typeface="Times New Roman" panose="02020603050405020304" pitchFamily="18" charset="0"/>
+              </a:rPr>
+              <a:t>present</a:t>
+            </a:r>
+            <a:r>
+              <a:rPr lang="cs-CZ" sz="1300" dirty="0">
+                <a:solidFill>
+                  <a:srgbClr val="000000"/>
+                </a:solidFill>
+                <a:effectLst/>
+                <a:latin typeface="Roboto Slab" pitchFamily="2" charset="0"/>
+                <a:ea typeface="Calibri" panose="020F0502020204030204" pitchFamily="34" charset="0"/>
+                <a:cs typeface="Times New Roman" panose="02020603050405020304" pitchFamily="18" charset="0"/>
+              </a:rPr>
+              <a:t>).</a:t>
+            </a:r>
+            <a:r>
+              <a:rPr lang="cs-CZ" sz="1300" dirty="0" err="1">
+                <a:solidFill>
+                  <a:srgbClr val="000000"/>
+                </a:solidFill>
+                <a:effectLst/>
+                <a:latin typeface="Roboto Slab" pitchFamily="2" charset="0"/>
+                <a:ea typeface="Calibri" panose="020F0502020204030204" pitchFamily="34" charset="0"/>
+                <a:cs typeface="Times New Roman" panose="02020603050405020304" pitchFamily="18" charset="0"/>
+              </a:rPr>
+              <a:t>svg</a:t>
+            </a:r>
+            <a:r>
+              <a:rPr lang="cs-CZ" sz="1300" dirty="0">
+                <a:solidFill>
+                  <a:srgbClr val="000000"/>
+                </a:solidFill>
+                <a:effectLst/>
+                <a:latin typeface="Roboto Slab" pitchFamily="2" charset="0"/>
+                <a:ea typeface="Calibri" panose="020F0502020204030204" pitchFamily="34" charset="0"/>
+                <a:cs typeface="Times New Roman" panose="02020603050405020304" pitchFamily="18" charset="0"/>
+              </a:rPr>
+              <a:t> - Wikipedia. [online]. Dostupné z: </a:t>
+            </a:r>
+            <a:r>
+              <a:rPr lang="cs-CZ" sz="1300" u="none" strike="noStrike" dirty="0">
+                <a:solidFill>
+                  <a:srgbClr val="000000"/>
+                </a:solidFill>
+                <a:effectLst/>
+                <a:latin typeface="Roboto Slab" pitchFamily="2" charset="0"/>
+                <a:ea typeface="Calibri" panose="020F0502020204030204" pitchFamily="34" charset="0"/>
+                <a:cs typeface="Times New Roman" panose="02020603050405020304" pitchFamily="18" charset="0"/>
+                <a:hlinkClick r:id="rId5"/>
+              </a:rPr>
+              <a:t>https://en.wikipedia.org/wiki/File:Skype_logo_(2019%E2%80%93present).svg</a:t>
+            </a:r>
+            <a:endParaRPr lang="cs-CZ" sz="1300" dirty="0">
+              <a:effectLst/>
+              <a:latin typeface="Calibri" panose="020F0502020204030204" pitchFamily="34" charset="0"/>
+              <a:ea typeface="Calibri" panose="020F0502020204030204" pitchFamily="34" charset="0"/>
+              <a:cs typeface="Times New Roman" panose="02020603050405020304" pitchFamily="18" charset="0"/>
+            </a:endParaRPr>
+          </a:p>
+          <a:p>
+            <a:pPr>
+              <a:lnSpc>
+                <a:spcPct val="107000"/>
+              </a:lnSpc>
+              <a:spcAft>
+                <a:spcPts val="800"/>
+              </a:spcAft>
+            </a:pPr>
+            <a:r>
+              <a:rPr lang="cs-CZ" sz="1300" dirty="0">
+                <a:solidFill>
+                  <a:srgbClr val="000000"/>
+                </a:solidFill>
+                <a:effectLst/>
+                <a:latin typeface="Roboto Slab" pitchFamily="2" charset="0"/>
+                <a:ea typeface="Calibri" panose="020F0502020204030204" pitchFamily="34" charset="0"/>
+                <a:cs typeface="Times New Roman" panose="02020603050405020304" pitchFamily="18" charset="0"/>
+              </a:rPr>
+              <a:t>Microsoft Publisher – Wikipedie. [online]. Dostupné z: </a:t>
+            </a:r>
+            <a:r>
+              <a:rPr lang="cs-CZ" sz="1300" u="none" strike="noStrike" dirty="0">
+                <a:solidFill>
+                  <a:srgbClr val="000000"/>
+                </a:solidFill>
+                <a:effectLst/>
+                <a:latin typeface="Roboto Slab" pitchFamily="2" charset="0"/>
+                <a:ea typeface="Calibri" panose="020F0502020204030204" pitchFamily="34" charset="0"/>
+                <a:cs typeface="Times New Roman" panose="02020603050405020304" pitchFamily="18" charset="0"/>
+                <a:hlinkClick r:id="rId6"/>
+              </a:rPr>
+              <a:t>https://cs.wikipedia.org/wiki/Microsoft_Publisher</a:t>
+            </a:r>
+            <a:endParaRPr lang="cs-CZ" sz="1300" dirty="0">
+              <a:effectLst/>
+              <a:latin typeface="Calibri" panose="020F0502020204030204" pitchFamily="34" charset="0"/>
+              <a:ea typeface="Calibri" panose="020F0502020204030204" pitchFamily="34" charset="0"/>
+              <a:cs typeface="Times New Roman" panose="02020603050405020304" pitchFamily="18" charset="0"/>
+            </a:endParaRPr>
+          </a:p>
+          <a:p>
+            <a:pPr>
+              <a:lnSpc>
+                <a:spcPct val="107000"/>
+              </a:lnSpc>
+              <a:spcAft>
+                <a:spcPts val="800"/>
+              </a:spcAft>
+            </a:pPr>
+            <a:r>
+              <a:rPr lang="cs-CZ" sz="1300" dirty="0">
+                <a:solidFill>
+                  <a:srgbClr val="000000"/>
+                </a:solidFill>
+                <a:effectLst/>
+                <a:latin typeface="Roboto Slab" pitchFamily="2" charset="0"/>
+                <a:ea typeface="Calibri" panose="020F0502020204030204" pitchFamily="34" charset="0"/>
+                <a:cs typeface="Times New Roman" panose="02020603050405020304" pitchFamily="18" charset="0"/>
+              </a:rPr>
+              <a:t>File:Microsoft Office Publisher (2019-present).</a:t>
+            </a:r>
+            <a:r>
+              <a:rPr lang="cs-CZ" sz="1300" dirty="0" err="1">
+                <a:solidFill>
+                  <a:srgbClr val="000000"/>
+                </a:solidFill>
+                <a:effectLst/>
+                <a:latin typeface="Roboto Slab" pitchFamily="2" charset="0"/>
+                <a:ea typeface="Calibri" panose="020F0502020204030204" pitchFamily="34" charset="0"/>
+                <a:cs typeface="Times New Roman" panose="02020603050405020304" pitchFamily="18" charset="0"/>
+              </a:rPr>
+              <a:t>svg</a:t>
+            </a:r>
+            <a:r>
+              <a:rPr lang="cs-CZ" sz="1300" dirty="0">
+                <a:solidFill>
+                  <a:srgbClr val="000000"/>
+                </a:solidFill>
+                <a:effectLst/>
+                <a:latin typeface="Roboto Slab" pitchFamily="2" charset="0"/>
+                <a:ea typeface="Calibri" panose="020F0502020204030204" pitchFamily="34" charset="0"/>
+                <a:cs typeface="Times New Roman" panose="02020603050405020304" pitchFamily="18" charset="0"/>
+              </a:rPr>
+              <a:t> - </a:t>
+            </a:r>
+            <a:r>
+              <a:rPr lang="cs-CZ" sz="1300" dirty="0" err="1">
+                <a:solidFill>
+                  <a:srgbClr val="000000"/>
+                </a:solidFill>
+                <a:effectLst/>
+                <a:latin typeface="Roboto Slab" pitchFamily="2" charset="0"/>
+                <a:ea typeface="Calibri" panose="020F0502020204030204" pitchFamily="34" charset="0"/>
+                <a:cs typeface="Times New Roman" panose="02020603050405020304" pitchFamily="18" charset="0"/>
+              </a:rPr>
+              <a:t>Wikimedia</a:t>
+            </a:r>
+            <a:r>
+              <a:rPr lang="cs-CZ" sz="1300" dirty="0">
+                <a:solidFill>
+                  <a:srgbClr val="000000"/>
+                </a:solidFill>
+                <a:effectLst/>
+                <a:latin typeface="Roboto Slab" pitchFamily="2" charset="0"/>
+                <a:ea typeface="Calibri" panose="020F0502020204030204" pitchFamily="34" charset="0"/>
+                <a:cs typeface="Times New Roman" panose="02020603050405020304" pitchFamily="18" charset="0"/>
+              </a:rPr>
+              <a:t> </a:t>
+            </a:r>
+            <a:r>
+              <a:rPr lang="cs-CZ" sz="1300" dirty="0" err="1">
+                <a:solidFill>
+                  <a:srgbClr val="000000"/>
+                </a:solidFill>
+                <a:effectLst/>
+                <a:latin typeface="Roboto Slab" pitchFamily="2" charset="0"/>
+                <a:ea typeface="Calibri" panose="020F0502020204030204" pitchFamily="34" charset="0"/>
+                <a:cs typeface="Times New Roman" panose="02020603050405020304" pitchFamily="18" charset="0"/>
+              </a:rPr>
+              <a:t>Commons</a:t>
+            </a:r>
+            <a:r>
+              <a:rPr lang="cs-CZ" sz="1300" dirty="0">
+                <a:solidFill>
+                  <a:srgbClr val="000000"/>
+                </a:solidFill>
+                <a:effectLst/>
+                <a:latin typeface="Roboto Slab" pitchFamily="2" charset="0"/>
+                <a:ea typeface="Calibri" panose="020F0502020204030204" pitchFamily="34" charset="0"/>
+                <a:cs typeface="Times New Roman" panose="02020603050405020304" pitchFamily="18" charset="0"/>
+              </a:rPr>
+              <a:t>. [online]. Dostupné z: </a:t>
+            </a:r>
+            <a:r>
+              <a:rPr lang="cs-CZ" sz="1300" u="none" strike="noStrike" dirty="0">
+                <a:solidFill>
+                  <a:srgbClr val="000000"/>
+                </a:solidFill>
+                <a:effectLst/>
+                <a:latin typeface="Roboto Slab" pitchFamily="2" charset="0"/>
+                <a:ea typeface="Calibri" panose="020F0502020204030204" pitchFamily="34" charset="0"/>
+                <a:cs typeface="Times New Roman" panose="02020603050405020304" pitchFamily="18" charset="0"/>
+                <a:hlinkClick r:id="rId7"/>
+              </a:rPr>
+              <a:t>https://commons.wikimedia.org/wiki/File:Microsoft_Office_Publisher_(2019-present).svg</a:t>
+            </a:r>
+            <a:endParaRPr lang="cs-CZ" sz="1300" dirty="0">
+              <a:effectLst/>
+              <a:latin typeface="Calibri" panose="020F0502020204030204" pitchFamily="34" charset="0"/>
+              <a:ea typeface="Calibri" panose="020F0502020204030204" pitchFamily="34" charset="0"/>
+              <a:cs typeface="Times New Roman" panose="02020603050405020304" pitchFamily="18" charset="0"/>
+            </a:endParaRPr>
+          </a:p>
+          <a:p>
+            <a:pPr>
+              <a:lnSpc>
+                <a:spcPct val="107000"/>
+              </a:lnSpc>
+              <a:spcAft>
+                <a:spcPts val="800"/>
+              </a:spcAft>
+            </a:pPr>
+            <a:r>
+              <a:rPr lang="cs-CZ" sz="1300" dirty="0">
+                <a:solidFill>
+                  <a:srgbClr val="000000"/>
+                </a:solidFill>
+                <a:effectLst/>
+                <a:latin typeface="Roboto Slab" pitchFamily="2" charset="0"/>
+                <a:ea typeface="Calibri" panose="020F0502020204030204" pitchFamily="34" charset="0"/>
+                <a:cs typeface="Times New Roman" panose="02020603050405020304" pitchFamily="18" charset="0"/>
+              </a:rPr>
+              <a:t>File:Microsoft 365 (2022).</a:t>
+            </a:r>
+            <a:r>
+              <a:rPr lang="cs-CZ" sz="1300" dirty="0" err="1">
+                <a:solidFill>
+                  <a:srgbClr val="000000"/>
+                </a:solidFill>
+                <a:effectLst/>
+                <a:latin typeface="Roboto Slab" pitchFamily="2" charset="0"/>
+                <a:ea typeface="Calibri" panose="020F0502020204030204" pitchFamily="34" charset="0"/>
+                <a:cs typeface="Times New Roman" panose="02020603050405020304" pitchFamily="18" charset="0"/>
+              </a:rPr>
+              <a:t>svg</a:t>
+            </a:r>
+            <a:r>
+              <a:rPr lang="cs-CZ" sz="1300" dirty="0">
+                <a:solidFill>
+                  <a:srgbClr val="000000"/>
+                </a:solidFill>
+                <a:effectLst/>
+                <a:latin typeface="Roboto Slab" pitchFamily="2" charset="0"/>
+                <a:ea typeface="Calibri" panose="020F0502020204030204" pitchFamily="34" charset="0"/>
+                <a:cs typeface="Times New Roman" panose="02020603050405020304" pitchFamily="18" charset="0"/>
+              </a:rPr>
+              <a:t> - </a:t>
+            </a:r>
+            <a:r>
+              <a:rPr lang="cs-CZ" sz="1300" dirty="0" err="1">
+                <a:solidFill>
+                  <a:srgbClr val="000000"/>
+                </a:solidFill>
+                <a:effectLst/>
+                <a:latin typeface="Roboto Slab" pitchFamily="2" charset="0"/>
+                <a:ea typeface="Calibri" panose="020F0502020204030204" pitchFamily="34" charset="0"/>
+                <a:cs typeface="Times New Roman" panose="02020603050405020304" pitchFamily="18" charset="0"/>
+              </a:rPr>
+              <a:t>Wikimedia</a:t>
+            </a:r>
+            <a:r>
+              <a:rPr lang="cs-CZ" sz="1300" dirty="0">
+                <a:solidFill>
+                  <a:srgbClr val="000000"/>
+                </a:solidFill>
+                <a:effectLst/>
+                <a:latin typeface="Roboto Slab" pitchFamily="2" charset="0"/>
+                <a:ea typeface="Calibri" panose="020F0502020204030204" pitchFamily="34" charset="0"/>
+                <a:cs typeface="Times New Roman" panose="02020603050405020304" pitchFamily="18" charset="0"/>
+              </a:rPr>
+              <a:t> </a:t>
+            </a:r>
+            <a:r>
+              <a:rPr lang="cs-CZ" sz="1300" dirty="0" err="1">
+                <a:solidFill>
+                  <a:srgbClr val="000000"/>
+                </a:solidFill>
+                <a:effectLst/>
+                <a:latin typeface="Roboto Slab" pitchFamily="2" charset="0"/>
+                <a:ea typeface="Calibri" panose="020F0502020204030204" pitchFamily="34" charset="0"/>
+                <a:cs typeface="Times New Roman" panose="02020603050405020304" pitchFamily="18" charset="0"/>
+              </a:rPr>
+              <a:t>Commons</a:t>
+            </a:r>
+            <a:r>
+              <a:rPr lang="cs-CZ" sz="1300" dirty="0">
+                <a:solidFill>
+                  <a:srgbClr val="000000"/>
+                </a:solidFill>
+                <a:effectLst/>
+                <a:latin typeface="Roboto Slab" pitchFamily="2" charset="0"/>
+                <a:ea typeface="Calibri" panose="020F0502020204030204" pitchFamily="34" charset="0"/>
+                <a:cs typeface="Times New Roman" panose="02020603050405020304" pitchFamily="18" charset="0"/>
+              </a:rPr>
+              <a:t>. [online]. Dostupné z: </a:t>
+            </a:r>
+            <a:r>
+              <a:rPr lang="cs-CZ" sz="1300" u="none" strike="noStrike" dirty="0">
+                <a:solidFill>
+                  <a:srgbClr val="000000"/>
+                </a:solidFill>
+                <a:effectLst/>
+                <a:latin typeface="Roboto Slab" pitchFamily="2" charset="0"/>
+                <a:ea typeface="Calibri" panose="020F0502020204030204" pitchFamily="34" charset="0"/>
+                <a:cs typeface="Times New Roman" panose="02020603050405020304" pitchFamily="18" charset="0"/>
+                <a:hlinkClick r:id="rId8"/>
+              </a:rPr>
+              <a:t>https://commons.wikimedia.org/wiki/File:Microsoft_365_(2022).svg</a:t>
+            </a:r>
+            <a:endParaRPr lang="cs-CZ" sz="1300" dirty="0">
+              <a:effectLst/>
+              <a:latin typeface="Calibri" panose="020F0502020204030204" pitchFamily="34" charset="0"/>
+              <a:ea typeface="Calibri" panose="020F0502020204030204" pitchFamily="34" charset="0"/>
+              <a:cs typeface="Times New Roman" panose="02020603050405020304" pitchFamily="18" charset="0"/>
+            </a:endParaRPr>
+          </a:p>
+          <a:p>
+            <a:pPr>
+              <a:lnSpc>
+                <a:spcPct val="107000"/>
+              </a:lnSpc>
+              <a:spcAft>
+                <a:spcPts val="800"/>
+              </a:spcAft>
+            </a:pPr>
+            <a:r>
+              <a:rPr lang="cs-CZ" sz="1300" dirty="0">
+                <a:solidFill>
+                  <a:srgbClr val="000000"/>
+                </a:solidFill>
+                <a:effectLst/>
+                <a:latin typeface="Roboto Slab" pitchFamily="2" charset="0"/>
+                <a:ea typeface="Calibri" panose="020F0502020204030204" pitchFamily="34" charset="0"/>
+                <a:cs typeface="Times New Roman" panose="02020603050405020304" pitchFamily="18" charset="0"/>
+              </a:rPr>
+              <a:t>online]. Dostupné z: </a:t>
+            </a:r>
+            <a:r>
+              <a:rPr lang="cs-CZ" sz="1300" u="none" strike="noStrike" dirty="0">
+                <a:solidFill>
+                  <a:srgbClr val="000000"/>
+                </a:solidFill>
+                <a:effectLst/>
+                <a:latin typeface="Roboto Slab" pitchFamily="2" charset="0"/>
+                <a:ea typeface="Calibri" panose="020F0502020204030204" pitchFamily="34" charset="0"/>
+                <a:cs typeface="Times New Roman" panose="02020603050405020304" pitchFamily="18" charset="0"/>
+                <a:hlinkClick r:id="rId9"/>
+              </a:rPr>
+              <a:t>https://ms-office-365.cz/co-si-predstavit-pod-pojmem-office-365-2/</a:t>
+            </a:r>
+            <a:endParaRPr lang="cs-CZ" sz="1300" dirty="0">
+              <a:effectLst/>
+              <a:latin typeface="Calibri" panose="020F0502020204030204" pitchFamily="34" charset="0"/>
+              <a:ea typeface="Calibri" panose="020F0502020204030204" pitchFamily="34" charset="0"/>
+              <a:cs typeface="Times New Roman" panose="02020603050405020304" pitchFamily="18" charset="0"/>
+            </a:endParaRPr>
+          </a:p>
+          <a:p>
+            <a:pPr>
+              <a:lnSpc>
+                <a:spcPct val="107000"/>
+              </a:lnSpc>
+              <a:spcAft>
+                <a:spcPts val="800"/>
+              </a:spcAft>
+            </a:pPr>
+            <a:r>
+              <a:rPr lang="cs-CZ" sz="1300" dirty="0">
+                <a:solidFill>
+                  <a:srgbClr val="000000"/>
+                </a:solidFill>
+                <a:effectLst/>
+                <a:latin typeface="Roboto Slab" pitchFamily="2" charset="0"/>
+                <a:ea typeface="Calibri" panose="020F0502020204030204" pitchFamily="34" charset="0"/>
+                <a:cs typeface="Times New Roman" panose="02020603050405020304" pitchFamily="18" charset="0"/>
+              </a:rPr>
+              <a:t>Nejčastější dotazy ke službě Stream (na </a:t>
+            </a:r>
+            <a:r>
+              <a:rPr lang="cs-CZ" sz="1300" dirty="0" err="1">
+                <a:solidFill>
+                  <a:srgbClr val="000000"/>
+                </a:solidFill>
+                <a:effectLst/>
+                <a:latin typeface="Roboto Slab" pitchFamily="2" charset="0"/>
+                <a:ea typeface="Calibri" panose="020F0502020204030204" pitchFamily="34" charset="0"/>
+                <a:cs typeface="Times New Roman" panose="02020603050405020304" pitchFamily="18" charset="0"/>
+              </a:rPr>
+              <a:t>SharePointu</a:t>
+            </a:r>
+            <a:r>
+              <a:rPr lang="cs-CZ" sz="1300" dirty="0">
+                <a:solidFill>
+                  <a:srgbClr val="000000"/>
+                </a:solidFill>
+                <a:effectLst/>
+                <a:latin typeface="Roboto Slab" pitchFamily="2" charset="0"/>
+                <a:ea typeface="Calibri" panose="020F0502020204030204" pitchFamily="34" charset="0"/>
+                <a:cs typeface="Times New Roman" panose="02020603050405020304" pitchFamily="18" charset="0"/>
+              </a:rPr>
+              <a:t>) - Microsoft Stream | Microsoft </a:t>
+            </a:r>
+            <a:r>
+              <a:rPr lang="cs-CZ" sz="1300" dirty="0" err="1">
+                <a:solidFill>
+                  <a:srgbClr val="000000"/>
+                </a:solidFill>
+                <a:effectLst/>
+                <a:latin typeface="Roboto Slab" pitchFamily="2" charset="0"/>
+                <a:ea typeface="Calibri" panose="020F0502020204030204" pitchFamily="34" charset="0"/>
+                <a:cs typeface="Times New Roman" panose="02020603050405020304" pitchFamily="18" charset="0"/>
+              </a:rPr>
+              <a:t>Learn</a:t>
+            </a:r>
+            <a:r>
+              <a:rPr lang="cs-CZ" sz="1300" dirty="0">
+                <a:solidFill>
+                  <a:srgbClr val="000000"/>
+                </a:solidFill>
+                <a:effectLst/>
+                <a:latin typeface="Roboto Slab" pitchFamily="2" charset="0"/>
+                <a:ea typeface="Calibri" panose="020F0502020204030204" pitchFamily="34" charset="0"/>
+                <a:cs typeface="Times New Roman" panose="02020603050405020304" pitchFamily="18" charset="0"/>
+              </a:rPr>
+              <a:t>. [online]. Copyright © Microsoft 2023 [cit. 17.01.2023]. Dostupné z: </a:t>
+            </a:r>
+            <a:r>
+              <a:rPr lang="cs-CZ" sz="1300" u="none" strike="noStrike" dirty="0">
+                <a:solidFill>
+                  <a:srgbClr val="000000"/>
+                </a:solidFill>
+                <a:effectLst/>
+                <a:latin typeface="Roboto Slab" pitchFamily="2" charset="0"/>
+                <a:ea typeface="Calibri" panose="020F0502020204030204" pitchFamily="34" charset="0"/>
+                <a:cs typeface="Times New Roman" panose="02020603050405020304" pitchFamily="18" charset="0"/>
+                <a:hlinkClick r:id="rId10"/>
+              </a:rPr>
+              <a:t>https://learn.microsoft.com/cs-cz/stream/streamnew/faq</a:t>
+            </a:r>
+            <a:endParaRPr lang="cs-CZ" sz="1300" dirty="0">
+              <a:effectLst/>
+              <a:latin typeface="Calibri" panose="020F0502020204030204" pitchFamily="34" charset="0"/>
+              <a:ea typeface="Calibri" panose="020F0502020204030204" pitchFamily="34" charset="0"/>
+              <a:cs typeface="Times New Roman" panose="02020603050405020304" pitchFamily="18" charset="0"/>
+            </a:endParaRPr>
+          </a:p>
+        </p:txBody>
+      </p:sp>
+    </p:spTree>
+    <p:extLst>
+      <p:ext uri="{BB962C8B-B14F-4D97-AF65-F5344CB8AC3E}">
+        <p14:creationId xmlns:p14="http://schemas.microsoft.com/office/powerpoint/2010/main" val="1790161309"/>
+      </p:ext>
+    </p:extLst>
+  </p:cSld>
+  <p:clrMapOvr>
+    <a:masterClrMapping/>
+  </p:clrMapOvr>
+</p:sld>
+</file>
+
+<file path=ppt/slides/slide22.xml><?xml version="1.0" encoding="utf-8"?>
+<p:sld xmlns:a="http://schemas.openxmlformats.org/drawingml/2006/main" xmlns:r="http://schemas.openxmlformats.org/officeDocument/2006/relationships" xmlns:p="http://schemas.openxmlformats.org/presentationml/2006/main">
+  <p:cSld>
+    <p:spTree>
+      <p:nvGrpSpPr>
+        <p:cNvPr id="1" name=""/>
+        <p:cNvGrpSpPr/>
+        <p:nvPr/>
+      </p:nvGrpSpPr>
+      <p:grpSpPr>
+        <a:xfrm>
+          <a:off x="0" y="0"/>
+          <a:ext cx="0" cy="0"/>
+          <a:chOff x="0" y="0"/>
+          <a:chExt cx="0" cy="0"/>
+        </a:xfrm>
+      </p:grpSpPr>
+      <p:sp>
+        <p:nvSpPr>
+          <p:cNvPr id="4" name="Nadpis 3">
+            <a:extLst>
+              <a:ext uri="{FF2B5EF4-FFF2-40B4-BE49-F238E27FC236}">
+                <a16:creationId xmlns:a16="http://schemas.microsoft.com/office/drawing/2014/main" id="{0013DEF6-E060-EAF1-2B3A-EB772BE61E93}"/>
+              </a:ext>
+            </a:extLst>
+          </p:cNvPr>
+          <p:cNvSpPr>
+            <a:spLocks noGrp="1"/>
+          </p:cNvSpPr>
+          <p:nvPr>
+            <p:ph type="ctrTitle"/>
+          </p:nvPr>
+        </p:nvSpPr>
+        <p:spPr>
+          <a:xfrm>
+            <a:off x="563441" y="530525"/>
+            <a:ext cx="10676777" cy="1505310"/>
+          </a:xfrm>
+        </p:spPr>
+        <p:txBody>
+          <a:bodyPr/>
+          <a:lstStyle/>
+          <a:p>
+            <a:r>
+              <a:rPr lang="cs-CZ" dirty="0"/>
+              <a:t>Odkaz na </a:t>
+            </a:r>
+            <a:r>
+              <a:rPr lang="cs-CZ" dirty="0" err="1"/>
+              <a:t>git</a:t>
+            </a:r>
+            <a:endParaRPr lang="cs-CZ" dirty="0"/>
+          </a:p>
+        </p:txBody>
+      </p:sp>
+      <p:sp>
+        <p:nvSpPr>
+          <p:cNvPr id="5" name="Podnadpis 4">
+            <a:extLst>
+              <a:ext uri="{FF2B5EF4-FFF2-40B4-BE49-F238E27FC236}">
+                <a16:creationId xmlns:a16="http://schemas.microsoft.com/office/drawing/2014/main" id="{CDF9F194-7AC6-926C-6E09-D42D6587903A}"/>
+              </a:ext>
+            </a:extLst>
+          </p:cNvPr>
+          <p:cNvSpPr>
+            <a:spLocks noGrp="1"/>
+          </p:cNvSpPr>
+          <p:nvPr>
+            <p:ph type="subTitle" idx="1"/>
+          </p:nvPr>
+        </p:nvSpPr>
+        <p:spPr>
+          <a:xfrm>
+            <a:off x="718717" y="3429000"/>
+            <a:ext cx="6400800" cy="1947333"/>
+          </a:xfrm>
+        </p:spPr>
+        <p:txBody>
+          <a:bodyPr/>
+          <a:lstStyle/>
+          <a:p>
+            <a:endParaRPr lang="cs-CZ" dirty="0"/>
+          </a:p>
+        </p:txBody>
+      </p:sp>
+    </p:spTree>
+    <p:extLst>
+      <p:ext uri="{BB962C8B-B14F-4D97-AF65-F5344CB8AC3E}">
+        <p14:creationId xmlns:p14="http://schemas.microsoft.com/office/powerpoint/2010/main" val="3066645377"/>
+      </p:ext>
+    </p:extLst>
+  </p:cSld>
+  <p:clrMapOvr>
+    <a:masterClrMapping/>
+  </p:clrMapOvr>
 </p:sld>
 </file>
 

--- a/Machacek.pptx
+++ b/Machacek.pptx
@@ -324,7 +324,7 @@
           <a:p>
             <a:fld id="{065B1203-6543-4646-B75F-6F9F6309B165}" type="datetimeFigureOut">
               <a:rPr lang="cs-CZ" smtClean="0"/>
-              <a:t>17.01.2023</a:t>
+              <a:t>19.01.2023</a:t>
             </a:fld>
             <a:endParaRPr lang="cs-CZ"/>
           </a:p>
@@ -557,6 +557,18 @@
   <p:clrMapOvr>
     <a:masterClrMapping/>
   </p:clrMapOvr>
+  <mc:AlternateContent xmlns:mc="http://schemas.openxmlformats.org/markup-compatibility/2006" xmlns:p14="http://schemas.microsoft.com/office/powerpoint/2010/main">
+    <mc:Choice Requires="p14">
+      <p:transition spd="slow" p14:dur="800">
+        <p14:flythrough/>
+      </p:transition>
+    </mc:Choice>
+    <mc:Fallback xmlns="">
+      <p:transition spd="slow">
+        <p:fade/>
+      </p:transition>
+    </mc:Fallback>
+  </mc:AlternateContent>
 </p:sldLayout>
 </file>
 
@@ -760,7 +772,7 @@
           <a:p>
             <a:fld id="{065B1203-6543-4646-B75F-6F9F6309B165}" type="datetimeFigureOut">
               <a:rPr lang="cs-CZ" smtClean="0"/>
-              <a:t>17.01.2023</a:t>
+              <a:t>19.01.2023</a:t>
             </a:fld>
             <a:endParaRPr lang="cs-CZ"/>
           </a:p>
@@ -818,6 +830,18 @@
   <p:clrMapOvr>
     <a:masterClrMapping/>
   </p:clrMapOvr>
+  <mc:AlternateContent xmlns:mc="http://schemas.openxmlformats.org/markup-compatibility/2006" xmlns:p14="http://schemas.microsoft.com/office/powerpoint/2010/main">
+    <mc:Choice Requires="p14">
+      <p:transition spd="slow" p14:dur="800">
+        <p14:flythrough/>
+      </p:transition>
+    </mc:Choice>
+    <mc:Fallback xmlns="">
+      <p:transition spd="slow">
+        <p:fade/>
+      </p:transition>
+    </mc:Fallback>
+  </mc:AlternateContent>
 </p:sldLayout>
 </file>
 
@@ -1010,7 +1034,7 @@
           <a:p>
             <a:fld id="{065B1203-6543-4646-B75F-6F9F6309B165}" type="datetimeFigureOut">
               <a:rPr lang="cs-CZ" smtClean="0"/>
-              <a:t>17.01.2023</a:t>
+              <a:t>19.01.2023</a:t>
             </a:fld>
             <a:endParaRPr lang="cs-CZ"/>
           </a:p>
@@ -1068,6 +1092,18 @@
   <p:clrMapOvr>
     <a:masterClrMapping/>
   </p:clrMapOvr>
+  <mc:AlternateContent xmlns:mc="http://schemas.openxmlformats.org/markup-compatibility/2006" xmlns:p14="http://schemas.microsoft.com/office/powerpoint/2010/main">
+    <mc:Choice Requires="p14">
+      <p:transition spd="slow" p14:dur="800">
+        <p14:flythrough/>
+      </p:transition>
+    </mc:Choice>
+    <mc:Fallback xmlns="">
+      <p:transition spd="slow">
+        <p:fade/>
+      </p:transition>
+    </mc:Fallback>
+  </mc:AlternateContent>
 </p:sldLayout>
 </file>
 
@@ -1318,7 +1354,7 @@
           <a:p>
             <a:fld id="{065B1203-6543-4646-B75F-6F9F6309B165}" type="datetimeFigureOut">
               <a:rPr lang="cs-CZ" smtClean="0"/>
-              <a:t>17.01.2023</a:t>
+              <a:t>19.01.2023</a:t>
             </a:fld>
             <a:endParaRPr lang="cs-CZ"/>
           </a:p>
@@ -1444,6 +1480,18 @@
   <p:clrMapOvr>
     <a:masterClrMapping/>
   </p:clrMapOvr>
+  <mc:AlternateContent xmlns:mc="http://schemas.openxmlformats.org/markup-compatibility/2006" xmlns:p14="http://schemas.microsoft.com/office/powerpoint/2010/main">
+    <mc:Choice Requires="p14">
+      <p:transition spd="slow" p14:dur="800">
+        <p14:flythrough/>
+      </p:transition>
+    </mc:Choice>
+    <mc:Fallback xmlns="">
+      <p:transition spd="slow">
+        <p:fade/>
+      </p:transition>
+    </mc:Fallback>
+  </mc:AlternateContent>
 </p:sldLayout>
 </file>
 
@@ -1636,7 +1684,7 @@
           <a:p>
             <a:fld id="{065B1203-6543-4646-B75F-6F9F6309B165}" type="datetimeFigureOut">
               <a:rPr lang="cs-CZ" smtClean="0"/>
-              <a:t>17.01.2023</a:t>
+              <a:t>19.01.2023</a:t>
             </a:fld>
             <a:endParaRPr lang="cs-CZ"/>
           </a:p>
@@ -1694,6 +1742,18 @@
   <p:clrMapOvr>
     <a:masterClrMapping/>
   </p:clrMapOvr>
+  <mc:AlternateContent xmlns:mc="http://schemas.openxmlformats.org/markup-compatibility/2006" xmlns:p14="http://schemas.microsoft.com/office/powerpoint/2010/main">
+    <mc:Choice Requires="p14">
+      <p:transition spd="slow" p14:dur="800">
+        <p14:flythrough/>
+      </p:transition>
+    </mc:Choice>
+    <mc:Fallback xmlns="">
+      <p:transition spd="slow">
+        <p:fade/>
+      </p:transition>
+    </mc:Fallback>
+  </mc:AlternateContent>
 </p:sldLayout>
 </file>
 
@@ -1938,7 +1998,7 @@
           <a:p>
             <a:fld id="{065B1203-6543-4646-B75F-6F9F6309B165}" type="datetimeFigureOut">
               <a:rPr lang="cs-CZ" smtClean="0"/>
-              <a:t>17.01.2023</a:t>
+              <a:t>19.01.2023</a:t>
             </a:fld>
             <a:endParaRPr lang="cs-CZ"/>
           </a:p>
@@ -2064,6 +2124,18 @@
   <p:clrMapOvr>
     <a:masterClrMapping/>
   </p:clrMapOvr>
+  <mc:AlternateContent xmlns:mc="http://schemas.openxmlformats.org/markup-compatibility/2006" xmlns:p14="http://schemas.microsoft.com/office/powerpoint/2010/main">
+    <mc:Choice Requires="p14">
+      <p:transition spd="slow" p14:dur="800">
+        <p14:flythrough/>
+      </p:transition>
+    </mc:Choice>
+    <mc:Fallback xmlns="">
+      <p:transition spd="slow">
+        <p:fade/>
+      </p:transition>
+    </mc:Fallback>
+  </mc:AlternateContent>
 </p:sldLayout>
 </file>
 
@@ -2305,7 +2377,7 @@
           <a:p>
             <a:fld id="{065B1203-6543-4646-B75F-6F9F6309B165}" type="datetimeFigureOut">
               <a:rPr lang="cs-CZ" smtClean="0"/>
-              <a:t>17.01.2023</a:t>
+              <a:t>19.01.2023</a:t>
             </a:fld>
             <a:endParaRPr lang="cs-CZ"/>
           </a:p>
@@ -2363,6 +2435,18 @@
   <p:clrMapOvr>
     <a:masterClrMapping/>
   </p:clrMapOvr>
+  <mc:AlternateContent xmlns:mc="http://schemas.openxmlformats.org/markup-compatibility/2006" xmlns:p14="http://schemas.microsoft.com/office/powerpoint/2010/main">
+    <mc:Choice Requires="p14">
+      <p:transition spd="slow" p14:dur="800">
+        <p14:flythrough/>
+      </p:transition>
+    </mc:Choice>
+    <mc:Fallback xmlns="">
+      <p:transition spd="slow">
+        <p:fade/>
+      </p:transition>
+    </mc:Fallback>
+  </mc:AlternateContent>
 </p:sldLayout>
 </file>
 
@@ -2479,7 +2563,7 @@
           <a:p>
             <a:fld id="{065B1203-6543-4646-B75F-6F9F6309B165}" type="datetimeFigureOut">
               <a:rPr lang="cs-CZ" smtClean="0"/>
-              <a:t>17.01.2023</a:t>
+              <a:t>19.01.2023</a:t>
             </a:fld>
             <a:endParaRPr lang="cs-CZ"/>
           </a:p>
@@ -2537,6 +2621,18 @@
   <p:clrMapOvr>
     <a:masterClrMapping/>
   </p:clrMapOvr>
+  <mc:AlternateContent xmlns:mc="http://schemas.openxmlformats.org/markup-compatibility/2006" xmlns:p14="http://schemas.microsoft.com/office/powerpoint/2010/main">
+    <mc:Choice Requires="p14">
+      <p:transition spd="slow" p14:dur="800">
+        <p14:flythrough/>
+      </p:transition>
+    </mc:Choice>
+    <mc:Fallback xmlns="">
+      <p:transition spd="slow">
+        <p:fade/>
+      </p:transition>
+    </mc:Fallback>
+  </mc:AlternateContent>
 </p:sldLayout>
 </file>
 
@@ -2659,7 +2755,7 @@
           <a:p>
             <a:fld id="{065B1203-6543-4646-B75F-6F9F6309B165}" type="datetimeFigureOut">
               <a:rPr lang="cs-CZ" smtClean="0"/>
-              <a:t>17.01.2023</a:t>
+              <a:t>19.01.2023</a:t>
             </a:fld>
             <a:endParaRPr lang="cs-CZ"/>
           </a:p>
@@ -2717,6 +2813,18 @@
   <p:clrMapOvr>
     <a:masterClrMapping/>
   </p:clrMapOvr>
+  <mc:AlternateContent xmlns:mc="http://schemas.openxmlformats.org/markup-compatibility/2006" xmlns:p14="http://schemas.microsoft.com/office/powerpoint/2010/main">
+    <mc:Choice Requires="p14">
+      <p:transition spd="slow" p14:dur="800">
+        <p14:flythrough/>
+      </p:transition>
+    </mc:Choice>
+    <mc:Fallback xmlns="">
+      <p:transition spd="slow">
+        <p:fade/>
+      </p:transition>
+    </mc:Fallback>
+  </mc:AlternateContent>
 </p:sldLayout>
 </file>
 
@@ -2829,7 +2937,7 @@
           <a:p>
             <a:fld id="{065B1203-6543-4646-B75F-6F9F6309B165}" type="datetimeFigureOut">
               <a:rPr lang="cs-CZ" smtClean="0"/>
-              <a:t>17.01.2023</a:t>
+              <a:t>19.01.2023</a:t>
             </a:fld>
             <a:endParaRPr lang="cs-CZ"/>
           </a:p>
@@ -2887,6 +2995,18 @@
   <p:clrMapOvr>
     <a:masterClrMapping/>
   </p:clrMapOvr>
+  <mc:AlternateContent xmlns:mc="http://schemas.openxmlformats.org/markup-compatibility/2006" xmlns:p14="http://schemas.microsoft.com/office/powerpoint/2010/main">
+    <mc:Choice Requires="p14">
+      <p:transition spd="slow" p14:dur="800">
+        <p14:flythrough/>
+      </p:transition>
+    </mc:Choice>
+    <mc:Fallback xmlns="">
+      <p:transition spd="slow">
+        <p:fade/>
+      </p:transition>
+    </mc:Fallback>
+  </mc:AlternateContent>
 </p:sldLayout>
 </file>
 
@@ -3079,7 +3199,7 @@
           <a:p>
             <a:fld id="{065B1203-6543-4646-B75F-6F9F6309B165}" type="datetimeFigureOut">
               <a:rPr lang="cs-CZ" smtClean="0"/>
-              <a:t>17.01.2023</a:t>
+              <a:t>19.01.2023</a:t>
             </a:fld>
             <a:endParaRPr lang="cs-CZ"/>
           </a:p>
@@ -3137,6 +3257,18 @@
   <p:clrMapOvr>
     <a:masterClrMapping/>
   </p:clrMapOvr>
+  <mc:AlternateContent xmlns:mc="http://schemas.openxmlformats.org/markup-compatibility/2006" xmlns:p14="http://schemas.microsoft.com/office/powerpoint/2010/main">
+    <mc:Choice Requires="p14">
+      <p:transition spd="slow" p14:dur="800">
+        <p14:flythrough/>
+      </p:transition>
+    </mc:Choice>
+    <mc:Fallback xmlns="">
+      <p:transition spd="slow">
+        <p:fade/>
+      </p:transition>
+    </mc:Fallback>
+  </mc:AlternateContent>
 </p:sldLayout>
 </file>
 
@@ -3315,7 +3447,7 @@
           <a:p>
             <a:fld id="{065B1203-6543-4646-B75F-6F9F6309B165}" type="datetimeFigureOut">
               <a:rPr lang="cs-CZ" smtClean="0"/>
-              <a:t>17.01.2023</a:t>
+              <a:t>19.01.2023</a:t>
             </a:fld>
             <a:endParaRPr lang="cs-CZ"/>
           </a:p>
@@ -3373,6 +3505,18 @@
   <p:clrMapOvr>
     <a:masterClrMapping/>
   </p:clrMapOvr>
+  <mc:AlternateContent xmlns:mc="http://schemas.openxmlformats.org/markup-compatibility/2006" xmlns:p14="http://schemas.microsoft.com/office/powerpoint/2010/main">
+    <mc:Choice Requires="p14">
+      <p:transition spd="slow" p14:dur="800">
+        <p14:flythrough/>
+      </p:transition>
+    </mc:Choice>
+    <mc:Fallback xmlns="">
+      <p:transition spd="slow">
+        <p:fade/>
+      </p:transition>
+    </mc:Fallback>
+  </mc:AlternateContent>
 </p:sldLayout>
 </file>
 
@@ -3697,7 +3841,7 @@
           <a:p>
             <a:fld id="{065B1203-6543-4646-B75F-6F9F6309B165}" type="datetimeFigureOut">
               <a:rPr lang="cs-CZ" smtClean="0"/>
-              <a:t>17.01.2023</a:t>
+              <a:t>19.01.2023</a:t>
             </a:fld>
             <a:endParaRPr lang="cs-CZ"/>
           </a:p>
@@ -3755,6 +3899,18 @@
   <p:clrMapOvr>
     <a:masterClrMapping/>
   </p:clrMapOvr>
+  <mc:AlternateContent xmlns:mc="http://schemas.openxmlformats.org/markup-compatibility/2006" xmlns:p14="http://schemas.microsoft.com/office/powerpoint/2010/main">
+    <mc:Choice Requires="p14">
+      <p:transition spd="slow" p14:dur="800">
+        <p14:flythrough/>
+      </p:transition>
+    </mc:Choice>
+    <mc:Fallback xmlns="">
+      <p:transition spd="slow">
+        <p:fade/>
+      </p:transition>
+    </mc:Fallback>
+  </mc:AlternateContent>
 </p:sldLayout>
 </file>
 
@@ -3815,7 +3971,7 @@
           <a:p>
             <a:fld id="{065B1203-6543-4646-B75F-6F9F6309B165}" type="datetimeFigureOut">
               <a:rPr lang="cs-CZ" smtClean="0"/>
-              <a:t>17.01.2023</a:t>
+              <a:t>19.01.2023</a:t>
             </a:fld>
             <a:endParaRPr lang="cs-CZ"/>
           </a:p>
@@ -3873,6 +4029,18 @@
   <p:clrMapOvr>
     <a:masterClrMapping/>
   </p:clrMapOvr>
+  <mc:AlternateContent xmlns:mc="http://schemas.openxmlformats.org/markup-compatibility/2006" xmlns:p14="http://schemas.microsoft.com/office/powerpoint/2010/main">
+    <mc:Choice Requires="p14">
+      <p:transition spd="slow" p14:dur="800">
+        <p14:flythrough/>
+      </p:transition>
+    </mc:Choice>
+    <mc:Fallback xmlns="">
+      <p:transition spd="slow">
+        <p:fade/>
+      </p:transition>
+    </mc:Fallback>
+  </mc:AlternateContent>
 </p:sldLayout>
 </file>
 
@@ -3910,7 +4078,7 @@
           <a:p>
             <a:fld id="{065B1203-6543-4646-B75F-6F9F6309B165}" type="datetimeFigureOut">
               <a:rPr lang="cs-CZ" smtClean="0"/>
-              <a:t>17.01.2023</a:t>
+              <a:t>19.01.2023</a:t>
             </a:fld>
             <a:endParaRPr lang="cs-CZ"/>
           </a:p>
@@ -3968,6 +4136,18 @@
   <p:clrMapOvr>
     <a:masterClrMapping/>
   </p:clrMapOvr>
+  <mc:AlternateContent xmlns:mc="http://schemas.openxmlformats.org/markup-compatibility/2006" xmlns:p14="http://schemas.microsoft.com/office/powerpoint/2010/main">
+    <mc:Choice Requires="p14">
+      <p:transition spd="slow" p14:dur="800">
+        <p14:flythrough/>
+      </p:transition>
+    </mc:Choice>
+    <mc:Fallback xmlns="">
+      <p:transition spd="slow">
+        <p:fade/>
+      </p:transition>
+    </mc:Fallback>
+  </mc:AlternateContent>
 </p:sldLayout>
 </file>
 
@@ -4165,7 +4345,7 @@
           <a:p>
             <a:fld id="{065B1203-6543-4646-B75F-6F9F6309B165}" type="datetimeFigureOut">
               <a:rPr lang="cs-CZ" smtClean="0"/>
-              <a:t>17.01.2023</a:t>
+              <a:t>19.01.2023</a:t>
             </a:fld>
             <a:endParaRPr lang="cs-CZ"/>
           </a:p>
@@ -4223,6 +4403,18 @@
   <p:clrMapOvr>
     <a:masterClrMapping/>
   </p:clrMapOvr>
+  <mc:AlternateContent xmlns:mc="http://schemas.openxmlformats.org/markup-compatibility/2006" xmlns:p14="http://schemas.microsoft.com/office/powerpoint/2010/main">
+    <mc:Choice Requires="p14">
+      <p:transition spd="slow" p14:dur="800">
+        <p14:flythrough/>
+      </p:transition>
+    </mc:Choice>
+    <mc:Fallback xmlns="">
+      <p:transition spd="slow">
+        <p:fade/>
+      </p:transition>
+    </mc:Fallback>
+  </mc:AlternateContent>
 </p:sldLayout>
 </file>
 
@@ -4448,7 +4640,7 @@
           <a:p>
             <a:fld id="{065B1203-6543-4646-B75F-6F9F6309B165}" type="datetimeFigureOut">
               <a:rPr lang="cs-CZ" smtClean="0"/>
-              <a:t>17.01.2023</a:t>
+              <a:t>19.01.2023</a:t>
             </a:fld>
             <a:endParaRPr lang="cs-CZ"/>
           </a:p>
@@ -4506,6 +4698,18 @@
   <p:clrMapOvr>
     <a:masterClrMapping/>
   </p:clrMapOvr>
+  <mc:AlternateContent xmlns:mc="http://schemas.openxmlformats.org/markup-compatibility/2006" xmlns:p14="http://schemas.microsoft.com/office/powerpoint/2010/main">
+    <mc:Choice Requires="p14">
+      <p:transition spd="slow" p14:dur="800">
+        <p14:flythrough/>
+      </p:transition>
+    </mc:Choice>
+    <mc:Fallback xmlns="">
+      <p:transition spd="slow">
+        <p:fade/>
+      </p:transition>
+    </mc:Fallback>
+  </mc:AlternateContent>
 </p:sldLayout>
 </file>
 
@@ -4854,7 +5058,7 @@
           <a:p>
             <a:fld id="{065B1203-6543-4646-B75F-6F9F6309B165}" type="datetimeFigureOut">
               <a:rPr lang="cs-CZ" smtClean="0"/>
-              <a:t>17.01.2023</a:t>
+              <a:t>19.01.2023</a:t>
             </a:fld>
             <a:endParaRPr lang="cs-CZ"/>
           </a:p>
@@ -4969,6 +5173,18 @@
     <p:sldLayoutId id="2147483736" r:id="rId16"/>
     <p:sldLayoutId id="2147483737" r:id="rId17"/>
   </p:sldLayoutIdLst>
+  <mc:AlternateContent xmlns:mc="http://schemas.openxmlformats.org/markup-compatibility/2006" xmlns:p14="http://schemas.microsoft.com/office/powerpoint/2010/main">
+    <mc:Choice Requires="p14">
+      <p:transition spd="slow" p14:dur="800">
+        <p14:flythrough/>
+      </p:transition>
+    </mc:Choice>
+    <mc:Fallback xmlns="">
+      <p:transition spd="slow">
+        <p:fade/>
+      </p:transition>
+    </mc:Fallback>
+  </mc:AlternateContent>
   <p:txStyles>
     <p:titleStyle>
       <a:lvl1pPr algn="l" defTabSz="457200" rtl="0" eaLnBrk="1" latinLnBrk="0" hangingPunct="1">
@@ -5503,7 +5719,7 @@
           <a:lstStyle/>
           <a:p>
             <a:r>
-              <a:rPr lang="cs-CZ" b="1" u="sng" dirty="0"/>
+              <a:rPr lang="cs-CZ" b="1" dirty="0"/>
               <a:t>Microsoft 365 a jeho možnosti</a:t>
             </a:r>
           </a:p>
@@ -5863,9 +6079,18 @@
   <p:clrMapOvr>
     <a:masterClrMapping/>
   </p:clrMapOvr>
-  <p:transition spd="slow">
-    <p:push dir="u"/>
-  </p:transition>
+  <mc:AlternateContent xmlns:mc="http://schemas.openxmlformats.org/markup-compatibility/2006" xmlns:p159="http://schemas.microsoft.com/office/powerpoint/2015/09/main">
+    <mc:Choice Requires="p159">
+      <p:transition xmlns:p14="http://schemas.microsoft.com/office/powerpoint/2010/main" spd="slow" p14:dur="2000" advTm="10000">
+        <p159:morph option="byObject"/>
+      </p:transition>
+    </mc:Choice>
+    <mc:Fallback xmlns="">
+      <p:transition spd="slow" advTm="10000">
+        <p:fade/>
+      </p:transition>
+    </mc:Fallback>
+  </mc:AlternateContent>
   <p:timing>
     <p:tnLst>
       <p:par>
@@ -6031,7 +6256,7 @@
           <a:p>
             <a:r>
               <a:rPr lang="cs-CZ" dirty="0"/>
-              <a:t>Hlavní aplikace Microsoft 365</a:t>
+              <a:t>aplikace Microsoft 365</a:t>
             </a:r>
           </a:p>
         </p:txBody>
@@ -6065,37 +6290,75 @@
           <a:lstStyle/>
           <a:p>
             <a:r>
-              <a:rPr lang="cs-CZ" sz="2400" u="sng" dirty="0"/>
+              <a:rPr lang="cs-CZ" sz="2400" u="sng" dirty="0">
+                <a:solidFill>
+                  <a:schemeClr val="bg1"/>
+                </a:solidFill>
+              </a:rPr>
               <a:t>Mezi hlavní aplikace Microsoft 365 patří:</a:t>
             </a:r>
           </a:p>
           <a:p>
-            <a:endParaRPr lang="cs-CZ" sz="2400" dirty="0"/>
-          </a:p>
-          <a:p>
-            <a:r>
-              <a:rPr lang="cs-CZ" sz="2800" b="1" u="sng" dirty="0"/>
+            <a:endParaRPr lang="cs-CZ" sz="2400" dirty="0">
+              <a:solidFill>
+                <a:schemeClr val="bg1"/>
+              </a:solidFill>
+            </a:endParaRPr>
+          </a:p>
+          <a:p>
+            <a:pPr marL="0" indent="0">
+              <a:buNone/>
+            </a:pPr>
+            <a:r>
+              <a:rPr lang="cs-CZ" sz="2800" b="1" u="sng" dirty="0">
+                <a:solidFill>
+                  <a:schemeClr val="bg1"/>
+                </a:solidFill>
+              </a:rPr>
               <a:t>Word</a:t>
             </a:r>
-            <a:endParaRPr lang="cs-CZ" sz="3000" b="1" u="sng" dirty="0"/>
-          </a:p>
-          <a:p>
-            <a:r>
-              <a:rPr lang="cs-CZ" sz="2400" dirty="0"/>
-              <a:t> - textový procesor - vznikl v roce 1983 – první textový procesor schopný zobrazit kurzívu a tučné písmo.</a:t>
-            </a:r>
-          </a:p>
-          <a:p>
-            <a:r>
-              <a:rPr lang="cs-CZ" sz="2400" b="1" u="sng" dirty="0"/>
+            <a:endParaRPr lang="cs-CZ" sz="3000" b="1" u="sng" dirty="0">
+              <a:solidFill>
+                <a:schemeClr val="bg1"/>
+              </a:solidFill>
+            </a:endParaRPr>
+          </a:p>
+          <a:p>
+            <a:r>
+              <a:rPr lang="cs-CZ" sz="2400" dirty="0">
+                <a:solidFill>
+                  <a:schemeClr val="bg1"/>
+                </a:solidFill>
+              </a:rPr>
+              <a:t>textový procesor - vznikl v roce 1983 – první textový procesor schopný zobrazit kurzívu a tučné písmo.</a:t>
+            </a:r>
+          </a:p>
+          <a:p>
+            <a:pPr marL="0" indent="0">
+              <a:buNone/>
+            </a:pPr>
+            <a:r>
+              <a:rPr lang="cs-CZ" sz="2400" b="1" u="sng" dirty="0">
+                <a:solidFill>
+                  <a:schemeClr val="bg1"/>
+                </a:solidFill>
+              </a:rPr>
               <a:t>Excel</a:t>
             </a:r>
-            <a:endParaRPr lang="cs-CZ" sz="2400" dirty="0"/>
-          </a:p>
-          <a:p>
-            <a:r>
-              <a:rPr lang="cs-CZ" sz="2400" dirty="0"/>
-              <a:t> - tabulkový procesor – vznikl v roce 1985, první program, jehož GUI  využívalo rozbalovací menu ovládaných klikáním myší – pohodlnější práce než v jiných programech</a:t>
+            <a:endParaRPr lang="cs-CZ" sz="2400" dirty="0">
+              <a:solidFill>
+                <a:schemeClr val="bg1"/>
+              </a:solidFill>
+            </a:endParaRPr>
+          </a:p>
+          <a:p>
+            <a:r>
+              <a:rPr lang="cs-CZ" sz="2400" dirty="0">
+                <a:solidFill>
+                  <a:schemeClr val="bg1"/>
+                </a:solidFill>
+              </a:rPr>
+              <a:t>tabulkový procesor – vznikl v roce 1985, první program, jehož GUI  využívalo rozbalovací menu ovládaných klikáním myší – pohodlnější práce než v jiných programech</a:t>
             </a:r>
           </a:p>
         </p:txBody>
@@ -6204,6 +6467,18 @@
   <p:clrMapOvr>
     <a:masterClrMapping/>
   </p:clrMapOvr>
+  <mc:AlternateContent xmlns:mc="http://schemas.openxmlformats.org/markup-compatibility/2006" xmlns:p14="http://schemas.microsoft.com/office/powerpoint/2010/main">
+    <mc:Choice Requires="p14">
+      <p:transition spd="slow" p14:dur="800" advTm="15000">
+        <p14:flythrough/>
+      </p:transition>
+    </mc:Choice>
+    <mc:Fallback xmlns="">
+      <p:transition spd="slow" advTm="15000">
+        <p:fade/>
+      </p:transition>
+    </mc:Fallback>
+  </mc:AlternateContent>
 </p:sld>
 </file>
 
@@ -6252,7 +6527,7 @@
           <a:p>
             <a:r>
               <a:rPr lang="cs-CZ" dirty="0"/>
-              <a:t>Hlavní aplikace </a:t>
+              <a:t>aplikace </a:t>
             </a:r>
             <a:r>
               <a:rPr lang="cs-CZ" dirty="0" err="1"/>
@@ -6293,63 +6568,124 @@
           </a:bodyPr>
           <a:lstStyle/>
           <a:p>
-            <a:r>
-              <a:rPr lang="cs-CZ" sz="2800" b="1" u="sng" dirty="0"/>
+            <a:pPr marL="0" indent="0">
+              <a:buNone/>
+            </a:pPr>
+            <a:r>
+              <a:rPr lang="cs-CZ" sz="2800" b="1" u="sng" dirty="0">
+                <a:solidFill>
+                  <a:schemeClr val="bg1"/>
+                </a:solidFill>
+              </a:rPr>
               <a:t>PowerPoint</a:t>
             </a:r>
           </a:p>
           <a:p>
             <a:r>
-              <a:rPr lang="cs-CZ" sz="2200" dirty="0"/>
-              <a:t>- program pro vytváření prezentací, </a:t>
+              <a:rPr lang="cs-CZ" sz="2200" dirty="0">
+                <a:solidFill>
+                  <a:schemeClr val="bg1"/>
+                </a:solidFill>
+              </a:rPr>
+              <a:t>program pro vytváření prezentací, </a:t>
             </a:r>
             <a:br>
-              <a:rPr lang="cs-CZ" sz="2200" dirty="0"/>
+              <a:rPr lang="cs-CZ" sz="2200" dirty="0">
+                <a:solidFill>
+                  <a:schemeClr val="bg1"/>
+                </a:solidFill>
+              </a:rPr>
             </a:br>
             <a:r>
-              <a:rPr lang="cs-CZ" sz="2200" dirty="0"/>
+              <a:rPr lang="cs-CZ" sz="2200" dirty="0">
+                <a:solidFill>
+                  <a:schemeClr val="bg1"/>
+                </a:solidFill>
+              </a:rPr>
               <a:t>využívá se pro ukázku různých produktů, služeb, …</a:t>
             </a:r>
           </a:p>
           <a:p>
-            <a:r>
-              <a:rPr lang="cs-CZ" sz="2800" b="1" u="sng" dirty="0"/>
+            <a:pPr marL="0" indent="0">
+              <a:buNone/>
+            </a:pPr>
+            <a:r>
+              <a:rPr lang="cs-CZ" sz="2800" b="1" u="sng" dirty="0">
+                <a:solidFill>
+                  <a:schemeClr val="bg1"/>
+                </a:solidFill>
+              </a:rPr>
               <a:t>Outlook</a:t>
             </a:r>
             <a:r>
-              <a:rPr lang="cs-CZ" sz="2200" dirty="0"/>
+              <a:rPr lang="cs-CZ" sz="2200" dirty="0">
+                <a:solidFill>
+                  <a:schemeClr val="bg1"/>
+                </a:solidFill>
+              </a:rPr>
               <a:t> </a:t>
             </a:r>
           </a:p>
           <a:p>
             <a:r>
-              <a:rPr lang="cs-CZ" sz="2200" dirty="0"/>
-              <a:t>- e-mailový klient, software pro správu soukromých nebo firemních mailů. Vznikl jako náhrada služby Hotmail.com</a:t>
-            </a:r>
-          </a:p>
-          <a:p>
-            <a:r>
-              <a:rPr lang="cs-CZ" sz="2800" b="1" u="sng" dirty="0" err="1"/>
+              <a:rPr lang="cs-CZ" sz="2200" dirty="0">
+                <a:solidFill>
+                  <a:schemeClr val="bg1"/>
+                </a:solidFill>
+              </a:rPr>
+              <a:t>e-mailový klient, software pro správu soukromých nebo firemních mailů. Vznikl jako náhrada služby Hotmail.com</a:t>
+            </a:r>
+          </a:p>
+          <a:p>
+            <a:pPr marL="0" indent="0">
+              <a:buNone/>
+            </a:pPr>
+            <a:r>
+              <a:rPr lang="cs-CZ" sz="2800" b="1" u="sng" dirty="0" err="1">
+                <a:solidFill>
+                  <a:schemeClr val="bg1"/>
+                </a:solidFill>
+              </a:rPr>
               <a:t>Onedrive</a:t>
             </a:r>
-            <a:endParaRPr lang="cs-CZ" sz="2800" b="1" u="sng" dirty="0"/>
-          </a:p>
-          <a:p>
-            <a:r>
-              <a:rPr lang="cs-CZ" sz="2200" dirty="0"/>
-              <a:t> - cloudové úložiště, volné </a:t>
-            </a:r>
-            <a:r>
-              <a:rPr lang="cs-CZ" sz="2200" dirty="0" err="1"/>
+            <a:endParaRPr lang="cs-CZ" sz="2800" b="1" u="sng" dirty="0">
+              <a:solidFill>
+                <a:schemeClr val="bg1"/>
+              </a:solidFill>
+            </a:endParaRPr>
+          </a:p>
+          <a:p>
+            <a:r>
+              <a:rPr lang="cs-CZ" sz="2200" dirty="0">
+                <a:solidFill>
+                  <a:schemeClr val="bg1"/>
+                </a:solidFill>
+              </a:rPr>
+              <a:t>cloudové úložiště, volné </a:t>
+            </a:r>
+            <a:r>
+              <a:rPr lang="cs-CZ" sz="2200" dirty="0" err="1">
+                <a:solidFill>
+                  <a:schemeClr val="bg1"/>
+                </a:solidFill>
+              </a:rPr>
               <a:t>úložistě</a:t>
             </a:r>
             <a:r>
-              <a:rPr lang="cs-CZ" sz="2200" dirty="0"/>
+              <a:rPr lang="cs-CZ" sz="2200" dirty="0">
+                <a:solidFill>
+                  <a:schemeClr val="bg1"/>
+                </a:solidFill>
+              </a:rPr>
               <a:t> pro nového uživatele zdarma 15 GB</a:t>
             </a:r>
           </a:p>
           <a:p>
-            <a:endParaRPr lang="cs-CZ" sz="2200" dirty="0"/>
+            <a:endParaRPr lang="cs-CZ" sz="2200" dirty="0">
+              <a:solidFill>
+                <a:schemeClr val="bg1"/>
+              </a:solidFill>
+            </a:endParaRPr>
           </a:p>
         </p:txBody>
       </p:sp>
@@ -6504,6 +6840,18 @@
   <p:clrMapOvr>
     <a:masterClrMapping/>
   </p:clrMapOvr>
+  <mc:AlternateContent xmlns:mc="http://schemas.openxmlformats.org/markup-compatibility/2006" xmlns:p14="http://schemas.microsoft.com/office/powerpoint/2010/main">
+    <mc:Choice Requires="p14">
+      <p:transition spd="slow" p14:dur="800" advTm="15000">
+        <p14:flythrough/>
+      </p:transition>
+    </mc:Choice>
+    <mc:Fallback xmlns="">
+      <p:transition spd="slow" advTm="15000">
+        <p:fade/>
+      </p:transition>
+    </mc:Fallback>
+  </mc:AlternateContent>
 </p:sld>
 </file>
 
@@ -6551,10 +6899,9 @@
           <a:lstStyle/>
           <a:p>
             <a:r>
-              <a:rPr lang="cs-CZ"/>
-              <a:t>Hlavní aplikace Microsoft 365</a:t>
-            </a:r>
-            <a:endParaRPr lang="cs-CZ" dirty="0"/>
+              <a:rPr lang="cs-CZ" dirty="0"/>
+              <a:t>aplikace Microsoft 365</a:t>
+            </a:r>
           </a:p>
         </p:txBody>
       </p:sp>
@@ -6577,63 +6924,108 @@
         <p:spPr>
           <a:xfrm>
             <a:off x="684212" y="2192867"/>
-            <a:ext cx="8534400" cy="3615267"/>
+            <a:ext cx="8534400" cy="4180692"/>
           </a:xfrm>
         </p:spPr>
         <p:txBody>
           <a:bodyPr>
-            <a:normAutofit fontScale="92500" lnSpcReduction="20000"/>
+            <a:normAutofit lnSpcReduction="10000"/>
           </a:bodyPr>
           <a:lstStyle/>
           <a:p>
-            <a:r>
-              <a:rPr lang="cs-CZ" sz="2800" b="1" u="sng" dirty="0"/>
+            <a:pPr marL="0" indent="0">
+              <a:buNone/>
+            </a:pPr>
+            <a:r>
+              <a:rPr lang="cs-CZ" sz="2800" b="1" u="sng" dirty="0">
+                <a:solidFill>
+                  <a:schemeClr val="bg1"/>
+                </a:solidFill>
+              </a:rPr>
               <a:t>Teams </a:t>
             </a:r>
           </a:p>
           <a:p>
             <a:r>
-              <a:rPr lang="cs-CZ" sz="2400" dirty="0"/>
-              <a:t>– komunikační platforma, která nabízí chat a videokonference v pracovním prostoru, ukládání souborů,...</a:t>
-            </a:r>
-            <a:br>
-              <a:rPr lang="cs-CZ" sz="2400" dirty="0"/>
-            </a:br>
-            <a:r>
-              <a:rPr lang="cs-CZ" sz="2400" dirty="0"/>
-              <a:t>- nahradil také jiné  komunikační platformy, které poskytují chat a videokonference jako jsou Skype </a:t>
-            </a:r>
-            <a:r>
-              <a:rPr lang="cs-CZ" sz="2400" dirty="0" err="1"/>
+              <a:rPr lang="cs-CZ" sz="2200" dirty="0">
+                <a:solidFill>
+                  <a:schemeClr val="bg1"/>
+                </a:solidFill>
+              </a:rPr>
+              <a:t>komunikační platforma, která nabízí chat a videokonference v pracovním prostoru, ukládání souborů,...</a:t>
+            </a:r>
+          </a:p>
+          <a:p>
+            <a:r>
+              <a:rPr lang="cs-CZ" sz="2200" dirty="0">
+                <a:solidFill>
+                  <a:schemeClr val="bg1"/>
+                </a:solidFill>
+              </a:rPr>
+              <a:t>nahradil také jiné  komunikační platformy, které poskytují chat a videokonference jako jsou Skype </a:t>
+            </a:r>
+            <a:r>
+              <a:rPr lang="cs-CZ" sz="2200" dirty="0" err="1">
+                <a:solidFill>
+                  <a:schemeClr val="bg1"/>
+                </a:solidFill>
+              </a:rPr>
               <a:t>for</a:t>
             </a:r>
             <a:r>
-              <a:rPr lang="cs-CZ" sz="2400" dirty="0"/>
+              <a:rPr lang="cs-CZ" sz="2200" dirty="0">
+                <a:solidFill>
+                  <a:schemeClr val="bg1"/>
+                </a:solidFill>
+              </a:rPr>
               <a:t> Business a Microsoft </a:t>
             </a:r>
             <a:r>
-              <a:rPr lang="cs-CZ" sz="2400" dirty="0" err="1"/>
+              <a:rPr lang="cs-CZ" sz="2200" dirty="0" err="1">
+                <a:solidFill>
+                  <a:schemeClr val="bg1"/>
+                </a:solidFill>
+              </a:rPr>
               <a:t>Classroom</a:t>
             </a:r>
             <a:r>
-              <a:rPr lang="cs-CZ" sz="2400" dirty="0"/>
+              <a:rPr lang="cs-CZ" sz="2200" dirty="0">
+                <a:solidFill>
+                  <a:schemeClr val="bg1"/>
+                </a:solidFill>
+              </a:rPr>
               <a:t>.</a:t>
             </a:r>
           </a:p>
           <a:p>
-            <a:r>
-              <a:rPr lang="cs-CZ" sz="3000" b="1" u="sng" dirty="0" err="1"/>
+            <a:pPr marL="0" indent="0">
+              <a:buNone/>
+            </a:pPr>
+            <a:r>
+              <a:rPr lang="cs-CZ" sz="3000" b="1" u="sng" dirty="0" err="1">
+                <a:solidFill>
+                  <a:schemeClr val="bg1"/>
+                </a:solidFill>
+              </a:rPr>
               <a:t>Onenote</a:t>
             </a:r>
             <a:r>
-              <a:rPr lang="cs-CZ" sz="2200" dirty="0"/>
+              <a:rPr lang="cs-CZ" sz="2200" dirty="0">
+                <a:solidFill>
+                  <a:schemeClr val="bg1"/>
+                </a:solidFill>
+              </a:rPr>
               <a:t> </a:t>
             </a:r>
           </a:p>
           <a:p>
             <a:r>
-              <a:rPr lang="cs-CZ" sz="2400" dirty="0"/>
-              <a:t>- program pro vytváření textových, ale i zvukových a grafických poznámek</a:t>
+              <a:rPr lang="cs-CZ" sz="2200" dirty="0">
+                <a:solidFill>
+                  <a:schemeClr val="bg1"/>
+                </a:solidFill>
+              </a:rPr>
+              <a:t>program pro vytváření textových, ale i zvukových a grafických poznámek</a:t>
             </a:r>
           </a:p>
         </p:txBody>
@@ -6742,6 +7134,18 @@
   <p:clrMapOvr>
     <a:masterClrMapping/>
   </p:clrMapOvr>
+  <mc:AlternateContent xmlns:mc="http://schemas.openxmlformats.org/markup-compatibility/2006" xmlns:p14="http://schemas.microsoft.com/office/powerpoint/2010/main">
+    <mc:Choice Requires="p14">
+      <p:transition spd="slow" p14:dur="800" advTm="15000">
+        <p14:flythrough/>
+      </p:transition>
+    </mc:Choice>
+    <mc:Fallback xmlns="">
+      <p:transition spd="slow" advTm="15000">
+        <p:fade/>
+      </p:transition>
+    </mc:Fallback>
+  </mc:AlternateContent>
 </p:sld>
 </file>
 
@@ -6790,7 +7194,7 @@
           <a:p>
             <a:r>
               <a:rPr lang="cs-CZ" dirty="0"/>
-              <a:t>Hlavní Aplikace </a:t>
+              <a:t>Aplikace </a:t>
             </a:r>
             <a:r>
               <a:rPr lang="cs-CZ" dirty="0" err="1"/>
@@ -6822,7 +7226,7 @@
         <p:spPr>
           <a:xfrm>
             <a:off x="684212" y="2375161"/>
-            <a:ext cx="8534400" cy="3615267"/>
+            <a:ext cx="8534400" cy="4184259"/>
           </a:xfrm>
         </p:spPr>
         <p:txBody>
@@ -6831,46 +7235,83 @@
           </a:bodyPr>
           <a:lstStyle/>
           <a:p>
-            <a:r>
-              <a:rPr lang="cs-CZ" sz="2800" b="1" u="sng" dirty="0" err="1"/>
+            <a:pPr marL="0" indent="0">
+              <a:buNone/>
+            </a:pPr>
+            <a:r>
+              <a:rPr lang="cs-CZ" sz="2800" b="1" u="sng" dirty="0" err="1">
+                <a:solidFill>
+                  <a:schemeClr val="bg1"/>
+                </a:solidFill>
+              </a:rPr>
               <a:t>Sway</a:t>
             </a:r>
-            <a:endParaRPr lang="cs-CZ" sz="2800" b="1" u="sng" dirty="0"/>
-          </a:p>
-          <a:p>
-            <a:r>
-              <a:rPr lang="cs-CZ" sz="2200" dirty="0"/>
-              <a:t> - je to aplikace určená k vytváření a sdílení interaktivních sestav osobních příběhů, prezentací a mnoho dalšího.</a:t>
-            </a:r>
-          </a:p>
-          <a:p>
-            <a:r>
-              <a:rPr lang="cs-CZ" sz="2800" b="1" u="sng" dirty="0"/>
+            <a:endParaRPr lang="cs-CZ" sz="2800" b="1" u="sng" dirty="0">
+              <a:solidFill>
+                <a:schemeClr val="bg1"/>
+              </a:solidFill>
+            </a:endParaRPr>
+          </a:p>
+          <a:p>
+            <a:r>
+              <a:rPr lang="cs-CZ" sz="2200" dirty="0">
+                <a:solidFill>
+                  <a:schemeClr val="bg1"/>
+                </a:solidFill>
+              </a:rPr>
+              <a:t>je to aplikace určená k vytváření a sdílení interaktivních sestav osobních příběhů, prezentací a mnoho dalšího.</a:t>
+            </a:r>
+          </a:p>
+          <a:p>
+            <a:pPr marL="0" indent="0">
+              <a:buNone/>
+            </a:pPr>
+            <a:r>
+              <a:rPr lang="cs-CZ" sz="2800" b="1" u="sng" dirty="0">
+                <a:solidFill>
+                  <a:schemeClr val="bg1"/>
+                </a:solidFill>
+              </a:rPr>
               <a:t>Visio</a:t>
             </a:r>
             <a:r>
-              <a:rPr lang="cs-CZ" sz="2400" dirty="0"/>
+              <a:rPr lang="cs-CZ" sz="2400" dirty="0">
+                <a:solidFill>
+                  <a:schemeClr val="bg1"/>
+                </a:solidFill>
+              </a:rPr>
               <a:t> </a:t>
             </a:r>
           </a:p>
           <a:p>
             <a:r>
-              <a:rPr lang="cs-CZ" sz="2400" dirty="0"/>
-              <a:t>- program pro vytváření vektorové grafiky</a:t>
-            </a:r>
-            <a:br>
-              <a:rPr lang="cs-CZ" sz="2400" dirty="0"/>
-            </a:br>
-            <a:r>
-              <a:rPr lang="cs-CZ" sz="2400" dirty="0"/>
-              <a:t>- používá se k vytváření různých diagramů – např: vývojové diagramy, síťové diagramy, organizační diagramy, půdorysů, myšlenkových map, atd.</a:t>
+              <a:rPr lang="cs-CZ" sz="2400" dirty="0">
+                <a:solidFill>
+                  <a:schemeClr val="bg1"/>
+                </a:solidFill>
+              </a:rPr>
+              <a:t>program pro vytváření vektorové grafiky</a:t>
+            </a:r>
+          </a:p>
+          <a:p>
+            <a:r>
+              <a:rPr lang="cs-CZ" sz="2400" dirty="0">
+                <a:solidFill>
+                  <a:schemeClr val="bg1"/>
+                </a:solidFill>
+              </a:rPr>
+              <a:t>používá se k vytváření různých diagramů – např: vývojové diagramy, síťové diagramy, organizační diagramy, půdorysy, myšlenkové mapy, atd.</a:t>
             </a:r>
           </a:p>
           <a:p>
             <a:pPr marL="0" indent="0">
               <a:buNone/>
             </a:pPr>
-            <a:endParaRPr lang="cs-CZ" sz="2200" dirty="0"/>
+            <a:endParaRPr lang="cs-CZ" sz="2200" dirty="0">
+              <a:solidFill>
+                <a:schemeClr val="bg1"/>
+              </a:solidFill>
+            </a:endParaRPr>
           </a:p>
         </p:txBody>
       </p:sp>
@@ -6978,6 +7419,18 @@
   <p:clrMapOvr>
     <a:masterClrMapping/>
   </p:clrMapOvr>
+  <mc:AlternateContent xmlns:mc="http://schemas.openxmlformats.org/markup-compatibility/2006" xmlns:p14="http://schemas.microsoft.com/office/powerpoint/2010/main">
+    <mc:Choice Requires="p14">
+      <p:transition spd="slow" p14:dur="800" advTm="15000">
+        <p14:flythrough/>
+      </p:transition>
+    </mc:Choice>
+    <mc:Fallback xmlns="">
+      <p:transition spd="slow" advTm="15000">
+        <p:fade/>
+      </p:transition>
+    </mc:Fallback>
+  </mc:AlternateContent>
 </p:sld>
 </file>
 
@@ -7026,7 +7479,7 @@
           <a:p>
             <a:r>
               <a:rPr lang="cs-CZ" dirty="0"/>
-              <a:t>Hlavní aplikace </a:t>
+              <a:t>aplikace </a:t>
             </a:r>
             <a:r>
               <a:rPr lang="cs-CZ" dirty="0" err="1"/>
@@ -7067,28 +7520,54 @@
           </a:bodyPr>
           <a:lstStyle/>
           <a:p>
-            <a:r>
-              <a:rPr lang="cs-CZ" sz="2800" b="1" u="sng" dirty="0" err="1"/>
+            <a:pPr marL="0" indent="0">
+              <a:buNone/>
+            </a:pPr>
+            <a:r>
+              <a:rPr lang="cs-CZ" sz="2800" b="1" u="sng" dirty="0" err="1">
+                <a:solidFill>
+                  <a:schemeClr val="bg1"/>
+                </a:solidFill>
+              </a:rPr>
               <a:t>Acces</a:t>
             </a:r>
-            <a:endParaRPr lang="cs-CZ" sz="2800" b="1" u="sng" dirty="0"/>
-          </a:p>
-          <a:p>
-            <a:r>
-              <a:rPr lang="cs-CZ" sz="2200" dirty="0"/>
-              <a:t> - systém pro správu databází, slouží k vytváření podnikových aplikací</a:t>
-            </a:r>
-          </a:p>
-          <a:p>
-            <a:r>
-              <a:rPr lang="cs-CZ" sz="2800" b="1" u="sng" dirty="0"/>
+            <a:endParaRPr lang="cs-CZ" sz="2800" b="1" u="sng" dirty="0">
+              <a:solidFill>
+                <a:schemeClr val="bg1"/>
+              </a:solidFill>
+            </a:endParaRPr>
+          </a:p>
+          <a:p>
+            <a:r>
+              <a:rPr lang="cs-CZ" sz="2200" dirty="0">
+                <a:solidFill>
+                  <a:schemeClr val="bg1"/>
+                </a:solidFill>
+              </a:rPr>
+              <a:t>systém pro správu databází, slouží k vytváření podnikových aplikací</a:t>
+            </a:r>
+          </a:p>
+          <a:p>
+            <a:pPr marL="0" indent="0">
+              <a:buNone/>
+            </a:pPr>
+            <a:r>
+              <a:rPr lang="cs-CZ" sz="2800" b="1" u="sng" dirty="0">
+                <a:solidFill>
+                  <a:schemeClr val="bg1"/>
+                </a:solidFill>
+              </a:rPr>
               <a:t>Project</a:t>
             </a:r>
           </a:p>
           <a:p>
             <a:r>
-              <a:rPr lang="cs-CZ" sz="2200" dirty="0"/>
-              <a:t> - je to software pro řízení projektů – slouží k sledování pokroku, správě rozpočtu, analýze pracovního vytížení, přiřazování zdrojů k úkolům, pomáhá při vytváření projektového plánu </a:t>
+              <a:rPr lang="cs-CZ" sz="2200" dirty="0">
+                <a:solidFill>
+                  <a:schemeClr val="bg1"/>
+                </a:solidFill>
+              </a:rPr>
+              <a:t>je to software pro řízení projektů – slouží k sledování pokroku, správě rozpočtu, analýze pracovního vytížení, přiřazování zdrojů k úkolům, pomáhá při vytváření projektového plánu </a:t>
             </a:r>
           </a:p>
         </p:txBody>
@@ -7197,6 +7676,18 @@
   <p:clrMapOvr>
     <a:masterClrMapping/>
   </p:clrMapOvr>
+  <mc:AlternateContent xmlns:mc="http://schemas.openxmlformats.org/markup-compatibility/2006" xmlns:p14="http://schemas.microsoft.com/office/powerpoint/2010/main">
+    <mc:Choice Requires="p14">
+      <p:transition spd="slow" p14:dur="800" advTm="15000">
+        <p14:flythrough/>
+      </p:transition>
+    </mc:Choice>
+    <mc:Fallback xmlns="">
+      <p:transition spd="slow" advTm="15000">
+        <p:fade/>
+      </p:transition>
+    </mc:Fallback>
+  </mc:AlternateContent>
 </p:sld>
 </file>
 
@@ -7245,7 +7736,7 @@
           <a:p>
             <a:r>
               <a:rPr lang="cs-CZ" dirty="0"/>
-              <a:t>Hlavní aplikace Microsoft 365</a:t>
+              <a:t>aplikace Microsoft 365</a:t>
             </a:r>
           </a:p>
         </p:txBody>
@@ -7269,66 +7760,99 @@
         <p:spPr>
           <a:xfrm>
             <a:off x="684212" y="2085392"/>
-            <a:ext cx="8534400" cy="3615267"/>
+            <a:ext cx="8534400" cy="4686252"/>
           </a:xfrm>
         </p:spPr>
         <p:txBody>
           <a:bodyPr>
-            <a:normAutofit fontScale="92500" lnSpcReduction="20000"/>
+            <a:normAutofit/>
           </a:bodyPr>
           <a:lstStyle/>
           <a:p>
-            <a:r>
-              <a:rPr lang="cs-CZ" sz="2800" b="1" u="sng" dirty="0" err="1"/>
+            <a:pPr marL="0" indent="0">
+              <a:buNone/>
+            </a:pPr>
+            <a:r>
+              <a:rPr lang="cs-CZ" sz="2800" b="1" u="sng" dirty="0" err="1">
+                <a:solidFill>
+                  <a:schemeClr val="bg1"/>
+                </a:solidFill>
+              </a:rPr>
               <a:t>Sharepoint</a:t>
             </a:r>
-            <a:endParaRPr lang="cs-CZ" sz="2800" b="1" u="sng" dirty="0"/>
-          </a:p>
-          <a:p>
-            <a:r>
-              <a:rPr lang="cs-CZ" sz="2200" dirty="0"/>
-              <a:t> </a:t>
-            </a:r>
-            <a:r>
-              <a:rPr lang="cs-CZ" sz="2400" dirty="0"/>
-              <a:t>- platforma pro spolupráci - systém pro správu a ukládání dokumentů</a:t>
-            </a:r>
-          </a:p>
-          <a:p>
-            <a:r>
-              <a:rPr lang="cs-CZ" sz="3000" b="1" u="sng" dirty="0"/>
+            <a:endParaRPr lang="cs-CZ" sz="2800" b="1" u="sng" dirty="0">
+              <a:solidFill>
+                <a:schemeClr val="bg1"/>
+              </a:solidFill>
+            </a:endParaRPr>
+          </a:p>
+          <a:p>
+            <a:r>
+              <a:rPr lang="cs-CZ" sz="2200" dirty="0">
+                <a:solidFill>
+                  <a:schemeClr val="bg1"/>
+                </a:solidFill>
+              </a:rPr>
+              <a:t>platforma pro spolupráci - systém pro správu a ukládání dokumentů</a:t>
+            </a:r>
+          </a:p>
+          <a:p>
+            <a:pPr marL="0" indent="0">
+              <a:buNone/>
+            </a:pPr>
+            <a:r>
+              <a:rPr lang="cs-CZ" sz="3000" b="1" u="sng" dirty="0">
+                <a:solidFill>
+                  <a:schemeClr val="bg1"/>
+                </a:solidFill>
+              </a:rPr>
               <a:t>Stream</a:t>
             </a:r>
           </a:p>
           <a:p>
             <a:r>
-              <a:rPr lang="cs-CZ" sz="2200" dirty="0"/>
-              <a:t> </a:t>
-            </a:r>
-            <a:r>
-              <a:rPr lang="cs-CZ" sz="2400" dirty="0"/>
-              <a:t>– služba pro sdílení videa, nahradil Office 365 video</a:t>
-            </a:r>
-          </a:p>
-          <a:p>
-            <a:r>
-              <a:rPr lang="cs-CZ" sz="3000" b="1" u="sng" dirty="0" err="1"/>
+              <a:rPr lang="cs-CZ" sz="2200" dirty="0">
+                <a:solidFill>
+                  <a:schemeClr val="bg1"/>
+                </a:solidFill>
+              </a:rPr>
+              <a:t>služba pro sdílení videa, nahradil Office 365 video</a:t>
+            </a:r>
+          </a:p>
+          <a:p>
+            <a:pPr marL="0" indent="0">
+              <a:buNone/>
+            </a:pPr>
+            <a:r>
+              <a:rPr lang="cs-CZ" sz="3000" b="1" u="sng" dirty="0" err="1">
+                <a:solidFill>
+                  <a:schemeClr val="bg1"/>
+                </a:solidFill>
+              </a:rPr>
               <a:t>Yammer</a:t>
             </a:r>
-            <a:endParaRPr lang="cs-CZ" sz="3000" b="1" u="sng" dirty="0"/>
-          </a:p>
-          <a:p>
-            <a:r>
-              <a:rPr lang="cs-CZ" sz="2200" dirty="0"/>
-              <a:t> </a:t>
-            </a:r>
-            <a:r>
-              <a:rPr lang="cs-CZ" sz="2400" dirty="0"/>
-              <a:t>– je to služba podnikových sociálních sítí – používá se pro soukromou komunikaci mezi organizacemi, pro sítě zahrnující různé organizace</a:t>
-            </a:r>
-          </a:p>
-          <a:p>
-            <a:endParaRPr lang="cs-CZ" sz="2200" dirty="0"/>
+            <a:endParaRPr lang="cs-CZ" sz="3000" b="1" u="sng" dirty="0">
+              <a:solidFill>
+                <a:schemeClr val="bg1"/>
+              </a:solidFill>
+            </a:endParaRPr>
+          </a:p>
+          <a:p>
+            <a:r>
+              <a:rPr lang="cs-CZ" sz="2200" dirty="0">
+                <a:solidFill>
+                  <a:schemeClr val="bg1"/>
+                </a:solidFill>
+              </a:rPr>
+              <a:t>je to služba podnikových sociálních sítí – používá se pro soukromou komunikaci mezi organizacemi, pro sítě zahrnující různé organizace</a:t>
+            </a:r>
+          </a:p>
+          <a:p>
+            <a:endParaRPr lang="cs-CZ" sz="2200" dirty="0">
+              <a:solidFill>
+                <a:schemeClr val="bg1"/>
+              </a:solidFill>
+            </a:endParaRPr>
           </a:p>
         </p:txBody>
       </p:sp>
@@ -7483,6 +8007,18 @@
   <p:clrMapOvr>
     <a:masterClrMapping/>
   </p:clrMapOvr>
+  <mc:AlternateContent xmlns:mc="http://schemas.openxmlformats.org/markup-compatibility/2006" xmlns:p14="http://schemas.microsoft.com/office/powerpoint/2010/main">
+    <mc:Choice Requires="p14">
+      <p:transition spd="slow" p14:dur="800" advTm="15000">
+        <p14:flythrough/>
+      </p:transition>
+    </mc:Choice>
+    <mc:Fallback xmlns="">
+      <p:transition spd="slow" advTm="15000">
+        <p:fade/>
+      </p:transition>
+    </mc:Fallback>
+  </mc:AlternateContent>
 </p:sld>
 </file>
 
@@ -7531,7 +8067,7 @@
           <a:p>
             <a:r>
               <a:rPr lang="cs-CZ" dirty="0"/>
-              <a:t>Hlavní aplikace </a:t>
+              <a:t>aplikace </a:t>
             </a:r>
             <a:r>
               <a:rPr lang="cs-CZ" dirty="0" err="1"/>
@@ -7563,69 +8099,106 @@
         <p:spPr>
           <a:xfrm>
             <a:off x="684212" y="2370668"/>
-            <a:ext cx="8534400" cy="3615267"/>
+            <a:ext cx="8534400" cy="4104777"/>
           </a:xfrm>
         </p:spPr>
         <p:txBody>
           <a:bodyPr>
-            <a:normAutofit fontScale="92500" lnSpcReduction="20000"/>
+            <a:normAutofit fontScale="92500"/>
           </a:bodyPr>
           <a:lstStyle/>
           <a:p>
-            <a:r>
-              <a:rPr lang="cs-CZ" sz="2800" b="1" u="sng" dirty="0" err="1"/>
+            <a:pPr marL="0" indent="0">
+              <a:buNone/>
+            </a:pPr>
+            <a:r>
+              <a:rPr lang="cs-CZ" sz="2800" b="1" u="sng" dirty="0" err="1">
+                <a:solidFill>
+                  <a:schemeClr val="bg1"/>
+                </a:solidFill>
+              </a:rPr>
               <a:t>Forms</a:t>
             </a:r>
-            <a:endParaRPr lang="cs-CZ" sz="2800" b="1" u="sng" dirty="0"/>
-          </a:p>
-          <a:p>
-            <a:r>
-              <a:rPr lang="cs-CZ" sz="2200" dirty="0"/>
-              <a:t> </a:t>
-            </a:r>
-            <a:r>
-              <a:rPr lang="cs-CZ" sz="2400" dirty="0"/>
-              <a:t>- program k vytváření online průzkumů</a:t>
-            </a:r>
-          </a:p>
-          <a:p>
-            <a:r>
-              <a:rPr lang="cs-CZ" sz="2800" b="1" u="sng" dirty="0" err="1"/>
+            <a:endParaRPr lang="cs-CZ" sz="2800" b="1" u="sng" dirty="0">
+              <a:solidFill>
+                <a:schemeClr val="bg1"/>
+              </a:solidFill>
+            </a:endParaRPr>
+          </a:p>
+          <a:p>
+            <a:r>
+              <a:rPr lang="cs-CZ" sz="2400" dirty="0">
+                <a:solidFill>
+                  <a:schemeClr val="bg1"/>
+                </a:solidFill>
+              </a:rPr>
+              <a:t>program k vytváření online průzkumů</a:t>
+            </a:r>
+          </a:p>
+          <a:p>
+            <a:pPr marL="0" indent="0">
+              <a:buNone/>
+            </a:pPr>
+            <a:r>
+              <a:rPr lang="cs-CZ" sz="2800" b="1" u="sng" dirty="0" err="1">
+                <a:solidFill>
+                  <a:schemeClr val="bg1"/>
+                </a:solidFill>
+              </a:rPr>
               <a:t>Planner</a:t>
             </a:r>
-            <a:endParaRPr lang="cs-CZ" sz="2800" b="1" u="sng" dirty="0"/>
-          </a:p>
-          <a:p>
-            <a:r>
-              <a:rPr lang="cs-CZ" sz="2200" dirty="0"/>
-              <a:t> </a:t>
-            </a:r>
-            <a:r>
-              <a:rPr lang="cs-CZ" sz="2400" dirty="0"/>
-              <a:t>– plánovací aplikace, je to nástroj zaměřený na týmovou spolupráci (správa týmu, sdílení souborů, organizace)</a:t>
-            </a:r>
-          </a:p>
-          <a:p>
-            <a:r>
-              <a:rPr lang="cs-CZ" sz="3000" b="1" u="sng" dirty="0"/>
+            <a:endParaRPr lang="cs-CZ" sz="2800" b="1" u="sng" dirty="0">
+              <a:solidFill>
+                <a:schemeClr val="bg1"/>
+              </a:solidFill>
+            </a:endParaRPr>
+          </a:p>
+          <a:p>
+            <a:r>
+              <a:rPr lang="cs-CZ" sz="2400" dirty="0">
+                <a:solidFill>
+                  <a:schemeClr val="bg1"/>
+                </a:solidFill>
+              </a:rPr>
+              <a:t>plánovací aplikace, je to nástroj zaměřený na týmovou spolupráci (správa týmu, sdílení souborů, organizace)</a:t>
+            </a:r>
+          </a:p>
+          <a:p>
+            <a:pPr marL="0" indent="0">
+              <a:buNone/>
+            </a:pPr>
+            <a:r>
+              <a:rPr lang="cs-CZ" sz="3000" b="1" u="sng" dirty="0">
+                <a:solidFill>
+                  <a:schemeClr val="bg1"/>
+                </a:solidFill>
+              </a:rPr>
               <a:t>To do</a:t>
             </a:r>
           </a:p>
           <a:p>
             <a:r>
-              <a:rPr lang="cs-CZ" sz="2200" dirty="0"/>
-              <a:t> </a:t>
-            </a:r>
-            <a:r>
-              <a:rPr lang="cs-CZ" sz="2400" dirty="0"/>
-              <a:t>– cloudová aplikace pro správu úloh. Na rozdíl od Microsoft </a:t>
-            </a:r>
-            <a:r>
-              <a:rPr lang="cs-CZ" sz="2400" dirty="0" err="1"/>
+              <a:rPr lang="cs-CZ" sz="2400" dirty="0">
+                <a:solidFill>
+                  <a:schemeClr val="bg1"/>
+                </a:solidFill>
+              </a:rPr>
+              <a:t>cloudová aplikace pro správu úloh. Na rozdíl od Microsoft </a:t>
+            </a:r>
+            <a:r>
+              <a:rPr lang="cs-CZ" sz="2400" dirty="0" err="1">
+                <a:solidFill>
+                  <a:schemeClr val="bg1"/>
+                </a:solidFill>
+              </a:rPr>
               <a:t>planner</a:t>
             </a:r>
             <a:r>
-              <a:rPr lang="cs-CZ" sz="2400" dirty="0"/>
+              <a:rPr lang="cs-CZ" sz="2400" dirty="0">
+                <a:solidFill>
+                  <a:schemeClr val="bg1"/>
+                </a:solidFill>
+              </a:rPr>
               <a:t>, který je zaměřený na týmovou spolupráci je To do lepší pro osobní správu úloh.</a:t>
             </a:r>
           </a:p>
@@ -7782,6 +8355,18 @@
   <p:clrMapOvr>
     <a:masterClrMapping/>
   </p:clrMapOvr>
+  <mc:AlternateContent xmlns:mc="http://schemas.openxmlformats.org/markup-compatibility/2006" xmlns:p14="http://schemas.microsoft.com/office/powerpoint/2010/main">
+    <mc:Choice Requires="p14">
+      <p:transition spd="slow" p14:dur="800" advTm="15000">
+        <p14:flythrough/>
+      </p:transition>
+    </mc:Choice>
+    <mc:Fallback xmlns="">
+      <p:transition spd="slow" advTm="15000">
+        <p:fade/>
+      </p:transition>
+    </mc:Fallback>
+  </mc:AlternateContent>
 </p:sld>
 </file>
 
@@ -7830,7 +8415,7 @@
           <a:p>
             <a:r>
               <a:rPr lang="cs-CZ" dirty="0"/>
-              <a:t>Hlavní aplikace </a:t>
+              <a:t>aplikace </a:t>
             </a:r>
             <a:r>
               <a:rPr lang="cs-CZ" dirty="0" err="1"/>
@@ -7869,39 +8454,65 @@
           <a:bodyPr/>
           <a:lstStyle/>
           <a:p>
-            <a:r>
-              <a:rPr lang="cs-CZ" sz="2800" b="1" u="sng" dirty="0"/>
+            <a:pPr marL="0" indent="0">
+              <a:buNone/>
+            </a:pPr>
+            <a:r>
+              <a:rPr lang="cs-CZ" sz="2800" b="1" u="sng" dirty="0">
+                <a:solidFill>
+                  <a:schemeClr val="bg1"/>
+                </a:solidFill>
+              </a:rPr>
               <a:t>Skype</a:t>
             </a:r>
             <a:r>
-              <a:rPr lang="cs-CZ" sz="2000" dirty="0"/>
+              <a:rPr lang="cs-CZ" sz="2000" dirty="0">
+                <a:solidFill>
+                  <a:schemeClr val="bg1"/>
+                </a:solidFill>
+              </a:rPr>
               <a:t> </a:t>
             </a:r>
           </a:p>
           <a:p>
             <a:r>
-              <a:rPr lang="cs-CZ" sz="2200" dirty="0"/>
-              <a:t>- je to peer to peer program (komunikace probíhá přímo mezi uživateli), který umožňuje telefonovat a chatovat zadarmo</a:t>
-            </a:r>
-          </a:p>
-          <a:p>
-            <a:r>
-              <a:rPr lang="cs-CZ" sz="2800" b="1" u="sng" dirty="0"/>
+              <a:rPr lang="cs-CZ" sz="2200" dirty="0">
+                <a:solidFill>
+                  <a:schemeClr val="bg1"/>
+                </a:solidFill>
+              </a:rPr>
+              <a:t>je to peer to peer program (komunikace probíhá přímo mezi uživateli), který umožňuje telefonovat a chatovat zadarmo</a:t>
+            </a:r>
+          </a:p>
+          <a:p>
+            <a:pPr marL="0" indent="0">
+              <a:buNone/>
+            </a:pPr>
+            <a:r>
+              <a:rPr lang="cs-CZ" sz="2800" b="1" u="sng" dirty="0">
+                <a:solidFill>
+                  <a:schemeClr val="bg1"/>
+                </a:solidFill>
+              </a:rPr>
               <a:t>Publisher</a:t>
             </a:r>
           </a:p>
           <a:p>
             <a:r>
-              <a:rPr lang="cs-CZ" sz="2000" dirty="0"/>
-              <a:t> </a:t>
-            </a:r>
-            <a:r>
-              <a:rPr lang="cs-CZ" sz="2200" dirty="0"/>
-              <a:t>– aplikace pro publikování – podobná jako Microsoft Word, ale je kladen větší důraz na rozvržení stránky a grafický design než na kompozici textu </a:t>
-            </a:r>
-          </a:p>
-          <a:p>
-            <a:endParaRPr lang="cs-CZ" dirty="0"/>
+              <a:rPr lang="cs-CZ" sz="2200" dirty="0">
+                <a:solidFill>
+                  <a:schemeClr val="bg1"/>
+                </a:solidFill>
+              </a:rPr>
+              <a:t>aplikace pro publikování – podobná jako Microsoft Word, ale je kladen větší důraz na rozvržení stránky a grafický design než na kompozici textu </a:t>
+            </a:r>
+          </a:p>
+          <a:p>
+            <a:endParaRPr lang="cs-CZ" dirty="0">
+              <a:solidFill>
+                <a:schemeClr val="bg1"/>
+              </a:solidFill>
+            </a:endParaRPr>
           </a:p>
         </p:txBody>
       </p:sp>
@@ -8009,6 +8620,18 @@
   <p:clrMapOvr>
     <a:masterClrMapping/>
   </p:clrMapOvr>
+  <mc:AlternateContent xmlns:mc="http://schemas.openxmlformats.org/markup-compatibility/2006" xmlns:p14="http://schemas.microsoft.com/office/powerpoint/2010/main">
+    <mc:Choice Requires="p14">
+      <p:transition spd="slow" p14:dur="800" advTm="15000">
+        <p14:flythrough/>
+      </p:transition>
+    </mc:Choice>
+    <mc:Fallback xmlns="">
+      <p:transition spd="slow" advTm="15000">
+        <p:fade/>
+      </p:transition>
+    </mc:Fallback>
+  </mc:AlternateContent>
 </p:sld>
 </file>
 
@@ -9224,6 +9847,18 @@
   <p:clrMapOvr>
     <a:masterClrMapping/>
   </p:clrMapOvr>
+  <mc:AlternateContent xmlns:mc="http://schemas.openxmlformats.org/markup-compatibility/2006" xmlns:p15="http://schemas.microsoft.com/office/powerpoint/2012/main">
+    <mc:Choice Requires="p15">
+      <p:transition xmlns:p14="http://schemas.microsoft.com/office/powerpoint/2010/main" spd="slow" p14:dur="6000" advTm="5000">
+        <p15:prstTrans prst="curtains"/>
+      </p:transition>
+    </mc:Choice>
+    <mc:Fallback xmlns="">
+      <p:transition spd="slow" advTm="5000">
+        <p:fade/>
+      </p:transition>
+    </mc:Fallback>
+  </mc:AlternateContent>
 </p:sld>
 </file>
 
@@ -9258,8 +9893,8 @@
         </p:nvSpPr>
         <p:spPr>
           <a:xfrm>
-            <a:off x="448573" y="512928"/>
-            <a:ext cx="11128075" cy="6330451"/>
+            <a:off x="861878" y="350267"/>
+            <a:ext cx="9777778" cy="6647076"/>
           </a:xfrm>
           <a:prstGeom prst="rect">
             <a:avLst/>
@@ -9271,6 +9906,24 @@
             <a:spAutoFit/>
           </a:bodyPr>
           <a:lstStyle/>
+          <a:p>
+            <a:pPr>
+              <a:lnSpc>
+                <a:spcPct val="107000"/>
+              </a:lnSpc>
+              <a:spcAft>
+                <a:spcPts val="800"/>
+              </a:spcAft>
+            </a:pPr>
+            <a:endParaRPr lang="cs-CZ" sz="1300" dirty="0">
+              <a:solidFill>
+                <a:srgbClr val="000000"/>
+              </a:solidFill>
+              <a:latin typeface="Roboto Slab" pitchFamily="2" charset="0"/>
+              <a:ea typeface="Calibri" panose="020F0502020204030204" pitchFamily="34" charset="0"/>
+              <a:cs typeface="Times New Roman" panose="02020603050405020304" pitchFamily="18" charset="0"/>
+            </a:endParaRPr>
+          </a:p>
           <a:p>
             <a:pPr>
               <a:lnSpc>
@@ -10519,6 +11172,18 @@
   <p:clrMapOvr>
     <a:masterClrMapping/>
   </p:clrMapOvr>
+  <mc:AlternateContent xmlns:mc="http://schemas.openxmlformats.org/markup-compatibility/2006" xmlns:p14="http://schemas.microsoft.com/office/powerpoint/2010/main">
+    <mc:Choice Requires="p14">
+      <p:transition spd="slow" p14:dur="1300" advTm="5000">
+        <p14:pan dir="u"/>
+      </p:transition>
+    </mc:Choice>
+    <mc:Fallback xmlns="">
+      <p:transition spd="slow" advTm="5000">
+        <p:fade/>
+      </p:transition>
+    </mc:Fallback>
+  </mc:AlternateContent>
 </p:sld>
 </file>
 
@@ -10571,7 +11236,11 @@
               <a:buNone/>
             </a:pPr>
             <a:r>
-              <a:rPr lang="cs-CZ" sz="3600" dirty="0"/>
+              <a:rPr lang="cs-CZ" sz="3600" dirty="0">
+                <a:solidFill>
+                  <a:schemeClr val="bg1"/>
+                </a:solidFill>
+              </a:rPr>
               <a:t>- Microsoft 365 je soubor cloudových služeb od firmy Microsoft, který funguje na bázi předplatného a obsahuje online software kancelářských služeb.</a:t>
             </a:r>
           </a:p>
@@ -10579,7 +11248,11 @@
             <a:pPr marL="0" indent="0">
               <a:buNone/>
             </a:pPr>
-            <a:endParaRPr lang="cs-CZ" dirty="0"/>
+            <a:endParaRPr lang="cs-CZ" dirty="0">
+              <a:solidFill>
+                <a:schemeClr val="bg1"/>
+              </a:solidFill>
+            </a:endParaRPr>
           </a:p>
         </p:txBody>
       </p:sp>
@@ -10612,11 +11285,7 @@
           <a:lstStyle/>
           <a:p>
             <a:r>
-              <a:rPr lang="cs-CZ" sz="4400" dirty="0">
-                <a:solidFill>
-                  <a:schemeClr val="bg1"/>
-                </a:solidFill>
-              </a:rPr>
+              <a:rPr lang="cs-CZ" sz="4400" dirty="0"/>
               <a:t>Co to je ?</a:t>
             </a:r>
           </a:p>
@@ -10632,9 +11301,18 @@
   <p:clrMapOvr>
     <a:masterClrMapping/>
   </p:clrMapOvr>
-  <p:transition spd="slow">
-    <p:push dir="u"/>
-  </p:transition>
+  <mc:AlternateContent xmlns:mc="http://schemas.openxmlformats.org/markup-compatibility/2006" xmlns:p14="http://schemas.microsoft.com/office/powerpoint/2010/main">
+    <mc:Choice Requires="p14">
+      <p:transition spd="slow" p14:dur="800" advTm="10000">
+        <p14:flythrough/>
+      </p:transition>
+    </mc:Choice>
+    <mc:Fallback xmlns="">
+      <p:transition spd="slow" advTm="10000">
+        <p:fade/>
+      </p:transition>
+    </mc:Fallback>
+  </mc:AlternateContent>
 </p:sld>
 </file>
 
@@ -11876,6 +12554,18 @@
   <p:clrMapOvr>
     <a:masterClrMapping/>
   </p:clrMapOvr>
+  <mc:AlternateContent xmlns:mc="http://schemas.openxmlformats.org/markup-compatibility/2006" xmlns:p14="http://schemas.microsoft.com/office/powerpoint/2010/main">
+    <mc:Choice Requires="p14">
+      <p:transition spd="slow" p14:dur="1300" advTm="5000">
+        <p14:pan dir="u"/>
+      </p:transition>
+    </mc:Choice>
+    <mc:Fallback xmlns="">
+      <p:transition spd="slow" advTm="5000">
+        <p:fade/>
+      </p:transition>
+    </mc:Fallback>
+  </mc:AlternateContent>
 </p:sld>
 </file>
 
@@ -11911,7 +12601,7 @@
         <p:spPr>
           <a:xfrm>
             <a:off x="345056" y="580036"/>
-            <a:ext cx="10955548" cy="3685368"/>
+            <a:ext cx="10955548" cy="4248279"/>
           </a:xfrm>
           <a:prstGeom prst="rect">
             <a:avLst/>
@@ -12548,6 +13238,146 @@
                 <a:hlinkClick r:id="rId10"/>
               </a:rPr>
               <a:t>https://learn.microsoft.com/cs-cz/stream/streamnew/faq</a:t>
+            </a:r>
+            <a:endParaRPr lang="cs-CZ" sz="1300" u="none" strike="noStrike" dirty="0">
+              <a:solidFill>
+                <a:srgbClr val="000000"/>
+              </a:solidFill>
+              <a:effectLst/>
+              <a:latin typeface="Roboto Slab" pitchFamily="2" charset="0"/>
+              <a:ea typeface="Calibri" panose="020F0502020204030204" pitchFamily="34" charset="0"/>
+              <a:cs typeface="Times New Roman" panose="02020603050405020304" pitchFamily="18" charset="0"/>
+            </a:endParaRPr>
+          </a:p>
+          <a:p>
+            <a:pPr>
+              <a:lnSpc>
+                <a:spcPct val="107000"/>
+              </a:lnSpc>
+              <a:spcAft>
+                <a:spcPts val="800"/>
+              </a:spcAft>
+            </a:pPr>
+            <a:r>
+              <a:rPr lang="cs-CZ" sz="1400" b="0" i="1" dirty="0">
+                <a:solidFill>
+                  <a:srgbClr val="000000"/>
+                </a:solidFill>
+                <a:effectLst/>
+                <a:latin typeface="Roboto Slab" pitchFamily="2" charset="0"/>
+              </a:rPr>
+              <a:t>Microsoft Cloud </a:t>
+            </a:r>
+            <a:r>
+              <a:rPr lang="cs-CZ" sz="1400" b="0" i="1" dirty="0" err="1">
+                <a:solidFill>
+                  <a:srgbClr val="000000"/>
+                </a:solidFill>
+                <a:effectLst/>
+                <a:latin typeface="Roboto Slab" pitchFamily="2" charset="0"/>
+              </a:rPr>
+              <a:t>Migration</a:t>
+            </a:r>
+            <a:r>
+              <a:rPr lang="cs-CZ" sz="1400" b="0" i="1" dirty="0">
+                <a:solidFill>
+                  <a:srgbClr val="000000"/>
+                </a:solidFill>
+                <a:effectLst/>
+                <a:latin typeface="Roboto Slab" pitchFamily="2" charset="0"/>
+              </a:rPr>
+              <a:t> </a:t>
+            </a:r>
+            <a:r>
+              <a:rPr lang="cs-CZ" sz="1400" b="0" i="1" dirty="0" err="1">
+                <a:solidFill>
+                  <a:srgbClr val="000000"/>
+                </a:solidFill>
+                <a:effectLst/>
+                <a:latin typeface="Roboto Slab" pitchFamily="2" charset="0"/>
+              </a:rPr>
+              <a:t>Consulting</a:t>
+            </a:r>
+            <a:r>
+              <a:rPr lang="cs-CZ" sz="1400" b="0" i="1" dirty="0">
+                <a:solidFill>
+                  <a:srgbClr val="000000"/>
+                </a:solidFill>
+                <a:effectLst/>
+                <a:latin typeface="Roboto Slab" pitchFamily="2" charset="0"/>
+              </a:rPr>
+              <a:t> </a:t>
+            </a:r>
+            <a:r>
+              <a:rPr lang="cs-CZ" sz="1400" b="0" i="1" dirty="0" err="1">
+                <a:solidFill>
+                  <a:srgbClr val="000000"/>
+                </a:solidFill>
+                <a:effectLst/>
+                <a:latin typeface="Roboto Slab" pitchFamily="2" charset="0"/>
+              </a:rPr>
+              <a:t>Services</a:t>
+            </a:r>
+            <a:r>
+              <a:rPr lang="cs-CZ" sz="1400" b="0" i="1" dirty="0">
+                <a:solidFill>
+                  <a:srgbClr val="000000"/>
+                </a:solidFill>
+                <a:effectLst/>
+                <a:latin typeface="Roboto Slab" pitchFamily="2" charset="0"/>
+              </a:rPr>
+              <a:t> | Big Green IT – Microsoft Cloud </a:t>
+            </a:r>
+            <a:r>
+              <a:rPr lang="cs-CZ" sz="1400" b="0" i="1" dirty="0" err="1">
+                <a:solidFill>
+                  <a:srgbClr val="000000"/>
+                </a:solidFill>
+                <a:effectLst/>
+                <a:latin typeface="Roboto Slab" pitchFamily="2" charset="0"/>
+              </a:rPr>
+              <a:t>Consulting</a:t>
+            </a:r>
+            <a:r>
+              <a:rPr lang="cs-CZ" sz="1400" b="0" i="1" dirty="0">
+                <a:solidFill>
+                  <a:srgbClr val="000000"/>
+                </a:solidFill>
+                <a:effectLst/>
+                <a:latin typeface="Roboto Slab" pitchFamily="2" charset="0"/>
+              </a:rPr>
+              <a:t> </a:t>
+            </a:r>
+            <a:r>
+              <a:rPr lang="cs-CZ" sz="1400" b="0" i="1" dirty="0" err="1">
+                <a:solidFill>
+                  <a:srgbClr val="000000"/>
+                </a:solidFill>
+                <a:effectLst/>
+                <a:latin typeface="Roboto Slab" pitchFamily="2" charset="0"/>
+              </a:rPr>
+              <a:t>Services</a:t>
+            </a:r>
+            <a:r>
+              <a:rPr lang="cs-CZ" sz="1400" b="0" i="0" dirty="0">
+                <a:solidFill>
+                  <a:srgbClr val="000000"/>
+                </a:solidFill>
+                <a:effectLst/>
+                <a:latin typeface="Roboto Slab" pitchFamily="2" charset="0"/>
+              </a:rPr>
+              <a:t> [online]. Copyright ©5 [cit. 18.01.2023]. Dostupné z: </a:t>
+            </a:r>
+            <a:r>
+              <a:rPr lang="cs-CZ" sz="1400" b="0" i="0" u="none" strike="noStrike" dirty="0">
+                <a:solidFill>
+                  <a:srgbClr val="000000"/>
+                </a:solidFill>
+                <a:effectLst/>
+                <a:latin typeface="Roboto Slab" pitchFamily="2" charset="0"/>
+                <a:hlinkClick r:id="rId11"/>
+              </a:rPr>
+              <a:t>https://www.biggreenit.com/wp-content/uploads/Stop-Comparing.jpg</a:t>
             </a:r>
             <a:endParaRPr lang="cs-CZ" sz="1300" dirty="0">
               <a:effectLst/>
@@ -12568,6 +13398,18 @@
   <p:clrMapOvr>
     <a:masterClrMapping/>
   </p:clrMapOvr>
+  <mc:AlternateContent xmlns:mc="http://schemas.openxmlformats.org/markup-compatibility/2006" xmlns:p14="http://schemas.microsoft.com/office/powerpoint/2010/main">
+    <mc:Choice Requires="p14">
+      <p:transition spd="slow" p14:dur="1300" advTm="5000">
+        <p14:pan dir="u"/>
+      </p:transition>
+    </mc:Choice>
+    <mc:Fallback xmlns="">
+      <p:transition spd="slow" advTm="5000">
+        <p:fade/>
+      </p:transition>
+    </mc:Fallback>
+  </mc:AlternateContent>
 </p:sld>
 </file>
 
@@ -12606,23 +13448,27 @@
         </p:nvSpPr>
         <p:spPr>
           <a:xfrm>
-            <a:off x="563441" y="530525"/>
-            <a:ext cx="10676777" cy="1505310"/>
+            <a:off x="694070" y="538073"/>
+            <a:ext cx="10428019" cy="1443120"/>
           </a:xfrm>
         </p:spPr>
         <p:txBody>
           <a:bodyPr/>
           <a:lstStyle/>
           <a:p>
+            <a:pPr algn="ctr"/>
             <a:r>
               <a:rPr lang="cs-CZ" dirty="0"/>
               <a:t>Odkaz na </a:t>
             </a:r>
             <a:r>
               <a:rPr lang="cs-CZ" dirty="0" err="1"/>
-              <a:t>git</a:t>
-            </a:r>
-            <a:endParaRPr lang="cs-CZ" dirty="0"/>
+              <a:t>github</a:t>
+            </a:r>
+            <a:r>
+              <a:rPr lang="cs-CZ" dirty="0"/>
+              <a:t>:</a:t>
+            </a:r>
           </a:p>
         </p:txBody>
       </p:sp>
@@ -12644,15 +13490,25 @@
         </p:nvSpPr>
         <p:spPr>
           <a:xfrm>
-            <a:off x="718717" y="3429000"/>
-            <a:ext cx="6400800" cy="1947333"/>
+            <a:off x="359358" y="3429000"/>
+            <a:ext cx="11473283" cy="2169367"/>
           </a:xfrm>
         </p:spPr>
         <p:txBody>
-          <a:bodyPr/>
+          <a:bodyPr>
+            <a:normAutofit/>
+          </a:bodyPr>
           <a:lstStyle/>
           <a:p>
-            <a:endParaRPr lang="cs-CZ" dirty="0"/>
+            <a:pPr algn="ctr"/>
+            <a:r>
+              <a:rPr lang="cs-CZ" sz="2600" dirty="0">
+                <a:solidFill>
+                  <a:schemeClr val="bg1"/>
+                </a:solidFill>
+              </a:rPr>
+              <a:t>https://github.com/machacekadam/Office-365-a-jeho-mo-nosti.git</a:t>
+            </a:r>
           </a:p>
         </p:txBody>
       </p:sp>
@@ -12666,6 +13522,18 @@
   <p:clrMapOvr>
     <a:masterClrMapping/>
   </p:clrMapOvr>
+  <mc:AlternateContent xmlns:mc="http://schemas.openxmlformats.org/markup-compatibility/2006" xmlns:p14="http://schemas.microsoft.com/office/powerpoint/2010/main">
+    <mc:Choice Requires="p14">
+      <p:transition spd="slow" p14:dur="3000" advTm="15000">
+        <p14:gallery dir="l"/>
+      </p:transition>
+    </mc:Choice>
+    <mc:Fallback xmlns="">
+      <p:transition spd="slow" advTm="15000">
+        <p:fade/>
+      </p:transition>
+    </mc:Fallback>
+  </mc:AlternateContent>
 </p:sld>
 </file>
 
@@ -12704,8 +13572,8 @@
         </p:nvSpPr>
         <p:spPr>
           <a:xfrm>
-            <a:off x="684212" y="685800"/>
-            <a:ext cx="8534400" cy="1507067"/>
+            <a:off x="653275" y="284584"/>
+            <a:ext cx="4904826" cy="2701212"/>
           </a:xfrm>
         </p:spPr>
         <p:txBody>
@@ -12737,54 +13605,125 @@
         </p:nvSpPr>
         <p:spPr>
           <a:xfrm>
-            <a:off x="684212" y="2556933"/>
+            <a:off x="653275" y="3201780"/>
             <a:ext cx="8534400" cy="3615267"/>
           </a:xfrm>
         </p:spPr>
         <p:txBody>
-          <a:bodyPr/>
+          <a:bodyPr>
+            <a:noAutofit/>
+          </a:bodyPr>
           <a:lstStyle/>
           <a:p>
             <a:r>
-              <a:rPr lang="cs-CZ" u="sng" dirty="0"/>
+              <a:rPr lang="cs-CZ" sz="2200" u="sng" dirty="0">
+                <a:solidFill>
+                  <a:schemeClr val="bg1"/>
+                </a:solidFill>
+              </a:rPr>
               <a:t>Office 365:</a:t>
             </a:r>
-            <a:endParaRPr lang="cs-CZ" dirty="0"/>
-          </a:p>
-          <a:p>
-            <a:r>
-              <a:rPr lang="cs-CZ" dirty="0"/>
-              <a:t>Jet to cloudová sada aplikací, která obsahuje aplikace z office balíku jako je třeba Word, Excel, Powerpoint, Outlook, a další.</a:t>
-            </a:r>
-          </a:p>
-          <a:p>
-            <a:r>
-              <a:rPr lang="cs-CZ" u="sng" dirty="0"/>
+            <a:endParaRPr lang="cs-CZ" sz="2200" dirty="0">
+              <a:solidFill>
+                <a:schemeClr val="bg1"/>
+              </a:solidFill>
+            </a:endParaRPr>
+          </a:p>
+          <a:p>
+            <a:r>
+              <a:rPr lang="cs-CZ" sz="2200" dirty="0">
+                <a:solidFill>
+                  <a:schemeClr val="bg1"/>
+                </a:solidFill>
+              </a:rPr>
+              <a:t>Je to cloudová sada aplikací, která obsahuje aplikace z office balíku jako je třeba Word, Excel, Powerpoint, Outlook, a další.</a:t>
+            </a:r>
+          </a:p>
+          <a:p>
+            <a:r>
+              <a:rPr lang="cs-CZ" sz="2200" u="sng" dirty="0">
+                <a:solidFill>
+                  <a:schemeClr val="bg1"/>
+                </a:solidFill>
+              </a:rPr>
               <a:t>Microsoft 365:</a:t>
             </a:r>
           </a:p>
           <a:p>
             <a:r>
-              <a:rPr lang="cs-CZ" dirty="0"/>
+              <a:rPr lang="cs-CZ" sz="2200" dirty="0">
+                <a:solidFill>
+                  <a:schemeClr val="bg1"/>
+                </a:solidFill>
+              </a:rPr>
               <a:t>Je to balík služeb, který zahrnuje i Office 365. Obsahuje například i licenci na Windows 10 </a:t>
             </a:r>
             <a:r>
-              <a:rPr lang="cs-CZ" dirty="0" err="1"/>
+              <a:rPr lang="cs-CZ" sz="2200" dirty="0" err="1">
+                <a:solidFill>
+                  <a:schemeClr val="bg1"/>
+                </a:solidFill>
+              </a:rPr>
               <a:t>enterprise</a:t>
             </a:r>
             <a:r>
-              <a:rPr lang="cs-CZ" dirty="0"/>
+              <a:rPr lang="cs-CZ" sz="2200" dirty="0">
+                <a:solidFill>
+                  <a:schemeClr val="bg1"/>
+                </a:solidFill>
+              </a:rPr>
               <a:t>, zvýšené zabezpečení a další (závisí na plánu, který si vyberete).</a:t>
-            </a:r>
-          </a:p>
-          <a:p>
-            <a:r>
-              <a:rPr lang="cs-CZ" dirty="0"/>
-              <a:t> </a:t>
             </a:r>
           </a:p>
         </p:txBody>
       </p:sp>
+      <p:pic>
+        <p:nvPicPr>
+          <p:cNvPr id="1026" name="Picture 2">
+            <a:extLst>
+              <a:ext uri="{FF2B5EF4-FFF2-40B4-BE49-F238E27FC236}">
+                <a16:creationId xmlns:a16="http://schemas.microsoft.com/office/drawing/2014/main" id="{1B785EEB-2BA1-A5E3-0598-2CD59580AF4D}"/>
+              </a:ext>
+            </a:extLst>
+          </p:cNvPr>
+          <p:cNvPicPr>
+            <a:picLocks noChangeAspect="1" noChangeArrowheads="1"/>
+          </p:cNvPicPr>
+          <p:nvPr/>
+        </p:nvPicPr>
+        <p:blipFill>
+          <a:blip r:embed="rId2">
+            <a:extLst>
+              <a:ext uri="{28A0092B-C50C-407E-A947-70E740481C1C}">
+                <a14:useLocalDpi xmlns:a14="http://schemas.microsoft.com/office/drawing/2010/main" val="0"/>
+              </a:ext>
+            </a:extLst>
+          </a:blip>
+          <a:srcRect/>
+          <a:stretch>
+            <a:fillRect/>
+          </a:stretch>
+        </p:blipFill>
+        <p:spPr bwMode="auto">
+          <a:xfrm>
+            <a:off x="5657330" y="284584"/>
+            <a:ext cx="6372952" cy="2917196"/>
+          </a:xfrm>
+          <a:prstGeom prst="rect">
+            <a:avLst/>
+          </a:prstGeom>
+          <a:noFill/>
+          <a:extLst>
+            <a:ext uri="{909E8E84-426E-40DD-AFC4-6F175D3DCCD1}">
+              <a14:hiddenFill xmlns:a14="http://schemas.microsoft.com/office/drawing/2010/main">
+                <a:solidFill>
+                  <a:srgbClr val="FFFFFF"/>
+                </a:solidFill>
+              </a14:hiddenFill>
+            </a:ext>
+          </a:extLst>
+        </p:spPr>
+      </p:pic>
     </p:spTree>
     <p:extLst>
       <p:ext uri="{BB962C8B-B14F-4D97-AF65-F5344CB8AC3E}">
@@ -12795,6 +13734,18 @@
   <p:clrMapOvr>
     <a:masterClrMapping/>
   </p:clrMapOvr>
+  <mc:AlternateContent xmlns:mc="http://schemas.openxmlformats.org/markup-compatibility/2006" xmlns:p14="http://schemas.microsoft.com/office/powerpoint/2010/main">
+    <mc:Choice Requires="p14">
+      <p:transition spd="slow" p14:dur="800" advTm="15000">
+        <p14:flythrough/>
+      </p:transition>
+    </mc:Choice>
+    <mc:Fallback xmlns="">
+      <p:transition spd="slow" advTm="15000">
+        <p:fade/>
+      </p:transition>
+    </mc:Fallback>
+  </mc:AlternateContent>
 </p:sld>
 </file>
 
@@ -12871,30 +13822,48 @@
           </a:xfrm>
         </p:spPr>
         <p:txBody>
-          <a:bodyPr/>
+          <a:bodyPr>
+            <a:normAutofit/>
+          </a:bodyPr>
           <a:lstStyle/>
           <a:p>
             <a:r>
-              <a:rPr lang="cs-CZ" dirty="0"/>
-              <a:t>- Microsoft 365 (tehdy ještě Office 365) vznikl v roce 2011 a pro spotřebitele 	byl uvede v roce 2013</a:t>
-            </a:r>
-          </a:p>
-          <a:p>
-            <a:r>
-              <a:rPr lang="cs-CZ" dirty="0"/>
+              <a:rPr lang="cs-CZ" sz="2200" dirty="0">
+                <a:solidFill>
+                  <a:schemeClr val="bg1"/>
+                </a:solidFill>
+              </a:rPr>
+              <a:t>Microsoft 365 (tehdy ještě Office 365) vznikl v roce 2011 a pro spotřebitele byl uveden v roce 2013</a:t>
+            </a:r>
+          </a:p>
+          <a:p>
+            <a:r>
+              <a:rPr lang="cs-CZ" sz="2200" dirty="0">
+                <a:solidFill>
+                  <a:schemeClr val="bg1"/>
+                </a:solidFill>
+              </a:rPr>
               <a:t>Vznikl jako reakce na tehdejší popularitu cloudových řešení. </a:t>
             </a:r>
           </a:p>
           <a:p>
             <a:r>
-              <a:rPr lang="cs-CZ" dirty="0"/>
-              <a:t>- Cloudové řešení spočívalo v tom, že se uživatel nemusel starat o  provozování vlastních serverů, protože servery provozoval majitel (Microsoft).</a:t>
-            </a:r>
-          </a:p>
-          <a:p>
-            <a:r>
-              <a:rPr lang="cs-CZ" dirty="0"/>
-              <a:t>- Office byl před vznikem cloudového řešení především  samostatný kancelářský software pro Windows a macOS.</a:t>
+              <a:rPr lang="cs-CZ" sz="2200" dirty="0">
+                <a:solidFill>
+                  <a:schemeClr val="bg1"/>
+                </a:solidFill>
+              </a:rPr>
+              <a:t>Cloudové řešení spočívalo v tom, že se uživatel nemusel starat o  provozování vlastních serverů, protože servery provozoval majitel (Microsoft).</a:t>
+            </a:r>
+          </a:p>
+          <a:p>
+            <a:r>
+              <a:rPr lang="cs-CZ" sz="2200" dirty="0">
+                <a:solidFill>
+                  <a:schemeClr val="bg1"/>
+                </a:solidFill>
+              </a:rPr>
+              <a:t>Office byl před vznikem cloudového řešení především  samostatný kancelářský software pro Windows a macOS.</a:t>
             </a:r>
           </a:p>
         </p:txBody>
@@ -12909,6 +13878,18 @@
   <p:clrMapOvr>
     <a:masterClrMapping/>
   </p:clrMapOvr>
+  <mc:AlternateContent xmlns:mc="http://schemas.openxmlformats.org/markup-compatibility/2006" xmlns:p14="http://schemas.microsoft.com/office/powerpoint/2010/main">
+    <mc:Choice Requires="p14">
+      <p:transition spd="slow" p14:dur="800" advTm="20000">
+        <p14:flythrough/>
+      </p:transition>
+    </mc:Choice>
+    <mc:Fallback xmlns="">
+      <p:transition spd="slow" advTm="20000">
+        <p:fade/>
+      </p:transition>
+    </mc:Fallback>
+  </mc:AlternateContent>
 </p:sld>
 </file>
 
@@ -12992,7 +13973,11 @@
               <a:buNone/>
             </a:pPr>
             <a:r>
-              <a:rPr lang="cs-CZ" sz="2400" dirty="0"/>
+              <a:rPr lang="cs-CZ" sz="2800" dirty="0">
+                <a:solidFill>
+                  <a:schemeClr val="bg1"/>
+                </a:solidFill>
+              </a:rPr>
               <a:t>Microsoft dává na výběr ze 4 hlavních plánů:</a:t>
             </a:r>
           </a:p>
@@ -13000,34 +13985,58 @@
             <a:pPr marL="0" indent="0">
               <a:buNone/>
             </a:pPr>
-            <a:endParaRPr lang="cs-CZ" sz="2400" dirty="0"/>
-          </a:p>
-          <a:p>
-            <a:r>
-              <a:rPr lang="cs-CZ" dirty="0"/>
+            <a:endParaRPr lang="cs-CZ" sz="2800" dirty="0">
+              <a:solidFill>
+                <a:schemeClr val="bg1"/>
+              </a:solidFill>
+            </a:endParaRPr>
+          </a:p>
+          <a:p>
+            <a:r>
+              <a:rPr lang="cs-CZ" sz="2200" dirty="0">
+                <a:solidFill>
+                  <a:schemeClr val="bg1"/>
+                </a:solidFill>
+              </a:rPr>
               <a:t>1. Plán pro rodiny a jednotlivce</a:t>
             </a:r>
           </a:p>
           <a:p>
             <a:r>
-              <a:rPr lang="cs-CZ" dirty="0"/>
+              <a:rPr lang="cs-CZ" sz="2200" dirty="0">
+                <a:solidFill>
+                  <a:schemeClr val="bg1"/>
+                </a:solidFill>
+              </a:rPr>
               <a:t>2. Plán pro vzdělávání</a:t>
             </a:r>
           </a:p>
           <a:p>
             <a:r>
-              <a:rPr lang="cs-CZ" dirty="0"/>
+              <a:rPr lang="cs-CZ" sz="2200" dirty="0">
+                <a:solidFill>
+                  <a:schemeClr val="bg1"/>
+                </a:solidFill>
+              </a:rPr>
               <a:t>3. Plán pro firmy </a:t>
             </a:r>
           </a:p>
           <a:p>
             <a:r>
-              <a:rPr lang="cs-CZ" dirty="0"/>
+              <a:rPr lang="cs-CZ" sz="2200" dirty="0">
+                <a:solidFill>
+                  <a:schemeClr val="bg1"/>
+                </a:solidFill>
+              </a:rPr>
               <a:t>4. Plán pro větší podniky</a:t>
             </a:r>
           </a:p>
           <a:p>
-            <a:endParaRPr lang="cs-CZ" dirty="0"/>
+            <a:endParaRPr lang="cs-CZ" dirty="0">
+              <a:solidFill>
+                <a:schemeClr val="bg1"/>
+              </a:solidFill>
+            </a:endParaRPr>
           </a:p>
         </p:txBody>
       </p:sp>
@@ -13041,6 +14050,18 @@
   <p:clrMapOvr>
     <a:masterClrMapping/>
   </p:clrMapOvr>
+  <mc:AlternateContent xmlns:mc="http://schemas.openxmlformats.org/markup-compatibility/2006" xmlns:p14="http://schemas.microsoft.com/office/powerpoint/2010/main">
+    <mc:Choice Requires="p14">
+      <p:transition spd="slow" p14:dur="800" advTm="10000">
+        <p14:flythrough/>
+      </p:transition>
+    </mc:Choice>
+    <mc:Fallback xmlns="">
+      <p:transition spd="slow" advTm="10000">
+        <p:fade/>
+      </p:transition>
+    </mc:Fallback>
+  </mc:AlternateContent>
 </p:sld>
 </file>
 
@@ -13117,50 +14138,88 @@
           </a:xfrm>
         </p:spPr>
         <p:txBody>
-          <a:bodyPr/>
+          <a:bodyPr>
+            <a:normAutofit/>
+          </a:bodyPr>
           <a:lstStyle/>
           <a:p>
             <a:r>
-              <a:rPr lang="cs-CZ" dirty="0"/>
+              <a:rPr lang="cs-CZ" sz="2200" dirty="0">
+                <a:solidFill>
+                  <a:schemeClr val="bg1"/>
+                </a:solidFill>
+              </a:rPr>
               <a:t>Obsahuje desktopové aplikace Office jako jsou Word, Excel a Powerpoint. </a:t>
             </a:r>
           </a:p>
           <a:p>
             <a:r>
-              <a:rPr lang="cs-CZ" dirty="0"/>
+              <a:rPr lang="cs-CZ" sz="2200" dirty="0">
+                <a:solidFill>
+                  <a:schemeClr val="bg1"/>
+                </a:solidFill>
+              </a:rPr>
               <a:t>Nabízí online úložiště na </a:t>
             </a:r>
             <a:r>
-              <a:rPr lang="cs-CZ" dirty="0" err="1"/>
+              <a:rPr lang="cs-CZ" sz="2200" dirty="0" err="1">
+                <a:solidFill>
+                  <a:schemeClr val="bg1"/>
+                </a:solidFill>
+              </a:rPr>
               <a:t>onedrive</a:t>
             </a:r>
             <a:r>
-              <a:rPr lang="cs-CZ" dirty="0"/>
+              <a:rPr lang="cs-CZ" sz="2200" dirty="0">
+                <a:solidFill>
+                  <a:schemeClr val="bg1"/>
+                </a:solidFill>
+              </a:rPr>
               <a:t> (až 6 TB) a jiné cloudové funkce. </a:t>
             </a:r>
           </a:p>
           <a:p>
             <a:r>
-              <a:rPr lang="cs-CZ" dirty="0"/>
+              <a:rPr lang="cs-CZ" sz="2200" dirty="0">
+                <a:solidFill>
+                  <a:schemeClr val="bg1"/>
+                </a:solidFill>
+              </a:rPr>
               <a:t>Je také kompatibilní se zařízeními od Apple a s Androidem</a:t>
             </a:r>
           </a:p>
           <a:p>
             <a:r>
-              <a:rPr lang="cs-CZ" dirty="0"/>
+              <a:rPr lang="cs-CZ" sz="2200" dirty="0">
+                <a:solidFill>
+                  <a:schemeClr val="bg1"/>
+                </a:solidFill>
+              </a:rPr>
               <a:t>Lze použít na více zařízeních najednou</a:t>
             </a:r>
           </a:p>
           <a:p>
             <a:r>
-              <a:rPr lang="cs-CZ" dirty="0"/>
+              <a:rPr lang="cs-CZ" sz="2200" dirty="0">
+                <a:solidFill>
+                  <a:schemeClr val="bg1"/>
+                </a:solidFill>
+              </a:rPr>
               <a:t>Pokročilé zabezpečení uživatelských dat pomocí služby Windows </a:t>
             </a:r>
             <a:r>
-              <a:rPr lang="cs-CZ" dirty="0" err="1"/>
+              <a:rPr lang="cs-CZ" sz="2200" dirty="0" err="1">
+                <a:solidFill>
+                  <a:schemeClr val="bg1"/>
+                </a:solidFill>
+              </a:rPr>
               <a:t>Defender</a:t>
             </a:r>
-            <a:endParaRPr lang="cs-CZ" dirty="0"/>
+            <a:endParaRPr lang="cs-CZ" sz="2200" dirty="0">
+              <a:solidFill>
+                <a:schemeClr val="bg1"/>
+              </a:solidFill>
+            </a:endParaRPr>
           </a:p>
         </p:txBody>
       </p:sp>
@@ -13174,6 +14233,18 @@
   <p:clrMapOvr>
     <a:masterClrMapping/>
   </p:clrMapOvr>
+  <mc:AlternateContent xmlns:mc="http://schemas.openxmlformats.org/markup-compatibility/2006" xmlns:p14="http://schemas.microsoft.com/office/powerpoint/2010/main">
+    <mc:Choice Requires="p14">
+      <p:transition spd="slow" p14:dur="800" advTm="15000">
+        <p14:flythrough/>
+      </p:transition>
+    </mc:Choice>
+    <mc:Fallback xmlns="">
+      <p:transition spd="slow" advTm="15000">
+        <p:fade/>
+      </p:transition>
+    </mc:Fallback>
+  </mc:AlternateContent>
 </p:sld>
 </file>
 
@@ -13245,7 +14316,7 @@
         </p:nvSpPr>
         <p:spPr>
           <a:xfrm>
-            <a:off x="684212" y="1700463"/>
+            <a:off x="796180" y="1700463"/>
             <a:ext cx="8534400" cy="5157537"/>
           </a:xfrm>
         </p:spPr>
@@ -13255,129 +14326,273 @@
           </a:bodyPr>
           <a:lstStyle/>
           <a:p>
-            <a:r>
-              <a:rPr lang="cs-CZ" dirty="0"/>
-              <a:t>  plán pro vzdělávání se dělí na tři hlavní skupiny: </a:t>
-            </a:r>
-          </a:p>
-          <a:p>
-            <a:r>
-              <a:rPr lang="cs-CZ" dirty="0"/>
-              <a:t>1) Microsoft 365 </a:t>
-            </a:r>
-            <a:r>
-              <a:rPr lang="cs-CZ" dirty="0" err="1"/>
+            <a:pPr marL="0" indent="0">
+              <a:buNone/>
+            </a:pPr>
+            <a:r>
+              <a:rPr lang="cs-CZ" dirty="0">
+                <a:solidFill>
+                  <a:schemeClr val="bg1"/>
+                </a:solidFill>
+              </a:rPr>
+              <a:t>  Plán pro vzdělávání se dělí na tři hlavní skupiny: </a:t>
+            </a:r>
+          </a:p>
+          <a:p>
+            <a:pPr marL="0" indent="0">
+              <a:buNone/>
+            </a:pPr>
+            <a:r>
+              <a:rPr lang="cs-CZ" dirty="0">
+                <a:solidFill>
+                  <a:schemeClr val="bg1"/>
+                </a:solidFill>
+              </a:rPr>
+              <a:t>1) </a:t>
+            </a:r>
+            <a:r>
+              <a:rPr lang="cs-CZ" u="sng" dirty="0">
+                <a:solidFill>
+                  <a:schemeClr val="bg1"/>
+                </a:solidFill>
+              </a:rPr>
+              <a:t>Microsoft 365 </a:t>
+            </a:r>
+            <a:r>
+              <a:rPr lang="cs-CZ" u="sng" dirty="0" err="1">
+                <a:solidFill>
+                  <a:schemeClr val="bg1"/>
+                </a:solidFill>
+              </a:rPr>
               <a:t>Education</a:t>
             </a:r>
             <a:r>
-              <a:rPr lang="cs-CZ" dirty="0"/>
+              <a:rPr lang="cs-CZ" u="sng" dirty="0">
+                <a:solidFill>
+                  <a:schemeClr val="bg1"/>
+                </a:solidFill>
+              </a:rPr>
               <a:t> A1 </a:t>
             </a:r>
           </a:p>
           <a:p>
             <a:r>
-              <a:rPr lang="cs-CZ" dirty="0"/>
+              <a:rPr lang="cs-CZ" dirty="0">
+                <a:solidFill>
+                  <a:schemeClr val="bg1"/>
+                </a:solidFill>
+              </a:rPr>
               <a:t>Je to jednorázové řešení pro jedno zařízení</a:t>
             </a:r>
           </a:p>
           <a:p>
             <a:r>
-              <a:rPr lang="cs-CZ" dirty="0"/>
-              <a:t>- obsahuje základní funkce jako jsou Word, Excel, Powerpoint, Teams a další.</a:t>
-            </a:r>
-          </a:p>
-          <a:p>
-            <a:r>
-              <a:rPr lang="cs-CZ" dirty="0"/>
+              <a:rPr lang="cs-CZ" dirty="0">
+                <a:solidFill>
+                  <a:schemeClr val="bg1"/>
+                </a:solidFill>
+              </a:rPr>
+              <a:t>obsahuje základní funkce jako jsou Word, Excel, Powerpoint, Teams a další.</a:t>
+            </a:r>
+          </a:p>
+          <a:p>
+            <a:r>
+              <a:rPr lang="cs-CZ" dirty="0">
+                <a:solidFill>
+                  <a:schemeClr val="bg1"/>
+                </a:solidFill>
+              </a:rPr>
               <a:t>Licence také nabízí cloudovou samosprávu v pomocí aplikace Microsoft </a:t>
             </a:r>
             <a:r>
-              <a:rPr lang="cs-CZ" dirty="0" err="1"/>
+              <a:rPr lang="cs-CZ" dirty="0" err="1">
+                <a:solidFill>
+                  <a:schemeClr val="bg1"/>
+                </a:solidFill>
+              </a:rPr>
               <a:t>Intune</a:t>
             </a:r>
             <a:r>
-              <a:rPr lang="cs-CZ" dirty="0"/>
+              <a:rPr lang="cs-CZ" dirty="0">
+                <a:solidFill>
+                  <a:schemeClr val="bg1"/>
+                </a:solidFill>
+              </a:rPr>
               <a:t> </a:t>
             </a:r>
             <a:r>
-              <a:rPr lang="cs-CZ" dirty="0" err="1"/>
+              <a:rPr lang="cs-CZ" dirty="0" err="1">
+                <a:solidFill>
+                  <a:schemeClr val="bg1"/>
+                </a:solidFill>
+              </a:rPr>
               <a:t>for</a:t>
             </a:r>
             <a:r>
-              <a:rPr lang="cs-CZ" dirty="0"/>
+              <a:rPr lang="cs-CZ" dirty="0">
+                <a:solidFill>
+                  <a:schemeClr val="bg1"/>
+                </a:solidFill>
+              </a:rPr>
               <a:t> </a:t>
             </a:r>
             <a:r>
-              <a:rPr lang="cs-CZ" dirty="0" err="1"/>
+              <a:rPr lang="cs-CZ" dirty="0" err="1">
+                <a:solidFill>
+                  <a:schemeClr val="bg1"/>
+                </a:solidFill>
+              </a:rPr>
               <a:t>Education</a:t>
             </a:r>
             <a:r>
-              <a:rPr lang="cs-CZ" dirty="0"/>
+              <a:rPr lang="cs-CZ" dirty="0">
+                <a:solidFill>
+                  <a:schemeClr val="bg1"/>
+                </a:solidFill>
+              </a:rPr>
               <a:t> (slouží k správě vašich zařízení)</a:t>
             </a:r>
           </a:p>
           <a:p>
-            <a:r>
-              <a:rPr lang="cs-CZ" dirty="0"/>
-              <a:t>2) Microsoft 365 </a:t>
-            </a:r>
-            <a:r>
-              <a:rPr lang="cs-CZ" dirty="0" err="1"/>
+            <a:pPr marL="0" indent="0">
+              <a:buNone/>
+            </a:pPr>
+            <a:r>
+              <a:rPr lang="cs-CZ" dirty="0">
+                <a:solidFill>
+                  <a:schemeClr val="bg1"/>
+                </a:solidFill>
+              </a:rPr>
+              <a:t>2) </a:t>
+            </a:r>
+            <a:r>
+              <a:rPr lang="cs-CZ" u="sng" dirty="0">
+                <a:solidFill>
+                  <a:schemeClr val="bg1"/>
+                </a:solidFill>
+              </a:rPr>
+              <a:t>Microsoft 365 </a:t>
+            </a:r>
+            <a:r>
+              <a:rPr lang="cs-CZ" u="sng" dirty="0" err="1">
+                <a:solidFill>
+                  <a:schemeClr val="bg1"/>
+                </a:solidFill>
+              </a:rPr>
               <a:t>Education</a:t>
             </a:r>
             <a:r>
-              <a:rPr lang="cs-CZ" dirty="0"/>
+              <a:rPr lang="cs-CZ" u="sng" dirty="0">
+                <a:solidFill>
+                  <a:schemeClr val="bg1"/>
+                </a:solidFill>
+              </a:rPr>
               <a:t> A3</a:t>
             </a:r>
           </a:p>
           <a:p>
             <a:r>
-              <a:rPr lang="cs-CZ" dirty="0"/>
+              <a:rPr lang="cs-CZ" dirty="0">
+                <a:solidFill>
+                  <a:schemeClr val="bg1"/>
+                </a:solidFill>
+              </a:rPr>
               <a:t>Obsahuje vše co plán A1</a:t>
             </a:r>
           </a:p>
           <a:p>
             <a:r>
-              <a:rPr lang="cs-CZ" dirty="0"/>
+              <a:rPr lang="cs-CZ" dirty="0">
+                <a:solidFill>
+                  <a:schemeClr val="bg1"/>
+                </a:solidFill>
+              </a:rPr>
               <a:t>Licence je registrovaná na uživatele – přístup odkudkoli</a:t>
             </a:r>
           </a:p>
           <a:p>
-            <a:r>
-              <a:rPr lang="cs-CZ" dirty="0"/>
-              <a:t>3) Microsoft 365 </a:t>
-            </a:r>
-            <a:r>
-              <a:rPr lang="cs-CZ" dirty="0" err="1"/>
+            <a:pPr marL="0" indent="0">
+              <a:buNone/>
+            </a:pPr>
+            <a:r>
+              <a:rPr lang="cs-CZ" dirty="0">
+                <a:solidFill>
+                  <a:schemeClr val="bg1"/>
+                </a:solidFill>
+              </a:rPr>
+              <a:t>3) </a:t>
+            </a:r>
+            <a:r>
+              <a:rPr lang="cs-CZ" u="sng" dirty="0">
+                <a:solidFill>
+                  <a:schemeClr val="bg1"/>
+                </a:solidFill>
+              </a:rPr>
+              <a:t>Microsoft 365 </a:t>
+            </a:r>
+            <a:r>
+              <a:rPr lang="cs-CZ" u="sng" dirty="0" err="1">
+                <a:solidFill>
+                  <a:schemeClr val="bg1"/>
+                </a:solidFill>
+              </a:rPr>
               <a:t>Education</a:t>
             </a:r>
             <a:r>
-              <a:rPr lang="cs-CZ" dirty="0"/>
+              <a:rPr lang="cs-CZ" u="sng" dirty="0">
+                <a:solidFill>
+                  <a:schemeClr val="bg1"/>
+                </a:solidFill>
+              </a:rPr>
               <a:t> A5</a:t>
             </a:r>
           </a:p>
           <a:p>
             <a:r>
-              <a:rPr lang="cs-CZ" dirty="0"/>
+              <a:rPr lang="cs-CZ" dirty="0">
+                <a:solidFill>
+                  <a:schemeClr val="bg1"/>
+                </a:solidFill>
+              </a:rPr>
               <a:t>Obsahuje vše  co plán A3</a:t>
             </a:r>
           </a:p>
           <a:p>
             <a:r>
-              <a:rPr lang="cs-CZ" dirty="0"/>
+              <a:rPr lang="cs-CZ" dirty="0">
+                <a:solidFill>
+                  <a:schemeClr val="bg1"/>
+                </a:solidFill>
+              </a:rPr>
               <a:t>Nabízí lepší zabezpečení pomocí služby Windows </a:t>
             </a:r>
             <a:r>
-              <a:rPr lang="cs-CZ" dirty="0" err="1"/>
+              <a:rPr lang="cs-CZ" dirty="0" err="1">
+                <a:solidFill>
+                  <a:schemeClr val="bg1"/>
+                </a:solidFill>
+              </a:rPr>
               <a:t>Defender</a:t>
             </a:r>
-            <a:endParaRPr lang="cs-CZ" dirty="0"/>
-          </a:p>
-          <a:p>
-            <a:endParaRPr lang="cs-CZ" dirty="0"/>
-          </a:p>
-          <a:p>
-            <a:endParaRPr lang="cs-CZ" dirty="0"/>
+            <a:endParaRPr lang="cs-CZ" dirty="0">
+              <a:solidFill>
+                <a:schemeClr val="bg1"/>
+              </a:solidFill>
+            </a:endParaRPr>
+          </a:p>
+          <a:p>
+            <a:endParaRPr lang="cs-CZ" dirty="0">
+              <a:solidFill>
+                <a:schemeClr val="bg1"/>
+              </a:solidFill>
+            </a:endParaRPr>
+          </a:p>
+          <a:p>
+            <a:endParaRPr lang="cs-CZ" dirty="0">
+              <a:solidFill>
+                <a:schemeClr val="bg1"/>
+              </a:solidFill>
+            </a:endParaRPr>
           </a:p>
         </p:txBody>
       </p:sp>
@@ -13391,6 +14606,18 @@
   <p:clrMapOvr>
     <a:masterClrMapping/>
   </p:clrMapOvr>
+  <mc:AlternateContent xmlns:mc="http://schemas.openxmlformats.org/markup-compatibility/2006" xmlns:p14="http://schemas.microsoft.com/office/powerpoint/2010/main">
+    <mc:Choice Requires="p14">
+      <p:transition spd="slow" p14:dur="800" advTm="20000">
+        <p14:flythrough/>
+      </p:transition>
+    </mc:Choice>
+    <mc:Fallback xmlns="">
+      <p:transition spd="slow" advTm="20000">
+        <p:fade/>
+      </p:transition>
+    </mc:Fallback>
+  </mc:AlternateContent>
 </p:sld>
 </file>
 
@@ -13429,7 +14656,7 @@
         </p:nvSpPr>
         <p:spPr>
           <a:xfrm>
-            <a:off x="684212" y="858253"/>
+            <a:off x="684212" y="592322"/>
             <a:ext cx="8534400" cy="1507067"/>
           </a:xfrm>
         </p:spPr>
@@ -13462,91 +14689,188 @@
         </p:nvSpPr>
         <p:spPr>
           <a:xfrm>
-            <a:off x="422955" y="2099389"/>
+            <a:off x="786850" y="2099389"/>
             <a:ext cx="8534400" cy="4269174"/>
           </a:xfrm>
         </p:spPr>
         <p:txBody>
           <a:bodyPr>
-            <a:normAutofit fontScale="92500" lnSpcReduction="20000"/>
+            <a:normAutofit lnSpcReduction="10000"/>
           </a:bodyPr>
           <a:lstStyle/>
           <a:p>
             <a:r>
-              <a:rPr lang="cs-CZ" dirty="0"/>
+              <a:rPr lang="cs-CZ" dirty="0">
+                <a:solidFill>
+                  <a:schemeClr val="bg1"/>
+                </a:solidFill>
+              </a:rPr>
               <a:t>Dělí se na 4 skupiny:</a:t>
             </a:r>
           </a:p>
           <a:p>
-            <a:r>
-              <a:rPr lang="cs-CZ" dirty="0"/>
-              <a:t>1)Microsoft 365 Business Basic</a:t>
-            </a:r>
-          </a:p>
-          <a:p>
-            <a:r>
-              <a:rPr lang="cs-CZ" dirty="0"/>
-              <a:t>- chat, volání až s 300 účastníky</a:t>
-            </a:r>
-          </a:p>
-          <a:p>
-            <a:r>
-              <a:rPr lang="cs-CZ" dirty="0"/>
-              <a:t>- pouze webové a mobilní verze Office</a:t>
-            </a:r>
-          </a:p>
-          <a:p>
-            <a:r>
-              <a:rPr lang="cs-CZ" dirty="0"/>
-              <a:t>2) Microsoft 365 Business Standard</a:t>
-            </a:r>
-          </a:p>
-          <a:p>
-            <a:r>
-              <a:rPr lang="cs-CZ" dirty="0"/>
-              <a:t>- desktopové verze Office s prémiovými funkcemi</a:t>
-            </a:r>
-          </a:p>
-          <a:p>
-            <a:r>
-              <a:rPr lang="cs-CZ" dirty="0"/>
-              <a:t>- snadné hostování webinářů</a:t>
-            </a:r>
-          </a:p>
-          <a:p>
-            <a:r>
-              <a:rPr lang="cs-CZ" dirty="0"/>
-              <a:t>3) Microsoft 365 Business Premium </a:t>
-            </a:r>
-          </a:p>
-          <a:p>
-            <a:r>
-              <a:rPr lang="cs-CZ" dirty="0"/>
-              <a:t>- pokročilé zabezpečení</a:t>
-            </a:r>
-          </a:p>
-          <a:p>
-            <a:endParaRPr lang="cs-CZ" dirty="0"/>
-          </a:p>
-          <a:p>
-            <a:r>
-              <a:rPr lang="cs-CZ" dirty="0"/>
-              <a:t>4) Microsoft 365 </a:t>
-            </a:r>
-            <a:r>
-              <a:rPr lang="cs-CZ" dirty="0" err="1"/>
+            <a:pPr marL="0" indent="0">
+              <a:buNone/>
+            </a:pPr>
+            <a:r>
+              <a:rPr lang="cs-CZ" dirty="0">
+                <a:solidFill>
+                  <a:schemeClr val="bg1"/>
+                </a:solidFill>
+              </a:rPr>
+              <a:t>1) </a:t>
+            </a:r>
+            <a:r>
+              <a:rPr lang="cs-CZ" u="sng" dirty="0">
+                <a:solidFill>
+                  <a:schemeClr val="bg1"/>
+                </a:solidFill>
+              </a:rPr>
+              <a:t>Microsoft 365 Business Basic</a:t>
+            </a:r>
+          </a:p>
+          <a:p>
+            <a:r>
+              <a:rPr lang="cs-CZ" dirty="0">
+                <a:solidFill>
+                  <a:schemeClr val="bg1"/>
+                </a:solidFill>
+              </a:rPr>
+              <a:t>chat, volání až s 300 účastníky</a:t>
+            </a:r>
+          </a:p>
+          <a:p>
+            <a:r>
+              <a:rPr lang="cs-CZ" dirty="0">
+                <a:solidFill>
+                  <a:schemeClr val="bg1"/>
+                </a:solidFill>
+              </a:rPr>
+              <a:t>pouze webové a mobilní verze Office</a:t>
+            </a:r>
+          </a:p>
+          <a:p>
+            <a:pPr marL="0" indent="0">
+              <a:buNone/>
+            </a:pPr>
+            <a:r>
+              <a:rPr lang="cs-CZ" dirty="0">
+                <a:solidFill>
+                  <a:schemeClr val="bg1"/>
+                </a:solidFill>
+              </a:rPr>
+              <a:t>2) </a:t>
+            </a:r>
+            <a:r>
+              <a:rPr lang="cs-CZ" u="sng" dirty="0">
+                <a:solidFill>
+                  <a:schemeClr val="bg1"/>
+                </a:solidFill>
+              </a:rPr>
+              <a:t>Microsoft 365 Business Standard</a:t>
+            </a:r>
+          </a:p>
+          <a:p>
+            <a:r>
+              <a:rPr lang="cs-CZ" dirty="0">
+                <a:solidFill>
+                  <a:schemeClr val="bg1"/>
+                </a:solidFill>
+              </a:rPr>
+              <a:t>desktopové verze Office s prémiovými funkcemi</a:t>
+            </a:r>
+          </a:p>
+          <a:p>
+            <a:r>
+              <a:rPr lang="cs-CZ" dirty="0">
+                <a:solidFill>
+                  <a:schemeClr val="bg1"/>
+                </a:solidFill>
+              </a:rPr>
+              <a:t>snadné hostování webinářů</a:t>
+            </a:r>
+          </a:p>
+          <a:p>
+            <a:pPr marL="0" indent="0">
+              <a:buNone/>
+            </a:pPr>
+            <a:r>
+              <a:rPr lang="cs-CZ" dirty="0">
+                <a:solidFill>
+                  <a:schemeClr val="bg1"/>
+                </a:solidFill>
+              </a:rPr>
+              <a:t>3) </a:t>
+            </a:r>
+            <a:r>
+              <a:rPr lang="cs-CZ" u="sng" dirty="0">
+                <a:solidFill>
+                  <a:schemeClr val="bg1"/>
+                </a:solidFill>
+              </a:rPr>
+              <a:t>Microsoft 365 Business Premium </a:t>
+            </a:r>
+          </a:p>
+          <a:p>
+            <a:r>
+              <a:rPr lang="cs-CZ" dirty="0">
+                <a:solidFill>
+                  <a:schemeClr val="bg1"/>
+                </a:solidFill>
+              </a:rPr>
+              <a:t>pokročilé zabezpečení</a:t>
+            </a:r>
+          </a:p>
+          <a:p>
+            <a:pPr marL="0" indent="0">
+              <a:buNone/>
+            </a:pPr>
+            <a:r>
+              <a:rPr lang="cs-CZ" dirty="0">
+                <a:solidFill>
+                  <a:schemeClr val="bg1"/>
+                </a:solidFill>
+              </a:rPr>
+              <a:t>4) </a:t>
+            </a:r>
+            <a:r>
+              <a:rPr lang="cs-CZ" u="sng" dirty="0">
+                <a:solidFill>
+                  <a:schemeClr val="bg1"/>
+                </a:solidFill>
+              </a:rPr>
+              <a:t>Microsoft 365 </a:t>
+            </a:r>
+            <a:r>
+              <a:rPr lang="cs-CZ" u="sng" dirty="0" err="1">
+                <a:solidFill>
+                  <a:schemeClr val="bg1"/>
+                </a:solidFill>
+              </a:rPr>
               <a:t>Apps</a:t>
             </a:r>
             <a:r>
-              <a:rPr lang="cs-CZ" dirty="0"/>
+              <a:rPr lang="cs-CZ" u="sng" dirty="0">
+                <a:solidFill>
+                  <a:schemeClr val="bg1"/>
+                </a:solidFill>
+              </a:rPr>
               <a:t> </a:t>
             </a:r>
             <a:r>
-              <a:rPr lang="cs-CZ" dirty="0" err="1"/>
+              <a:rPr lang="cs-CZ" u="sng" dirty="0" err="1">
+                <a:solidFill>
+                  <a:schemeClr val="bg1"/>
+                </a:solidFill>
+              </a:rPr>
               <a:t>for</a:t>
             </a:r>
             <a:r>
-              <a:rPr lang="cs-CZ" dirty="0"/>
+              <a:rPr lang="cs-CZ" u="sng" dirty="0">
+                <a:solidFill>
+                  <a:schemeClr val="bg1"/>
+                </a:solidFill>
+              </a:rPr>
               <a:t> Business</a:t>
             </a:r>
           </a:p>
@@ -13562,6 +14886,18 @@
   <p:clrMapOvr>
     <a:masterClrMapping/>
   </p:clrMapOvr>
+  <mc:AlternateContent xmlns:mc="http://schemas.openxmlformats.org/markup-compatibility/2006" xmlns:p14="http://schemas.microsoft.com/office/powerpoint/2010/main">
+    <mc:Choice Requires="p14">
+      <p:transition spd="slow" p14:dur="800" advTm="15000">
+        <p14:flythrough/>
+      </p:transition>
+    </mc:Choice>
+    <mc:Fallback xmlns="">
+      <p:transition spd="slow" advTm="15000">
+        <p:fade/>
+      </p:transition>
+    </mc:Fallback>
+  </mc:AlternateContent>
 </p:sld>
 </file>
 
@@ -13600,7 +14936,7 @@
         </p:nvSpPr>
         <p:spPr>
           <a:xfrm>
-            <a:off x="684212" y="447177"/>
+            <a:off x="684212" y="223242"/>
             <a:ext cx="8534400" cy="1507067"/>
           </a:xfrm>
         </p:spPr>
@@ -13639,75 +14975,131 @@
         </p:spPr>
         <p:txBody>
           <a:bodyPr>
-            <a:normAutofit fontScale="92500" lnSpcReduction="10000"/>
+            <a:noAutofit/>
           </a:bodyPr>
           <a:lstStyle/>
           <a:p>
             <a:r>
-              <a:rPr lang="cs-CZ" dirty="0"/>
+              <a:rPr lang="cs-CZ" dirty="0">
+                <a:solidFill>
+                  <a:schemeClr val="bg1"/>
+                </a:solidFill>
+              </a:rPr>
               <a:t>Slouží k propojení všech zaměstnanců v podniku</a:t>
             </a:r>
           </a:p>
           <a:p>
             <a:r>
-              <a:rPr lang="cs-CZ" dirty="0"/>
+              <a:rPr lang="cs-CZ" dirty="0">
+                <a:solidFill>
+                  <a:schemeClr val="bg1"/>
+                </a:solidFill>
+              </a:rPr>
               <a:t>Microsoft 365 E3</a:t>
             </a:r>
           </a:p>
           <a:p>
             <a:r>
-              <a:rPr lang="cs-CZ" dirty="0"/>
+              <a:rPr lang="cs-CZ" dirty="0">
+                <a:solidFill>
+                  <a:schemeClr val="bg1"/>
+                </a:solidFill>
+              </a:rPr>
               <a:t>Microsoft 365 E5</a:t>
             </a:r>
           </a:p>
           <a:p>
             <a:r>
-              <a:rPr lang="cs-CZ" dirty="0"/>
+              <a:rPr lang="cs-CZ" dirty="0">
+                <a:solidFill>
+                  <a:schemeClr val="bg1"/>
+                </a:solidFill>
+              </a:rPr>
               <a:t>Microsoft 365 F3</a:t>
             </a:r>
           </a:p>
           <a:p>
             <a:r>
-              <a:rPr lang="cs-CZ" dirty="0"/>
+              <a:rPr lang="cs-CZ" dirty="0">
+                <a:solidFill>
+                  <a:schemeClr val="bg1"/>
+                </a:solidFill>
+              </a:rPr>
               <a:t>Office 365 E1</a:t>
             </a:r>
           </a:p>
           <a:p>
             <a:r>
-              <a:rPr lang="cs-CZ" dirty="0"/>
+              <a:rPr lang="cs-CZ" dirty="0">
+                <a:solidFill>
+                  <a:schemeClr val="bg1"/>
+                </a:solidFill>
+              </a:rPr>
               <a:t>Office 365 E3</a:t>
             </a:r>
           </a:p>
           <a:p>
             <a:r>
-              <a:rPr lang="cs-CZ" dirty="0"/>
+              <a:rPr lang="cs-CZ" dirty="0">
+                <a:solidFill>
+                  <a:schemeClr val="bg1"/>
+                </a:solidFill>
+              </a:rPr>
               <a:t>Office 365 E5</a:t>
             </a:r>
           </a:p>
           <a:p>
             <a:r>
-              <a:rPr lang="cs-CZ" dirty="0"/>
+              <a:rPr lang="cs-CZ" dirty="0">
+                <a:solidFill>
+                  <a:schemeClr val="bg1"/>
+                </a:solidFill>
+              </a:rPr>
               <a:t>Microsoft 365 </a:t>
             </a:r>
             <a:r>
-              <a:rPr lang="cs-CZ" dirty="0" err="1"/>
+              <a:rPr lang="cs-CZ" dirty="0" err="1">
+                <a:solidFill>
+                  <a:schemeClr val="bg1"/>
+                </a:solidFill>
+              </a:rPr>
               <a:t>Apps</a:t>
             </a:r>
-            <a:endParaRPr lang="cs-CZ" dirty="0"/>
-          </a:p>
-          <a:p>
-            <a:endParaRPr lang="cs-CZ" dirty="0"/>
-          </a:p>
-          <a:p>
-            <a:r>
-              <a:rPr lang="cs-CZ" dirty="0"/>
+            <a:endParaRPr lang="cs-CZ" dirty="0">
+              <a:solidFill>
+                <a:schemeClr val="bg1"/>
+              </a:solidFill>
+            </a:endParaRPr>
+          </a:p>
+          <a:p>
+            <a:endParaRPr lang="cs-CZ" dirty="0">
+              <a:solidFill>
+                <a:schemeClr val="bg1"/>
+              </a:solidFill>
+            </a:endParaRPr>
+          </a:p>
+          <a:p>
+            <a:r>
+              <a:rPr lang="cs-CZ" dirty="0">
+                <a:solidFill>
+                  <a:schemeClr val="bg1"/>
+                </a:solidFill>
+              </a:rPr>
               <a:t>Rozdíl mezi Office plány a Microsoft plány je, že Office plány </a:t>
             </a:r>
             <a:br>
-              <a:rPr lang="cs-CZ" dirty="0"/>
+              <a:rPr lang="cs-CZ" dirty="0">
+                <a:solidFill>
+                  <a:schemeClr val="bg1"/>
+                </a:solidFill>
+              </a:rPr>
             </a:br>
             <a:r>
-              <a:rPr lang="cs-CZ" dirty="0"/>
+              <a:rPr lang="cs-CZ" dirty="0">
+                <a:solidFill>
+                  <a:schemeClr val="bg1"/>
+                </a:solidFill>
+              </a:rPr>
               <a:t>neposkytují desktopové aplikace (pouze Office pro web)</a:t>
             </a:r>
           </a:p>
@@ -13723,6 +15115,18 @@
   <p:clrMapOvr>
     <a:masterClrMapping/>
   </p:clrMapOvr>
+  <mc:AlternateContent xmlns:mc="http://schemas.openxmlformats.org/markup-compatibility/2006" xmlns:p14="http://schemas.microsoft.com/office/powerpoint/2010/main">
+    <mc:Choice Requires="p14">
+      <p:transition spd="slow" p14:dur="800" advTm="15000">
+        <p14:flythrough/>
+      </p:transition>
+    </mc:Choice>
+    <mc:Fallback xmlns="">
+      <p:transition spd="slow" advTm="15000">
+        <p:fade/>
+      </p:transition>
+    </mc:Fallback>
+  </mc:AlternateContent>
 </p:sld>
 </file>
 

--- a/Machacek.pptx
+++ b/Machacek.pptx
@@ -11241,7 +11241,22 @@
                   <a:schemeClr val="bg1"/>
                 </a:solidFill>
               </a:rPr>
-              <a:t>- Microsoft 365 je soubor cloudových služeb od firmy Microsoft, který funguje na bázi předplatného a obsahuje online software kancelářských služeb.</a:t>
+              <a:t>- Microsoft 365 je soubor cloudových služeb </a:t>
+            </a:r>
+            <a:br>
+              <a:rPr lang="cs-CZ" sz="3600" dirty="0">
+                <a:solidFill>
+                  <a:schemeClr val="bg1"/>
+                </a:solidFill>
+              </a:rPr>
+            </a:br>
+            <a:r>
+              <a:rPr lang="cs-CZ" sz="3600" dirty="0">
+                <a:solidFill>
+                  <a:schemeClr val="bg1"/>
+                </a:solidFill>
+              </a:rPr>
+              <a:t>od firmy Microsoft, který funguje na bázi předplatného a obsahuje online software kancelářských služeb.</a:t>
             </a:r>
           </a:p>
           <a:p>
@@ -14392,7 +14407,7 @@
                   <a:schemeClr val="bg1"/>
                 </a:solidFill>
               </a:rPr>
-              <a:t>obsahuje základní funkce jako jsou Word, Excel, Powerpoint, Teams a další.</a:t>
+              <a:t>Obsahuje základní funkce jako jsou Word, Excel, Powerpoint, Teams a další.</a:t>
             </a:r>
           </a:p>
           <a:p>
